--- a/Bomberman - Présentation.pptx
+++ b/Bomberman - Présentation.pptx
@@ -376,7 +376,7 @@
           <a:p>
             <a:fld id="{AD3F4CB0-C241-4AEC-8249-FEACF728C1A2}" type="slidenum">
               <a:rPr lang="fr-FR" smtClean="0"/>
-              <a:t>‹N°›</a:t>
+              <a:t>‹#›</a:t>
             </a:fld>
             <a:endParaRPr lang="fr-FR"/>
           </a:p>
@@ -577,7 +577,7 @@
           <a:p>
             <a:fld id="{AD3F4CB0-C241-4AEC-8249-FEACF728C1A2}" type="slidenum">
               <a:rPr lang="fr-FR" smtClean="0"/>
-              <a:t>‹N°›</a:t>
+              <a:t>‹#›</a:t>
             </a:fld>
             <a:endParaRPr lang="fr-FR"/>
           </a:p>
@@ -765,7 +765,7 @@
           <a:p>
             <a:fld id="{AD3F4CB0-C241-4AEC-8249-FEACF728C1A2}" type="slidenum">
               <a:rPr lang="fr-FR" smtClean="0"/>
-              <a:t>‹N°›</a:t>
+              <a:t>‹#›</a:t>
             </a:fld>
             <a:endParaRPr lang="fr-FR"/>
           </a:p>
@@ -994,7 +994,7 @@
           <a:p>
             <a:fld id="{AD3F4CB0-C241-4AEC-8249-FEACF728C1A2}" type="slidenum">
               <a:rPr lang="fr-FR" smtClean="0"/>
-              <a:t>‹N°›</a:t>
+              <a:t>‹#›</a:t>
             </a:fld>
             <a:endParaRPr lang="fr-FR"/>
           </a:p>
@@ -1268,7 +1268,7 @@
           <a:p>
             <a:fld id="{AD3F4CB0-C241-4AEC-8249-FEACF728C1A2}" type="slidenum">
               <a:rPr lang="fr-FR" smtClean="0"/>
-              <a:t>‹N°›</a:t>
+              <a:t>‹#›</a:t>
             </a:fld>
             <a:endParaRPr lang="fr-FR"/>
           </a:p>
@@ -1568,7 +1568,7 @@
           <a:p>
             <a:fld id="{AD3F4CB0-C241-4AEC-8249-FEACF728C1A2}" type="slidenum">
               <a:rPr lang="fr-FR" smtClean="0"/>
-              <a:t>‹N°›</a:t>
+              <a:t>‹#›</a:t>
             </a:fld>
             <a:endParaRPr lang="fr-FR"/>
           </a:p>
@@ -2122,7 +2122,7 @@
           <a:p>
             <a:fld id="{AD3F4CB0-C241-4AEC-8249-FEACF728C1A2}" type="slidenum">
               <a:rPr lang="fr-FR" smtClean="0"/>
-              <a:t>‹N°›</a:t>
+              <a:t>‹#›</a:t>
             </a:fld>
             <a:endParaRPr lang="fr-FR"/>
           </a:p>
@@ -2248,7 +2248,7 @@
           <a:p>
             <a:fld id="{AD3F4CB0-C241-4AEC-8249-FEACF728C1A2}" type="slidenum">
               <a:rPr lang="fr-FR" smtClean="0"/>
-              <a:t>‹N°›</a:t>
+              <a:t>‹#›</a:t>
             </a:fld>
             <a:endParaRPr lang="fr-FR"/>
           </a:p>
@@ -2398,7 +2398,7 @@
           <a:p>
             <a:fld id="{AD3F4CB0-C241-4AEC-8249-FEACF728C1A2}" type="slidenum">
               <a:rPr lang="fr-FR" smtClean="0"/>
-              <a:t>‹N°›</a:t>
+              <a:t>‹#›</a:t>
             </a:fld>
             <a:endParaRPr lang="fr-FR"/>
           </a:p>
@@ -2712,7 +2712,7 @@
           <a:p>
             <a:fld id="{AD3F4CB0-C241-4AEC-8249-FEACF728C1A2}" type="slidenum">
               <a:rPr lang="fr-FR" smtClean="0"/>
-              <a:t>‹N°›</a:t>
+              <a:t>‹#›</a:t>
             </a:fld>
             <a:endParaRPr lang="fr-FR"/>
           </a:p>
@@ -3009,7 +3009,7 @@
           <a:p>
             <a:fld id="{AD3F4CB0-C241-4AEC-8249-FEACF728C1A2}" type="slidenum">
               <a:rPr lang="fr-FR" smtClean="0"/>
-              <a:t>‹N°›</a:t>
+              <a:t>‹#›</a:t>
             </a:fld>
             <a:endParaRPr lang="fr-FR"/>
           </a:p>
@@ -3258,7 +3258,7 @@
           <a:p>
             <a:fld id="{AD3F4CB0-C241-4AEC-8249-FEACF728C1A2}" type="slidenum">
               <a:rPr lang="fr-FR" smtClean="0"/>
-              <a:t>‹N°›</a:t>
+              <a:t>‹#›</a:t>
             </a:fld>
             <a:endParaRPr lang="fr-FR"/>
           </a:p>
@@ -4113,7 +4113,7 @@
           <a:bodyPr/>
           <a:lstStyle/>
           <a:p>
-            <a:endParaRPr lang="fr-FR"/>
+            <a:endParaRPr lang="fr-FR" dirty="0"/>
           </a:p>
         </p:txBody>
       </p:sp>
@@ -4192,7 +4192,51 @@
           <a:bodyPr/>
           <a:lstStyle/>
           <a:p>
-            <a:endParaRPr lang="fr-FR"/>
+            <a:r>
+              <a:rPr lang="fr-FR" dirty="0" smtClean="0"/>
+              <a:t>Responsable de la gestion des objets:</a:t>
+            </a:r>
+          </a:p>
+          <a:p>
+            <a:pPr lvl="1"/>
+            <a:r>
+              <a:rPr lang="fr-FR" dirty="0" smtClean="0"/>
+              <a:t>Architecture</a:t>
+            </a:r>
+          </a:p>
+          <a:p>
+            <a:pPr lvl="1"/>
+            <a:r>
+              <a:rPr lang="fr-FR" dirty="0" smtClean="0"/>
+              <a:t>Implémentation</a:t>
+            </a:r>
+            <a:endParaRPr lang="fr-FR" dirty="0"/>
+          </a:p>
+          <a:p>
+            <a:pPr lvl="1"/>
+            <a:endParaRPr lang="fr-FR" dirty="0" smtClean="0"/>
+          </a:p>
+          <a:p>
+            <a:r>
+              <a:rPr lang="fr-FR" dirty="0" smtClean="0"/>
+              <a:t>Responsable du rendu visuel:</a:t>
+            </a:r>
+          </a:p>
+          <a:p>
+            <a:pPr lvl="1"/>
+            <a:r>
+              <a:rPr lang="fr-FR" dirty="0" smtClean="0"/>
+              <a:t>Chargement des modèles</a:t>
+            </a:r>
+            <a:endParaRPr lang="fr-FR" dirty="0" smtClean="0"/>
+          </a:p>
+          <a:p>
+            <a:pPr lvl="1"/>
+            <a:r>
+              <a:rPr lang="fr-FR" dirty="0" smtClean="0"/>
+              <a:t>Gestion des animations</a:t>
+            </a:r>
+            <a:endParaRPr lang="fr-FR" dirty="0" smtClean="0"/>
           </a:p>
         </p:txBody>
       </p:sp>

--- a/Bomberman - Présentation.pptx
+++ b/Bomberman - Présentation.pptx
@@ -24,11 +24,12 @@
     <p:sldId id="277" r:id="rId18"/>
     <p:sldId id="267" r:id="rId19"/>
     <p:sldId id="278" r:id="rId20"/>
-    <p:sldId id="268" r:id="rId21"/>
-    <p:sldId id="279" r:id="rId22"/>
-    <p:sldId id="270" r:id="rId23"/>
-    <p:sldId id="271" r:id="rId24"/>
-    <p:sldId id="269" r:id="rId25"/>
+    <p:sldId id="280" r:id="rId21"/>
+    <p:sldId id="268" r:id="rId22"/>
+    <p:sldId id="279" r:id="rId23"/>
+    <p:sldId id="270" r:id="rId24"/>
+    <p:sldId id="271" r:id="rId25"/>
+    <p:sldId id="269" r:id="rId26"/>
   </p:sldIdLst>
   <p:sldSz cx="9144000" cy="6858000" type="screen4x3"/>
   <p:notesSz cx="6858000" cy="9144000"/>
@@ -5739,23 +5740,1335 @@
           <a:p>
             <a:r>
               <a:rPr lang="fr-FR" dirty="0" smtClean="0"/>
-              <a:t>Problèmes et solutions</a:t>
-            </a:r>
-            <a:br>
-              <a:rPr lang="fr-FR" dirty="0" smtClean="0"/>
-            </a:br>
-            <a:r>
-              <a:rPr lang="fr-FR" sz="1400" dirty="0" smtClean="0"/>
-              <a:t>« Des problèmes et encore des problèmes… »</a:t>
+              <a:t>API </a:t>
+            </a:r>
+            <a:r>
+              <a:rPr lang="fr-FR" dirty="0" err="1" smtClean="0"/>
+              <a:t>Lua</a:t>
             </a:r>
             <a:endParaRPr lang="fr-FR" dirty="0"/>
           </a:p>
         </p:txBody>
       </p:sp>
+      <p:sp>
+        <p:nvSpPr>
+          <p:cNvPr id="3" name="Rectangle 2"/>
+          <p:cNvSpPr/>
+          <p:nvPr/>
+        </p:nvSpPr>
+        <p:spPr>
+          <a:xfrm>
+            <a:off x="3595562" y="1834969"/>
+            <a:ext cx="1805136" cy="457200"/>
+          </a:xfrm>
+          <a:prstGeom prst="rect">
+            <a:avLst/>
+          </a:prstGeom>
+        </p:spPr>
+        <p:style>
+          <a:lnRef idx="2">
+            <a:schemeClr val="accent1">
+              <a:shade val="50000"/>
+            </a:schemeClr>
+          </a:lnRef>
+          <a:fillRef idx="1">
+            <a:schemeClr val="accent1"/>
+          </a:fillRef>
+          <a:effectRef idx="0">
+            <a:schemeClr val="accent1"/>
+          </a:effectRef>
+          <a:fontRef idx="minor">
+            <a:schemeClr val="lt1"/>
+          </a:fontRef>
+        </p:style>
+        <p:txBody>
+          <a:bodyPr rtlCol="0" anchor="ctr"/>
+          <a:lstStyle/>
+          <a:p>
+            <a:pPr algn="ctr"/>
+            <a:r>
+              <a:rPr lang="fr-FR" dirty="0" err="1" smtClean="0"/>
+              <a:t>AObject</a:t>
+            </a:r>
+            <a:endParaRPr lang="fr-FR" dirty="0"/>
+          </a:p>
+        </p:txBody>
+      </p:sp>
+      <p:sp>
+        <p:nvSpPr>
+          <p:cNvPr id="9" name="Rectangle 8"/>
+          <p:cNvSpPr/>
+          <p:nvPr/>
+        </p:nvSpPr>
+        <p:spPr>
+          <a:xfrm>
+            <a:off x="3595562" y="2536018"/>
+            <a:ext cx="1805136" cy="457200"/>
+          </a:xfrm>
+          <a:prstGeom prst="rect">
+            <a:avLst/>
+          </a:prstGeom>
+        </p:spPr>
+        <p:style>
+          <a:lnRef idx="2">
+            <a:schemeClr val="accent1">
+              <a:shade val="50000"/>
+            </a:schemeClr>
+          </a:lnRef>
+          <a:fillRef idx="1">
+            <a:schemeClr val="accent1"/>
+          </a:fillRef>
+          <a:effectRef idx="0">
+            <a:schemeClr val="accent1"/>
+          </a:effectRef>
+          <a:fontRef idx="minor">
+            <a:schemeClr val="lt1"/>
+          </a:fontRef>
+        </p:style>
+        <p:txBody>
+          <a:bodyPr rtlCol="0" anchor="ctr"/>
+          <a:lstStyle/>
+          <a:p>
+            <a:pPr algn="ctr"/>
+            <a:r>
+              <a:rPr lang="fr-FR" dirty="0" err="1" smtClean="0"/>
+              <a:t>AGameObject</a:t>
+            </a:r>
+            <a:endParaRPr lang="fr-FR" dirty="0"/>
+          </a:p>
+        </p:txBody>
+      </p:sp>
+      <p:cxnSp>
+        <p:nvCxnSpPr>
+          <p:cNvPr id="20" name="Connecteur droit avec flèche 19"/>
+          <p:cNvCxnSpPr>
+            <a:stCxn id="9" idx="0"/>
+            <a:endCxn id="3" idx="2"/>
+          </p:cNvCxnSpPr>
+          <p:nvPr/>
+        </p:nvCxnSpPr>
+        <p:spPr>
+          <a:xfrm flipV="1">
+            <a:off x="4498130" y="2292169"/>
+            <a:ext cx="0" cy="243849"/>
+          </a:xfrm>
+          <a:prstGeom prst="straightConnector1">
+            <a:avLst/>
+          </a:prstGeom>
+          <a:ln w="22225">
+            <a:solidFill>
+              <a:schemeClr val="accent1">
+                <a:lumMod val="75000"/>
+              </a:schemeClr>
+            </a:solidFill>
+            <a:tailEnd type="arrow"/>
+          </a:ln>
+        </p:spPr>
+        <p:style>
+          <a:lnRef idx="1">
+            <a:schemeClr val="accent1"/>
+          </a:lnRef>
+          <a:fillRef idx="0">
+            <a:schemeClr val="accent1"/>
+          </a:fillRef>
+          <a:effectRef idx="0">
+            <a:schemeClr val="accent1"/>
+          </a:effectRef>
+          <a:fontRef idx="minor">
+            <a:schemeClr val="tx1"/>
+          </a:fontRef>
+        </p:style>
+      </p:cxnSp>
+      <p:sp>
+        <p:nvSpPr>
+          <p:cNvPr id="29" name="Rectangle 28"/>
+          <p:cNvSpPr/>
+          <p:nvPr/>
+        </p:nvSpPr>
+        <p:spPr>
+          <a:xfrm>
+            <a:off x="2339752" y="3429000"/>
+            <a:ext cx="1805136" cy="457200"/>
+          </a:xfrm>
+          <a:prstGeom prst="rect">
+            <a:avLst/>
+          </a:prstGeom>
+        </p:spPr>
+        <p:style>
+          <a:lnRef idx="2">
+            <a:schemeClr val="accent1">
+              <a:shade val="50000"/>
+            </a:schemeClr>
+          </a:lnRef>
+          <a:fillRef idx="1">
+            <a:schemeClr val="accent1"/>
+          </a:fillRef>
+          <a:effectRef idx="0">
+            <a:schemeClr val="accent1"/>
+          </a:effectRef>
+          <a:fontRef idx="minor">
+            <a:schemeClr val="lt1"/>
+          </a:fontRef>
+        </p:style>
+        <p:txBody>
+          <a:bodyPr rtlCol="0" anchor="ctr"/>
+          <a:lstStyle/>
+          <a:p>
+            <a:pPr algn="ctr"/>
+            <a:r>
+              <a:rPr lang="fr-FR" dirty="0" err="1" smtClean="0"/>
+              <a:t>AGeometry</a:t>
+            </a:r>
+            <a:endParaRPr lang="fr-FR" dirty="0"/>
+          </a:p>
+        </p:txBody>
+      </p:sp>
+      <p:cxnSp>
+        <p:nvCxnSpPr>
+          <p:cNvPr id="30" name="Connecteur droit avec flèche 19"/>
+          <p:cNvCxnSpPr>
+            <a:stCxn id="29" idx="0"/>
+            <a:endCxn id="9" idx="2"/>
+          </p:cNvCxnSpPr>
+          <p:nvPr/>
+        </p:nvCxnSpPr>
+        <p:spPr>
+          <a:xfrm flipV="1">
+            <a:off x="3242320" y="2993218"/>
+            <a:ext cx="1255810" cy="435782"/>
+          </a:xfrm>
+          <a:prstGeom prst="straightConnector1">
+            <a:avLst/>
+          </a:prstGeom>
+          <a:ln w="22225">
+            <a:solidFill>
+              <a:schemeClr val="accent1">
+                <a:lumMod val="75000"/>
+              </a:schemeClr>
+            </a:solidFill>
+            <a:tailEnd type="arrow"/>
+          </a:ln>
+        </p:spPr>
+        <p:style>
+          <a:lnRef idx="1">
+            <a:schemeClr val="accent1"/>
+          </a:lnRef>
+          <a:fillRef idx="0">
+            <a:schemeClr val="accent1"/>
+          </a:fillRef>
+          <a:effectRef idx="0">
+            <a:schemeClr val="accent1"/>
+          </a:effectRef>
+          <a:fontRef idx="minor">
+            <a:schemeClr val="tx1"/>
+          </a:fontRef>
+        </p:style>
+      </p:cxnSp>
+      <p:sp>
+        <p:nvSpPr>
+          <p:cNvPr id="32" name="Rectangle 31"/>
+          <p:cNvSpPr/>
+          <p:nvPr/>
+        </p:nvSpPr>
+        <p:spPr>
+          <a:xfrm>
+            <a:off x="5051975" y="3429000"/>
+            <a:ext cx="1805136" cy="457200"/>
+          </a:xfrm>
+          <a:prstGeom prst="rect">
+            <a:avLst/>
+          </a:prstGeom>
+        </p:spPr>
+        <p:style>
+          <a:lnRef idx="2">
+            <a:schemeClr val="accent1">
+              <a:shade val="50000"/>
+            </a:schemeClr>
+          </a:lnRef>
+          <a:fillRef idx="1">
+            <a:schemeClr val="accent1"/>
+          </a:fillRef>
+          <a:effectRef idx="0">
+            <a:schemeClr val="accent1"/>
+          </a:effectRef>
+          <a:fontRef idx="minor">
+            <a:schemeClr val="lt1"/>
+          </a:fontRef>
+        </p:style>
+        <p:txBody>
+          <a:bodyPr rtlCol="0" anchor="ctr"/>
+          <a:lstStyle/>
+          <a:p>
+            <a:pPr algn="ctr"/>
+            <a:r>
+              <a:rPr lang="fr-FR" dirty="0" err="1" smtClean="0"/>
+              <a:t>AModel</a:t>
+            </a:r>
+            <a:endParaRPr lang="fr-FR" dirty="0"/>
+          </a:p>
+        </p:txBody>
+      </p:sp>
+      <p:cxnSp>
+        <p:nvCxnSpPr>
+          <p:cNvPr id="33" name="Connecteur droit avec flèche 19"/>
+          <p:cNvCxnSpPr>
+            <a:stCxn id="32" idx="0"/>
+            <a:endCxn id="9" idx="2"/>
+          </p:cNvCxnSpPr>
+          <p:nvPr/>
+        </p:nvCxnSpPr>
+        <p:spPr>
+          <a:xfrm flipH="1" flipV="1">
+            <a:off x="4498130" y="2993218"/>
+            <a:ext cx="1456413" cy="435782"/>
+          </a:xfrm>
+          <a:prstGeom prst="straightConnector1">
+            <a:avLst/>
+          </a:prstGeom>
+          <a:ln w="22225">
+            <a:solidFill>
+              <a:schemeClr val="accent1">
+                <a:lumMod val="75000"/>
+              </a:schemeClr>
+            </a:solidFill>
+            <a:tailEnd type="arrow"/>
+          </a:ln>
+        </p:spPr>
+        <p:style>
+          <a:lnRef idx="1">
+            <a:schemeClr val="accent1"/>
+          </a:lnRef>
+          <a:fillRef idx="0">
+            <a:schemeClr val="accent1"/>
+          </a:fillRef>
+          <a:effectRef idx="0">
+            <a:schemeClr val="accent1"/>
+          </a:effectRef>
+          <a:fontRef idx="minor">
+            <a:schemeClr val="tx1"/>
+          </a:fontRef>
+        </p:style>
+      </p:cxnSp>
+      <p:sp>
+        <p:nvSpPr>
+          <p:cNvPr id="51" name="Rectangle 50"/>
+          <p:cNvSpPr/>
+          <p:nvPr/>
+        </p:nvSpPr>
+        <p:spPr>
+          <a:xfrm>
+            <a:off x="1176249" y="4653136"/>
+            <a:ext cx="1805136" cy="457200"/>
+          </a:xfrm>
+          <a:prstGeom prst="rect">
+            <a:avLst/>
+          </a:prstGeom>
+        </p:spPr>
+        <p:style>
+          <a:lnRef idx="2">
+            <a:schemeClr val="accent1">
+              <a:shade val="50000"/>
+            </a:schemeClr>
+          </a:lnRef>
+          <a:fillRef idx="1">
+            <a:schemeClr val="accent1"/>
+          </a:fillRef>
+          <a:effectRef idx="0">
+            <a:schemeClr val="accent1"/>
+          </a:effectRef>
+          <a:fontRef idx="minor">
+            <a:schemeClr val="lt1"/>
+          </a:fontRef>
+        </p:style>
+        <p:txBody>
+          <a:bodyPr rtlCol="0" anchor="ctr"/>
+          <a:lstStyle/>
+          <a:p>
+            <a:pPr algn="ctr"/>
+            <a:r>
+              <a:rPr lang="fr-FR" dirty="0" smtClean="0"/>
+              <a:t>Cube</a:t>
+            </a:r>
+            <a:endParaRPr lang="fr-FR" dirty="0"/>
+          </a:p>
+        </p:txBody>
+      </p:sp>
+      <p:cxnSp>
+        <p:nvCxnSpPr>
+          <p:cNvPr id="52" name="Connecteur droit avec flèche 19"/>
+          <p:cNvCxnSpPr>
+            <a:stCxn id="51" idx="0"/>
+            <a:endCxn id="29" idx="2"/>
+          </p:cNvCxnSpPr>
+          <p:nvPr/>
+        </p:nvCxnSpPr>
+        <p:spPr>
+          <a:xfrm flipV="1">
+            <a:off x="2078817" y="3886200"/>
+            <a:ext cx="1163503" cy="766936"/>
+          </a:xfrm>
+          <a:prstGeom prst="straightConnector1">
+            <a:avLst/>
+          </a:prstGeom>
+          <a:ln w="22225">
+            <a:solidFill>
+              <a:schemeClr val="accent1">
+                <a:lumMod val="75000"/>
+              </a:schemeClr>
+            </a:solidFill>
+            <a:tailEnd type="arrow"/>
+          </a:ln>
+        </p:spPr>
+        <p:style>
+          <a:lnRef idx="1">
+            <a:schemeClr val="accent1"/>
+          </a:lnRef>
+          <a:fillRef idx="0">
+            <a:schemeClr val="accent1"/>
+          </a:fillRef>
+          <a:effectRef idx="0">
+            <a:schemeClr val="accent1"/>
+          </a:effectRef>
+          <a:fontRef idx="minor">
+            <a:schemeClr val="tx1"/>
+          </a:fontRef>
+        </p:style>
+      </p:cxnSp>
+      <p:sp>
+        <p:nvSpPr>
+          <p:cNvPr id="88" name="Rectangle 87"/>
+          <p:cNvSpPr/>
+          <p:nvPr/>
+        </p:nvSpPr>
+        <p:spPr>
+          <a:xfrm>
+            <a:off x="6300192" y="4653136"/>
+            <a:ext cx="1805136" cy="457200"/>
+          </a:xfrm>
+          <a:prstGeom prst="rect">
+            <a:avLst/>
+          </a:prstGeom>
+        </p:spPr>
+        <p:style>
+          <a:lnRef idx="2">
+            <a:schemeClr val="accent1">
+              <a:shade val="50000"/>
+            </a:schemeClr>
+          </a:lnRef>
+          <a:fillRef idx="1">
+            <a:schemeClr val="accent1"/>
+          </a:fillRef>
+          <a:effectRef idx="0">
+            <a:schemeClr val="accent1"/>
+          </a:effectRef>
+          <a:fontRef idx="minor">
+            <a:schemeClr val="lt1"/>
+          </a:fontRef>
+        </p:style>
+        <p:txBody>
+          <a:bodyPr rtlCol="0" anchor="ctr"/>
+          <a:lstStyle/>
+          <a:p>
+            <a:pPr algn="ctr"/>
+            <a:r>
+              <a:rPr lang="fr-FR" dirty="0" smtClean="0"/>
+              <a:t>Player</a:t>
+            </a:r>
+            <a:endParaRPr lang="fr-FR" dirty="0"/>
+          </a:p>
+        </p:txBody>
+      </p:sp>
+      <p:cxnSp>
+        <p:nvCxnSpPr>
+          <p:cNvPr id="89" name="Connecteur droit avec flèche 19"/>
+          <p:cNvCxnSpPr>
+            <a:stCxn id="88" idx="0"/>
+            <a:endCxn id="32" idx="2"/>
+          </p:cNvCxnSpPr>
+          <p:nvPr/>
+        </p:nvCxnSpPr>
+        <p:spPr>
+          <a:xfrm flipH="1" flipV="1">
+            <a:off x="5954543" y="3886200"/>
+            <a:ext cx="1248217" cy="766936"/>
+          </a:xfrm>
+          <a:prstGeom prst="straightConnector1">
+            <a:avLst/>
+          </a:prstGeom>
+          <a:ln w="22225">
+            <a:solidFill>
+              <a:schemeClr val="accent1">
+                <a:lumMod val="75000"/>
+              </a:schemeClr>
+            </a:solidFill>
+            <a:tailEnd type="arrow"/>
+          </a:ln>
+        </p:spPr>
+        <p:style>
+          <a:lnRef idx="1">
+            <a:schemeClr val="accent1"/>
+          </a:lnRef>
+          <a:fillRef idx="0">
+            <a:schemeClr val="accent1"/>
+          </a:fillRef>
+          <a:effectRef idx="0">
+            <a:schemeClr val="accent1"/>
+          </a:effectRef>
+          <a:fontRef idx="minor">
+            <a:schemeClr val="tx1"/>
+          </a:fontRef>
+        </p:style>
+      </p:cxnSp>
+      <p:sp>
+        <p:nvSpPr>
+          <p:cNvPr id="92" name="Rectangle 91"/>
+          <p:cNvSpPr/>
+          <p:nvPr/>
+        </p:nvSpPr>
+        <p:spPr>
+          <a:xfrm>
+            <a:off x="4048229" y="4653136"/>
+            <a:ext cx="1805136" cy="457200"/>
+          </a:xfrm>
+          <a:prstGeom prst="rect">
+            <a:avLst/>
+          </a:prstGeom>
+        </p:spPr>
+        <p:style>
+          <a:lnRef idx="2">
+            <a:schemeClr val="accent1">
+              <a:shade val="50000"/>
+            </a:schemeClr>
+          </a:lnRef>
+          <a:fillRef idx="1">
+            <a:schemeClr val="accent1"/>
+          </a:fillRef>
+          <a:effectRef idx="0">
+            <a:schemeClr val="accent1"/>
+          </a:effectRef>
+          <a:fontRef idx="minor">
+            <a:schemeClr val="lt1"/>
+          </a:fontRef>
+        </p:style>
+        <p:txBody>
+          <a:bodyPr rtlCol="0" anchor="ctr"/>
+          <a:lstStyle/>
+          <a:p>
+            <a:pPr algn="ctr"/>
+            <a:r>
+              <a:rPr lang="fr-FR" dirty="0" err="1" smtClean="0"/>
+              <a:t>Bomb</a:t>
+            </a:r>
+            <a:endParaRPr lang="fr-FR" dirty="0"/>
+          </a:p>
+        </p:txBody>
+      </p:sp>
+      <p:cxnSp>
+        <p:nvCxnSpPr>
+          <p:cNvPr id="93" name="Connecteur droit avec flèche 19"/>
+          <p:cNvCxnSpPr>
+            <a:stCxn id="92" idx="0"/>
+            <a:endCxn id="32" idx="2"/>
+          </p:cNvCxnSpPr>
+          <p:nvPr/>
+        </p:nvCxnSpPr>
+        <p:spPr>
+          <a:xfrm flipV="1">
+            <a:off x="4950797" y="3886200"/>
+            <a:ext cx="1003746" cy="766936"/>
+          </a:xfrm>
+          <a:prstGeom prst="straightConnector1">
+            <a:avLst/>
+          </a:prstGeom>
+          <a:ln w="22225">
+            <a:solidFill>
+              <a:schemeClr val="accent1">
+                <a:lumMod val="75000"/>
+              </a:schemeClr>
+            </a:solidFill>
+            <a:tailEnd type="arrow"/>
+          </a:ln>
+        </p:spPr>
+        <p:style>
+          <a:lnRef idx="1">
+            <a:schemeClr val="accent1"/>
+          </a:lnRef>
+          <a:fillRef idx="0">
+            <a:schemeClr val="accent1"/>
+          </a:fillRef>
+          <a:effectRef idx="0">
+            <a:schemeClr val="accent1"/>
+          </a:effectRef>
+          <a:fontRef idx="minor">
+            <a:schemeClr val="tx1"/>
+          </a:fontRef>
+        </p:style>
+      </p:cxnSp>
+      <p:sp>
+        <p:nvSpPr>
+          <p:cNvPr id="95" name="Rectangle 94"/>
+          <p:cNvSpPr/>
+          <p:nvPr/>
+        </p:nvSpPr>
+        <p:spPr>
+          <a:xfrm>
+            <a:off x="5765019" y="5838215"/>
+            <a:ext cx="1126036" cy="457200"/>
+          </a:xfrm>
+          <a:prstGeom prst="rect">
+            <a:avLst/>
+          </a:prstGeom>
+        </p:spPr>
+        <p:style>
+          <a:lnRef idx="2">
+            <a:schemeClr val="accent1">
+              <a:shade val="50000"/>
+            </a:schemeClr>
+          </a:lnRef>
+          <a:fillRef idx="1">
+            <a:schemeClr val="accent1"/>
+          </a:fillRef>
+          <a:effectRef idx="0">
+            <a:schemeClr val="accent1"/>
+          </a:effectRef>
+          <a:fontRef idx="minor">
+            <a:schemeClr val="lt1"/>
+          </a:fontRef>
+        </p:style>
+        <p:txBody>
+          <a:bodyPr rtlCol="0" anchor="ctr"/>
+          <a:lstStyle/>
+          <a:p>
+            <a:pPr algn="ctr"/>
+            <a:r>
+              <a:rPr lang="fr-FR" dirty="0" smtClean="0"/>
+              <a:t>Marvin</a:t>
+            </a:r>
+            <a:endParaRPr lang="fr-FR" dirty="0"/>
+          </a:p>
+        </p:txBody>
+      </p:sp>
+      <p:cxnSp>
+        <p:nvCxnSpPr>
+          <p:cNvPr id="96" name="Connecteur droit avec flèche 19"/>
+          <p:cNvCxnSpPr>
+            <a:stCxn id="95" idx="0"/>
+            <a:endCxn id="88" idx="2"/>
+          </p:cNvCxnSpPr>
+          <p:nvPr/>
+        </p:nvCxnSpPr>
+        <p:spPr>
+          <a:xfrm flipV="1">
+            <a:off x="6328037" y="5110336"/>
+            <a:ext cx="874723" cy="727879"/>
+          </a:xfrm>
+          <a:prstGeom prst="straightConnector1">
+            <a:avLst/>
+          </a:prstGeom>
+          <a:ln w="22225">
+            <a:solidFill>
+              <a:schemeClr val="accent1">
+                <a:lumMod val="75000"/>
+              </a:schemeClr>
+            </a:solidFill>
+            <a:tailEnd type="arrow"/>
+          </a:ln>
+        </p:spPr>
+        <p:style>
+          <a:lnRef idx="1">
+            <a:schemeClr val="accent1"/>
+          </a:lnRef>
+          <a:fillRef idx="0">
+            <a:schemeClr val="accent1"/>
+          </a:fillRef>
+          <a:effectRef idx="0">
+            <a:schemeClr val="accent1"/>
+          </a:effectRef>
+          <a:fontRef idx="minor">
+            <a:schemeClr val="tx1"/>
+          </a:fontRef>
+        </p:style>
+      </p:cxnSp>
+      <p:sp>
+        <p:nvSpPr>
+          <p:cNvPr id="98" name="Rectangle 97"/>
+          <p:cNvSpPr/>
+          <p:nvPr/>
+        </p:nvSpPr>
+        <p:spPr>
+          <a:xfrm>
+            <a:off x="7607461" y="5838215"/>
+            <a:ext cx="995734" cy="457200"/>
+          </a:xfrm>
+          <a:prstGeom prst="rect">
+            <a:avLst/>
+          </a:prstGeom>
+        </p:spPr>
+        <p:style>
+          <a:lnRef idx="2">
+            <a:schemeClr val="accent1">
+              <a:shade val="50000"/>
+            </a:schemeClr>
+          </a:lnRef>
+          <a:fillRef idx="1">
+            <a:schemeClr val="accent1"/>
+          </a:fillRef>
+          <a:effectRef idx="0">
+            <a:schemeClr val="accent1"/>
+          </a:effectRef>
+          <a:fontRef idx="minor">
+            <a:schemeClr val="lt1"/>
+          </a:fontRef>
+        </p:style>
+        <p:txBody>
+          <a:bodyPr rtlCol="0" anchor="ctr"/>
+          <a:lstStyle/>
+          <a:p>
+            <a:pPr algn="ctr"/>
+            <a:r>
+              <a:rPr lang="fr-FR" dirty="0" smtClean="0"/>
+              <a:t>IA</a:t>
+            </a:r>
+            <a:endParaRPr lang="fr-FR" dirty="0"/>
+          </a:p>
+        </p:txBody>
+      </p:sp>
+      <p:cxnSp>
+        <p:nvCxnSpPr>
+          <p:cNvPr id="99" name="Connecteur droit avec flèche 19"/>
+          <p:cNvCxnSpPr>
+            <a:stCxn id="98" idx="0"/>
+            <a:endCxn id="88" idx="2"/>
+          </p:cNvCxnSpPr>
+          <p:nvPr/>
+        </p:nvCxnSpPr>
+        <p:spPr>
+          <a:xfrm flipH="1" flipV="1">
+            <a:off x="7202760" y="5110336"/>
+            <a:ext cx="902568" cy="727879"/>
+          </a:xfrm>
+          <a:prstGeom prst="straightConnector1">
+            <a:avLst/>
+          </a:prstGeom>
+          <a:ln w="22225">
+            <a:solidFill>
+              <a:schemeClr val="accent1">
+                <a:lumMod val="75000"/>
+              </a:schemeClr>
+            </a:solidFill>
+            <a:tailEnd type="arrow"/>
+          </a:ln>
+        </p:spPr>
+        <p:style>
+          <a:lnRef idx="1">
+            <a:schemeClr val="accent1"/>
+          </a:lnRef>
+          <a:fillRef idx="0">
+            <a:schemeClr val="accent1"/>
+          </a:fillRef>
+          <a:effectRef idx="0">
+            <a:schemeClr val="accent1"/>
+          </a:effectRef>
+          <a:fontRef idx="minor">
+            <a:schemeClr val="tx1"/>
+          </a:fontRef>
+        </p:style>
+      </p:cxnSp>
+      <p:sp>
+        <p:nvSpPr>
+          <p:cNvPr id="148" name="Rectangle 147"/>
+          <p:cNvSpPr/>
+          <p:nvPr/>
+        </p:nvSpPr>
+        <p:spPr>
+          <a:xfrm>
+            <a:off x="671203" y="5844542"/>
+            <a:ext cx="711229" cy="457200"/>
+          </a:xfrm>
+          <a:prstGeom prst="rect">
+            <a:avLst/>
+          </a:prstGeom>
+        </p:spPr>
+        <p:style>
+          <a:lnRef idx="2">
+            <a:schemeClr val="accent1">
+              <a:shade val="50000"/>
+            </a:schemeClr>
+          </a:lnRef>
+          <a:fillRef idx="1">
+            <a:schemeClr val="accent1"/>
+          </a:fillRef>
+          <a:effectRef idx="0">
+            <a:schemeClr val="accent1"/>
+          </a:effectRef>
+          <a:fontRef idx="minor">
+            <a:schemeClr val="lt1"/>
+          </a:fontRef>
+        </p:style>
+        <p:txBody>
+          <a:bodyPr rtlCol="0" anchor="ctr"/>
+          <a:lstStyle/>
+          <a:p>
+            <a:pPr algn="ctr"/>
+            <a:r>
+              <a:rPr lang="fr-FR" dirty="0" smtClean="0"/>
+              <a:t>Wall</a:t>
+            </a:r>
+            <a:endParaRPr lang="fr-FR" dirty="0"/>
+          </a:p>
+        </p:txBody>
+      </p:sp>
+      <p:cxnSp>
+        <p:nvCxnSpPr>
+          <p:cNvPr id="149" name="Connecteur droit avec flèche 19"/>
+          <p:cNvCxnSpPr>
+            <a:stCxn id="148" idx="0"/>
+            <a:endCxn id="51" idx="2"/>
+          </p:cNvCxnSpPr>
+          <p:nvPr/>
+        </p:nvCxnSpPr>
+        <p:spPr>
+          <a:xfrm flipV="1">
+            <a:off x="1026818" y="5110336"/>
+            <a:ext cx="1051999" cy="734206"/>
+          </a:xfrm>
+          <a:prstGeom prst="straightConnector1">
+            <a:avLst/>
+          </a:prstGeom>
+          <a:ln w="22225">
+            <a:solidFill>
+              <a:schemeClr val="accent1">
+                <a:lumMod val="75000"/>
+              </a:schemeClr>
+            </a:solidFill>
+            <a:tailEnd type="arrow"/>
+          </a:ln>
+        </p:spPr>
+        <p:style>
+          <a:lnRef idx="1">
+            <a:schemeClr val="accent1"/>
+          </a:lnRef>
+          <a:fillRef idx="0">
+            <a:schemeClr val="accent1"/>
+          </a:fillRef>
+          <a:effectRef idx="0">
+            <a:schemeClr val="accent1"/>
+          </a:effectRef>
+          <a:fontRef idx="minor">
+            <a:schemeClr val="tx1"/>
+          </a:fontRef>
+        </p:style>
+      </p:cxnSp>
+      <p:sp>
+        <p:nvSpPr>
+          <p:cNvPr id="156" name="Rectangle 155"/>
+          <p:cNvSpPr/>
+          <p:nvPr/>
+        </p:nvSpPr>
+        <p:spPr>
+          <a:xfrm>
+            <a:off x="1723202" y="5838215"/>
+            <a:ext cx="711229" cy="457200"/>
+          </a:xfrm>
+          <a:prstGeom prst="rect">
+            <a:avLst/>
+          </a:prstGeom>
+        </p:spPr>
+        <p:style>
+          <a:lnRef idx="2">
+            <a:schemeClr val="accent1">
+              <a:shade val="50000"/>
+            </a:schemeClr>
+          </a:lnRef>
+          <a:fillRef idx="1">
+            <a:schemeClr val="accent1"/>
+          </a:fillRef>
+          <a:effectRef idx="0">
+            <a:schemeClr val="accent1"/>
+          </a:effectRef>
+          <a:fontRef idx="minor">
+            <a:schemeClr val="lt1"/>
+          </a:fontRef>
+        </p:style>
+        <p:txBody>
+          <a:bodyPr rtlCol="0" anchor="ctr"/>
+          <a:lstStyle/>
+          <a:p>
+            <a:pPr algn="ctr"/>
+            <a:r>
+              <a:rPr lang="fr-FR" dirty="0" smtClean="0"/>
+              <a:t>Box</a:t>
+            </a:r>
+            <a:endParaRPr lang="fr-FR" dirty="0"/>
+          </a:p>
+        </p:txBody>
+      </p:sp>
+      <p:cxnSp>
+        <p:nvCxnSpPr>
+          <p:cNvPr id="157" name="Connecteur droit avec flèche 19"/>
+          <p:cNvCxnSpPr>
+            <a:stCxn id="156" idx="0"/>
+            <a:endCxn id="51" idx="2"/>
+          </p:cNvCxnSpPr>
+          <p:nvPr/>
+        </p:nvCxnSpPr>
+        <p:spPr>
+          <a:xfrm flipV="1">
+            <a:off x="2078817" y="5110336"/>
+            <a:ext cx="0" cy="727879"/>
+          </a:xfrm>
+          <a:prstGeom prst="straightConnector1">
+            <a:avLst/>
+          </a:prstGeom>
+          <a:ln w="22225">
+            <a:solidFill>
+              <a:schemeClr val="accent1">
+                <a:lumMod val="75000"/>
+              </a:schemeClr>
+            </a:solidFill>
+            <a:tailEnd type="arrow"/>
+          </a:ln>
+        </p:spPr>
+        <p:style>
+          <a:lnRef idx="1">
+            <a:schemeClr val="accent1"/>
+          </a:lnRef>
+          <a:fillRef idx="0">
+            <a:schemeClr val="accent1"/>
+          </a:fillRef>
+          <a:effectRef idx="0">
+            <a:schemeClr val="accent1"/>
+          </a:effectRef>
+          <a:fontRef idx="minor">
+            <a:schemeClr val="tx1"/>
+          </a:fontRef>
+        </p:style>
+      </p:cxnSp>
+      <p:sp>
+        <p:nvSpPr>
+          <p:cNvPr id="158" name="Rectangle 157"/>
+          <p:cNvSpPr/>
+          <p:nvPr/>
+        </p:nvSpPr>
+        <p:spPr>
+          <a:xfrm>
+            <a:off x="2776132" y="5838215"/>
+            <a:ext cx="711229" cy="457200"/>
+          </a:xfrm>
+          <a:prstGeom prst="rect">
+            <a:avLst/>
+          </a:prstGeom>
+        </p:spPr>
+        <p:style>
+          <a:lnRef idx="2">
+            <a:schemeClr val="accent1">
+              <a:shade val="50000"/>
+            </a:schemeClr>
+          </a:lnRef>
+          <a:fillRef idx="1">
+            <a:schemeClr val="accent1"/>
+          </a:fillRef>
+          <a:effectRef idx="0">
+            <a:schemeClr val="accent1"/>
+          </a:effectRef>
+          <a:fontRef idx="minor">
+            <a:schemeClr val="lt1"/>
+          </a:fontRef>
+        </p:style>
+        <p:txBody>
+          <a:bodyPr rtlCol="0" anchor="ctr"/>
+          <a:lstStyle/>
+          <a:p>
+            <a:pPr algn="ctr"/>
+            <a:r>
+              <a:rPr lang="fr-FR" dirty="0" smtClean="0"/>
+              <a:t>…</a:t>
+            </a:r>
+            <a:endParaRPr lang="fr-FR" dirty="0"/>
+          </a:p>
+        </p:txBody>
+      </p:sp>
+      <p:cxnSp>
+        <p:nvCxnSpPr>
+          <p:cNvPr id="159" name="Connecteur droit avec flèche 19"/>
+          <p:cNvCxnSpPr>
+            <a:stCxn id="158" idx="0"/>
+            <a:endCxn id="51" idx="2"/>
+          </p:cNvCxnSpPr>
+          <p:nvPr/>
+        </p:nvCxnSpPr>
+        <p:spPr>
+          <a:xfrm flipH="1" flipV="1">
+            <a:off x="2078817" y="5110336"/>
+            <a:ext cx="1052930" cy="727879"/>
+          </a:xfrm>
+          <a:prstGeom prst="straightConnector1">
+            <a:avLst/>
+          </a:prstGeom>
+          <a:ln w="22225">
+            <a:solidFill>
+              <a:schemeClr val="accent1">
+                <a:lumMod val="75000"/>
+              </a:schemeClr>
+            </a:solidFill>
+            <a:tailEnd type="arrow"/>
+          </a:ln>
+        </p:spPr>
+        <p:style>
+          <a:lnRef idx="1">
+            <a:schemeClr val="accent1"/>
+          </a:lnRef>
+          <a:fillRef idx="0">
+            <a:schemeClr val="accent1"/>
+          </a:fillRef>
+          <a:effectRef idx="0">
+            <a:schemeClr val="accent1"/>
+          </a:effectRef>
+          <a:fontRef idx="minor">
+            <a:schemeClr val="tx1"/>
+          </a:fontRef>
+        </p:style>
+      </p:cxnSp>
+      <p:sp>
+        <p:nvSpPr>
+          <p:cNvPr id="204" name="Rectangle 203"/>
+          <p:cNvSpPr/>
+          <p:nvPr/>
+        </p:nvSpPr>
+        <p:spPr>
+          <a:xfrm>
+            <a:off x="5736507" y="1834969"/>
+            <a:ext cx="1805136" cy="457200"/>
+          </a:xfrm>
+          <a:prstGeom prst="rect">
+            <a:avLst/>
+          </a:prstGeom>
+          <a:noFill/>
+        </p:spPr>
+        <p:style>
+          <a:lnRef idx="2">
+            <a:schemeClr val="accent2"/>
+          </a:lnRef>
+          <a:fillRef idx="1">
+            <a:schemeClr val="lt1"/>
+          </a:fillRef>
+          <a:effectRef idx="0">
+            <a:schemeClr val="accent2"/>
+          </a:effectRef>
+          <a:fontRef idx="minor">
+            <a:schemeClr val="dk1"/>
+          </a:fontRef>
+        </p:style>
+        <p:txBody>
+          <a:bodyPr rtlCol="0" anchor="ctr"/>
+          <a:lstStyle/>
+          <a:p>
+            <a:pPr algn="ctr"/>
+            <a:r>
+              <a:rPr lang="fr-FR" dirty="0" smtClean="0">
+                <a:solidFill>
+                  <a:schemeClr val="tx1"/>
+                </a:solidFill>
+              </a:rPr>
+              <a:t>Transformation</a:t>
+            </a:r>
+            <a:endParaRPr lang="fr-FR" dirty="0">
+              <a:solidFill>
+                <a:schemeClr val="tx1"/>
+              </a:solidFill>
+            </a:endParaRPr>
+          </a:p>
+        </p:txBody>
+      </p:sp>
+      <p:sp>
+        <p:nvSpPr>
+          <p:cNvPr id="205" name="Rectangle 204"/>
+          <p:cNvSpPr/>
+          <p:nvPr/>
+        </p:nvSpPr>
+        <p:spPr>
+          <a:xfrm>
+            <a:off x="5736507" y="2536018"/>
+            <a:ext cx="1805136" cy="457200"/>
+          </a:xfrm>
+          <a:prstGeom prst="rect">
+            <a:avLst/>
+          </a:prstGeom>
+          <a:noFill/>
+        </p:spPr>
+        <p:style>
+          <a:lnRef idx="2">
+            <a:schemeClr val="accent2"/>
+          </a:lnRef>
+          <a:fillRef idx="1">
+            <a:schemeClr val="lt1"/>
+          </a:fillRef>
+          <a:effectRef idx="0">
+            <a:schemeClr val="accent2"/>
+          </a:effectRef>
+          <a:fontRef idx="minor">
+            <a:schemeClr val="dk1"/>
+          </a:fontRef>
+        </p:style>
+        <p:txBody>
+          <a:bodyPr rtlCol="0" anchor="ctr"/>
+          <a:lstStyle/>
+          <a:p>
+            <a:pPr algn="ctr"/>
+            <a:r>
+              <a:rPr lang="fr-FR" dirty="0" smtClean="0">
+                <a:solidFill>
+                  <a:schemeClr val="tx1"/>
+                </a:solidFill>
+              </a:rPr>
+              <a:t>Collision</a:t>
+            </a:r>
+            <a:endParaRPr lang="fr-FR" dirty="0">
+              <a:solidFill>
+                <a:schemeClr val="tx1"/>
+              </a:solidFill>
+            </a:endParaRPr>
+          </a:p>
+        </p:txBody>
+      </p:sp>
+      <p:sp>
+        <p:nvSpPr>
+          <p:cNvPr id="206" name="Rectangle 205"/>
+          <p:cNvSpPr/>
+          <p:nvPr/>
+        </p:nvSpPr>
+        <p:spPr>
+          <a:xfrm>
+            <a:off x="7340209" y="3429000"/>
+            <a:ext cx="1262986" cy="457200"/>
+          </a:xfrm>
+          <a:prstGeom prst="rect">
+            <a:avLst/>
+          </a:prstGeom>
+          <a:noFill/>
+        </p:spPr>
+        <p:style>
+          <a:lnRef idx="2">
+            <a:schemeClr val="accent2"/>
+          </a:lnRef>
+          <a:fillRef idx="1">
+            <a:schemeClr val="lt1"/>
+          </a:fillRef>
+          <a:effectRef idx="0">
+            <a:schemeClr val="accent2"/>
+          </a:effectRef>
+          <a:fontRef idx="minor">
+            <a:schemeClr val="dk1"/>
+          </a:fontRef>
+        </p:style>
+        <p:txBody>
+          <a:bodyPr rtlCol="0" anchor="ctr"/>
+          <a:lstStyle/>
+          <a:p>
+            <a:pPr algn="ctr"/>
+            <a:r>
+              <a:rPr lang="fr-FR" dirty="0" smtClean="0">
+                <a:solidFill>
+                  <a:schemeClr val="tx1"/>
+                </a:solidFill>
+              </a:rPr>
+              <a:t>Model</a:t>
+            </a:r>
+            <a:endParaRPr lang="fr-FR" dirty="0">
+              <a:solidFill>
+                <a:schemeClr val="tx1"/>
+              </a:solidFill>
+            </a:endParaRPr>
+          </a:p>
+        </p:txBody>
+      </p:sp>
+      <p:sp>
+        <p:nvSpPr>
+          <p:cNvPr id="207" name="Rectangle 206"/>
+          <p:cNvSpPr/>
+          <p:nvPr/>
+        </p:nvSpPr>
+        <p:spPr>
+          <a:xfrm>
+            <a:off x="323528" y="3429000"/>
+            <a:ext cx="1611272" cy="457200"/>
+          </a:xfrm>
+          <a:prstGeom prst="rect">
+            <a:avLst/>
+          </a:prstGeom>
+          <a:noFill/>
+        </p:spPr>
+        <p:style>
+          <a:lnRef idx="2">
+            <a:schemeClr val="accent2"/>
+          </a:lnRef>
+          <a:fillRef idx="1">
+            <a:schemeClr val="lt1"/>
+          </a:fillRef>
+          <a:effectRef idx="0">
+            <a:schemeClr val="accent2"/>
+          </a:effectRef>
+          <a:fontRef idx="minor">
+            <a:schemeClr val="dk1"/>
+          </a:fontRef>
+        </p:style>
+        <p:txBody>
+          <a:bodyPr rtlCol="0" anchor="ctr"/>
+          <a:lstStyle/>
+          <a:p>
+            <a:pPr algn="ctr"/>
+            <a:r>
+              <a:rPr lang="fr-FR" dirty="0" err="1" smtClean="0">
+                <a:solidFill>
+                  <a:schemeClr val="tx1"/>
+                </a:solidFill>
+              </a:rPr>
+              <a:t>Geometrie</a:t>
+            </a:r>
+            <a:endParaRPr lang="fr-FR" dirty="0">
+              <a:solidFill>
+                <a:schemeClr val="tx1"/>
+              </a:solidFill>
+            </a:endParaRPr>
+          </a:p>
+        </p:txBody>
+      </p:sp>
+      <p:cxnSp>
+        <p:nvCxnSpPr>
+          <p:cNvPr id="209" name="Straight Connector 208"/>
+          <p:cNvCxnSpPr>
+            <a:stCxn id="3" idx="3"/>
+            <a:endCxn id="204" idx="1"/>
+          </p:cNvCxnSpPr>
+          <p:nvPr/>
+        </p:nvCxnSpPr>
+        <p:spPr>
+          <a:xfrm>
+            <a:off x="5400698" y="2063569"/>
+            <a:ext cx="335809" cy="0"/>
+          </a:xfrm>
+          <a:prstGeom prst="line">
+            <a:avLst/>
+          </a:prstGeom>
+        </p:spPr>
+        <p:style>
+          <a:lnRef idx="1">
+            <a:schemeClr val="accent3"/>
+          </a:lnRef>
+          <a:fillRef idx="0">
+            <a:schemeClr val="accent3"/>
+          </a:fillRef>
+          <a:effectRef idx="0">
+            <a:schemeClr val="accent3"/>
+          </a:effectRef>
+          <a:fontRef idx="minor">
+            <a:schemeClr val="tx1"/>
+          </a:fontRef>
+        </p:style>
+      </p:cxnSp>
+      <p:cxnSp>
+        <p:nvCxnSpPr>
+          <p:cNvPr id="210" name="Straight Connector 209"/>
+          <p:cNvCxnSpPr>
+            <a:stCxn id="9" idx="3"/>
+            <a:endCxn id="205" idx="1"/>
+          </p:cNvCxnSpPr>
+          <p:nvPr/>
+        </p:nvCxnSpPr>
+        <p:spPr>
+          <a:xfrm>
+            <a:off x="5400698" y="2764618"/>
+            <a:ext cx="335809" cy="0"/>
+          </a:xfrm>
+          <a:prstGeom prst="line">
+            <a:avLst/>
+          </a:prstGeom>
+        </p:spPr>
+        <p:style>
+          <a:lnRef idx="1">
+            <a:schemeClr val="accent3"/>
+          </a:lnRef>
+          <a:fillRef idx="0">
+            <a:schemeClr val="accent3"/>
+          </a:fillRef>
+          <a:effectRef idx="0">
+            <a:schemeClr val="accent3"/>
+          </a:effectRef>
+          <a:fontRef idx="minor">
+            <a:schemeClr val="tx1"/>
+          </a:fontRef>
+        </p:style>
+      </p:cxnSp>
+      <p:cxnSp>
+        <p:nvCxnSpPr>
+          <p:cNvPr id="213" name="Straight Connector 212"/>
+          <p:cNvCxnSpPr>
+            <a:stCxn id="32" idx="3"/>
+            <a:endCxn id="206" idx="1"/>
+          </p:cNvCxnSpPr>
+          <p:nvPr/>
+        </p:nvCxnSpPr>
+        <p:spPr>
+          <a:xfrm>
+            <a:off x="6857111" y="3657600"/>
+            <a:ext cx="483098" cy="0"/>
+          </a:xfrm>
+          <a:prstGeom prst="line">
+            <a:avLst/>
+          </a:prstGeom>
+        </p:spPr>
+        <p:style>
+          <a:lnRef idx="1">
+            <a:schemeClr val="accent3"/>
+          </a:lnRef>
+          <a:fillRef idx="0">
+            <a:schemeClr val="accent3"/>
+          </a:fillRef>
+          <a:effectRef idx="0">
+            <a:schemeClr val="accent3"/>
+          </a:effectRef>
+          <a:fontRef idx="minor">
+            <a:schemeClr val="tx1"/>
+          </a:fontRef>
+        </p:style>
+      </p:cxnSp>
+      <p:cxnSp>
+        <p:nvCxnSpPr>
+          <p:cNvPr id="216" name="Straight Connector 215"/>
+          <p:cNvCxnSpPr>
+            <a:stCxn id="207" idx="3"/>
+            <a:endCxn id="29" idx="1"/>
+          </p:cNvCxnSpPr>
+          <p:nvPr/>
+        </p:nvCxnSpPr>
+        <p:spPr>
+          <a:xfrm>
+            <a:off x="1934800" y="3657600"/>
+            <a:ext cx="404952" cy="0"/>
+          </a:xfrm>
+          <a:prstGeom prst="line">
+            <a:avLst/>
+          </a:prstGeom>
+        </p:spPr>
+        <p:style>
+          <a:lnRef idx="1">
+            <a:schemeClr val="accent3"/>
+          </a:lnRef>
+          <a:fillRef idx="0">
+            <a:schemeClr val="accent3"/>
+          </a:fillRef>
+          <a:effectRef idx="0">
+            <a:schemeClr val="accent3"/>
+          </a:effectRef>
+          <a:fontRef idx="minor">
+            <a:schemeClr val="tx1"/>
+          </a:fontRef>
+        </p:style>
+      </p:cxnSp>
     </p:spTree>
     <p:extLst>
       <p:ext uri="{BB962C8B-B14F-4D97-AF65-F5344CB8AC3E}">
-        <p14:creationId xmlns:p14="http://schemas.microsoft.com/office/powerpoint/2010/main" val="2497971147"/>
+        <p14:creationId xmlns:p14="http://schemas.microsoft.com/office/powerpoint/2010/main" val="457603180"/>
       </p:ext>
     </p:extLst>
   </p:cSld>
@@ -5806,77 +7119,14 @@
           <a:p>
             <a:r>
               <a:rPr lang="fr-FR" dirty="0" smtClean="0"/>
-              <a:t>Intégration </a:t>
-            </a:r>
-            <a:r>
-              <a:rPr lang="fr-FR" dirty="0" err="1" smtClean="0"/>
-              <a:t>Lua</a:t>
-            </a:r>
-            <a:endParaRPr lang="fr-FR" dirty="0"/>
-          </a:p>
-        </p:txBody>
-      </p:sp>
-      <p:sp>
-        <p:nvSpPr>
-          <p:cNvPr id="5" name="Espace réservé du contenu 4"/>
-          <p:cNvSpPr>
-            <a:spLocks noGrp="1"/>
-          </p:cNvSpPr>
-          <p:nvPr>
-            <p:ph idx="1"/>
-          </p:nvPr>
-        </p:nvSpPr>
-        <p:spPr/>
-        <p:txBody>
-          <a:bodyPr/>
-          <a:lstStyle/>
-          <a:p>
-            <a:r>
-              <a:rPr lang="fr-FR" dirty="0" smtClean="0"/>
-              <a:t>Bibliothèque C</a:t>
-            </a:r>
-          </a:p>
-          <a:p>
-            <a:endParaRPr lang="fr-FR" dirty="0" smtClean="0"/>
-          </a:p>
-          <a:p>
-            <a:r>
-              <a:rPr lang="fr-FR" dirty="0" smtClean="0"/>
-              <a:t>Machine virtuelle</a:t>
-            </a:r>
-          </a:p>
-          <a:p>
-            <a:endParaRPr lang="fr-FR" dirty="0" smtClean="0"/>
-          </a:p>
-          <a:p>
-            <a:r>
-              <a:rPr lang="fr-FR" dirty="0" smtClean="0"/>
-              <a:t>« </a:t>
-            </a:r>
-            <a:r>
-              <a:rPr lang="fr-FR" dirty="0" err="1" smtClean="0"/>
-              <a:t>Stack</a:t>
-            </a:r>
-            <a:r>
-              <a:rPr lang="fr-FR" dirty="0" smtClean="0"/>
-              <a:t> »</a:t>
-            </a:r>
-          </a:p>
-          <a:p>
-            <a:endParaRPr lang="fr-FR" dirty="0" smtClean="0"/>
-          </a:p>
-          <a:p>
-            <a:r>
-              <a:rPr lang="fr-FR" dirty="0" smtClean="0"/>
-              <a:t>Accès au classes sans « </a:t>
-            </a:r>
-            <a:r>
-              <a:rPr lang="fr-FR" dirty="0" err="1" smtClean="0"/>
-              <a:t>fiendly</a:t>
-            </a:r>
-            <a:r>
-              <a:rPr lang="fr-FR" dirty="0" smtClean="0"/>
-              <a:t> » compliqué</a:t>
+              <a:t>Problèmes et solutions</a:t>
+            </a:r>
+            <a:br>
+              <a:rPr lang="fr-FR" dirty="0" smtClean="0"/>
+            </a:br>
+            <a:r>
+              <a:rPr lang="fr-FR" sz="1400" dirty="0" smtClean="0"/>
+              <a:t>« Des problèmes et encore des problèmes… »</a:t>
             </a:r>
             <a:endParaRPr lang="fr-FR" dirty="0"/>
           </a:p>
@@ -5885,7 +7135,7 @@
     </p:spTree>
     <p:extLst>
       <p:ext uri="{BB962C8B-B14F-4D97-AF65-F5344CB8AC3E}">
-        <p14:creationId xmlns:p14="http://schemas.microsoft.com/office/powerpoint/2010/main" val="2284039427"/>
+        <p14:creationId xmlns:p14="http://schemas.microsoft.com/office/powerpoint/2010/main" val="2497971147"/>
       </p:ext>
     </p:extLst>
   </p:cSld>
@@ -5936,7 +7186,77 @@
           <a:p>
             <a:r>
               <a:rPr lang="fr-FR" dirty="0" smtClean="0"/>
-              <a:t>Conclusion</a:t>
+              <a:t>Intégration </a:t>
+            </a:r>
+            <a:r>
+              <a:rPr lang="fr-FR" dirty="0" err="1" smtClean="0"/>
+              <a:t>Lua</a:t>
+            </a:r>
+            <a:endParaRPr lang="fr-FR" dirty="0"/>
+          </a:p>
+        </p:txBody>
+      </p:sp>
+      <p:sp>
+        <p:nvSpPr>
+          <p:cNvPr id="5" name="Espace réservé du contenu 4"/>
+          <p:cNvSpPr>
+            <a:spLocks noGrp="1"/>
+          </p:cNvSpPr>
+          <p:nvPr>
+            <p:ph idx="1"/>
+          </p:nvPr>
+        </p:nvSpPr>
+        <p:spPr/>
+        <p:txBody>
+          <a:bodyPr/>
+          <a:lstStyle/>
+          <a:p>
+            <a:r>
+              <a:rPr lang="fr-FR" dirty="0" smtClean="0"/>
+              <a:t>Bibliothèque C</a:t>
+            </a:r>
+          </a:p>
+          <a:p>
+            <a:endParaRPr lang="fr-FR" dirty="0" smtClean="0"/>
+          </a:p>
+          <a:p>
+            <a:r>
+              <a:rPr lang="fr-FR" dirty="0" smtClean="0"/>
+              <a:t>Machine virtuelle</a:t>
+            </a:r>
+          </a:p>
+          <a:p>
+            <a:endParaRPr lang="fr-FR" dirty="0" smtClean="0"/>
+          </a:p>
+          <a:p>
+            <a:r>
+              <a:rPr lang="fr-FR" dirty="0" smtClean="0"/>
+              <a:t>« </a:t>
+            </a:r>
+            <a:r>
+              <a:rPr lang="fr-FR" dirty="0" err="1" smtClean="0"/>
+              <a:t>Stack</a:t>
+            </a:r>
+            <a:r>
+              <a:rPr lang="fr-FR" dirty="0" smtClean="0"/>
+              <a:t> »</a:t>
+            </a:r>
+          </a:p>
+          <a:p>
+            <a:endParaRPr lang="fr-FR" dirty="0" smtClean="0"/>
+          </a:p>
+          <a:p>
+            <a:r>
+              <a:rPr lang="fr-FR" dirty="0" smtClean="0"/>
+              <a:t>Accès au classes sans « </a:t>
+            </a:r>
+            <a:r>
+              <a:rPr lang="fr-FR" dirty="0" err="1" smtClean="0"/>
+              <a:t>fiendly</a:t>
+            </a:r>
+            <a:r>
+              <a:rPr lang="fr-FR" dirty="0" smtClean="0"/>
+              <a:t> » compliqué</a:t>
             </a:r>
             <a:endParaRPr lang="fr-FR" dirty="0"/>
           </a:p>
@@ -5945,7 +7265,7 @@
     </p:spTree>
     <p:extLst>
       <p:ext uri="{BB962C8B-B14F-4D97-AF65-F5344CB8AC3E}">
-        <p14:creationId xmlns:p14="http://schemas.microsoft.com/office/powerpoint/2010/main" val="847146004"/>
+        <p14:creationId xmlns:p14="http://schemas.microsoft.com/office/powerpoint/2010/main" val="2284039427"/>
       </p:ext>
     </p:extLst>
   </p:cSld>
@@ -5996,14 +7316,7 @@
           <a:p>
             <a:r>
               <a:rPr lang="fr-FR" dirty="0" smtClean="0"/>
-              <a:t>Questions</a:t>
-            </a:r>
-            <a:br>
-              <a:rPr lang="fr-FR" dirty="0" smtClean="0"/>
-            </a:br>
-            <a:r>
-              <a:rPr lang="fr-FR" sz="1400" dirty="0" smtClean="0"/>
-              <a:t>« RTFM. »</a:t>
+              <a:t>Conclusion</a:t>
             </a:r>
             <a:endParaRPr lang="fr-FR" dirty="0"/>
           </a:p>
@@ -6030,6 +7343,73 @@
 </file>
 
 <file path=ppt/slides/slide24.xml><?xml version="1.0" encoding="utf-8"?>
+<p:sld xmlns:a="http://schemas.openxmlformats.org/drawingml/2006/main" xmlns:r="http://schemas.openxmlformats.org/officeDocument/2006/relationships" xmlns:p="http://schemas.openxmlformats.org/presentationml/2006/main">
+  <p:cSld>
+    <p:spTree>
+      <p:nvGrpSpPr>
+        <p:cNvPr id="1" name=""/>
+        <p:cNvGrpSpPr/>
+        <p:nvPr/>
+      </p:nvGrpSpPr>
+      <p:grpSpPr>
+        <a:xfrm>
+          <a:off x="0" y="0"/>
+          <a:ext cx="0" cy="0"/>
+          <a:chOff x="0" y="0"/>
+          <a:chExt cx="0" cy="0"/>
+        </a:xfrm>
+      </p:grpSpPr>
+      <p:sp>
+        <p:nvSpPr>
+          <p:cNvPr id="4" name="Titre 3"/>
+          <p:cNvSpPr>
+            <a:spLocks noGrp="1"/>
+          </p:cNvSpPr>
+          <p:nvPr>
+            <p:ph type="title"/>
+          </p:nvPr>
+        </p:nvSpPr>
+        <p:spPr/>
+        <p:txBody>
+          <a:bodyPr/>
+          <a:lstStyle/>
+          <a:p>
+            <a:r>
+              <a:rPr lang="fr-FR" dirty="0" smtClean="0"/>
+              <a:t>Questions</a:t>
+            </a:r>
+            <a:br>
+              <a:rPr lang="fr-FR" dirty="0" smtClean="0"/>
+            </a:br>
+            <a:r>
+              <a:rPr lang="fr-FR" sz="1400" dirty="0" smtClean="0"/>
+              <a:t>« RTFM. »</a:t>
+            </a:r>
+            <a:endParaRPr lang="fr-FR" dirty="0"/>
+          </a:p>
+        </p:txBody>
+      </p:sp>
+    </p:spTree>
+    <p:extLst>
+      <p:ext uri="{BB962C8B-B14F-4D97-AF65-F5344CB8AC3E}">
+        <p14:creationId xmlns:p14="http://schemas.microsoft.com/office/powerpoint/2010/main" val="847146004"/>
+      </p:ext>
+    </p:extLst>
+  </p:cSld>
+  <p:clrMapOvr>
+    <a:masterClrMapping/>
+  </p:clrMapOvr>
+  <p:timing>
+    <p:tnLst>
+      <p:par>
+        <p:cTn id="1" dur="indefinite" restart="never" nodeType="tmRoot"/>
+      </p:par>
+    </p:tnLst>
+  </p:timing>
+</p:sld>
+</file>
+
+<file path=ppt/slides/slide25.xml><?xml version="1.0" encoding="utf-8"?>
 <p:sld xmlns:a="http://schemas.openxmlformats.org/drawingml/2006/main" xmlns:r="http://schemas.openxmlformats.org/officeDocument/2006/relationships" xmlns:p="http://schemas.openxmlformats.org/presentationml/2006/main">
   <p:cSld>
     <p:spTree>

--- a/Bomberman - Présentation.pptx
+++ b/Bomberman - Présentation.pptx
@@ -25,11 +25,12 @@
     <p:sldId id="267" r:id="rId19"/>
     <p:sldId id="278" r:id="rId20"/>
     <p:sldId id="280" r:id="rId21"/>
-    <p:sldId id="268" r:id="rId22"/>
-    <p:sldId id="279" r:id="rId23"/>
-    <p:sldId id="270" r:id="rId24"/>
-    <p:sldId id="271" r:id="rId25"/>
-    <p:sldId id="269" r:id="rId26"/>
+    <p:sldId id="281" r:id="rId22"/>
+    <p:sldId id="268" r:id="rId23"/>
+    <p:sldId id="279" r:id="rId24"/>
+    <p:sldId id="270" r:id="rId25"/>
+    <p:sldId id="271" r:id="rId26"/>
+    <p:sldId id="269" r:id="rId27"/>
   </p:sldIdLst>
   <p:sldSz cx="9144000" cy="6858000" type="screen4x3"/>
   <p:notesSz cx="6858000" cy="9144000"/>
@@ -4195,7 +4196,7 @@
           <a:p>
             <a:r>
               <a:rPr lang="fr-FR" dirty="0" smtClean="0"/>
-              <a:t>Responsable de la gestion des objets:</a:t>
+              <a:t>Responsable de la gestion des Game objets:</a:t>
             </a:r>
           </a:p>
           <a:p>
@@ -5739,12 +5740,8 @@
           <a:lstStyle/>
           <a:p>
             <a:r>
-              <a:rPr lang="fr-FR" dirty="0" smtClean="0"/>
-              <a:t>API </a:t>
-            </a:r>
-            <a:r>
               <a:rPr lang="fr-FR" dirty="0" err="1" smtClean="0"/>
-              <a:t>Lua</a:t>
+              <a:t>GameObjects</a:t>
             </a:r>
             <a:endParaRPr lang="fr-FR" dirty="0"/>
           </a:p>
@@ -7118,24 +7115,483 @@
           <a:lstStyle/>
           <a:p>
             <a:r>
-              <a:rPr lang="fr-FR" dirty="0" smtClean="0"/>
-              <a:t>Problèmes et solutions</a:t>
-            </a:r>
-            <a:br>
-              <a:rPr lang="fr-FR" dirty="0" smtClean="0"/>
-            </a:br>
-            <a:r>
-              <a:rPr lang="fr-FR" sz="1400" dirty="0" smtClean="0"/>
-              <a:t>« Des problèmes et encore des problèmes… »</a:t>
+              <a:rPr lang="fr-FR" dirty="0" err="1" smtClean="0"/>
+              <a:t>Widgets</a:t>
             </a:r>
             <a:endParaRPr lang="fr-FR" dirty="0"/>
           </a:p>
         </p:txBody>
       </p:sp>
+      <p:sp>
+        <p:nvSpPr>
+          <p:cNvPr id="3" name="Rectangle 2"/>
+          <p:cNvSpPr/>
+          <p:nvPr/>
+        </p:nvSpPr>
+        <p:spPr>
+          <a:xfrm>
+            <a:off x="3595562" y="1834969"/>
+            <a:ext cx="1805136" cy="457200"/>
+          </a:xfrm>
+          <a:prstGeom prst="rect">
+            <a:avLst/>
+          </a:prstGeom>
+        </p:spPr>
+        <p:style>
+          <a:lnRef idx="2">
+            <a:schemeClr val="accent1">
+              <a:shade val="50000"/>
+            </a:schemeClr>
+          </a:lnRef>
+          <a:fillRef idx="1">
+            <a:schemeClr val="accent1"/>
+          </a:fillRef>
+          <a:effectRef idx="0">
+            <a:schemeClr val="accent1"/>
+          </a:effectRef>
+          <a:fontRef idx="minor">
+            <a:schemeClr val="lt1"/>
+          </a:fontRef>
+        </p:style>
+        <p:txBody>
+          <a:bodyPr rtlCol="0" anchor="ctr"/>
+          <a:lstStyle/>
+          <a:p>
+            <a:pPr algn="ctr"/>
+            <a:r>
+              <a:rPr lang="fr-FR" dirty="0" err="1" smtClean="0"/>
+              <a:t>AObject</a:t>
+            </a:r>
+            <a:endParaRPr lang="fr-FR" dirty="0"/>
+          </a:p>
+        </p:txBody>
+      </p:sp>
+      <p:sp>
+        <p:nvSpPr>
+          <p:cNvPr id="204" name="Rectangle 203"/>
+          <p:cNvSpPr/>
+          <p:nvPr/>
+        </p:nvSpPr>
+        <p:spPr>
+          <a:xfrm>
+            <a:off x="5736507" y="1834969"/>
+            <a:ext cx="1805136" cy="457200"/>
+          </a:xfrm>
+          <a:prstGeom prst="rect">
+            <a:avLst/>
+          </a:prstGeom>
+          <a:noFill/>
+        </p:spPr>
+        <p:style>
+          <a:lnRef idx="2">
+            <a:schemeClr val="accent2"/>
+          </a:lnRef>
+          <a:fillRef idx="1">
+            <a:schemeClr val="lt1"/>
+          </a:fillRef>
+          <a:effectRef idx="0">
+            <a:schemeClr val="accent2"/>
+          </a:effectRef>
+          <a:fontRef idx="minor">
+            <a:schemeClr val="dk1"/>
+          </a:fontRef>
+        </p:style>
+        <p:txBody>
+          <a:bodyPr rtlCol="0" anchor="ctr"/>
+          <a:lstStyle/>
+          <a:p>
+            <a:pPr algn="ctr"/>
+            <a:r>
+              <a:rPr lang="fr-FR" dirty="0" smtClean="0">
+                <a:solidFill>
+                  <a:schemeClr val="tx1"/>
+                </a:solidFill>
+              </a:rPr>
+              <a:t>Transformation</a:t>
+            </a:r>
+            <a:endParaRPr lang="fr-FR" dirty="0">
+              <a:solidFill>
+                <a:schemeClr val="tx1"/>
+              </a:solidFill>
+            </a:endParaRPr>
+          </a:p>
+        </p:txBody>
+      </p:sp>
+      <p:cxnSp>
+        <p:nvCxnSpPr>
+          <p:cNvPr id="209" name="Straight Connector 208"/>
+          <p:cNvCxnSpPr>
+            <a:stCxn id="3" idx="3"/>
+            <a:endCxn id="204" idx="1"/>
+          </p:cNvCxnSpPr>
+          <p:nvPr/>
+        </p:nvCxnSpPr>
+        <p:spPr>
+          <a:xfrm>
+            <a:off x="5400698" y="2063569"/>
+            <a:ext cx="335809" cy="0"/>
+          </a:xfrm>
+          <a:prstGeom prst="line">
+            <a:avLst/>
+          </a:prstGeom>
+        </p:spPr>
+        <p:style>
+          <a:lnRef idx="1">
+            <a:schemeClr val="accent3"/>
+          </a:lnRef>
+          <a:fillRef idx="0">
+            <a:schemeClr val="accent3"/>
+          </a:fillRef>
+          <a:effectRef idx="0">
+            <a:schemeClr val="accent3"/>
+          </a:effectRef>
+          <a:fontRef idx="minor">
+            <a:schemeClr val="tx1"/>
+          </a:fontRef>
+        </p:style>
+      </p:cxnSp>
+      <p:sp>
+        <p:nvSpPr>
+          <p:cNvPr id="36" name="Rectangle 35"/>
+          <p:cNvSpPr/>
+          <p:nvPr/>
+        </p:nvSpPr>
+        <p:spPr>
+          <a:xfrm>
+            <a:off x="2411760" y="3567161"/>
+            <a:ext cx="1805136" cy="457200"/>
+          </a:xfrm>
+          <a:prstGeom prst="rect">
+            <a:avLst/>
+          </a:prstGeom>
+        </p:spPr>
+        <p:style>
+          <a:lnRef idx="2">
+            <a:schemeClr val="accent1">
+              <a:shade val="50000"/>
+            </a:schemeClr>
+          </a:lnRef>
+          <a:fillRef idx="1">
+            <a:schemeClr val="accent1"/>
+          </a:fillRef>
+          <a:effectRef idx="0">
+            <a:schemeClr val="accent1"/>
+          </a:effectRef>
+          <a:fontRef idx="minor">
+            <a:schemeClr val="lt1"/>
+          </a:fontRef>
+        </p:style>
+        <p:txBody>
+          <a:bodyPr rtlCol="0" anchor="ctr"/>
+          <a:lstStyle/>
+          <a:p>
+            <a:pPr algn="ctr"/>
+            <a:r>
+              <a:rPr lang="fr-FR" dirty="0" err="1" smtClean="0"/>
+              <a:t>Cursor</a:t>
+            </a:r>
+            <a:endParaRPr lang="fr-FR" dirty="0"/>
+          </a:p>
+        </p:txBody>
+      </p:sp>
+      <p:cxnSp>
+        <p:nvCxnSpPr>
+          <p:cNvPr id="37" name="Connecteur droit avec flèche 19"/>
+          <p:cNvCxnSpPr>
+            <a:stCxn id="36" idx="0"/>
+            <a:endCxn id="3" idx="2"/>
+          </p:cNvCxnSpPr>
+          <p:nvPr/>
+        </p:nvCxnSpPr>
+        <p:spPr>
+          <a:xfrm flipV="1">
+            <a:off x="3314328" y="2292169"/>
+            <a:ext cx="1183802" cy="1274992"/>
+          </a:xfrm>
+          <a:prstGeom prst="straightConnector1">
+            <a:avLst/>
+          </a:prstGeom>
+          <a:ln w="22225">
+            <a:solidFill>
+              <a:schemeClr val="accent1">
+                <a:lumMod val="75000"/>
+              </a:schemeClr>
+            </a:solidFill>
+            <a:tailEnd type="arrow"/>
+          </a:ln>
+        </p:spPr>
+        <p:style>
+          <a:lnRef idx="1">
+            <a:schemeClr val="accent1"/>
+          </a:lnRef>
+          <a:fillRef idx="0">
+            <a:schemeClr val="accent1"/>
+          </a:fillRef>
+          <a:effectRef idx="0">
+            <a:schemeClr val="accent1"/>
+          </a:effectRef>
+          <a:fontRef idx="minor">
+            <a:schemeClr val="tx1"/>
+          </a:fontRef>
+        </p:style>
+      </p:cxnSp>
+      <p:sp>
+        <p:nvSpPr>
+          <p:cNvPr id="38" name="Rectangle 37"/>
+          <p:cNvSpPr/>
+          <p:nvPr/>
+        </p:nvSpPr>
+        <p:spPr>
+          <a:xfrm>
+            <a:off x="4833939" y="3567161"/>
+            <a:ext cx="1805136" cy="457200"/>
+          </a:xfrm>
+          <a:prstGeom prst="rect">
+            <a:avLst/>
+          </a:prstGeom>
+        </p:spPr>
+        <p:style>
+          <a:lnRef idx="2">
+            <a:schemeClr val="accent1">
+              <a:shade val="50000"/>
+            </a:schemeClr>
+          </a:lnRef>
+          <a:fillRef idx="1">
+            <a:schemeClr val="accent1"/>
+          </a:fillRef>
+          <a:effectRef idx="0">
+            <a:schemeClr val="accent1"/>
+          </a:effectRef>
+          <a:fontRef idx="minor">
+            <a:schemeClr val="lt1"/>
+          </a:fontRef>
+        </p:style>
+        <p:txBody>
+          <a:bodyPr rtlCol="0" anchor="ctr"/>
+          <a:lstStyle/>
+          <a:p>
+            <a:pPr algn="ctr"/>
+            <a:r>
+              <a:rPr lang="fr-FR" dirty="0" err="1" smtClean="0"/>
+              <a:t>AWidget</a:t>
+            </a:r>
+            <a:endParaRPr lang="fr-FR" dirty="0"/>
+          </a:p>
+        </p:txBody>
+      </p:sp>
+      <p:cxnSp>
+        <p:nvCxnSpPr>
+          <p:cNvPr id="39" name="Connecteur droit avec flèche 19"/>
+          <p:cNvCxnSpPr>
+            <a:stCxn id="38" idx="0"/>
+            <a:endCxn id="3" idx="2"/>
+          </p:cNvCxnSpPr>
+          <p:nvPr/>
+        </p:nvCxnSpPr>
+        <p:spPr>
+          <a:xfrm flipH="1" flipV="1">
+            <a:off x="4498130" y="2292169"/>
+            <a:ext cx="1238377" cy="1274992"/>
+          </a:xfrm>
+          <a:prstGeom prst="straightConnector1">
+            <a:avLst/>
+          </a:prstGeom>
+          <a:ln w="22225">
+            <a:solidFill>
+              <a:schemeClr val="accent1">
+                <a:lumMod val="75000"/>
+              </a:schemeClr>
+            </a:solidFill>
+            <a:tailEnd type="arrow"/>
+          </a:ln>
+        </p:spPr>
+        <p:style>
+          <a:lnRef idx="1">
+            <a:schemeClr val="accent1"/>
+          </a:lnRef>
+          <a:fillRef idx="0">
+            <a:schemeClr val="accent1"/>
+          </a:fillRef>
+          <a:effectRef idx="0">
+            <a:schemeClr val="accent1"/>
+          </a:effectRef>
+          <a:fontRef idx="minor">
+            <a:schemeClr val="tx1"/>
+          </a:fontRef>
+        </p:style>
+      </p:cxnSp>
+      <p:sp>
+        <p:nvSpPr>
+          <p:cNvPr id="53" name="Rectangle 52"/>
+          <p:cNvSpPr/>
+          <p:nvPr/>
+        </p:nvSpPr>
+        <p:spPr>
+          <a:xfrm>
+            <a:off x="1259632" y="4932001"/>
+            <a:ext cx="2376264" cy="457200"/>
+          </a:xfrm>
+          <a:prstGeom prst="rect">
+            <a:avLst/>
+          </a:prstGeom>
+          <a:noFill/>
+        </p:spPr>
+        <p:style>
+          <a:lnRef idx="2">
+            <a:schemeClr val="accent2"/>
+          </a:lnRef>
+          <a:fillRef idx="1">
+            <a:schemeClr val="lt1"/>
+          </a:fillRef>
+          <a:effectRef idx="0">
+            <a:schemeClr val="accent2"/>
+          </a:effectRef>
+          <a:fontRef idx="minor">
+            <a:schemeClr val="dk1"/>
+          </a:fontRef>
+        </p:style>
+        <p:txBody>
+          <a:bodyPr rtlCol="0" anchor="ctr"/>
+          <a:lstStyle/>
+          <a:p>
+            <a:pPr algn="ctr"/>
+            <a:r>
+              <a:rPr lang="fr-FR" dirty="0" smtClean="0">
+                <a:solidFill>
+                  <a:schemeClr val="tx1"/>
+                </a:solidFill>
+              </a:rPr>
+              <a:t>Géométrie + texture</a:t>
+            </a:r>
+            <a:endParaRPr lang="fr-FR" dirty="0">
+              <a:solidFill>
+                <a:schemeClr val="tx1"/>
+              </a:solidFill>
+            </a:endParaRPr>
+          </a:p>
+        </p:txBody>
+      </p:sp>
+      <p:cxnSp>
+        <p:nvCxnSpPr>
+          <p:cNvPr id="54" name="Straight Connector 53"/>
+          <p:cNvCxnSpPr>
+            <a:stCxn id="36" idx="2"/>
+            <a:endCxn id="53" idx="0"/>
+          </p:cNvCxnSpPr>
+          <p:nvPr/>
+        </p:nvCxnSpPr>
+        <p:spPr>
+          <a:xfrm flipH="1">
+            <a:off x="2447764" y="4024361"/>
+            <a:ext cx="866564" cy="907640"/>
+          </a:xfrm>
+          <a:prstGeom prst="line">
+            <a:avLst/>
+          </a:prstGeom>
+        </p:spPr>
+        <p:style>
+          <a:lnRef idx="1">
+            <a:schemeClr val="accent3"/>
+          </a:lnRef>
+          <a:fillRef idx="0">
+            <a:schemeClr val="accent3"/>
+          </a:fillRef>
+          <a:effectRef idx="0">
+            <a:schemeClr val="accent3"/>
+          </a:effectRef>
+          <a:fontRef idx="minor">
+            <a:schemeClr val="tx1"/>
+          </a:fontRef>
+        </p:style>
+      </p:cxnSp>
+      <p:sp>
+        <p:nvSpPr>
+          <p:cNvPr id="55" name="Rectangle 54"/>
+          <p:cNvSpPr/>
+          <p:nvPr/>
+        </p:nvSpPr>
+        <p:spPr>
+          <a:xfrm>
+            <a:off x="5400698" y="4963982"/>
+            <a:ext cx="2376264" cy="457200"/>
+          </a:xfrm>
+          <a:prstGeom prst="rect">
+            <a:avLst/>
+          </a:prstGeom>
+          <a:noFill/>
+        </p:spPr>
+        <p:style>
+          <a:lnRef idx="2">
+            <a:schemeClr val="accent2"/>
+          </a:lnRef>
+          <a:fillRef idx="1">
+            <a:schemeClr val="lt1"/>
+          </a:fillRef>
+          <a:effectRef idx="0">
+            <a:schemeClr val="accent2"/>
+          </a:effectRef>
+          <a:fontRef idx="minor">
+            <a:schemeClr val="dk1"/>
+          </a:fontRef>
+        </p:style>
+        <p:txBody>
+          <a:bodyPr rtlCol="0" anchor="ctr"/>
+          <a:lstStyle/>
+          <a:p>
+            <a:pPr algn="ctr"/>
+            <a:r>
+              <a:rPr lang="fr-FR" dirty="0" smtClean="0">
+                <a:solidFill>
+                  <a:schemeClr val="tx1"/>
+                </a:solidFill>
+              </a:rPr>
+              <a:t>Géométrie + texture</a:t>
+            </a:r>
+            <a:endParaRPr lang="fr-FR" dirty="0">
+              <a:solidFill>
+                <a:schemeClr val="tx1"/>
+              </a:solidFill>
+            </a:endParaRPr>
+          </a:p>
+        </p:txBody>
+      </p:sp>
+      <p:cxnSp>
+        <p:nvCxnSpPr>
+          <p:cNvPr id="56" name="Straight Connector 55"/>
+          <p:cNvCxnSpPr>
+            <a:stCxn id="55" idx="0"/>
+            <a:endCxn id="38" idx="2"/>
+          </p:cNvCxnSpPr>
+          <p:nvPr/>
+        </p:nvCxnSpPr>
+        <p:spPr>
+          <a:xfrm flipH="1" flipV="1">
+            <a:off x="5736507" y="4024361"/>
+            <a:ext cx="852323" cy="939621"/>
+          </a:xfrm>
+          <a:prstGeom prst="line">
+            <a:avLst/>
+          </a:prstGeom>
+        </p:spPr>
+        <p:style>
+          <a:lnRef idx="1">
+            <a:schemeClr val="accent3"/>
+          </a:lnRef>
+          <a:fillRef idx="0">
+            <a:schemeClr val="accent3"/>
+          </a:fillRef>
+          <a:effectRef idx="0">
+            <a:schemeClr val="accent3"/>
+          </a:effectRef>
+          <a:fontRef idx="minor">
+            <a:schemeClr val="tx1"/>
+          </a:fontRef>
+        </p:style>
+      </p:cxnSp>
     </p:spTree>
     <p:extLst>
       <p:ext uri="{BB962C8B-B14F-4D97-AF65-F5344CB8AC3E}">
-        <p14:creationId xmlns:p14="http://schemas.microsoft.com/office/powerpoint/2010/main" val="2497971147"/>
+        <p14:creationId xmlns:p14="http://schemas.microsoft.com/office/powerpoint/2010/main" val="4110315112"/>
       </p:ext>
     </p:extLst>
   </p:cSld>
@@ -7186,77 +7642,14 @@
           <a:p>
             <a:r>
               <a:rPr lang="fr-FR" dirty="0" smtClean="0"/>
-              <a:t>Intégration </a:t>
-            </a:r>
-            <a:r>
-              <a:rPr lang="fr-FR" dirty="0" err="1" smtClean="0"/>
-              <a:t>Lua</a:t>
-            </a:r>
-            <a:endParaRPr lang="fr-FR" dirty="0"/>
-          </a:p>
-        </p:txBody>
-      </p:sp>
-      <p:sp>
-        <p:nvSpPr>
-          <p:cNvPr id="5" name="Espace réservé du contenu 4"/>
-          <p:cNvSpPr>
-            <a:spLocks noGrp="1"/>
-          </p:cNvSpPr>
-          <p:nvPr>
-            <p:ph idx="1"/>
-          </p:nvPr>
-        </p:nvSpPr>
-        <p:spPr/>
-        <p:txBody>
-          <a:bodyPr/>
-          <a:lstStyle/>
-          <a:p>
-            <a:r>
+              <a:t>Problèmes et solutions</a:t>
+            </a:r>
+            <a:br>
               <a:rPr lang="fr-FR" dirty="0" smtClean="0"/>
-              <a:t>Bibliothèque C</a:t>
-            </a:r>
-          </a:p>
-          <a:p>
-            <a:endParaRPr lang="fr-FR" dirty="0" smtClean="0"/>
-          </a:p>
-          <a:p>
-            <a:r>
-              <a:rPr lang="fr-FR" dirty="0" smtClean="0"/>
-              <a:t>Machine virtuelle</a:t>
-            </a:r>
-          </a:p>
-          <a:p>
-            <a:endParaRPr lang="fr-FR" dirty="0" smtClean="0"/>
-          </a:p>
-          <a:p>
-            <a:r>
-              <a:rPr lang="fr-FR" dirty="0" smtClean="0"/>
-              <a:t>« </a:t>
-            </a:r>
-            <a:r>
-              <a:rPr lang="fr-FR" dirty="0" err="1" smtClean="0"/>
-              <a:t>Stack</a:t>
-            </a:r>
-            <a:r>
-              <a:rPr lang="fr-FR" dirty="0" smtClean="0"/>
-              <a:t> »</a:t>
-            </a:r>
-          </a:p>
-          <a:p>
-            <a:endParaRPr lang="fr-FR" dirty="0" smtClean="0"/>
-          </a:p>
-          <a:p>
-            <a:r>
-              <a:rPr lang="fr-FR" dirty="0" smtClean="0"/>
-              <a:t>Accès au classes sans « </a:t>
-            </a:r>
-            <a:r>
-              <a:rPr lang="fr-FR" dirty="0" err="1" smtClean="0"/>
-              <a:t>fiendly</a:t>
-            </a:r>
-            <a:r>
-              <a:rPr lang="fr-FR" dirty="0" smtClean="0"/>
-              <a:t> » compliqué</a:t>
+            </a:br>
+            <a:r>
+              <a:rPr lang="fr-FR" sz="1400" dirty="0" smtClean="0"/>
+              <a:t>« Des problèmes et encore des problèmes… »</a:t>
             </a:r>
             <a:endParaRPr lang="fr-FR" dirty="0"/>
           </a:p>
@@ -7265,7 +7658,7 @@
     </p:spTree>
     <p:extLst>
       <p:ext uri="{BB962C8B-B14F-4D97-AF65-F5344CB8AC3E}">
-        <p14:creationId xmlns:p14="http://schemas.microsoft.com/office/powerpoint/2010/main" val="2284039427"/>
+        <p14:creationId xmlns:p14="http://schemas.microsoft.com/office/powerpoint/2010/main" val="2497971147"/>
       </p:ext>
     </p:extLst>
   </p:cSld>
@@ -7316,7 +7709,77 @@
           <a:p>
             <a:r>
               <a:rPr lang="fr-FR" dirty="0" smtClean="0"/>
-              <a:t>Conclusion</a:t>
+              <a:t>Intégration </a:t>
+            </a:r>
+            <a:r>
+              <a:rPr lang="fr-FR" dirty="0" err="1" smtClean="0"/>
+              <a:t>Lua</a:t>
+            </a:r>
+            <a:endParaRPr lang="fr-FR" dirty="0"/>
+          </a:p>
+        </p:txBody>
+      </p:sp>
+      <p:sp>
+        <p:nvSpPr>
+          <p:cNvPr id="5" name="Espace réservé du contenu 4"/>
+          <p:cNvSpPr>
+            <a:spLocks noGrp="1"/>
+          </p:cNvSpPr>
+          <p:nvPr>
+            <p:ph idx="1"/>
+          </p:nvPr>
+        </p:nvSpPr>
+        <p:spPr/>
+        <p:txBody>
+          <a:bodyPr/>
+          <a:lstStyle/>
+          <a:p>
+            <a:r>
+              <a:rPr lang="fr-FR" dirty="0" smtClean="0"/>
+              <a:t>Bibliothèque C</a:t>
+            </a:r>
+          </a:p>
+          <a:p>
+            <a:endParaRPr lang="fr-FR" dirty="0" smtClean="0"/>
+          </a:p>
+          <a:p>
+            <a:r>
+              <a:rPr lang="fr-FR" dirty="0" smtClean="0"/>
+              <a:t>Machine virtuelle</a:t>
+            </a:r>
+          </a:p>
+          <a:p>
+            <a:endParaRPr lang="fr-FR" dirty="0" smtClean="0"/>
+          </a:p>
+          <a:p>
+            <a:r>
+              <a:rPr lang="fr-FR" dirty="0" smtClean="0"/>
+              <a:t>« </a:t>
+            </a:r>
+            <a:r>
+              <a:rPr lang="fr-FR" dirty="0" err="1" smtClean="0"/>
+              <a:t>Stack</a:t>
+            </a:r>
+            <a:r>
+              <a:rPr lang="fr-FR" dirty="0" smtClean="0"/>
+              <a:t> »</a:t>
+            </a:r>
+          </a:p>
+          <a:p>
+            <a:endParaRPr lang="fr-FR" dirty="0" smtClean="0"/>
+          </a:p>
+          <a:p>
+            <a:r>
+              <a:rPr lang="fr-FR" dirty="0" smtClean="0"/>
+              <a:t>Accès au classes sans « </a:t>
+            </a:r>
+            <a:r>
+              <a:rPr lang="fr-FR" dirty="0" err="1" smtClean="0"/>
+              <a:t>fiendly</a:t>
+            </a:r>
+            <a:r>
+              <a:rPr lang="fr-FR" dirty="0" smtClean="0"/>
+              <a:t> » compliqué</a:t>
             </a:r>
             <a:endParaRPr lang="fr-FR" dirty="0"/>
           </a:p>
@@ -7325,7 +7788,7 @@
     </p:spTree>
     <p:extLst>
       <p:ext uri="{BB962C8B-B14F-4D97-AF65-F5344CB8AC3E}">
-        <p14:creationId xmlns:p14="http://schemas.microsoft.com/office/powerpoint/2010/main" val="847146004"/>
+        <p14:creationId xmlns:p14="http://schemas.microsoft.com/office/powerpoint/2010/main" val="2284039427"/>
       </p:ext>
     </p:extLst>
   </p:cSld>
@@ -7376,14 +7839,7 @@
           <a:p>
             <a:r>
               <a:rPr lang="fr-FR" dirty="0" smtClean="0"/>
-              <a:t>Questions</a:t>
-            </a:r>
-            <a:br>
-              <a:rPr lang="fr-FR" dirty="0" smtClean="0"/>
-            </a:br>
-            <a:r>
-              <a:rPr lang="fr-FR" sz="1400" dirty="0" smtClean="0"/>
-              <a:t>« RTFM. »</a:t>
+              <a:t>Conclusion</a:t>
             </a:r>
             <a:endParaRPr lang="fr-FR" dirty="0"/>
           </a:p>
@@ -7410,6 +7866,73 @@
 </file>
 
 <file path=ppt/slides/slide25.xml><?xml version="1.0" encoding="utf-8"?>
+<p:sld xmlns:a="http://schemas.openxmlformats.org/drawingml/2006/main" xmlns:r="http://schemas.openxmlformats.org/officeDocument/2006/relationships" xmlns:p="http://schemas.openxmlformats.org/presentationml/2006/main">
+  <p:cSld>
+    <p:spTree>
+      <p:nvGrpSpPr>
+        <p:cNvPr id="1" name=""/>
+        <p:cNvGrpSpPr/>
+        <p:nvPr/>
+      </p:nvGrpSpPr>
+      <p:grpSpPr>
+        <a:xfrm>
+          <a:off x="0" y="0"/>
+          <a:ext cx="0" cy="0"/>
+          <a:chOff x="0" y="0"/>
+          <a:chExt cx="0" cy="0"/>
+        </a:xfrm>
+      </p:grpSpPr>
+      <p:sp>
+        <p:nvSpPr>
+          <p:cNvPr id="4" name="Titre 3"/>
+          <p:cNvSpPr>
+            <a:spLocks noGrp="1"/>
+          </p:cNvSpPr>
+          <p:nvPr>
+            <p:ph type="title"/>
+          </p:nvPr>
+        </p:nvSpPr>
+        <p:spPr/>
+        <p:txBody>
+          <a:bodyPr/>
+          <a:lstStyle/>
+          <a:p>
+            <a:r>
+              <a:rPr lang="fr-FR" dirty="0" smtClean="0"/>
+              <a:t>Questions</a:t>
+            </a:r>
+            <a:br>
+              <a:rPr lang="fr-FR" dirty="0" smtClean="0"/>
+            </a:br>
+            <a:r>
+              <a:rPr lang="fr-FR" sz="1400" dirty="0" smtClean="0"/>
+              <a:t>« RTFM. »</a:t>
+            </a:r>
+            <a:endParaRPr lang="fr-FR" dirty="0"/>
+          </a:p>
+        </p:txBody>
+      </p:sp>
+    </p:spTree>
+    <p:extLst>
+      <p:ext uri="{BB962C8B-B14F-4D97-AF65-F5344CB8AC3E}">
+        <p14:creationId xmlns:p14="http://schemas.microsoft.com/office/powerpoint/2010/main" val="847146004"/>
+      </p:ext>
+    </p:extLst>
+  </p:cSld>
+  <p:clrMapOvr>
+    <a:masterClrMapping/>
+  </p:clrMapOvr>
+  <p:timing>
+    <p:tnLst>
+      <p:par>
+        <p:cTn id="1" dur="indefinite" restart="never" nodeType="tmRoot"/>
+      </p:par>
+    </p:tnLst>
+  </p:timing>
+</p:sld>
+</file>
+
+<file path=ppt/slides/slide26.xml><?xml version="1.0" encoding="utf-8"?>
 <p:sld xmlns:a="http://schemas.openxmlformats.org/drawingml/2006/main" xmlns:r="http://schemas.openxmlformats.org/officeDocument/2006/relationships" xmlns:p="http://schemas.openxmlformats.org/presentationml/2006/main">
   <p:cSld>
     <p:spTree>

--- a/Bomberman - Présentation.pptx
+++ b/Bomberman - Présentation.pptx
@@ -15,22 +15,23 @@
     <p:sldId id="263" r:id="rId9"/>
     <p:sldId id="264" r:id="rId10"/>
     <p:sldId id="265" r:id="rId11"/>
-    <p:sldId id="266" r:id="rId12"/>
-    <p:sldId id="272" r:id="rId13"/>
-    <p:sldId id="275" r:id="rId14"/>
-    <p:sldId id="273" r:id="rId15"/>
-    <p:sldId id="274" r:id="rId16"/>
-    <p:sldId id="276" r:id="rId17"/>
-    <p:sldId id="277" r:id="rId18"/>
-    <p:sldId id="267" r:id="rId19"/>
-    <p:sldId id="278" r:id="rId20"/>
-    <p:sldId id="280" r:id="rId21"/>
-    <p:sldId id="281" r:id="rId22"/>
-    <p:sldId id="268" r:id="rId23"/>
-    <p:sldId id="279" r:id="rId24"/>
-    <p:sldId id="270" r:id="rId25"/>
-    <p:sldId id="271" r:id="rId26"/>
-    <p:sldId id="269" r:id="rId27"/>
+    <p:sldId id="267" r:id="rId12"/>
+    <p:sldId id="280" r:id="rId13"/>
+    <p:sldId id="281" r:id="rId14"/>
+    <p:sldId id="289" r:id="rId15"/>
+    <p:sldId id="278" r:id="rId16"/>
+    <p:sldId id="282" r:id="rId17"/>
+    <p:sldId id="283" r:id="rId18"/>
+    <p:sldId id="284" r:id="rId19"/>
+    <p:sldId id="285" r:id="rId20"/>
+    <p:sldId id="286" r:id="rId21"/>
+    <p:sldId id="287" r:id="rId22"/>
+    <p:sldId id="288" r:id="rId23"/>
+    <p:sldId id="268" r:id="rId24"/>
+    <p:sldId id="279" r:id="rId25"/>
+    <p:sldId id="270" r:id="rId26"/>
+    <p:sldId id="271" r:id="rId27"/>
+    <p:sldId id="269" r:id="rId28"/>
   </p:sldIdLst>
   <p:sldSz cx="9144000" cy="6858000" type="screen4x3"/>
   <p:notesSz cx="6858000" cy="9144000"/>
@@ -4027,14 +4028,14 @@
           <a:p>
             <a:r>
               <a:rPr lang="fr-FR" dirty="0" smtClean="0"/>
-              <a:t>Répartition des tâches</a:t>
+              <a:t>Conception du projet</a:t>
             </a:r>
             <a:br>
               <a:rPr lang="fr-FR" dirty="0" smtClean="0"/>
             </a:br>
             <a:r>
               <a:rPr lang="fr-FR" sz="1400" dirty="0" smtClean="0"/>
-              <a:t>« Fais ça, fais ce ci. Moi je vais manger. »</a:t>
+              <a:t>« Et le concret dans tout ça ? »</a:t>
             </a:r>
             <a:endParaRPr lang="fr-FR" dirty="0"/>
           </a:p>
@@ -4043,7 +4044,7 @@
     </p:spTree>
     <p:extLst>
       <p:ext uri="{BB962C8B-B14F-4D97-AF65-F5344CB8AC3E}">
-        <p14:creationId xmlns:p14="http://schemas.microsoft.com/office/powerpoint/2010/main" val="3870814023"/>
+        <p14:creationId xmlns:p14="http://schemas.microsoft.com/office/powerpoint/2010/main" val="3723339638"/>
       </p:ext>
     </p:extLst>
   </p:cSld>
@@ -4093,36 +4094,1332 @@
           <a:lstStyle/>
           <a:p>
             <a:r>
+              <a:rPr lang="fr-FR" dirty="0" err="1" smtClean="0"/>
+              <a:t>GameObjects</a:t>
+            </a:r>
+            <a:endParaRPr lang="fr-FR" dirty="0"/>
+          </a:p>
+        </p:txBody>
+      </p:sp>
+      <p:sp>
+        <p:nvSpPr>
+          <p:cNvPr id="3" name="Rectangle 2"/>
+          <p:cNvSpPr/>
+          <p:nvPr/>
+        </p:nvSpPr>
+        <p:spPr>
+          <a:xfrm>
+            <a:off x="3595562" y="1834969"/>
+            <a:ext cx="1805136" cy="457200"/>
+          </a:xfrm>
+          <a:prstGeom prst="rect">
+            <a:avLst/>
+          </a:prstGeom>
+        </p:spPr>
+        <p:style>
+          <a:lnRef idx="2">
+            <a:schemeClr val="accent1">
+              <a:shade val="50000"/>
+            </a:schemeClr>
+          </a:lnRef>
+          <a:fillRef idx="1">
+            <a:schemeClr val="accent1"/>
+          </a:fillRef>
+          <a:effectRef idx="0">
+            <a:schemeClr val="accent1"/>
+          </a:effectRef>
+          <a:fontRef idx="minor">
+            <a:schemeClr val="lt1"/>
+          </a:fontRef>
+        </p:style>
+        <p:txBody>
+          <a:bodyPr rtlCol="0" anchor="ctr"/>
+          <a:lstStyle/>
+          <a:p>
+            <a:pPr algn="ctr"/>
+            <a:r>
+              <a:rPr lang="fr-FR" dirty="0" err="1" smtClean="0"/>
+              <a:t>AObject</a:t>
+            </a:r>
+            <a:endParaRPr lang="fr-FR" dirty="0"/>
+          </a:p>
+        </p:txBody>
+      </p:sp>
+      <p:sp>
+        <p:nvSpPr>
+          <p:cNvPr id="9" name="Rectangle 8"/>
+          <p:cNvSpPr/>
+          <p:nvPr/>
+        </p:nvSpPr>
+        <p:spPr>
+          <a:xfrm>
+            <a:off x="3595562" y="2536018"/>
+            <a:ext cx="1805136" cy="457200"/>
+          </a:xfrm>
+          <a:prstGeom prst="rect">
+            <a:avLst/>
+          </a:prstGeom>
+        </p:spPr>
+        <p:style>
+          <a:lnRef idx="2">
+            <a:schemeClr val="accent1">
+              <a:shade val="50000"/>
+            </a:schemeClr>
+          </a:lnRef>
+          <a:fillRef idx="1">
+            <a:schemeClr val="accent1"/>
+          </a:fillRef>
+          <a:effectRef idx="0">
+            <a:schemeClr val="accent1"/>
+          </a:effectRef>
+          <a:fontRef idx="minor">
+            <a:schemeClr val="lt1"/>
+          </a:fontRef>
+        </p:style>
+        <p:txBody>
+          <a:bodyPr rtlCol="0" anchor="ctr"/>
+          <a:lstStyle/>
+          <a:p>
+            <a:pPr algn="ctr"/>
+            <a:r>
+              <a:rPr lang="fr-FR" dirty="0" err="1" smtClean="0"/>
+              <a:t>AGameObject</a:t>
+            </a:r>
+            <a:endParaRPr lang="fr-FR" dirty="0"/>
+          </a:p>
+        </p:txBody>
+      </p:sp>
+      <p:cxnSp>
+        <p:nvCxnSpPr>
+          <p:cNvPr id="20" name="Connecteur droit avec flèche 19"/>
+          <p:cNvCxnSpPr>
+            <a:stCxn id="9" idx="0"/>
+            <a:endCxn id="3" idx="2"/>
+          </p:cNvCxnSpPr>
+          <p:nvPr/>
+        </p:nvCxnSpPr>
+        <p:spPr>
+          <a:xfrm flipV="1">
+            <a:off x="4498130" y="2292169"/>
+            <a:ext cx="0" cy="243849"/>
+          </a:xfrm>
+          <a:prstGeom prst="straightConnector1">
+            <a:avLst/>
+          </a:prstGeom>
+          <a:ln w="22225">
+            <a:solidFill>
+              <a:schemeClr val="accent1">
+                <a:lumMod val="75000"/>
+              </a:schemeClr>
+            </a:solidFill>
+            <a:tailEnd type="arrow"/>
+          </a:ln>
+        </p:spPr>
+        <p:style>
+          <a:lnRef idx="1">
+            <a:schemeClr val="accent1"/>
+          </a:lnRef>
+          <a:fillRef idx="0">
+            <a:schemeClr val="accent1"/>
+          </a:fillRef>
+          <a:effectRef idx="0">
+            <a:schemeClr val="accent1"/>
+          </a:effectRef>
+          <a:fontRef idx="minor">
+            <a:schemeClr val="tx1"/>
+          </a:fontRef>
+        </p:style>
+      </p:cxnSp>
+      <p:sp>
+        <p:nvSpPr>
+          <p:cNvPr id="29" name="Rectangle 28"/>
+          <p:cNvSpPr/>
+          <p:nvPr/>
+        </p:nvSpPr>
+        <p:spPr>
+          <a:xfrm>
+            <a:off x="2339752" y="3429000"/>
+            <a:ext cx="1805136" cy="457200"/>
+          </a:xfrm>
+          <a:prstGeom prst="rect">
+            <a:avLst/>
+          </a:prstGeom>
+        </p:spPr>
+        <p:style>
+          <a:lnRef idx="2">
+            <a:schemeClr val="accent1">
+              <a:shade val="50000"/>
+            </a:schemeClr>
+          </a:lnRef>
+          <a:fillRef idx="1">
+            <a:schemeClr val="accent1"/>
+          </a:fillRef>
+          <a:effectRef idx="0">
+            <a:schemeClr val="accent1"/>
+          </a:effectRef>
+          <a:fontRef idx="minor">
+            <a:schemeClr val="lt1"/>
+          </a:fontRef>
+        </p:style>
+        <p:txBody>
+          <a:bodyPr rtlCol="0" anchor="ctr"/>
+          <a:lstStyle/>
+          <a:p>
+            <a:pPr algn="ctr"/>
+            <a:r>
+              <a:rPr lang="fr-FR" dirty="0" err="1" smtClean="0"/>
+              <a:t>AGeometry</a:t>
+            </a:r>
+            <a:endParaRPr lang="fr-FR" dirty="0"/>
+          </a:p>
+        </p:txBody>
+      </p:sp>
+      <p:cxnSp>
+        <p:nvCxnSpPr>
+          <p:cNvPr id="30" name="Connecteur droit avec flèche 19"/>
+          <p:cNvCxnSpPr>
+            <a:stCxn id="29" idx="0"/>
+            <a:endCxn id="9" idx="2"/>
+          </p:cNvCxnSpPr>
+          <p:nvPr/>
+        </p:nvCxnSpPr>
+        <p:spPr>
+          <a:xfrm flipV="1">
+            <a:off x="3242320" y="2993218"/>
+            <a:ext cx="1255810" cy="435782"/>
+          </a:xfrm>
+          <a:prstGeom prst="straightConnector1">
+            <a:avLst/>
+          </a:prstGeom>
+          <a:ln w="22225">
+            <a:solidFill>
+              <a:schemeClr val="accent1">
+                <a:lumMod val="75000"/>
+              </a:schemeClr>
+            </a:solidFill>
+            <a:tailEnd type="arrow"/>
+          </a:ln>
+        </p:spPr>
+        <p:style>
+          <a:lnRef idx="1">
+            <a:schemeClr val="accent1"/>
+          </a:lnRef>
+          <a:fillRef idx="0">
+            <a:schemeClr val="accent1"/>
+          </a:fillRef>
+          <a:effectRef idx="0">
+            <a:schemeClr val="accent1"/>
+          </a:effectRef>
+          <a:fontRef idx="minor">
+            <a:schemeClr val="tx1"/>
+          </a:fontRef>
+        </p:style>
+      </p:cxnSp>
+      <p:sp>
+        <p:nvSpPr>
+          <p:cNvPr id="32" name="Rectangle 31"/>
+          <p:cNvSpPr/>
+          <p:nvPr/>
+        </p:nvSpPr>
+        <p:spPr>
+          <a:xfrm>
+            <a:off x="5051975" y="3429000"/>
+            <a:ext cx="1805136" cy="457200"/>
+          </a:xfrm>
+          <a:prstGeom prst="rect">
+            <a:avLst/>
+          </a:prstGeom>
+        </p:spPr>
+        <p:style>
+          <a:lnRef idx="2">
+            <a:schemeClr val="accent1">
+              <a:shade val="50000"/>
+            </a:schemeClr>
+          </a:lnRef>
+          <a:fillRef idx="1">
+            <a:schemeClr val="accent1"/>
+          </a:fillRef>
+          <a:effectRef idx="0">
+            <a:schemeClr val="accent1"/>
+          </a:effectRef>
+          <a:fontRef idx="minor">
+            <a:schemeClr val="lt1"/>
+          </a:fontRef>
+        </p:style>
+        <p:txBody>
+          <a:bodyPr rtlCol="0" anchor="ctr"/>
+          <a:lstStyle/>
+          <a:p>
+            <a:pPr algn="ctr"/>
+            <a:r>
+              <a:rPr lang="fr-FR" dirty="0" err="1" smtClean="0"/>
+              <a:t>AModel</a:t>
+            </a:r>
+            <a:endParaRPr lang="fr-FR" dirty="0"/>
+          </a:p>
+        </p:txBody>
+      </p:sp>
+      <p:cxnSp>
+        <p:nvCxnSpPr>
+          <p:cNvPr id="33" name="Connecteur droit avec flèche 19"/>
+          <p:cNvCxnSpPr>
+            <a:stCxn id="32" idx="0"/>
+            <a:endCxn id="9" idx="2"/>
+          </p:cNvCxnSpPr>
+          <p:nvPr/>
+        </p:nvCxnSpPr>
+        <p:spPr>
+          <a:xfrm flipH="1" flipV="1">
+            <a:off x="4498130" y="2993218"/>
+            <a:ext cx="1456413" cy="435782"/>
+          </a:xfrm>
+          <a:prstGeom prst="straightConnector1">
+            <a:avLst/>
+          </a:prstGeom>
+          <a:ln w="22225">
+            <a:solidFill>
+              <a:schemeClr val="accent1">
+                <a:lumMod val="75000"/>
+              </a:schemeClr>
+            </a:solidFill>
+            <a:tailEnd type="arrow"/>
+          </a:ln>
+        </p:spPr>
+        <p:style>
+          <a:lnRef idx="1">
+            <a:schemeClr val="accent1"/>
+          </a:lnRef>
+          <a:fillRef idx="0">
+            <a:schemeClr val="accent1"/>
+          </a:fillRef>
+          <a:effectRef idx="0">
+            <a:schemeClr val="accent1"/>
+          </a:effectRef>
+          <a:fontRef idx="minor">
+            <a:schemeClr val="tx1"/>
+          </a:fontRef>
+        </p:style>
+      </p:cxnSp>
+      <p:sp>
+        <p:nvSpPr>
+          <p:cNvPr id="51" name="Rectangle 50"/>
+          <p:cNvSpPr/>
+          <p:nvPr/>
+        </p:nvSpPr>
+        <p:spPr>
+          <a:xfrm>
+            <a:off x="1176249" y="4653136"/>
+            <a:ext cx="1805136" cy="457200"/>
+          </a:xfrm>
+          <a:prstGeom prst="rect">
+            <a:avLst/>
+          </a:prstGeom>
+        </p:spPr>
+        <p:style>
+          <a:lnRef idx="2">
+            <a:schemeClr val="accent1">
+              <a:shade val="50000"/>
+            </a:schemeClr>
+          </a:lnRef>
+          <a:fillRef idx="1">
+            <a:schemeClr val="accent1"/>
+          </a:fillRef>
+          <a:effectRef idx="0">
+            <a:schemeClr val="accent1"/>
+          </a:effectRef>
+          <a:fontRef idx="minor">
+            <a:schemeClr val="lt1"/>
+          </a:fontRef>
+        </p:style>
+        <p:txBody>
+          <a:bodyPr rtlCol="0" anchor="ctr"/>
+          <a:lstStyle/>
+          <a:p>
+            <a:pPr algn="ctr"/>
+            <a:r>
               <a:rPr lang="fr-FR" dirty="0" smtClean="0"/>
-              <a:t>Marie</a:t>
+              <a:t>Cube</a:t>
             </a:r>
             <a:endParaRPr lang="fr-FR" dirty="0"/>
           </a:p>
         </p:txBody>
       </p:sp>
-      <p:sp>
-        <p:nvSpPr>
-          <p:cNvPr id="5" name="Espace réservé du contenu 4"/>
-          <p:cNvSpPr>
-            <a:spLocks noGrp="1"/>
-          </p:cNvSpPr>
-          <p:nvPr>
-            <p:ph idx="1"/>
-          </p:nvPr>
-        </p:nvSpPr>
-        <p:spPr/>
-        <p:txBody>
-          <a:bodyPr/>
+      <p:cxnSp>
+        <p:nvCxnSpPr>
+          <p:cNvPr id="52" name="Connecteur droit avec flèche 19"/>
+          <p:cNvCxnSpPr>
+            <a:stCxn id="51" idx="0"/>
+            <a:endCxn id="29" idx="2"/>
+          </p:cNvCxnSpPr>
+          <p:nvPr/>
+        </p:nvCxnSpPr>
+        <p:spPr>
+          <a:xfrm flipV="1">
+            <a:off x="2078817" y="3886200"/>
+            <a:ext cx="1163503" cy="766936"/>
+          </a:xfrm>
+          <a:prstGeom prst="straightConnector1">
+            <a:avLst/>
+          </a:prstGeom>
+          <a:ln w="22225">
+            <a:solidFill>
+              <a:schemeClr val="accent1">
+                <a:lumMod val="75000"/>
+              </a:schemeClr>
+            </a:solidFill>
+            <a:tailEnd type="arrow"/>
+          </a:ln>
+        </p:spPr>
+        <p:style>
+          <a:lnRef idx="1">
+            <a:schemeClr val="accent1"/>
+          </a:lnRef>
+          <a:fillRef idx="0">
+            <a:schemeClr val="accent1"/>
+          </a:fillRef>
+          <a:effectRef idx="0">
+            <a:schemeClr val="accent1"/>
+          </a:effectRef>
+          <a:fontRef idx="minor">
+            <a:schemeClr val="tx1"/>
+          </a:fontRef>
+        </p:style>
+      </p:cxnSp>
+      <p:sp>
+        <p:nvSpPr>
+          <p:cNvPr id="88" name="Rectangle 87"/>
+          <p:cNvSpPr/>
+          <p:nvPr/>
+        </p:nvSpPr>
+        <p:spPr>
+          <a:xfrm>
+            <a:off x="6300192" y="4653136"/>
+            <a:ext cx="1805136" cy="457200"/>
+          </a:xfrm>
+          <a:prstGeom prst="rect">
+            <a:avLst/>
+          </a:prstGeom>
+        </p:spPr>
+        <p:style>
+          <a:lnRef idx="2">
+            <a:schemeClr val="accent1">
+              <a:shade val="50000"/>
+            </a:schemeClr>
+          </a:lnRef>
+          <a:fillRef idx="1">
+            <a:schemeClr val="accent1"/>
+          </a:fillRef>
+          <a:effectRef idx="0">
+            <a:schemeClr val="accent1"/>
+          </a:effectRef>
+          <a:fontRef idx="minor">
+            <a:schemeClr val="lt1"/>
+          </a:fontRef>
+        </p:style>
+        <p:txBody>
+          <a:bodyPr rtlCol="0" anchor="ctr"/>
           <a:lstStyle/>
           <a:p>
+            <a:pPr algn="ctr"/>
+            <a:r>
+              <a:rPr lang="fr-FR" dirty="0" smtClean="0"/>
+              <a:t>Player</a:t>
+            </a:r>
             <a:endParaRPr lang="fr-FR" dirty="0"/>
           </a:p>
         </p:txBody>
       </p:sp>
+      <p:cxnSp>
+        <p:nvCxnSpPr>
+          <p:cNvPr id="89" name="Connecteur droit avec flèche 19"/>
+          <p:cNvCxnSpPr>
+            <a:stCxn id="88" idx="0"/>
+            <a:endCxn id="32" idx="2"/>
+          </p:cNvCxnSpPr>
+          <p:nvPr/>
+        </p:nvCxnSpPr>
+        <p:spPr>
+          <a:xfrm flipH="1" flipV="1">
+            <a:off x="5954543" y="3886200"/>
+            <a:ext cx="1248217" cy="766936"/>
+          </a:xfrm>
+          <a:prstGeom prst="straightConnector1">
+            <a:avLst/>
+          </a:prstGeom>
+          <a:ln w="22225">
+            <a:solidFill>
+              <a:schemeClr val="accent1">
+                <a:lumMod val="75000"/>
+              </a:schemeClr>
+            </a:solidFill>
+            <a:tailEnd type="arrow"/>
+          </a:ln>
+        </p:spPr>
+        <p:style>
+          <a:lnRef idx="1">
+            <a:schemeClr val="accent1"/>
+          </a:lnRef>
+          <a:fillRef idx="0">
+            <a:schemeClr val="accent1"/>
+          </a:fillRef>
+          <a:effectRef idx="0">
+            <a:schemeClr val="accent1"/>
+          </a:effectRef>
+          <a:fontRef idx="minor">
+            <a:schemeClr val="tx1"/>
+          </a:fontRef>
+        </p:style>
+      </p:cxnSp>
+      <p:sp>
+        <p:nvSpPr>
+          <p:cNvPr id="92" name="Rectangle 91"/>
+          <p:cNvSpPr/>
+          <p:nvPr/>
+        </p:nvSpPr>
+        <p:spPr>
+          <a:xfrm>
+            <a:off x="4048229" y="4653136"/>
+            <a:ext cx="1805136" cy="457200"/>
+          </a:xfrm>
+          <a:prstGeom prst="rect">
+            <a:avLst/>
+          </a:prstGeom>
+        </p:spPr>
+        <p:style>
+          <a:lnRef idx="2">
+            <a:schemeClr val="accent1">
+              <a:shade val="50000"/>
+            </a:schemeClr>
+          </a:lnRef>
+          <a:fillRef idx="1">
+            <a:schemeClr val="accent1"/>
+          </a:fillRef>
+          <a:effectRef idx="0">
+            <a:schemeClr val="accent1"/>
+          </a:effectRef>
+          <a:fontRef idx="minor">
+            <a:schemeClr val="lt1"/>
+          </a:fontRef>
+        </p:style>
+        <p:txBody>
+          <a:bodyPr rtlCol="0" anchor="ctr"/>
+          <a:lstStyle/>
+          <a:p>
+            <a:pPr algn="ctr"/>
+            <a:r>
+              <a:rPr lang="fr-FR" dirty="0" err="1" smtClean="0"/>
+              <a:t>Bomb</a:t>
+            </a:r>
+            <a:endParaRPr lang="fr-FR" dirty="0"/>
+          </a:p>
+        </p:txBody>
+      </p:sp>
+      <p:cxnSp>
+        <p:nvCxnSpPr>
+          <p:cNvPr id="93" name="Connecteur droit avec flèche 19"/>
+          <p:cNvCxnSpPr>
+            <a:stCxn id="92" idx="0"/>
+            <a:endCxn id="32" idx="2"/>
+          </p:cNvCxnSpPr>
+          <p:nvPr/>
+        </p:nvCxnSpPr>
+        <p:spPr>
+          <a:xfrm flipV="1">
+            <a:off x="4950797" y="3886200"/>
+            <a:ext cx="1003746" cy="766936"/>
+          </a:xfrm>
+          <a:prstGeom prst="straightConnector1">
+            <a:avLst/>
+          </a:prstGeom>
+          <a:ln w="22225">
+            <a:solidFill>
+              <a:schemeClr val="accent1">
+                <a:lumMod val="75000"/>
+              </a:schemeClr>
+            </a:solidFill>
+            <a:tailEnd type="arrow"/>
+          </a:ln>
+        </p:spPr>
+        <p:style>
+          <a:lnRef idx="1">
+            <a:schemeClr val="accent1"/>
+          </a:lnRef>
+          <a:fillRef idx="0">
+            <a:schemeClr val="accent1"/>
+          </a:fillRef>
+          <a:effectRef idx="0">
+            <a:schemeClr val="accent1"/>
+          </a:effectRef>
+          <a:fontRef idx="minor">
+            <a:schemeClr val="tx1"/>
+          </a:fontRef>
+        </p:style>
+      </p:cxnSp>
+      <p:sp>
+        <p:nvSpPr>
+          <p:cNvPr id="95" name="Rectangle 94"/>
+          <p:cNvSpPr/>
+          <p:nvPr/>
+        </p:nvSpPr>
+        <p:spPr>
+          <a:xfrm>
+            <a:off x="5765019" y="5838215"/>
+            <a:ext cx="1126036" cy="457200"/>
+          </a:xfrm>
+          <a:prstGeom prst="rect">
+            <a:avLst/>
+          </a:prstGeom>
+        </p:spPr>
+        <p:style>
+          <a:lnRef idx="2">
+            <a:schemeClr val="accent1">
+              <a:shade val="50000"/>
+            </a:schemeClr>
+          </a:lnRef>
+          <a:fillRef idx="1">
+            <a:schemeClr val="accent1"/>
+          </a:fillRef>
+          <a:effectRef idx="0">
+            <a:schemeClr val="accent1"/>
+          </a:effectRef>
+          <a:fontRef idx="minor">
+            <a:schemeClr val="lt1"/>
+          </a:fontRef>
+        </p:style>
+        <p:txBody>
+          <a:bodyPr rtlCol="0" anchor="ctr"/>
+          <a:lstStyle/>
+          <a:p>
+            <a:pPr algn="ctr"/>
+            <a:r>
+              <a:rPr lang="fr-FR" dirty="0" smtClean="0"/>
+              <a:t>Marvin</a:t>
+            </a:r>
+            <a:endParaRPr lang="fr-FR" dirty="0"/>
+          </a:p>
+        </p:txBody>
+      </p:sp>
+      <p:cxnSp>
+        <p:nvCxnSpPr>
+          <p:cNvPr id="96" name="Connecteur droit avec flèche 19"/>
+          <p:cNvCxnSpPr>
+            <a:stCxn id="95" idx="0"/>
+            <a:endCxn id="88" idx="2"/>
+          </p:cNvCxnSpPr>
+          <p:nvPr/>
+        </p:nvCxnSpPr>
+        <p:spPr>
+          <a:xfrm flipV="1">
+            <a:off x="6328037" y="5110336"/>
+            <a:ext cx="874723" cy="727879"/>
+          </a:xfrm>
+          <a:prstGeom prst="straightConnector1">
+            <a:avLst/>
+          </a:prstGeom>
+          <a:ln w="22225">
+            <a:solidFill>
+              <a:schemeClr val="accent1">
+                <a:lumMod val="75000"/>
+              </a:schemeClr>
+            </a:solidFill>
+            <a:tailEnd type="arrow"/>
+          </a:ln>
+        </p:spPr>
+        <p:style>
+          <a:lnRef idx="1">
+            <a:schemeClr val="accent1"/>
+          </a:lnRef>
+          <a:fillRef idx="0">
+            <a:schemeClr val="accent1"/>
+          </a:fillRef>
+          <a:effectRef idx="0">
+            <a:schemeClr val="accent1"/>
+          </a:effectRef>
+          <a:fontRef idx="minor">
+            <a:schemeClr val="tx1"/>
+          </a:fontRef>
+        </p:style>
+      </p:cxnSp>
+      <p:sp>
+        <p:nvSpPr>
+          <p:cNvPr id="98" name="Rectangle 97"/>
+          <p:cNvSpPr/>
+          <p:nvPr/>
+        </p:nvSpPr>
+        <p:spPr>
+          <a:xfrm>
+            <a:off x="7607461" y="5838215"/>
+            <a:ext cx="995734" cy="457200"/>
+          </a:xfrm>
+          <a:prstGeom prst="rect">
+            <a:avLst/>
+          </a:prstGeom>
+        </p:spPr>
+        <p:style>
+          <a:lnRef idx="2">
+            <a:schemeClr val="accent1">
+              <a:shade val="50000"/>
+            </a:schemeClr>
+          </a:lnRef>
+          <a:fillRef idx="1">
+            <a:schemeClr val="accent1"/>
+          </a:fillRef>
+          <a:effectRef idx="0">
+            <a:schemeClr val="accent1"/>
+          </a:effectRef>
+          <a:fontRef idx="minor">
+            <a:schemeClr val="lt1"/>
+          </a:fontRef>
+        </p:style>
+        <p:txBody>
+          <a:bodyPr rtlCol="0" anchor="ctr"/>
+          <a:lstStyle/>
+          <a:p>
+            <a:pPr algn="ctr"/>
+            <a:r>
+              <a:rPr lang="fr-FR" dirty="0" smtClean="0"/>
+              <a:t>IA</a:t>
+            </a:r>
+            <a:endParaRPr lang="fr-FR" dirty="0"/>
+          </a:p>
+        </p:txBody>
+      </p:sp>
+      <p:cxnSp>
+        <p:nvCxnSpPr>
+          <p:cNvPr id="99" name="Connecteur droit avec flèche 19"/>
+          <p:cNvCxnSpPr>
+            <a:stCxn id="98" idx="0"/>
+            <a:endCxn id="88" idx="2"/>
+          </p:cNvCxnSpPr>
+          <p:nvPr/>
+        </p:nvCxnSpPr>
+        <p:spPr>
+          <a:xfrm flipH="1" flipV="1">
+            <a:off x="7202760" y="5110336"/>
+            <a:ext cx="902568" cy="727879"/>
+          </a:xfrm>
+          <a:prstGeom prst="straightConnector1">
+            <a:avLst/>
+          </a:prstGeom>
+          <a:ln w="22225">
+            <a:solidFill>
+              <a:schemeClr val="accent1">
+                <a:lumMod val="75000"/>
+              </a:schemeClr>
+            </a:solidFill>
+            <a:tailEnd type="arrow"/>
+          </a:ln>
+        </p:spPr>
+        <p:style>
+          <a:lnRef idx="1">
+            <a:schemeClr val="accent1"/>
+          </a:lnRef>
+          <a:fillRef idx="0">
+            <a:schemeClr val="accent1"/>
+          </a:fillRef>
+          <a:effectRef idx="0">
+            <a:schemeClr val="accent1"/>
+          </a:effectRef>
+          <a:fontRef idx="minor">
+            <a:schemeClr val="tx1"/>
+          </a:fontRef>
+        </p:style>
+      </p:cxnSp>
+      <p:sp>
+        <p:nvSpPr>
+          <p:cNvPr id="148" name="Rectangle 147"/>
+          <p:cNvSpPr/>
+          <p:nvPr/>
+        </p:nvSpPr>
+        <p:spPr>
+          <a:xfrm>
+            <a:off x="671203" y="5844542"/>
+            <a:ext cx="711229" cy="457200"/>
+          </a:xfrm>
+          <a:prstGeom prst="rect">
+            <a:avLst/>
+          </a:prstGeom>
+        </p:spPr>
+        <p:style>
+          <a:lnRef idx="2">
+            <a:schemeClr val="accent1">
+              <a:shade val="50000"/>
+            </a:schemeClr>
+          </a:lnRef>
+          <a:fillRef idx="1">
+            <a:schemeClr val="accent1"/>
+          </a:fillRef>
+          <a:effectRef idx="0">
+            <a:schemeClr val="accent1"/>
+          </a:effectRef>
+          <a:fontRef idx="minor">
+            <a:schemeClr val="lt1"/>
+          </a:fontRef>
+        </p:style>
+        <p:txBody>
+          <a:bodyPr rtlCol="0" anchor="ctr"/>
+          <a:lstStyle/>
+          <a:p>
+            <a:pPr algn="ctr"/>
+            <a:r>
+              <a:rPr lang="fr-FR" dirty="0" smtClean="0"/>
+              <a:t>Wall</a:t>
+            </a:r>
+            <a:endParaRPr lang="fr-FR" dirty="0"/>
+          </a:p>
+        </p:txBody>
+      </p:sp>
+      <p:cxnSp>
+        <p:nvCxnSpPr>
+          <p:cNvPr id="149" name="Connecteur droit avec flèche 19"/>
+          <p:cNvCxnSpPr>
+            <a:stCxn id="148" idx="0"/>
+            <a:endCxn id="51" idx="2"/>
+          </p:cNvCxnSpPr>
+          <p:nvPr/>
+        </p:nvCxnSpPr>
+        <p:spPr>
+          <a:xfrm flipV="1">
+            <a:off x="1026818" y="5110336"/>
+            <a:ext cx="1051999" cy="734206"/>
+          </a:xfrm>
+          <a:prstGeom prst="straightConnector1">
+            <a:avLst/>
+          </a:prstGeom>
+          <a:ln w="22225">
+            <a:solidFill>
+              <a:schemeClr val="accent1">
+                <a:lumMod val="75000"/>
+              </a:schemeClr>
+            </a:solidFill>
+            <a:tailEnd type="arrow"/>
+          </a:ln>
+        </p:spPr>
+        <p:style>
+          <a:lnRef idx="1">
+            <a:schemeClr val="accent1"/>
+          </a:lnRef>
+          <a:fillRef idx="0">
+            <a:schemeClr val="accent1"/>
+          </a:fillRef>
+          <a:effectRef idx="0">
+            <a:schemeClr val="accent1"/>
+          </a:effectRef>
+          <a:fontRef idx="minor">
+            <a:schemeClr val="tx1"/>
+          </a:fontRef>
+        </p:style>
+      </p:cxnSp>
+      <p:sp>
+        <p:nvSpPr>
+          <p:cNvPr id="156" name="Rectangle 155"/>
+          <p:cNvSpPr/>
+          <p:nvPr/>
+        </p:nvSpPr>
+        <p:spPr>
+          <a:xfrm>
+            <a:off x="1723202" y="5838215"/>
+            <a:ext cx="711229" cy="457200"/>
+          </a:xfrm>
+          <a:prstGeom prst="rect">
+            <a:avLst/>
+          </a:prstGeom>
+        </p:spPr>
+        <p:style>
+          <a:lnRef idx="2">
+            <a:schemeClr val="accent1">
+              <a:shade val="50000"/>
+            </a:schemeClr>
+          </a:lnRef>
+          <a:fillRef idx="1">
+            <a:schemeClr val="accent1"/>
+          </a:fillRef>
+          <a:effectRef idx="0">
+            <a:schemeClr val="accent1"/>
+          </a:effectRef>
+          <a:fontRef idx="minor">
+            <a:schemeClr val="lt1"/>
+          </a:fontRef>
+        </p:style>
+        <p:txBody>
+          <a:bodyPr rtlCol="0" anchor="ctr"/>
+          <a:lstStyle/>
+          <a:p>
+            <a:pPr algn="ctr"/>
+            <a:r>
+              <a:rPr lang="fr-FR" dirty="0" smtClean="0"/>
+              <a:t>Box</a:t>
+            </a:r>
+            <a:endParaRPr lang="fr-FR" dirty="0"/>
+          </a:p>
+        </p:txBody>
+      </p:sp>
+      <p:cxnSp>
+        <p:nvCxnSpPr>
+          <p:cNvPr id="157" name="Connecteur droit avec flèche 19"/>
+          <p:cNvCxnSpPr>
+            <a:stCxn id="156" idx="0"/>
+            <a:endCxn id="51" idx="2"/>
+          </p:cNvCxnSpPr>
+          <p:nvPr/>
+        </p:nvCxnSpPr>
+        <p:spPr>
+          <a:xfrm flipV="1">
+            <a:off x="2078817" y="5110336"/>
+            <a:ext cx="0" cy="727879"/>
+          </a:xfrm>
+          <a:prstGeom prst="straightConnector1">
+            <a:avLst/>
+          </a:prstGeom>
+          <a:ln w="22225">
+            <a:solidFill>
+              <a:schemeClr val="accent1">
+                <a:lumMod val="75000"/>
+              </a:schemeClr>
+            </a:solidFill>
+            <a:tailEnd type="arrow"/>
+          </a:ln>
+        </p:spPr>
+        <p:style>
+          <a:lnRef idx="1">
+            <a:schemeClr val="accent1"/>
+          </a:lnRef>
+          <a:fillRef idx="0">
+            <a:schemeClr val="accent1"/>
+          </a:fillRef>
+          <a:effectRef idx="0">
+            <a:schemeClr val="accent1"/>
+          </a:effectRef>
+          <a:fontRef idx="minor">
+            <a:schemeClr val="tx1"/>
+          </a:fontRef>
+        </p:style>
+      </p:cxnSp>
+      <p:sp>
+        <p:nvSpPr>
+          <p:cNvPr id="158" name="Rectangle 157"/>
+          <p:cNvSpPr/>
+          <p:nvPr/>
+        </p:nvSpPr>
+        <p:spPr>
+          <a:xfrm>
+            <a:off x="2776132" y="5838215"/>
+            <a:ext cx="711229" cy="457200"/>
+          </a:xfrm>
+          <a:prstGeom prst="rect">
+            <a:avLst/>
+          </a:prstGeom>
+        </p:spPr>
+        <p:style>
+          <a:lnRef idx="2">
+            <a:schemeClr val="accent1">
+              <a:shade val="50000"/>
+            </a:schemeClr>
+          </a:lnRef>
+          <a:fillRef idx="1">
+            <a:schemeClr val="accent1"/>
+          </a:fillRef>
+          <a:effectRef idx="0">
+            <a:schemeClr val="accent1"/>
+          </a:effectRef>
+          <a:fontRef idx="minor">
+            <a:schemeClr val="lt1"/>
+          </a:fontRef>
+        </p:style>
+        <p:txBody>
+          <a:bodyPr rtlCol="0" anchor="ctr"/>
+          <a:lstStyle/>
+          <a:p>
+            <a:pPr algn="ctr"/>
+            <a:r>
+              <a:rPr lang="fr-FR" dirty="0" smtClean="0"/>
+              <a:t>…</a:t>
+            </a:r>
+            <a:endParaRPr lang="fr-FR" dirty="0"/>
+          </a:p>
+        </p:txBody>
+      </p:sp>
+      <p:cxnSp>
+        <p:nvCxnSpPr>
+          <p:cNvPr id="159" name="Connecteur droit avec flèche 19"/>
+          <p:cNvCxnSpPr>
+            <a:stCxn id="158" idx="0"/>
+            <a:endCxn id="51" idx="2"/>
+          </p:cNvCxnSpPr>
+          <p:nvPr/>
+        </p:nvCxnSpPr>
+        <p:spPr>
+          <a:xfrm flipH="1" flipV="1">
+            <a:off x="2078817" y="5110336"/>
+            <a:ext cx="1052930" cy="727879"/>
+          </a:xfrm>
+          <a:prstGeom prst="straightConnector1">
+            <a:avLst/>
+          </a:prstGeom>
+          <a:ln w="22225">
+            <a:solidFill>
+              <a:schemeClr val="accent1">
+                <a:lumMod val="75000"/>
+              </a:schemeClr>
+            </a:solidFill>
+            <a:tailEnd type="arrow"/>
+          </a:ln>
+        </p:spPr>
+        <p:style>
+          <a:lnRef idx="1">
+            <a:schemeClr val="accent1"/>
+          </a:lnRef>
+          <a:fillRef idx="0">
+            <a:schemeClr val="accent1"/>
+          </a:fillRef>
+          <a:effectRef idx="0">
+            <a:schemeClr val="accent1"/>
+          </a:effectRef>
+          <a:fontRef idx="minor">
+            <a:schemeClr val="tx1"/>
+          </a:fontRef>
+        </p:style>
+      </p:cxnSp>
+      <p:sp>
+        <p:nvSpPr>
+          <p:cNvPr id="204" name="Rectangle 203"/>
+          <p:cNvSpPr/>
+          <p:nvPr/>
+        </p:nvSpPr>
+        <p:spPr>
+          <a:xfrm>
+            <a:off x="5736507" y="1834969"/>
+            <a:ext cx="1805136" cy="457200"/>
+          </a:xfrm>
+          <a:prstGeom prst="rect">
+            <a:avLst/>
+          </a:prstGeom>
+          <a:noFill/>
+        </p:spPr>
+        <p:style>
+          <a:lnRef idx="2">
+            <a:schemeClr val="accent2"/>
+          </a:lnRef>
+          <a:fillRef idx="1">
+            <a:schemeClr val="lt1"/>
+          </a:fillRef>
+          <a:effectRef idx="0">
+            <a:schemeClr val="accent2"/>
+          </a:effectRef>
+          <a:fontRef idx="minor">
+            <a:schemeClr val="dk1"/>
+          </a:fontRef>
+        </p:style>
+        <p:txBody>
+          <a:bodyPr rtlCol="0" anchor="ctr"/>
+          <a:lstStyle/>
+          <a:p>
+            <a:pPr algn="ctr"/>
+            <a:r>
+              <a:rPr lang="fr-FR" dirty="0" smtClean="0">
+                <a:solidFill>
+                  <a:schemeClr val="tx1"/>
+                </a:solidFill>
+              </a:rPr>
+              <a:t>Transformation</a:t>
+            </a:r>
+            <a:endParaRPr lang="fr-FR" dirty="0">
+              <a:solidFill>
+                <a:schemeClr val="tx1"/>
+              </a:solidFill>
+            </a:endParaRPr>
+          </a:p>
+        </p:txBody>
+      </p:sp>
+      <p:sp>
+        <p:nvSpPr>
+          <p:cNvPr id="205" name="Rectangle 204"/>
+          <p:cNvSpPr/>
+          <p:nvPr/>
+        </p:nvSpPr>
+        <p:spPr>
+          <a:xfrm>
+            <a:off x="5736507" y="2536018"/>
+            <a:ext cx="1805136" cy="457200"/>
+          </a:xfrm>
+          <a:prstGeom prst="rect">
+            <a:avLst/>
+          </a:prstGeom>
+          <a:noFill/>
+        </p:spPr>
+        <p:style>
+          <a:lnRef idx="2">
+            <a:schemeClr val="accent2"/>
+          </a:lnRef>
+          <a:fillRef idx="1">
+            <a:schemeClr val="lt1"/>
+          </a:fillRef>
+          <a:effectRef idx="0">
+            <a:schemeClr val="accent2"/>
+          </a:effectRef>
+          <a:fontRef idx="minor">
+            <a:schemeClr val="dk1"/>
+          </a:fontRef>
+        </p:style>
+        <p:txBody>
+          <a:bodyPr rtlCol="0" anchor="ctr"/>
+          <a:lstStyle/>
+          <a:p>
+            <a:pPr algn="ctr"/>
+            <a:r>
+              <a:rPr lang="fr-FR" dirty="0" smtClean="0">
+                <a:solidFill>
+                  <a:schemeClr val="tx1"/>
+                </a:solidFill>
+              </a:rPr>
+              <a:t>Collision</a:t>
+            </a:r>
+            <a:endParaRPr lang="fr-FR" dirty="0">
+              <a:solidFill>
+                <a:schemeClr val="tx1"/>
+              </a:solidFill>
+            </a:endParaRPr>
+          </a:p>
+        </p:txBody>
+      </p:sp>
+      <p:sp>
+        <p:nvSpPr>
+          <p:cNvPr id="206" name="Rectangle 205"/>
+          <p:cNvSpPr/>
+          <p:nvPr/>
+        </p:nvSpPr>
+        <p:spPr>
+          <a:xfrm>
+            <a:off x="7340209" y="3429000"/>
+            <a:ext cx="1262986" cy="457200"/>
+          </a:xfrm>
+          <a:prstGeom prst="rect">
+            <a:avLst/>
+          </a:prstGeom>
+          <a:noFill/>
+        </p:spPr>
+        <p:style>
+          <a:lnRef idx="2">
+            <a:schemeClr val="accent2"/>
+          </a:lnRef>
+          <a:fillRef idx="1">
+            <a:schemeClr val="lt1"/>
+          </a:fillRef>
+          <a:effectRef idx="0">
+            <a:schemeClr val="accent2"/>
+          </a:effectRef>
+          <a:fontRef idx="minor">
+            <a:schemeClr val="dk1"/>
+          </a:fontRef>
+        </p:style>
+        <p:txBody>
+          <a:bodyPr rtlCol="0" anchor="ctr"/>
+          <a:lstStyle/>
+          <a:p>
+            <a:pPr algn="ctr"/>
+            <a:r>
+              <a:rPr lang="fr-FR" dirty="0" smtClean="0">
+                <a:solidFill>
+                  <a:schemeClr val="tx1"/>
+                </a:solidFill>
+              </a:rPr>
+              <a:t>Model</a:t>
+            </a:r>
+            <a:endParaRPr lang="fr-FR" dirty="0">
+              <a:solidFill>
+                <a:schemeClr val="tx1"/>
+              </a:solidFill>
+            </a:endParaRPr>
+          </a:p>
+        </p:txBody>
+      </p:sp>
+      <p:sp>
+        <p:nvSpPr>
+          <p:cNvPr id="207" name="Rectangle 206"/>
+          <p:cNvSpPr/>
+          <p:nvPr/>
+        </p:nvSpPr>
+        <p:spPr>
+          <a:xfrm>
+            <a:off x="323528" y="3429000"/>
+            <a:ext cx="1611272" cy="457200"/>
+          </a:xfrm>
+          <a:prstGeom prst="rect">
+            <a:avLst/>
+          </a:prstGeom>
+          <a:noFill/>
+        </p:spPr>
+        <p:style>
+          <a:lnRef idx="2">
+            <a:schemeClr val="accent2"/>
+          </a:lnRef>
+          <a:fillRef idx="1">
+            <a:schemeClr val="lt1"/>
+          </a:fillRef>
+          <a:effectRef idx="0">
+            <a:schemeClr val="accent2"/>
+          </a:effectRef>
+          <a:fontRef idx="minor">
+            <a:schemeClr val="dk1"/>
+          </a:fontRef>
+        </p:style>
+        <p:txBody>
+          <a:bodyPr rtlCol="0" anchor="ctr"/>
+          <a:lstStyle/>
+          <a:p>
+            <a:pPr algn="ctr"/>
+            <a:r>
+              <a:rPr lang="fr-FR" dirty="0" err="1" smtClean="0">
+                <a:solidFill>
+                  <a:schemeClr val="tx1"/>
+                </a:solidFill>
+              </a:rPr>
+              <a:t>Geometrie</a:t>
+            </a:r>
+            <a:endParaRPr lang="fr-FR" dirty="0">
+              <a:solidFill>
+                <a:schemeClr val="tx1"/>
+              </a:solidFill>
+            </a:endParaRPr>
+          </a:p>
+        </p:txBody>
+      </p:sp>
+      <p:cxnSp>
+        <p:nvCxnSpPr>
+          <p:cNvPr id="209" name="Straight Connector 208"/>
+          <p:cNvCxnSpPr>
+            <a:stCxn id="3" idx="3"/>
+            <a:endCxn id="204" idx="1"/>
+          </p:cNvCxnSpPr>
+          <p:nvPr/>
+        </p:nvCxnSpPr>
+        <p:spPr>
+          <a:xfrm>
+            <a:off x="5400698" y="2063569"/>
+            <a:ext cx="335809" cy="0"/>
+          </a:xfrm>
+          <a:prstGeom prst="line">
+            <a:avLst/>
+          </a:prstGeom>
+        </p:spPr>
+        <p:style>
+          <a:lnRef idx="1">
+            <a:schemeClr val="accent3"/>
+          </a:lnRef>
+          <a:fillRef idx="0">
+            <a:schemeClr val="accent3"/>
+          </a:fillRef>
+          <a:effectRef idx="0">
+            <a:schemeClr val="accent3"/>
+          </a:effectRef>
+          <a:fontRef idx="minor">
+            <a:schemeClr val="tx1"/>
+          </a:fontRef>
+        </p:style>
+      </p:cxnSp>
+      <p:cxnSp>
+        <p:nvCxnSpPr>
+          <p:cNvPr id="210" name="Straight Connector 209"/>
+          <p:cNvCxnSpPr>
+            <a:stCxn id="9" idx="3"/>
+            <a:endCxn id="205" idx="1"/>
+          </p:cNvCxnSpPr>
+          <p:nvPr/>
+        </p:nvCxnSpPr>
+        <p:spPr>
+          <a:xfrm>
+            <a:off x="5400698" y="2764618"/>
+            <a:ext cx="335809" cy="0"/>
+          </a:xfrm>
+          <a:prstGeom prst="line">
+            <a:avLst/>
+          </a:prstGeom>
+        </p:spPr>
+        <p:style>
+          <a:lnRef idx="1">
+            <a:schemeClr val="accent3"/>
+          </a:lnRef>
+          <a:fillRef idx="0">
+            <a:schemeClr val="accent3"/>
+          </a:fillRef>
+          <a:effectRef idx="0">
+            <a:schemeClr val="accent3"/>
+          </a:effectRef>
+          <a:fontRef idx="minor">
+            <a:schemeClr val="tx1"/>
+          </a:fontRef>
+        </p:style>
+      </p:cxnSp>
+      <p:cxnSp>
+        <p:nvCxnSpPr>
+          <p:cNvPr id="213" name="Straight Connector 212"/>
+          <p:cNvCxnSpPr>
+            <a:stCxn id="32" idx="3"/>
+            <a:endCxn id="206" idx="1"/>
+          </p:cNvCxnSpPr>
+          <p:nvPr/>
+        </p:nvCxnSpPr>
+        <p:spPr>
+          <a:xfrm>
+            <a:off x="6857111" y="3657600"/>
+            <a:ext cx="483098" cy="0"/>
+          </a:xfrm>
+          <a:prstGeom prst="line">
+            <a:avLst/>
+          </a:prstGeom>
+        </p:spPr>
+        <p:style>
+          <a:lnRef idx="1">
+            <a:schemeClr val="accent3"/>
+          </a:lnRef>
+          <a:fillRef idx="0">
+            <a:schemeClr val="accent3"/>
+          </a:fillRef>
+          <a:effectRef idx="0">
+            <a:schemeClr val="accent3"/>
+          </a:effectRef>
+          <a:fontRef idx="minor">
+            <a:schemeClr val="tx1"/>
+          </a:fontRef>
+        </p:style>
+      </p:cxnSp>
+      <p:cxnSp>
+        <p:nvCxnSpPr>
+          <p:cNvPr id="216" name="Straight Connector 215"/>
+          <p:cNvCxnSpPr>
+            <a:stCxn id="207" idx="3"/>
+            <a:endCxn id="29" idx="1"/>
+          </p:cNvCxnSpPr>
+          <p:nvPr/>
+        </p:nvCxnSpPr>
+        <p:spPr>
+          <a:xfrm>
+            <a:off x="1934800" y="3657600"/>
+            <a:ext cx="404952" cy="0"/>
+          </a:xfrm>
+          <a:prstGeom prst="line">
+            <a:avLst/>
+          </a:prstGeom>
+        </p:spPr>
+        <p:style>
+          <a:lnRef idx="1">
+            <a:schemeClr val="accent3"/>
+          </a:lnRef>
+          <a:fillRef idx="0">
+            <a:schemeClr val="accent3"/>
+          </a:fillRef>
+          <a:effectRef idx="0">
+            <a:schemeClr val="accent3"/>
+          </a:effectRef>
+          <a:fontRef idx="minor">
+            <a:schemeClr val="tx1"/>
+          </a:fontRef>
+        </p:style>
+      </p:cxnSp>
     </p:spTree>
     <p:extLst>
       <p:ext uri="{BB962C8B-B14F-4D97-AF65-F5344CB8AC3E}">
-        <p14:creationId xmlns:p14="http://schemas.microsoft.com/office/powerpoint/2010/main" val="771633158"/>
+        <p14:creationId xmlns:p14="http://schemas.microsoft.com/office/powerpoint/2010/main" val="457603180"/>
       </p:ext>
     </p:extLst>
   </p:cSld>
@@ -4172,8 +5469,8 @@
           <a:lstStyle/>
           <a:p>
             <a:r>
-              <a:rPr lang="fr-FR" dirty="0" smtClean="0"/>
-              <a:t>Nicolas</a:t>
+              <a:rPr lang="fr-FR" dirty="0" err="1" smtClean="0"/>
+              <a:t>Widgets</a:t>
             </a:r>
             <a:endParaRPr lang="fr-FR" dirty="0"/>
           </a:p>
@@ -4181,71 +5478,474 @@
       </p:sp>
       <p:sp>
         <p:nvSpPr>
-          <p:cNvPr id="5" name="Espace réservé du contenu 4"/>
-          <p:cNvSpPr>
-            <a:spLocks noGrp="1"/>
-          </p:cNvSpPr>
-          <p:nvPr>
-            <p:ph idx="1"/>
-          </p:nvPr>
-        </p:nvSpPr>
-        <p:spPr/>
-        <p:txBody>
-          <a:bodyPr/>
+          <p:cNvPr id="3" name="Rectangle 2"/>
+          <p:cNvSpPr/>
+          <p:nvPr/>
+        </p:nvSpPr>
+        <p:spPr>
+          <a:xfrm>
+            <a:off x="3595562" y="1834969"/>
+            <a:ext cx="1805136" cy="457200"/>
+          </a:xfrm>
+          <a:prstGeom prst="rect">
+            <a:avLst/>
+          </a:prstGeom>
+        </p:spPr>
+        <p:style>
+          <a:lnRef idx="2">
+            <a:schemeClr val="accent1">
+              <a:shade val="50000"/>
+            </a:schemeClr>
+          </a:lnRef>
+          <a:fillRef idx="1">
+            <a:schemeClr val="accent1"/>
+          </a:fillRef>
+          <a:effectRef idx="0">
+            <a:schemeClr val="accent1"/>
+          </a:effectRef>
+          <a:fontRef idx="minor">
+            <a:schemeClr val="lt1"/>
+          </a:fontRef>
+        </p:style>
+        <p:txBody>
+          <a:bodyPr rtlCol="0" anchor="ctr"/>
           <a:lstStyle/>
           <a:p>
-            <a:r>
-              <a:rPr lang="fr-FR" dirty="0" smtClean="0"/>
-              <a:t>Responsable de la gestion des Game objets:</a:t>
-            </a:r>
-          </a:p>
-          <a:p>
-            <a:pPr lvl="1"/>
-            <a:r>
-              <a:rPr lang="fr-FR" dirty="0" smtClean="0"/>
-              <a:t>Architecture</a:t>
-            </a:r>
-          </a:p>
-          <a:p>
-            <a:pPr lvl="1"/>
-            <a:r>
-              <a:rPr lang="fr-FR" dirty="0" smtClean="0"/>
-              <a:t>Implémentation</a:t>
+            <a:pPr algn="ctr"/>
+            <a:r>
+              <a:rPr lang="fr-FR" dirty="0" err="1" smtClean="0"/>
+              <a:t>AObject</a:t>
             </a:r>
             <a:endParaRPr lang="fr-FR" dirty="0"/>
           </a:p>
-          <a:p>
-            <a:pPr lvl="1"/>
-            <a:endParaRPr lang="fr-FR" dirty="0" smtClean="0"/>
-          </a:p>
-          <a:p>
-            <a:r>
-              <a:rPr lang="fr-FR" dirty="0" smtClean="0"/>
-              <a:t>Responsable du rendu visuel:</a:t>
-            </a:r>
-          </a:p>
-          <a:p>
-            <a:pPr lvl="1"/>
-            <a:r>
-              <a:rPr lang="fr-FR" dirty="0" smtClean="0"/>
-              <a:t>Chargement des modèles</a:t>
-            </a:r>
-            <a:endParaRPr lang="fr-FR" dirty="0" smtClean="0"/>
-          </a:p>
-          <a:p>
-            <a:pPr lvl="1"/>
-            <a:r>
-              <a:rPr lang="fr-FR" dirty="0" smtClean="0"/>
-              <a:t>Gestion des animations</a:t>
-            </a:r>
-            <a:endParaRPr lang="fr-FR" dirty="0" smtClean="0"/>
-          </a:p>
-        </p:txBody>
-      </p:sp>
+        </p:txBody>
+      </p:sp>
+      <p:sp>
+        <p:nvSpPr>
+          <p:cNvPr id="204" name="Rectangle 203"/>
+          <p:cNvSpPr/>
+          <p:nvPr/>
+        </p:nvSpPr>
+        <p:spPr>
+          <a:xfrm>
+            <a:off x="5736507" y="1834969"/>
+            <a:ext cx="1805136" cy="457200"/>
+          </a:xfrm>
+          <a:prstGeom prst="rect">
+            <a:avLst/>
+          </a:prstGeom>
+          <a:noFill/>
+        </p:spPr>
+        <p:style>
+          <a:lnRef idx="2">
+            <a:schemeClr val="accent2"/>
+          </a:lnRef>
+          <a:fillRef idx="1">
+            <a:schemeClr val="lt1"/>
+          </a:fillRef>
+          <a:effectRef idx="0">
+            <a:schemeClr val="accent2"/>
+          </a:effectRef>
+          <a:fontRef idx="minor">
+            <a:schemeClr val="dk1"/>
+          </a:fontRef>
+        </p:style>
+        <p:txBody>
+          <a:bodyPr rtlCol="0" anchor="ctr"/>
+          <a:lstStyle/>
+          <a:p>
+            <a:pPr algn="ctr"/>
+            <a:r>
+              <a:rPr lang="fr-FR" dirty="0" smtClean="0">
+                <a:solidFill>
+                  <a:schemeClr val="tx1"/>
+                </a:solidFill>
+              </a:rPr>
+              <a:t>Transformation</a:t>
+            </a:r>
+            <a:endParaRPr lang="fr-FR" dirty="0">
+              <a:solidFill>
+                <a:schemeClr val="tx1"/>
+              </a:solidFill>
+            </a:endParaRPr>
+          </a:p>
+        </p:txBody>
+      </p:sp>
+      <p:cxnSp>
+        <p:nvCxnSpPr>
+          <p:cNvPr id="209" name="Straight Connector 208"/>
+          <p:cNvCxnSpPr>
+            <a:stCxn id="3" idx="3"/>
+            <a:endCxn id="204" idx="1"/>
+          </p:cNvCxnSpPr>
+          <p:nvPr/>
+        </p:nvCxnSpPr>
+        <p:spPr>
+          <a:xfrm>
+            <a:off x="5400698" y="2063569"/>
+            <a:ext cx="335809" cy="0"/>
+          </a:xfrm>
+          <a:prstGeom prst="line">
+            <a:avLst/>
+          </a:prstGeom>
+        </p:spPr>
+        <p:style>
+          <a:lnRef idx="1">
+            <a:schemeClr val="accent3"/>
+          </a:lnRef>
+          <a:fillRef idx="0">
+            <a:schemeClr val="accent3"/>
+          </a:fillRef>
+          <a:effectRef idx="0">
+            <a:schemeClr val="accent3"/>
+          </a:effectRef>
+          <a:fontRef idx="minor">
+            <a:schemeClr val="tx1"/>
+          </a:fontRef>
+        </p:style>
+      </p:cxnSp>
+      <p:sp>
+        <p:nvSpPr>
+          <p:cNvPr id="36" name="Rectangle 35"/>
+          <p:cNvSpPr/>
+          <p:nvPr/>
+        </p:nvSpPr>
+        <p:spPr>
+          <a:xfrm>
+            <a:off x="2411760" y="3567161"/>
+            <a:ext cx="1805136" cy="457200"/>
+          </a:xfrm>
+          <a:prstGeom prst="rect">
+            <a:avLst/>
+          </a:prstGeom>
+        </p:spPr>
+        <p:style>
+          <a:lnRef idx="2">
+            <a:schemeClr val="accent1">
+              <a:shade val="50000"/>
+            </a:schemeClr>
+          </a:lnRef>
+          <a:fillRef idx="1">
+            <a:schemeClr val="accent1"/>
+          </a:fillRef>
+          <a:effectRef idx="0">
+            <a:schemeClr val="accent1"/>
+          </a:effectRef>
+          <a:fontRef idx="minor">
+            <a:schemeClr val="lt1"/>
+          </a:fontRef>
+        </p:style>
+        <p:txBody>
+          <a:bodyPr rtlCol="0" anchor="ctr"/>
+          <a:lstStyle/>
+          <a:p>
+            <a:pPr algn="ctr"/>
+            <a:r>
+              <a:rPr lang="fr-FR" dirty="0" err="1" smtClean="0"/>
+              <a:t>Cursor</a:t>
+            </a:r>
+            <a:endParaRPr lang="fr-FR" dirty="0"/>
+          </a:p>
+        </p:txBody>
+      </p:sp>
+      <p:cxnSp>
+        <p:nvCxnSpPr>
+          <p:cNvPr id="37" name="Connecteur droit avec flèche 19"/>
+          <p:cNvCxnSpPr>
+            <a:stCxn id="36" idx="0"/>
+            <a:endCxn id="3" idx="2"/>
+          </p:cNvCxnSpPr>
+          <p:nvPr/>
+        </p:nvCxnSpPr>
+        <p:spPr>
+          <a:xfrm flipV="1">
+            <a:off x="3314328" y="2292169"/>
+            <a:ext cx="1183802" cy="1274992"/>
+          </a:xfrm>
+          <a:prstGeom prst="straightConnector1">
+            <a:avLst/>
+          </a:prstGeom>
+          <a:ln w="22225">
+            <a:solidFill>
+              <a:schemeClr val="accent1">
+                <a:lumMod val="75000"/>
+              </a:schemeClr>
+            </a:solidFill>
+            <a:tailEnd type="arrow"/>
+          </a:ln>
+        </p:spPr>
+        <p:style>
+          <a:lnRef idx="1">
+            <a:schemeClr val="accent1"/>
+          </a:lnRef>
+          <a:fillRef idx="0">
+            <a:schemeClr val="accent1"/>
+          </a:fillRef>
+          <a:effectRef idx="0">
+            <a:schemeClr val="accent1"/>
+          </a:effectRef>
+          <a:fontRef idx="minor">
+            <a:schemeClr val="tx1"/>
+          </a:fontRef>
+        </p:style>
+      </p:cxnSp>
+      <p:sp>
+        <p:nvSpPr>
+          <p:cNvPr id="38" name="Rectangle 37"/>
+          <p:cNvSpPr/>
+          <p:nvPr/>
+        </p:nvSpPr>
+        <p:spPr>
+          <a:xfrm>
+            <a:off x="4833939" y="3567161"/>
+            <a:ext cx="1805136" cy="457200"/>
+          </a:xfrm>
+          <a:prstGeom prst="rect">
+            <a:avLst/>
+          </a:prstGeom>
+        </p:spPr>
+        <p:style>
+          <a:lnRef idx="2">
+            <a:schemeClr val="accent1">
+              <a:shade val="50000"/>
+            </a:schemeClr>
+          </a:lnRef>
+          <a:fillRef idx="1">
+            <a:schemeClr val="accent1"/>
+          </a:fillRef>
+          <a:effectRef idx="0">
+            <a:schemeClr val="accent1"/>
+          </a:effectRef>
+          <a:fontRef idx="minor">
+            <a:schemeClr val="lt1"/>
+          </a:fontRef>
+        </p:style>
+        <p:txBody>
+          <a:bodyPr rtlCol="0" anchor="ctr"/>
+          <a:lstStyle/>
+          <a:p>
+            <a:pPr algn="ctr"/>
+            <a:r>
+              <a:rPr lang="fr-FR" dirty="0" err="1" smtClean="0"/>
+              <a:t>AWidget</a:t>
+            </a:r>
+            <a:endParaRPr lang="fr-FR" dirty="0"/>
+          </a:p>
+        </p:txBody>
+      </p:sp>
+      <p:cxnSp>
+        <p:nvCxnSpPr>
+          <p:cNvPr id="39" name="Connecteur droit avec flèche 19"/>
+          <p:cNvCxnSpPr>
+            <a:stCxn id="38" idx="0"/>
+            <a:endCxn id="3" idx="2"/>
+          </p:cNvCxnSpPr>
+          <p:nvPr/>
+        </p:nvCxnSpPr>
+        <p:spPr>
+          <a:xfrm flipH="1" flipV="1">
+            <a:off x="4498130" y="2292169"/>
+            <a:ext cx="1238377" cy="1274992"/>
+          </a:xfrm>
+          <a:prstGeom prst="straightConnector1">
+            <a:avLst/>
+          </a:prstGeom>
+          <a:ln w="22225">
+            <a:solidFill>
+              <a:schemeClr val="accent1">
+                <a:lumMod val="75000"/>
+              </a:schemeClr>
+            </a:solidFill>
+            <a:tailEnd type="arrow"/>
+          </a:ln>
+        </p:spPr>
+        <p:style>
+          <a:lnRef idx="1">
+            <a:schemeClr val="accent1"/>
+          </a:lnRef>
+          <a:fillRef idx="0">
+            <a:schemeClr val="accent1"/>
+          </a:fillRef>
+          <a:effectRef idx="0">
+            <a:schemeClr val="accent1"/>
+          </a:effectRef>
+          <a:fontRef idx="minor">
+            <a:schemeClr val="tx1"/>
+          </a:fontRef>
+        </p:style>
+      </p:cxnSp>
+      <p:sp>
+        <p:nvSpPr>
+          <p:cNvPr id="53" name="Rectangle 52"/>
+          <p:cNvSpPr/>
+          <p:nvPr/>
+        </p:nvSpPr>
+        <p:spPr>
+          <a:xfrm>
+            <a:off x="1259632" y="4932001"/>
+            <a:ext cx="2376264" cy="457200"/>
+          </a:xfrm>
+          <a:prstGeom prst="rect">
+            <a:avLst/>
+          </a:prstGeom>
+          <a:noFill/>
+        </p:spPr>
+        <p:style>
+          <a:lnRef idx="2">
+            <a:schemeClr val="accent2"/>
+          </a:lnRef>
+          <a:fillRef idx="1">
+            <a:schemeClr val="lt1"/>
+          </a:fillRef>
+          <a:effectRef idx="0">
+            <a:schemeClr val="accent2"/>
+          </a:effectRef>
+          <a:fontRef idx="minor">
+            <a:schemeClr val="dk1"/>
+          </a:fontRef>
+        </p:style>
+        <p:txBody>
+          <a:bodyPr rtlCol="0" anchor="ctr"/>
+          <a:lstStyle/>
+          <a:p>
+            <a:pPr algn="ctr"/>
+            <a:r>
+              <a:rPr lang="fr-FR" dirty="0" smtClean="0">
+                <a:solidFill>
+                  <a:schemeClr val="tx1"/>
+                </a:solidFill>
+              </a:rPr>
+              <a:t>Géométrie + texture</a:t>
+            </a:r>
+            <a:endParaRPr lang="fr-FR" dirty="0">
+              <a:solidFill>
+                <a:schemeClr val="tx1"/>
+              </a:solidFill>
+            </a:endParaRPr>
+          </a:p>
+        </p:txBody>
+      </p:sp>
+      <p:cxnSp>
+        <p:nvCxnSpPr>
+          <p:cNvPr id="54" name="Straight Connector 53"/>
+          <p:cNvCxnSpPr>
+            <a:stCxn id="36" idx="2"/>
+            <a:endCxn id="53" idx="0"/>
+          </p:cNvCxnSpPr>
+          <p:nvPr/>
+        </p:nvCxnSpPr>
+        <p:spPr>
+          <a:xfrm flipH="1">
+            <a:off x="2447764" y="4024361"/>
+            <a:ext cx="866564" cy="907640"/>
+          </a:xfrm>
+          <a:prstGeom prst="line">
+            <a:avLst/>
+          </a:prstGeom>
+        </p:spPr>
+        <p:style>
+          <a:lnRef idx="1">
+            <a:schemeClr val="accent3"/>
+          </a:lnRef>
+          <a:fillRef idx="0">
+            <a:schemeClr val="accent3"/>
+          </a:fillRef>
+          <a:effectRef idx="0">
+            <a:schemeClr val="accent3"/>
+          </a:effectRef>
+          <a:fontRef idx="minor">
+            <a:schemeClr val="tx1"/>
+          </a:fontRef>
+        </p:style>
+      </p:cxnSp>
+      <p:sp>
+        <p:nvSpPr>
+          <p:cNvPr id="55" name="Rectangle 54"/>
+          <p:cNvSpPr/>
+          <p:nvPr/>
+        </p:nvSpPr>
+        <p:spPr>
+          <a:xfrm>
+            <a:off x="5400698" y="4963982"/>
+            <a:ext cx="2376264" cy="457200"/>
+          </a:xfrm>
+          <a:prstGeom prst="rect">
+            <a:avLst/>
+          </a:prstGeom>
+          <a:noFill/>
+        </p:spPr>
+        <p:style>
+          <a:lnRef idx="2">
+            <a:schemeClr val="accent2"/>
+          </a:lnRef>
+          <a:fillRef idx="1">
+            <a:schemeClr val="lt1"/>
+          </a:fillRef>
+          <a:effectRef idx="0">
+            <a:schemeClr val="accent2"/>
+          </a:effectRef>
+          <a:fontRef idx="minor">
+            <a:schemeClr val="dk1"/>
+          </a:fontRef>
+        </p:style>
+        <p:txBody>
+          <a:bodyPr rtlCol="0" anchor="ctr"/>
+          <a:lstStyle/>
+          <a:p>
+            <a:pPr algn="ctr"/>
+            <a:r>
+              <a:rPr lang="fr-FR" dirty="0" smtClean="0">
+                <a:solidFill>
+                  <a:schemeClr val="tx1"/>
+                </a:solidFill>
+              </a:rPr>
+              <a:t>Géométrie + texture</a:t>
+            </a:r>
+            <a:endParaRPr lang="fr-FR" dirty="0">
+              <a:solidFill>
+                <a:schemeClr val="tx1"/>
+              </a:solidFill>
+            </a:endParaRPr>
+          </a:p>
+        </p:txBody>
+      </p:sp>
+      <p:cxnSp>
+        <p:nvCxnSpPr>
+          <p:cNvPr id="56" name="Straight Connector 55"/>
+          <p:cNvCxnSpPr>
+            <a:stCxn id="55" idx="0"/>
+            <a:endCxn id="38" idx="2"/>
+          </p:cNvCxnSpPr>
+          <p:nvPr/>
+        </p:nvCxnSpPr>
+        <p:spPr>
+          <a:xfrm flipH="1" flipV="1">
+            <a:off x="5736507" y="4024361"/>
+            <a:ext cx="852323" cy="939621"/>
+          </a:xfrm>
+          <a:prstGeom prst="line">
+            <a:avLst/>
+          </a:prstGeom>
+        </p:spPr>
+        <p:style>
+          <a:lnRef idx="1">
+            <a:schemeClr val="accent3"/>
+          </a:lnRef>
+          <a:fillRef idx="0">
+            <a:schemeClr val="accent3"/>
+          </a:fillRef>
+          <a:effectRef idx="0">
+            <a:schemeClr val="accent3"/>
+          </a:effectRef>
+          <a:fontRef idx="minor">
+            <a:schemeClr val="tx1"/>
+          </a:fontRef>
+        </p:style>
+      </p:cxnSp>
     </p:spTree>
     <p:extLst>
       <p:ext uri="{BB962C8B-B14F-4D97-AF65-F5344CB8AC3E}">
-        <p14:creationId xmlns:p14="http://schemas.microsoft.com/office/powerpoint/2010/main" val="1225227382"/>
+        <p14:creationId xmlns:p14="http://schemas.microsoft.com/office/powerpoint/2010/main" val="4110315112"/>
       </p:ext>
     </p:extLst>
   </p:cSld>
@@ -4296,7 +5996,7 @@
           <a:p>
             <a:r>
               <a:rPr lang="fr-FR" dirty="0" err="1" smtClean="0"/>
-              <a:t>Pelayo</a:t>
+              <a:t>Widgets</a:t>
             </a:r>
             <a:endParaRPr lang="fr-FR" dirty="0"/>
           </a:p>
@@ -4304,27 +6004,521 @@
       </p:sp>
       <p:sp>
         <p:nvSpPr>
-          <p:cNvPr id="5" name="Espace réservé du contenu 4"/>
-          <p:cNvSpPr>
-            <a:spLocks noGrp="1"/>
-          </p:cNvSpPr>
-          <p:nvPr>
-            <p:ph idx="1"/>
-          </p:nvPr>
-        </p:nvSpPr>
-        <p:spPr/>
-        <p:txBody>
-          <a:bodyPr/>
+          <p:cNvPr id="3" name="Rectangle 2"/>
+          <p:cNvSpPr/>
+          <p:nvPr/>
+        </p:nvSpPr>
+        <p:spPr>
+          <a:xfrm>
+            <a:off x="3595562" y="1834969"/>
+            <a:ext cx="1805136" cy="457200"/>
+          </a:xfrm>
+          <a:prstGeom prst="rect">
+            <a:avLst/>
+          </a:prstGeom>
+        </p:spPr>
+        <p:style>
+          <a:lnRef idx="2">
+            <a:schemeClr val="accent1">
+              <a:shade val="50000"/>
+            </a:schemeClr>
+          </a:lnRef>
+          <a:fillRef idx="1">
+            <a:schemeClr val="accent1"/>
+          </a:fillRef>
+          <a:effectRef idx="0">
+            <a:schemeClr val="accent1"/>
+          </a:effectRef>
+          <a:fontRef idx="minor">
+            <a:schemeClr val="lt1"/>
+          </a:fontRef>
+        </p:style>
+        <p:txBody>
+          <a:bodyPr rtlCol="0" anchor="ctr"/>
           <a:lstStyle/>
           <a:p>
-            <a:endParaRPr lang="fr-FR"/>
-          </a:p>
-        </p:txBody>
-      </p:sp>
+            <a:pPr algn="ctr"/>
+            <a:r>
+              <a:rPr lang="fr-FR" dirty="0" err="1" smtClean="0"/>
+              <a:t>AScene</a:t>
+            </a:r>
+            <a:endParaRPr lang="fr-FR" dirty="0"/>
+          </a:p>
+        </p:txBody>
+      </p:sp>
+      <p:sp>
+        <p:nvSpPr>
+          <p:cNvPr id="204" name="Rectangle 203"/>
+          <p:cNvSpPr/>
+          <p:nvPr/>
+        </p:nvSpPr>
+        <p:spPr>
+          <a:xfrm>
+            <a:off x="6228372" y="2867434"/>
+            <a:ext cx="2219959" cy="975038"/>
+          </a:xfrm>
+          <a:prstGeom prst="rect">
+            <a:avLst/>
+          </a:prstGeom>
+          <a:noFill/>
+        </p:spPr>
+        <p:style>
+          <a:lnRef idx="2">
+            <a:schemeClr val="accent2"/>
+          </a:lnRef>
+          <a:fillRef idx="1">
+            <a:schemeClr val="lt1"/>
+          </a:fillRef>
+          <a:effectRef idx="0">
+            <a:schemeClr val="accent2"/>
+          </a:effectRef>
+          <a:fontRef idx="minor">
+            <a:schemeClr val="dk1"/>
+          </a:fontRef>
+        </p:style>
+        <p:txBody>
+          <a:bodyPr rtlCol="0" anchor="ctr"/>
+          <a:lstStyle/>
+          <a:p>
+            <a:r>
+              <a:rPr lang="fr-FR" dirty="0" smtClean="0">
+                <a:solidFill>
+                  <a:schemeClr val="tx1"/>
+                </a:solidFill>
+              </a:rPr>
+              <a:t>- Background</a:t>
+            </a:r>
+          </a:p>
+          <a:p>
+            <a:r>
+              <a:rPr lang="fr-FR" dirty="0" smtClean="0">
+                <a:solidFill>
+                  <a:schemeClr val="tx1"/>
+                </a:solidFill>
+              </a:rPr>
+              <a:t>- Handler </a:t>
+            </a:r>
+            <a:r>
+              <a:rPr lang="fr-FR" dirty="0" err="1" smtClean="0">
+                <a:solidFill>
+                  <a:schemeClr val="tx1"/>
+                </a:solidFill>
+              </a:rPr>
+              <a:t>Awidget</a:t>
+            </a:r>
+            <a:endParaRPr lang="fr-FR" dirty="0">
+              <a:solidFill>
+                <a:schemeClr val="tx1"/>
+              </a:solidFill>
+            </a:endParaRPr>
+          </a:p>
+          <a:p>
+            <a:r>
+              <a:rPr lang="fr-FR" dirty="0" smtClean="0">
+                <a:solidFill>
+                  <a:schemeClr val="tx1"/>
+                </a:solidFill>
+              </a:rPr>
+              <a:t>- </a:t>
+            </a:r>
+            <a:r>
+              <a:rPr lang="fr-FR" dirty="0" err="1" smtClean="0">
+                <a:solidFill>
+                  <a:schemeClr val="tx1"/>
+                </a:solidFill>
+              </a:rPr>
+              <a:t>Cursor</a:t>
+            </a:r>
+            <a:endParaRPr lang="fr-FR" dirty="0">
+              <a:solidFill>
+                <a:schemeClr val="tx1"/>
+              </a:solidFill>
+            </a:endParaRPr>
+          </a:p>
+        </p:txBody>
+      </p:sp>
+      <p:cxnSp>
+        <p:nvCxnSpPr>
+          <p:cNvPr id="209" name="Straight Connector 208"/>
+          <p:cNvCxnSpPr>
+            <a:stCxn id="14" idx="3"/>
+            <a:endCxn id="204" idx="1"/>
+          </p:cNvCxnSpPr>
+          <p:nvPr/>
+        </p:nvCxnSpPr>
+        <p:spPr>
+          <a:xfrm>
+            <a:off x="5400698" y="3354953"/>
+            <a:ext cx="827674" cy="0"/>
+          </a:xfrm>
+          <a:prstGeom prst="line">
+            <a:avLst/>
+          </a:prstGeom>
+        </p:spPr>
+        <p:style>
+          <a:lnRef idx="1">
+            <a:schemeClr val="accent3"/>
+          </a:lnRef>
+          <a:fillRef idx="0">
+            <a:schemeClr val="accent3"/>
+          </a:fillRef>
+          <a:effectRef idx="0">
+            <a:schemeClr val="accent3"/>
+          </a:effectRef>
+          <a:fontRef idx="minor">
+            <a:schemeClr val="tx1"/>
+          </a:fontRef>
+        </p:style>
+      </p:cxnSp>
+      <p:sp>
+        <p:nvSpPr>
+          <p:cNvPr id="14" name="Rectangle 13"/>
+          <p:cNvSpPr/>
+          <p:nvPr/>
+        </p:nvSpPr>
+        <p:spPr>
+          <a:xfrm>
+            <a:off x="3595562" y="3126353"/>
+            <a:ext cx="1805136" cy="457200"/>
+          </a:xfrm>
+          <a:prstGeom prst="rect">
+            <a:avLst/>
+          </a:prstGeom>
+        </p:spPr>
+        <p:style>
+          <a:lnRef idx="2">
+            <a:schemeClr val="accent1">
+              <a:shade val="50000"/>
+            </a:schemeClr>
+          </a:lnRef>
+          <a:fillRef idx="1">
+            <a:schemeClr val="accent1"/>
+          </a:fillRef>
+          <a:effectRef idx="0">
+            <a:schemeClr val="accent1"/>
+          </a:effectRef>
+          <a:fontRef idx="minor">
+            <a:schemeClr val="lt1"/>
+          </a:fontRef>
+        </p:style>
+        <p:txBody>
+          <a:bodyPr rtlCol="0" anchor="ctr"/>
+          <a:lstStyle/>
+          <a:p>
+            <a:pPr algn="ctr"/>
+            <a:r>
+              <a:rPr lang="fr-FR" dirty="0" err="1" smtClean="0"/>
+              <a:t>AMenuScene</a:t>
+            </a:r>
+            <a:endParaRPr lang="fr-FR" dirty="0"/>
+          </a:p>
+        </p:txBody>
+      </p:sp>
+      <p:cxnSp>
+        <p:nvCxnSpPr>
+          <p:cNvPr id="15" name="Connecteur droit avec flèche 19"/>
+          <p:cNvCxnSpPr>
+            <a:stCxn id="14" idx="0"/>
+            <a:endCxn id="3" idx="2"/>
+          </p:cNvCxnSpPr>
+          <p:nvPr/>
+        </p:nvCxnSpPr>
+        <p:spPr>
+          <a:xfrm flipV="1">
+            <a:off x="4498130" y="2292169"/>
+            <a:ext cx="0" cy="834184"/>
+          </a:xfrm>
+          <a:prstGeom prst="straightConnector1">
+            <a:avLst/>
+          </a:prstGeom>
+          <a:ln w="22225">
+            <a:solidFill>
+              <a:schemeClr val="accent1">
+                <a:lumMod val="75000"/>
+              </a:schemeClr>
+            </a:solidFill>
+            <a:tailEnd type="arrow"/>
+          </a:ln>
+        </p:spPr>
+        <p:style>
+          <a:lnRef idx="1">
+            <a:schemeClr val="accent1"/>
+          </a:lnRef>
+          <a:fillRef idx="0">
+            <a:schemeClr val="accent1"/>
+          </a:fillRef>
+          <a:effectRef idx="0">
+            <a:schemeClr val="accent1"/>
+          </a:effectRef>
+          <a:fontRef idx="minor">
+            <a:schemeClr val="tx1"/>
+          </a:fontRef>
+        </p:style>
+      </p:cxnSp>
+      <p:sp>
+        <p:nvSpPr>
+          <p:cNvPr id="40" name="Rectangle 39"/>
+          <p:cNvSpPr/>
+          <p:nvPr/>
+        </p:nvSpPr>
+        <p:spPr>
+          <a:xfrm>
+            <a:off x="3595562" y="4403322"/>
+            <a:ext cx="1805136" cy="457200"/>
+          </a:xfrm>
+          <a:prstGeom prst="rect">
+            <a:avLst/>
+          </a:prstGeom>
+        </p:spPr>
+        <p:style>
+          <a:lnRef idx="2">
+            <a:schemeClr val="accent1">
+              <a:shade val="50000"/>
+            </a:schemeClr>
+          </a:lnRef>
+          <a:fillRef idx="1">
+            <a:schemeClr val="accent1"/>
+          </a:fillRef>
+          <a:effectRef idx="0">
+            <a:schemeClr val="accent1"/>
+          </a:effectRef>
+          <a:fontRef idx="minor">
+            <a:schemeClr val="lt1"/>
+          </a:fontRef>
+        </p:style>
+        <p:txBody>
+          <a:bodyPr rtlCol="0" anchor="ctr"/>
+          <a:lstStyle/>
+          <a:p>
+            <a:pPr algn="ctr"/>
+            <a:r>
+              <a:rPr lang="fr-FR" dirty="0" smtClean="0"/>
+              <a:t>…Menu</a:t>
+            </a:r>
+            <a:endParaRPr lang="fr-FR" dirty="0"/>
+          </a:p>
+        </p:txBody>
+      </p:sp>
+      <p:cxnSp>
+        <p:nvCxnSpPr>
+          <p:cNvPr id="41" name="Connecteur droit avec flèche 19"/>
+          <p:cNvCxnSpPr>
+            <a:stCxn id="58" idx="3"/>
+            <a:endCxn id="40" idx="1"/>
+          </p:cNvCxnSpPr>
+          <p:nvPr/>
+        </p:nvCxnSpPr>
+        <p:spPr>
+          <a:xfrm>
+            <a:off x="2975535" y="4631922"/>
+            <a:ext cx="620027" cy="0"/>
+          </a:xfrm>
+          <a:prstGeom prst="straightConnector1">
+            <a:avLst/>
+          </a:prstGeom>
+          <a:ln w="22225">
+            <a:solidFill>
+              <a:schemeClr val="accent1">
+                <a:lumMod val="75000"/>
+              </a:schemeClr>
+            </a:solidFill>
+            <a:tailEnd type="arrow"/>
+          </a:ln>
+        </p:spPr>
+        <p:style>
+          <a:lnRef idx="1">
+            <a:schemeClr val="accent1"/>
+          </a:lnRef>
+          <a:fillRef idx="0">
+            <a:schemeClr val="accent1"/>
+          </a:fillRef>
+          <a:effectRef idx="0">
+            <a:schemeClr val="accent1"/>
+          </a:effectRef>
+          <a:fontRef idx="minor">
+            <a:schemeClr val="tx1"/>
+          </a:fontRef>
+        </p:style>
+      </p:cxnSp>
+      <p:sp>
+        <p:nvSpPr>
+          <p:cNvPr id="58" name="Rectangle 57"/>
+          <p:cNvSpPr/>
+          <p:nvPr/>
+        </p:nvSpPr>
+        <p:spPr>
+          <a:xfrm>
+            <a:off x="1547664" y="3508490"/>
+            <a:ext cx="1427871" cy="2246863"/>
+          </a:xfrm>
+          <a:prstGeom prst="rect">
+            <a:avLst/>
+          </a:prstGeom>
+        </p:spPr>
+        <p:style>
+          <a:lnRef idx="2">
+            <a:schemeClr val="accent1">
+              <a:shade val="50000"/>
+            </a:schemeClr>
+          </a:lnRef>
+          <a:fillRef idx="1">
+            <a:schemeClr val="accent1"/>
+          </a:fillRef>
+          <a:effectRef idx="0">
+            <a:schemeClr val="accent1"/>
+          </a:effectRef>
+          <a:fontRef idx="minor">
+            <a:schemeClr val="lt1"/>
+          </a:fontRef>
+        </p:style>
+        <p:txBody>
+          <a:bodyPr rtlCol="0" anchor="ctr"/>
+          <a:lstStyle/>
+          <a:p>
+            <a:pPr algn="r"/>
+            <a:r>
+              <a:rPr lang="fr-FR" dirty="0" err="1" smtClean="0">
+                <a:solidFill>
+                  <a:schemeClr val="tx1"/>
+                </a:solidFill>
+              </a:rPr>
+              <a:t>Loading</a:t>
+            </a:r>
+            <a:r>
+              <a:rPr lang="fr-FR" dirty="0" smtClean="0">
+                <a:solidFill>
+                  <a:schemeClr val="tx1"/>
+                </a:solidFill>
+              </a:rPr>
+              <a:t>...</a:t>
+            </a:r>
+          </a:p>
+          <a:p>
+            <a:pPr algn="r"/>
+            <a:r>
+              <a:rPr lang="fr-FR" dirty="0" smtClean="0">
+                <a:solidFill>
+                  <a:schemeClr val="tx1"/>
+                </a:solidFill>
+              </a:rPr>
+              <a:t>Main...</a:t>
+            </a:r>
+          </a:p>
+          <a:p>
+            <a:pPr algn="r"/>
+            <a:r>
+              <a:rPr lang="fr-FR" dirty="0" err="1" smtClean="0">
+                <a:solidFill>
+                  <a:schemeClr val="tx1"/>
+                </a:solidFill>
+              </a:rPr>
+              <a:t>Map</a:t>
+            </a:r>
+            <a:r>
+              <a:rPr lang="fr-FR" dirty="0" smtClean="0">
+                <a:solidFill>
+                  <a:schemeClr val="tx1"/>
+                </a:solidFill>
+              </a:rPr>
+              <a:t>...</a:t>
+            </a:r>
+          </a:p>
+          <a:p>
+            <a:pPr algn="r"/>
+            <a:r>
+              <a:rPr lang="fr-FR" dirty="0" smtClean="0">
+                <a:solidFill>
+                  <a:schemeClr val="tx1"/>
+                </a:solidFill>
+              </a:rPr>
+              <a:t>Score...</a:t>
+            </a:r>
+          </a:p>
+          <a:p>
+            <a:pPr algn="r"/>
+            <a:r>
+              <a:rPr lang="fr-FR" dirty="0" smtClean="0">
+                <a:solidFill>
+                  <a:schemeClr val="tx1"/>
+                </a:solidFill>
+              </a:rPr>
+              <a:t>Player...</a:t>
+            </a:r>
+          </a:p>
+          <a:p>
+            <a:pPr algn="r"/>
+            <a:r>
+              <a:rPr lang="fr-FR" dirty="0" smtClean="0">
+                <a:solidFill>
+                  <a:schemeClr val="tx1"/>
+                </a:solidFill>
+              </a:rPr>
+              <a:t>Option...</a:t>
+            </a:r>
+          </a:p>
+          <a:p>
+            <a:pPr algn="r"/>
+            <a:r>
+              <a:rPr lang="fr-FR" dirty="0" smtClean="0">
+                <a:solidFill>
+                  <a:schemeClr val="tx1"/>
+                </a:solidFill>
+              </a:rPr>
+              <a:t>Pause...</a:t>
+            </a:r>
+            <a:endParaRPr lang="fr-FR" dirty="0">
+              <a:solidFill>
+                <a:schemeClr val="tx1"/>
+              </a:solidFill>
+            </a:endParaRPr>
+          </a:p>
+        </p:txBody>
+      </p:sp>
+      <p:cxnSp>
+        <p:nvCxnSpPr>
+          <p:cNvPr id="72" name="Connecteur droit avec flèche 19"/>
+          <p:cNvCxnSpPr>
+            <a:stCxn id="40" idx="0"/>
+            <a:endCxn id="14" idx="2"/>
+          </p:cNvCxnSpPr>
+          <p:nvPr/>
+        </p:nvCxnSpPr>
+        <p:spPr>
+          <a:xfrm flipV="1">
+            <a:off x="4498130" y="3583553"/>
+            <a:ext cx="0" cy="819769"/>
+          </a:xfrm>
+          <a:prstGeom prst="straightConnector1">
+            <a:avLst/>
+          </a:prstGeom>
+          <a:ln w="22225">
+            <a:solidFill>
+              <a:schemeClr val="accent1">
+                <a:lumMod val="75000"/>
+              </a:schemeClr>
+            </a:solidFill>
+            <a:tailEnd type="arrow"/>
+          </a:ln>
+        </p:spPr>
+        <p:style>
+          <a:lnRef idx="1">
+            <a:schemeClr val="accent1"/>
+          </a:lnRef>
+          <a:fillRef idx="0">
+            <a:schemeClr val="accent1"/>
+          </a:fillRef>
+          <a:effectRef idx="0">
+            <a:schemeClr val="accent1"/>
+          </a:effectRef>
+          <a:fontRef idx="minor">
+            <a:schemeClr val="tx1"/>
+          </a:fontRef>
+        </p:style>
+      </p:cxnSp>
     </p:spTree>
     <p:extLst>
       <p:ext uri="{BB962C8B-B14F-4D97-AF65-F5344CB8AC3E}">
-        <p14:creationId xmlns:p14="http://schemas.microsoft.com/office/powerpoint/2010/main" val="2657283032"/>
+        <p14:creationId xmlns:p14="http://schemas.microsoft.com/office/powerpoint/2010/main" val="1336694925"/>
       </p:ext>
     </p:extLst>
   </p:cSld>
@@ -4375,7 +6569,11 @@
           <a:p>
             <a:r>
               <a:rPr lang="fr-FR" dirty="0" smtClean="0"/>
-              <a:t>Barthélémy</a:t>
+              <a:t>API </a:t>
+            </a:r>
+            <a:r>
+              <a:rPr lang="fr-FR" dirty="0" err="1" smtClean="0"/>
+              <a:t>Lua</a:t>
             </a:r>
             <a:endParaRPr lang="fr-FR" dirty="0"/>
           </a:p>
@@ -4383,27 +6581,858 @@
       </p:sp>
       <p:sp>
         <p:nvSpPr>
-          <p:cNvPr id="5" name="Espace réservé du contenu 4"/>
-          <p:cNvSpPr>
-            <a:spLocks noGrp="1"/>
-          </p:cNvSpPr>
-          <p:nvPr>
-            <p:ph idx="1"/>
-          </p:nvPr>
-        </p:nvSpPr>
-        <p:spPr/>
-        <p:txBody>
-          <a:bodyPr/>
+          <p:cNvPr id="3" name="Rectangle 2"/>
+          <p:cNvSpPr/>
+          <p:nvPr/>
+        </p:nvSpPr>
+        <p:spPr>
+          <a:xfrm>
+            <a:off x="3702968" y="1844824"/>
+            <a:ext cx="1805136" cy="457200"/>
+          </a:xfrm>
+          <a:prstGeom prst="rect">
+            <a:avLst/>
+          </a:prstGeom>
+        </p:spPr>
+        <p:style>
+          <a:lnRef idx="2">
+            <a:schemeClr val="accent1">
+              <a:shade val="50000"/>
+            </a:schemeClr>
+          </a:lnRef>
+          <a:fillRef idx="1">
+            <a:schemeClr val="accent1"/>
+          </a:fillRef>
+          <a:effectRef idx="0">
+            <a:schemeClr val="accent1"/>
+          </a:effectRef>
+          <a:fontRef idx="minor">
+            <a:schemeClr val="lt1"/>
+          </a:fontRef>
+        </p:style>
+        <p:txBody>
+          <a:bodyPr rtlCol="0" anchor="ctr"/>
           <a:lstStyle/>
           <a:p>
-            <a:endParaRPr lang="fr-FR"/>
-          </a:p>
-        </p:txBody>
-      </p:sp>
+            <a:pPr algn="ctr"/>
+            <a:r>
+              <a:rPr lang="fr-FR" dirty="0" err="1" smtClean="0"/>
+              <a:t>GameObject</a:t>
+            </a:r>
+            <a:endParaRPr lang="fr-FR" dirty="0"/>
+          </a:p>
+        </p:txBody>
+      </p:sp>
+      <p:sp>
+        <p:nvSpPr>
+          <p:cNvPr id="6" name="Rectangle 5"/>
+          <p:cNvSpPr/>
+          <p:nvPr/>
+        </p:nvSpPr>
+        <p:spPr>
+          <a:xfrm>
+            <a:off x="6444208" y="5805264"/>
+            <a:ext cx="1805136" cy="457200"/>
+          </a:xfrm>
+          <a:prstGeom prst="rect">
+            <a:avLst/>
+          </a:prstGeom>
+        </p:spPr>
+        <p:style>
+          <a:lnRef idx="2">
+            <a:schemeClr val="accent1">
+              <a:shade val="50000"/>
+            </a:schemeClr>
+          </a:lnRef>
+          <a:fillRef idx="1">
+            <a:schemeClr val="accent1"/>
+          </a:fillRef>
+          <a:effectRef idx="0">
+            <a:schemeClr val="accent1"/>
+          </a:effectRef>
+          <a:fontRef idx="minor">
+            <a:schemeClr val="lt1"/>
+          </a:fontRef>
+        </p:style>
+        <p:txBody>
+          <a:bodyPr rtlCol="0" anchor="ctr"/>
+          <a:lstStyle/>
+          <a:p>
+            <a:pPr algn="ctr"/>
+            <a:r>
+              <a:rPr lang="fr-FR" dirty="0" err="1" smtClean="0"/>
+              <a:t>Map</a:t>
+            </a:r>
+            <a:endParaRPr lang="fr-FR" dirty="0"/>
+          </a:p>
+        </p:txBody>
+      </p:sp>
+      <p:sp>
+        <p:nvSpPr>
+          <p:cNvPr id="7" name="Rectangle 6"/>
+          <p:cNvSpPr/>
+          <p:nvPr/>
+        </p:nvSpPr>
+        <p:spPr>
+          <a:xfrm>
+            <a:off x="799704" y="2837798"/>
+            <a:ext cx="1805136" cy="457200"/>
+          </a:xfrm>
+          <a:prstGeom prst="rect">
+            <a:avLst/>
+          </a:prstGeom>
+        </p:spPr>
+        <p:style>
+          <a:lnRef idx="2">
+            <a:schemeClr val="accent1">
+              <a:shade val="50000"/>
+            </a:schemeClr>
+          </a:lnRef>
+          <a:fillRef idx="1">
+            <a:schemeClr val="accent1"/>
+          </a:fillRef>
+          <a:effectRef idx="0">
+            <a:schemeClr val="accent1"/>
+          </a:effectRef>
+          <a:fontRef idx="minor">
+            <a:schemeClr val="lt1"/>
+          </a:fontRef>
+        </p:style>
+        <p:txBody>
+          <a:bodyPr rtlCol="0" anchor="ctr"/>
+          <a:lstStyle/>
+          <a:p>
+            <a:pPr algn="ctr"/>
+            <a:r>
+              <a:rPr lang="fr-FR" dirty="0" smtClean="0"/>
+              <a:t>Player</a:t>
+            </a:r>
+            <a:endParaRPr lang="fr-FR" dirty="0"/>
+          </a:p>
+        </p:txBody>
+      </p:sp>
+      <p:sp>
+        <p:nvSpPr>
+          <p:cNvPr id="8" name="Rectangle 7"/>
+          <p:cNvSpPr/>
+          <p:nvPr/>
+        </p:nvSpPr>
+        <p:spPr>
+          <a:xfrm>
+            <a:off x="799704" y="3778507"/>
+            <a:ext cx="1805136" cy="457200"/>
+          </a:xfrm>
+          <a:prstGeom prst="rect">
+            <a:avLst/>
+          </a:prstGeom>
+        </p:spPr>
+        <p:style>
+          <a:lnRef idx="2">
+            <a:schemeClr val="accent1">
+              <a:shade val="50000"/>
+            </a:schemeClr>
+          </a:lnRef>
+          <a:fillRef idx="1">
+            <a:schemeClr val="accent1"/>
+          </a:fillRef>
+          <a:effectRef idx="0">
+            <a:schemeClr val="accent1"/>
+          </a:effectRef>
+          <a:fontRef idx="minor">
+            <a:schemeClr val="lt1"/>
+          </a:fontRef>
+        </p:style>
+        <p:txBody>
+          <a:bodyPr rtlCol="0" anchor="ctr"/>
+          <a:lstStyle/>
+          <a:p>
+            <a:pPr algn="ctr"/>
+            <a:r>
+              <a:rPr lang="fr-FR" dirty="0" smtClean="0"/>
+              <a:t>Me</a:t>
+            </a:r>
+            <a:endParaRPr lang="fr-FR" dirty="0"/>
+          </a:p>
+        </p:txBody>
+      </p:sp>
+      <p:sp>
+        <p:nvSpPr>
+          <p:cNvPr id="9" name="Rectangle 8"/>
+          <p:cNvSpPr/>
+          <p:nvPr/>
+        </p:nvSpPr>
+        <p:spPr>
+          <a:xfrm>
+            <a:off x="2694856" y="2837798"/>
+            <a:ext cx="1805136" cy="457200"/>
+          </a:xfrm>
+          <a:prstGeom prst="rect">
+            <a:avLst/>
+          </a:prstGeom>
+        </p:spPr>
+        <p:style>
+          <a:lnRef idx="2">
+            <a:schemeClr val="accent1">
+              <a:shade val="50000"/>
+            </a:schemeClr>
+          </a:lnRef>
+          <a:fillRef idx="1">
+            <a:schemeClr val="accent1"/>
+          </a:fillRef>
+          <a:effectRef idx="0">
+            <a:schemeClr val="accent1"/>
+          </a:effectRef>
+          <a:fontRef idx="minor">
+            <a:schemeClr val="lt1"/>
+          </a:fontRef>
+        </p:style>
+        <p:txBody>
+          <a:bodyPr rtlCol="0" anchor="ctr"/>
+          <a:lstStyle/>
+          <a:p>
+            <a:pPr algn="ctr"/>
+            <a:r>
+              <a:rPr lang="fr-FR" dirty="0" smtClean="0"/>
+              <a:t>Item</a:t>
+            </a:r>
+            <a:endParaRPr lang="fr-FR" dirty="0"/>
+          </a:p>
+        </p:txBody>
+      </p:sp>
+      <p:sp>
+        <p:nvSpPr>
+          <p:cNvPr id="10" name="Rectangle 9"/>
+          <p:cNvSpPr/>
+          <p:nvPr/>
+        </p:nvSpPr>
+        <p:spPr>
+          <a:xfrm>
+            <a:off x="4642213" y="2837798"/>
+            <a:ext cx="1805136" cy="457200"/>
+          </a:xfrm>
+          <a:prstGeom prst="rect">
+            <a:avLst/>
+          </a:prstGeom>
+        </p:spPr>
+        <p:style>
+          <a:lnRef idx="2">
+            <a:schemeClr val="accent1">
+              <a:shade val="50000"/>
+            </a:schemeClr>
+          </a:lnRef>
+          <a:fillRef idx="1">
+            <a:schemeClr val="accent1"/>
+          </a:fillRef>
+          <a:effectRef idx="0">
+            <a:schemeClr val="accent1"/>
+          </a:effectRef>
+          <a:fontRef idx="minor">
+            <a:schemeClr val="lt1"/>
+          </a:fontRef>
+        </p:style>
+        <p:txBody>
+          <a:bodyPr rtlCol="0" anchor="ctr"/>
+          <a:lstStyle/>
+          <a:p>
+            <a:pPr algn="ctr"/>
+            <a:r>
+              <a:rPr lang="fr-FR" dirty="0" smtClean="0"/>
+              <a:t>Box</a:t>
+            </a:r>
+            <a:endParaRPr lang="fr-FR" dirty="0"/>
+          </a:p>
+        </p:txBody>
+      </p:sp>
+      <p:sp>
+        <p:nvSpPr>
+          <p:cNvPr id="11" name="Rectangle 10"/>
+          <p:cNvSpPr/>
+          <p:nvPr/>
+        </p:nvSpPr>
+        <p:spPr>
+          <a:xfrm>
+            <a:off x="6583288" y="2837798"/>
+            <a:ext cx="1805136" cy="457200"/>
+          </a:xfrm>
+          <a:prstGeom prst="rect">
+            <a:avLst/>
+          </a:prstGeom>
+        </p:spPr>
+        <p:style>
+          <a:lnRef idx="2">
+            <a:schemeClr val="accent1">
+              <a:shade val="50000"/>
+            </a:schemeClr>
+          </a:lnRef>
+          <a:fillRef idx="1">
+            <a:schemeClr val="accent1"/>
+          </a:fillRef>
+          <a:effectRef idx="0">
+            <a:schemeClr val="accent1"/>
+          </a:effectRef>
+          <a:fontRef idx="minor">
+            <a:schemeClr val="lt1"/>
+          </a:fontRef>
+        </p:style>
+        <p:txBody>
+          <a:bodyPr rtlCol="0" anchor="ctr"/>
+          <a:lstStyle/>
+          <a:p>
+            <a:pPr algn="ctr"/>
+            <a:r>
+              <a:rPr lang="fr-FR" dirty="0" smtClean="0"/>
+              <a:t>Wall</a:t>
+            </a:r>
+            <a:endParaRPr lang="fr-FR" dirty="0"/>
+          </a:p>
+        </p:txBody>
+      </p:sp>
+      <p:sp>
+        <p:nvSpPr>
+          <p:cNvPr id="12" name="Rectangle 11"/>
+          <p:cNvSpPr/>
+          <p:nvPr/>
+        </p:nvSpPr>
+        <p:spPr>
+          <a:xfrm>
+            <a:off x="2694856" y="3778507"/>
+            <a:ext cx="1805136" cy="457200"/>
+          </a:xfrm>
+          <a:prstGeom prst="rect">
+            <a:avLst/>
+          </a:prstGeom>
+        </p:spPr>
+        <p:style>
+          <a:lnRef idx="2">
+            <a:schemeClr val="accent1">
+              <a:shade val="50000"/>
+            </a:schemeClr>
+          </a:lnRef>
+          <a:fillRef idx="1">
+            <a:schemeClr val="accent1"/>
+          </a:fillRef>
+          <a:effectRef idx="0">
+            <a:schemeClr val="accent1"/>
+          </a:effectRef>
+          <a:fontRef idx="minor">
+            <a:schemeClr val="lt1"/>
+          </a:fontRef>
+        </p:style>
+        <p:txBody>
+          <a:bodyPr rtlCol="0" anchor="ctr"/>
+          <a:lstStyle/>
+          <a:p>
+            <a:pPr algn="ctr"/>
+            <a:r>
+              <a:rPr lang="fr-FR" dirty="0" err="1" smtClean="0"/>
+              <a:t>Buff</a:t>
+            </a:r>
+            <a:endParaRPr lang="fr-FR" dirty="0"/>
+          </a:p>
+        </p:txBody>
+      </p:sp>
+      <p:sp>
+        <p:nvSpPr>
+          <p:cNvPr id="13" name="Rectangle 12"/>
+          <p:cNvSpPr/>
+          <p:nvPr/>
+        </p:nvSpPr>
+        <p:spPr>
+          <a:xfrm>
+            <a:off x="779488" y="4718248"/>
+            <a:ext cx="1805136" cy="457200"/>
+          </a:xfrm>
+          <a:prstGeom prst="rect">
+            <a:avLst/>
+          </a:prstGeom>
+        </p:spPr>
+        <p:style>
+          <a:lnRef idx="2">
+            <a:schemeClr val="accent1">
+              <a:shade val="50000"/>
+            </a:schemeClr>
+          </a:lnRef>
+          <a:fillRef idx="1">
+            <a:schemeClr val="accent1"/>
+          </a:fillRef>
+          <a:effectRef idx="0">
+            <a:schemeClr val="accent1"/>
+          </a:effectRef>
+          <a:fontRef idx="minor">
+            <a:schemeClr val="lt1"/>
+          </a:fontRef>
+        </p:style>
+        <p:txBody>
+          <a:bodyPr rtlCol="0" anchor="ctr"/>
+          <a:lstStyle/>
+          <a:p>
+            <a:pPr algn="ctr"/>
+            <a:r>
+              <a:rPr lang="fr-FR" dirty="0" err="1" smtClean="0"/>
+              <a:t>SpeedBuff</a:t>
+            </a:r>
+            <a:endParaRPr lang="fr-FR" dirty="0"/>
+          </a:p>
+        </p:txBody>
+      </p:sp>
+      <p:sp>
+        <p:nvSpPr>
+          <p:cNvPr id="14" name="Rectangle 13"/>
+          <p:cNvSpPr/>
+          <p:nvPr/>
+        </p:nvSpPr>
+        <p:spPr>
+          <a:xfrm>
+            <a:off x="2694856" y="4718248"/>
+            <a:ext cx="1805136" cy="457200"/>
+          </a:xfrm>
+          <a:prstGeom prst="rect">
+            <a:avLst/>
+          </a:prstGeom>
+        </p:spPr>
+        <p:style>
+          <a:lnRef idx="2">
+            <a:schemeClr val="accent1">
+              <a:shade val="50000"/>
+            </a:schemeClr>
+          </a:lnRef>
+          <a:fillRef idx="1">
+            <a:schemeClr val="accent1"/>
+          </a:fillRef>
+          <a:effectRef idx="0">
+            <a:schemeClr val="accent1"/>
+          </a:effectRef>
+          <a:fontRef idx="minor">
+            <a:schemeClr val="lt1"/>
+          </a:fontRef>
+        </p:style>
+        <p:txBody>
+          <a:bodyPr rtlCol="0" anchor="ctr"/>
+          <a:lstStyle/>
+          <a:p>
+            <a:pPr algn="ctr"/>
+            <a:r>
+              <a:rPr lang="fr-FR" sz="1400" dirty="0" err="1" smtClean="0"/>
+              <a:t>BombRangeBuff</a:t>
+            </a:r>
+            <a:endParaRPr lang="fr-FR" sz="1400" dirty="0"/>
+          </a:p>
+        </p:txBody>
+      </p:sp>
+      <p:sp>
+        <p:nvSpPr>
+          <p:cNvPr id="15" name="Rectangle 14"/>
+          <p:cNvSpPr/>
+          <p:nvPr/>
+        </p:nvSpPr>
+        <p:spPr>
+          <a:xfrm>
+            <a:off x="4632093" y="4718248"/>
+            <a:ext cx="1805136" cy="457200"/>
+          </a:xfrm>
+          <a:prstGeom prst="rect">
+            <a:avLst/>
+          </a:prstGeom>
+        </p:spPr>
+        <p:style>
+          <a:lnRef idx="2">
+            <a:schemeClr val="accent1">
+              <a:shade val="50000"/>
+            </a:schemeClr>
+          </a:lnRef>
+          <a:fillRef idx="1">
+            <a:schemeClr val="accent1"/>
+          </a:fillRef>
+          <a:effectRef idx="0">
+            <a:schemeClr val="accent1"/>
+          </a:effectRef>
+          <a:fontRef idx="minor">
+            <a:schemeClr val="lt1"/>
+          </a:fontRef>
+        </p:style>
+        <p:txBody>
+          <a:bodyPr rtlCol="0" anchor="ctr"/>
+          <a:lstStyle/>
+          <a:p>
+            <a:pPr algn="ctr"/>
+            <a:r>
+              <a:rPr lang="fr-FR" sz="1400" dirty="0" err="1" smtClean="0"/>
+              <a:t>BombCapacityBuff</a:t>
+            </a:r>
+            <a:endParaRPr lang="fr-FR" sz="1400" dirty="0"/>
+          </a:p>
+        </p:txBody>
+      </p:sp>
+      <p:cxnSp>
+        <p:nvCxnSpPr>
+          <p:cNvPr id="19" name="Connecteur droit avec flèche 18"/>
+          <p:cNvCxnSpPr>
+            <a:stCxn id="7" idx="0"/>
+            <a:endCxn id="3" idx="2"/>
+          </p:cNvCxnSpPr>
+          <p:nvPr/>
+        </p:nvCxnSpPr>
+        <p:spPr>
+          <a:xfrm flipV="1">
+            <a:off x="1702272" y="2302024"/>
+            <a:ext cx="2903264" cy="535774"/>
+          </a:xfrm>
+          <a:prstGeom prst="straightConnector1">
+            <a:avLst/>
+          </a:prstGeom>
+          <a:ln w="22225">
+            <a:solidFill>
+              <a:schemeClr val="accent1">
+                <a:lumMod val="75000"/>
+              </a:schemeClr>
+            </a:solidFill>
+            <a:tailEnd type="arrow"/>
+          </a:ln>
+        </p:spPr>
+        <p:style>
+          <a:lnRef idx="1">
+            <a:schemeClr val="accent1"/>
+          </a:lnRef>
+          <a:fillRef idx="0">
+            <a:schemeClr val="accent1"/>
+          </a:fillRef>
+          <a:effectRef idx="0">
+            <a:schemeClr val="accent1"/>
+          </a:effectRef>
+          <a:fontRef idx="minor">
+            <a:schemeClr val="tx1"/>
+          </a:fontRef>
+        </p:style>
+      </p:cxnSp>
+      <p:cxnSp>
+        <p:nvCxnSpPr>
+          <p:cNvPr id="20" name="Connecteur droit avec flèche 19"/>
+          <p:cNvCxnSpPr>
+            <a:stCxn id="9" idx="0"/>
+            <a:endCxn id="3" idx="2"/>
+          </p:cNvCxnSpPr>
+          <p:nvPr/>
+        </p:nvCxnSpPr>
+        <p:spPr>
+          <a:xfrm flipV="1">
+            <a:off x="3597424" y="2302024"/>
+            <a:ext cx="1008112" cy="535774"/>
+          </a:xfrm>
+          <a:prstGeom prst="straightConnector1">
+            <a:avLst/>
+          </a:prstGeom>
+          <a:ln w="22225">
+            <a:solidFill>
+              <a:schemeClr val="accent1">
+                <a:lumMod val="75000"/>
+              </a:schemeClr>
+            </a:solidFill>
+            <a:tailEnd type="arrow"/>
+          </a:ln>
+        </p:spPr>
+        <p:style>
+          <a:lnRef idx="1">
+            <a:schemeClr val="accent1"/>
+          </a:lnRef>
+          <a:fillRef idx="0">
+            <a:schemeClr val="accent1"/>
+          </a:fillRef>
+          <a:effectRef idx="0">
+            <a:schemeClr val="accent1"/>
+          </a:effectRef>
+          <a:fontRef idx="minor">
+            <a:schemeClr val="tx1"/>
+          </a:fontRef>
+        </p:style>
+      </p:cxnSp>
+      <p:cxnSp>
+        <p:nvCxnSpPr>
+          <p:cNvPr id="23" name="Connecteur droit avec flèche 22"/>
+          <p:cNvCxnSpPr>
+            <a:stCxn id="10" idx="0"/>
+            <a:endCxn id="3" idx="2"/>
+          </p:cNvCxnSpPr>
+          <p:nvPr/>
+        </p:nvCxnSpPr>
+        <p:spPr>
+          <a:xfrm flipH="1" flipV="1">
+            <a:off x="4605536" y="2302024"/>
+            <a:ext cx="939245" cy="535774"/>
+          </a:xfrm>
+          <a:prstGeom prst="straightConnector1">
+            <a:avLst/>
+          </a:prstGeom>
+          <a:ln w="22225">
+            <a:solidFill>
+              <a:schemeClr val="accent1">
+                <a:lumMod val="75000"/>
+              </a:schemeClr>
+            </a:solidFill>
+            <a:tailEnd type="arrow"/>
+          </a:ln>
+        </p:spPr>
+        <p:style>
+          <a:lnRef idx="1">
+            <a:schemeClr val="accent1"/>
+          </a:lnRef>
+          <a:fillRef idx="0">
+            <a:schemeClr val="accent1"/>
+          </a:fillRef>
+          <a:effectRef idx="0">
+            <a:schemeClr val="accent1"/>
+          </a:effectRef>
+          <a:fontRef idx="minor">
+            <a:schemeClr val="tx1"/>
+          </a:fontRef>
+        </p:style>
+      </p:cxnSp>
+      <p:cxnSp>
+        <p:nvCxnSpPr>
+          <p:cNvPr id="24" name="Connecteur droit avec flèche 23"/>
+          <p:cNvCxnSpPr>
+            <a:stCxn id="11" idx="0"/>
+            <a:endCxn id="3" idx="2"/>
+          </p:cNvCxnSpPr>
+          <p:nvPr/>
+        </p:nvCxnSpPr>
+        <p:spPr>
+          <a:xfrm flipH="1" flipV="1">
+            <a:off x="4605536" y="2302024"/>
+            <a:ext cx="2880320" cy="535774"/>
+          </a:xfrm>
+          <a:prstGeom prst="straightConnector1">
+            <a:avLst/>
+          </a:prstGeom>
+          <a:ln w="22225">
+            <a:solidFill>
+              <a:schemeClr val="accent1">
+                <a:lumMod val="75000"/>
+              </a:schemeClr>
+            </a:solidFill>
+            <a:tailEnd type="arrow"/>
+          </a:ln>
+        </p:spPr>
+        <p:style>
+          <a:lnRef idx="1">
+            <a:schemeClr val="accent1"/>
+          </a:lnRef>
+          <a:fillRef idx="0">
+            <a:schemeClr val="accent1"/>
+          </a:fillRef>
+          <a:effectRef idx="0">
+            <a:schemeClr val="accent1"/>
+          </a:effectRef>
+          <a:fontRef idx="minor">
+            <a:schemeClr val="tx1"/>
+          </a:fontRef>
+        </p:style>
+      </p:cxnSp>
+      <p:cxnSp>
+        <p:nvCxnSpPr>
+          <p:cNvPr id="31" name="Connecteur droit avec flèche 30"/>
+          <p:cNvCxnSpPr>
+            <a:stCxn id="8" idx="0"/>
+            <a:endCxn id="7" idx="2"/>
+          </p:cNvCxnSpPr>
+          <p:nvPr/>
+        </p:nvCxnSpPr>
+        <p:spPr>
+          <a:xfrm flipV="1">
+            <a:off x="1702272" y="3294998"/>
+            <a:ext cx="0" cy="483509"/>
+          </a:xfrm>
+          <a:prstGeom prst="straightConnector1">
+            <a:avLst/>
+          </a:prstGeom>
+          <a:ln w="22225">
+            <a:solidFill>
+              <a:schemeClr val="accent1">
+                <a:lumMod val="75000"/>
+              </a:schemeClr>
+            </a:solidFill>
+            <a:tailEnd type="arrow"/>
+          </a:ln>
+        </p:spPr>
+        <p:style>
+          <a:lnRef idx="1">
+            <a:schemeClr val="accent1"/>
+          </a:lnRef>
+          <a:fillRef idx="0">
+            <a:schemeClr val="accent1"/>
+          </a:fillRef>
+          <a:effectRef idx="0">
+            <a:schemeClr val="accent1"/>
+          </a:effectRef>
+          <a:fontRef idx="minor">
+            <a:schemeClr val="tx1"/>
+          </a:fontRef>
+        </p:style>
+      </p:cxnSp>
+      <p:cxnSp>
+        <p:nvCxnSpPr>
+          <p:cNvPr id="35" name="Connecteur droit avec flèche 34"/>
+          <p:cNvCxnSpPr/>
+          <p:nvPr/>
+        </p:nvCxnSpPr>
+        <p:spPr>
+          <a:xfrm flipV="1">
+            <a:off x="3594283" y="3294997"/>
+            <a:ext cx="0" cy="483509"/>
+          </a:xfrm>
+          <a:prstGeom prst="straightConnector1">
+            <a:avLst/>
+          </a:prstGeom>
+          <a:ln w="22225">
+            <a:solidFill>
+              <a:schemeClr val="accent1">
+                <a:lumMod val="75000"/>
+              </a:schemeClr>
+            </a:solidFill>
+            <a:tailEnd type="arrow"/>
+          </a:ln>
+        </p:spPr>
+        <p:style>
+          <a:lnRef idx="1">
+            <a:schemeClr val="accent1"/>
+          </a:lnRef>
+          <a:fillRef idx="0">
+            <a:schemeClr val="accent1"/>
+          </a:fillRef>
+          <a:effectRef idx="0">
+            <a:schemeClr val="accent1"/>
+          </a:effectRef>
+          <a:fontRef idx="minor">
+            <a:schemeClr val="tx1"/>
+          </a:fontRef>
+        </p:style>
+      </p:cxnSp>
+      <p:cxnSp>
+        <p:nvCxnSpPr>
+          <p:cNvPr id="36" name="Connecteur droit avec flèche 35"/>
+          <p:cNvCxnSpPr>
+            <a:stCxn id="13" idx="0"/>
+            <a:endCxn id="12" idx="2"/>
+          </p:cNvCxnSpPr>
+          <p:nvPr/>
+        </p:nvCxnSpPr>
+        <p:spPr>
+          <a:xfrm flipV="1">
+            <a:off x="1682056" y="4235707"/>
+            <a:ext cx="1915368" cy="482541"/>
+          </a:xfrm>
+          <a:prstGeom prst="straightConnector1">
+            <a:avLst/>
+          </a:prstGeom>
+          <a:ln w="22225">
+            <a:solidFill>
+              <a:schemeClr val="accent1">
+                <a:lumMod val="75000"/>
+              </a:schemeClr>
+            </a:solidFill>
+            <a:tailEnd type="arrow"/>
+          </a:ln>
+        </p:spPr>
+        <p:style>
+          <a:lnRef idx="1">
+            <a:schemeClr val="accent1"/>
+          </a:lnRef>
+          <a:fillRef idx="0">
+            <a:schemeClr val="accent1"/>
+          </a:fillRef>
+          <a:effectRef idx="0">
+            <a:schemeClr val="accent1"/>
+          </a:effectRef>
+          <a:fontRef idx="minor">
+            <a:schemeClr val="tx1"/>
+          </a:fontRef>
+        </p:style>
+      </p:cxnSp>
+      <p:cxnSp>
+        <p:nvCxnSpPr>
+          <p:cNvPr id="37" name="Connecteur droit avec flèche 36"/>
+          <p:cNvCxnSpPr>
+            <a:stCxn id="14" idx="0"/>
+            <a:endCxn id="12" idx="2"/>
+          </p:cNvCxnSpPr>
+          <p:nvPr/>
+        </p:nvCxnSpPr>
+        <p:spPr>
+          <a:xfrm flipV="1">
+            <a:off x="3597424" y="4235707"/>
+            <a:ext cx="0" cy="482541"/>
+          </a:xfrm>
+          <a:prstGeom prst="straightConnector1">
+            <a:avLst/>
+          </a:prstGeom>
+          <a:ln w="22225">
+            <a:solidFill>
+              <a:schemeClr val="accent1">
+                <a:lumMod val="75000"/>
+              </a:schemeClr>
+            </a:solidFill>
+            <a:tailEnd type="arrow"/>
+          </a:ln>
+        </p:spPr>
+        <p:style>
+          <a:lnRef idx="1">
+            <a:schemeClr val="accent1"/>
+          </a:lnRef>
+          <a:fillRef idx="0">
+            <a:schemeClr val="accent1"/>
+          </a:fillRef>
+          <a:effectRef idx="0">
+            <a:schemeClr val="accent1"/>
+          </a:effectRef>
+          <a:fontRef idx="minor">
+            <a:schemeClr val="tx1"/>
+          </a:fontRef>
+        </p:style>
+      </p:cxnSp>
+      <p:cxnSp>
+        <p:nvCxnSpPr>
+          <p:cNvPr id="38" name="Connecteur droit avec flèche 37"/>
+          <p:cNvCxnSpPr>
+            <a:stCxn id="15" idx="0"/>
+            <a:endCxn id="12" idx="2"/>
+          </p:cNvCxnSpPr>
+          <p:nvPr/>
+        </p:nvCxnSpPr>
+        <p:spPr>
+          <a:xfrm flipH="1" flipV="1">
+            <a:off x="3597424" y="4235707"/>
+            <a:ext cx="1937237" cy="482541"/>
+          </a:xfrm>
+          <a:prstGeom prst="straightConnector1">
+            <a:avLst/>
+          </a:prstGeom>
+          <a:ln w="22225">
+            <a:solidFill>
+              <a:schemeClr val="accent1">
+                <a:lumMod val="75000"/>
+              </a:schemeClr>
+            </a:solidFill>
+            <a:tailEnd type="arrow"/>
+          </a:ln>
+        </p:spPr>
+        <p:style>
+          <a:lnRef idx="1">
+            <a:schemeClr val="accent1"/>
+          </a:lnRef>
+          <a:fillRef idx="0">
+            <a:schemeClr val="accent1"/>
+          </a:fillRef>
+          <a:effectRef idx="0">
+            <a:schemeClr val="accent1"/>
+          </a:effectRef>
+          <a:fontRef idx="minor">
+            <a:schemeClr val="tx1"/>
+          </a:fontRef>
+        </p:style>
+      </p:cxnSp>
     </p:spTree>
     <p:extLst>
       <p:ext uri="{BB962C8B-B14F-4D97-AF65-F5344CB8AC3E}">
-        <p14:creationId xmlns:p14="http://schemas.microsoft.com/office/powerpoint/2010/main" val="3200068977"/>
+        <p14:creationId xmlns:p14="http://schemas.microsoft.com/office/powerpoint/2010/main" val="1262284361"/>
       </p:ext>
     </p:extLst>
   </p:cSld>
@@ -4454,35 +7483,23 @@
           <a:p>
             <a:r>
               <a:rPr lang="fr-FR" dirty="0" smtClean="0"/>
-              <a:t>Damien</a:t>
+              <a:t>Répartition des tâches</a:t>
+            </a:r>
+            <a:br>
+              <a:rPr lang="fr-FR" dirty="0" smtClean="0"/>
+            </a:br>
+            <a:r>
+              <a:rPr lang="fr-FR" sz="1400" dirty="0" smtClean="0"/>
+              <a:t>« Fais ça, fais ce ci. Moi je vais manger. »</a:t>
             </a:r>
             <a:endParaRPr lang="fr-FR" dirty="0"/>
-          </a:p>
-        </p:txBody>
-      </p:sp>
-      <p:sp>
-        <p:nvSpPr>
-          <p:cNvPr id="5" name="Espace réservé du contenu 4"/>
-          <p:cNvSpPr>
-            <a:spLocks noGrp="1"/>
-          </p:cNvSpPr>
-          <p:nvPr>
-            <p:ph idx="1"/>
-          </p:nvPr>
-        </p:nvSpPr>
-        <p:spPr/>
-        <p:txBody>
-          <a:bodyPr/>
-          <a:lstStyle/>
-          <a:p>
-            <a:endParaRPr lang="fr-FR"/>
           </a:p>
         </p:txBody>
       </p:sp>
     </p:spTree>
     <p:extLst>
       <p:ext uri="{BB962C8B-B14F-4D97-AF65-F5344CB8AC3E}">
-        <p14:creationId xmlns:p14="http://schemas.microsoft.com/office/powerpoint/2010/main" val="3010993792"/>
+        <p14:creationId xmlns:p14="http://schemas.microsoft.com/office/powerpoint/2010/main" val="894287689"/>
       </p:ext>
     </p:extLst>
   </p:cSld>
@@ -4533,7 +7550,7 @@
           <a:p>
             <a:r>
               <a:rPr lang="fr-FR" dirty="0" smtClean="0"/>
-              <a:t>Raphael</a:t>
+              <a:t>Marie</a:t>
             </a:r>
             <a:endParaRPr lang="fr-FR" dirty="0"/>
           </a:p>
@@ -4553,40 +7570,6 @@
         <p:txBody>
           <a:bodyPr/>
           <a:lstStyle/>
-          <a:p>
-            <a:r>
-              <a:rPr lang="fr-FR" dirty="0" smtClean="0"/>
-              <a:t>Intégration </a:t>
-            </a:r>
-            <a:r>
-              <a:rPr lang="fr-FR" dirty="0" err="1" smtClean="0"/>
-              <a:t>Lua</a:t>
-            </a:r>
-            <a:endParaRPr lang="fr-FR" dirty="0" smtClean="0"/>
-          </a:p>
-          <a:p>
-            <a:r>
-              <a:rPr lang="fr-FR" dirty="0" smtClean="0"/>
-              <a:t>API pour les scripts </a:t>
-            </a:r>
-            <a:r>
-              <a:rPr lang="fr-FR" dirty="0" err="1" smtClean="0"/>
-              <a:t>Lua</a:t>
-            </a:r>
-            <a:endParaRPr lang="fr-FR" dirty="0" smtClean="0"/>
-          </a:p>
-          <a:p>
-            <a:r>
-              <a:rPr lang="fr-FR" dirty="0" smtClean="0"/>
-              <a:t>Gestionnaire de configuration</a:t>
-            </a:r>
-          </a:p>
-          <a:p>
-            <a:r>
-              <a:rPr lang="fr-FR" dirty="0" smtClean="0"/>
-              <a:t>Les objets</a:t>
-            </a:r>
-          </a:p>
           <a:p>
             <a:endParaRPr lang="fr-FR" dirty="0"/>
           </a:p>
@@ -4595,7 +7578,7 @@
     </p:spTree>
     <p:extLst>
       <p:ext uri="{BB962C8B-B14F-4D97-AF65-F5344CB8AC3E}">
-        <p14:creationId xmlns:p14="http://schemas.microsoft.com/office/powerpoint/2010/main" val="381059543"/>
+        <p14:creationId xmlns:p14="http://schemas.microsoft.com/office/powerpoint/2010/main" val="4204378190"/>
       </p:ext>
     </p:extLst>
   </p:cSld>
@@ -4646,23 +7629,79 @@
           <a:p>
             <a:r>
               <a:rPr lang="fr-FR" dirty="0" smtClean="0"/>
-              <a:t>Conception du projet</a:t>
-            </a:r>
-            <a:br>
+              <a:t>Nicolas</a:t>
+            </a:r>
+            <a:endParaRPr lang="fr-FR" dirty="0"/>
+          </a:p>
+        </p:txBody>
+      </p:sp>
+      <p:sp>
+        <p:nvSpPr>
+          <p:cNvPr id="5" name="Espace réservé du contenu 4"/>
+          <p:cNvSpPr>
+            <a:spLocks noGrp="1"/>
+          </p:cNvSpPr>
+          <p:nvPr>
+            <p:ph idx="1"/>
+          </p:nvPr>
+        </p:nvSpPr>
+        <p:spPr/>
+        <p:txBody>
+          <a:bodyPr/>
+          <a:lstStyle/>
+          <a:p>
+            <a:r>
               <a:rPr lang="fr-FR" dirty="0" smtClean="0"/>
-            </a:br>
-            <a:r>
-              <a:rPr lang="fr-FR" sz="1400" dirty="0" smtClean="0"/>
-              <a:t>« Et le concret dans tout ça ? »</a:t>
+              <a:t>Responsable de la gestion des Game objets:</a:t>
+            </a:r>
+          </a:p>
+          <a:p>
+            <a:pPr lvl="1"/>
+            <a:r>
+              <a:rPr lang="fr-FR" dirty="0" smtClean="0"/>
+              <a:t>Architecture</a:t>
+            </a:r>
+          </a:p>
+          <a:p>
+            <a:pPr lvl="1"/>
+            <a:r>
+              <a:rPr lang="fr-FR" dirty="0" smtClean="0"/>
+              <a:t>Implémentation</a:t>
             </a:r>
             <a:endParaRPr lang="fr-FR" dirty="0"/>
+          </a:p>
+          <a:p>
+            <a:pPr lvl="1"/>
+            <a:endParaRPr lang="fr-FR" dirty="0" smtClean="0"/>
+          </a:p>
+          <a:p>
+            <a:r>
+              <a:rPr lang="fr-FR" dirty="0" smtClean="0"/>
+              <a:t>Responsable du rendu visuel:</a:t>
+            </a:r>
+          </a:p>
+          <a:p>
+            <a:pPr lvl="1"/>
+            <a:r>
+              <a:rPr lang="fr-FR" dirty="0" smtClean="0"/>
+              <a:t>Chargement des modèles</a:t>
+            </a:r>
+            <a:endParaRPr lang="fr-FR" dirty="0" smtClean="0"/>
+          </a:p>
+          <a:p>
+            <a:pPr lvl="1"/>
+            <a:r>
+              <a:rPr lang="fr-FR" dirty="0" smtClean="0"/>
+              <a:t>Gestion des animations</a:t>
+            </a:r>
+            <a:endParaRPr lang="fr-FR" dirty="0" smtClean="0"/>
           </a:p>
         </p:txBody>
       </p:sp>
     </p:spTree>
     <p:extLst>
       <p:ext uri="{BB962C8B-B14F-4D97-AF65-F5344CB8AC3E}">
-        <p14:creationId xmlns:p14="http://schemas.microsoft.com/office/powerpoint/2010/main" val="3723339638"/>
+        <p14:creationId xmlns:p14="http://schemas.microsoft.com/office/powerpoint/2010/main" val="1877064531"/>
       </p:ext>
     </p:extLst>
   </p:cSld>
@@ -4712,12 +7751,8 @@
           <a:lstStyle/>
           <a:p>
             <a:r>
-              <a:rPr lang="fr-FR" dirty="0" smtClean="0"/>
-              <a:t>API </a:t>
-            </a:r>
-            <a:r>
               <a:rPr lang="fr-FR" dirty="0" err="1" smtClean="0"/>
-              <a:t>Lua</a:t>
+              <a:t>Pelayo</a:t>
             </a:r>
             <a:endParaRPr lang="fr-FR" dirty="0"/>
           </a:p>
@@ -4725,858 +7760,27 @@
       </p:sp>
       <p:sp>
         <p:nvSpPr>
-          <p:cNvPr id="3" name="Rectangle 2"/>
-          <p:cNvSpPr/>
-          <p:nvPr/>
-        </p:nvSpPr>
-        <p:spPr>
-          <a:xfrm>
-            <a:off x="3702968" y="1844824"/>
-            <a:ext cx="1805136" cy="457200"/>
-          </a:xfrm>
-          <a:prstGeom prst="rect">
-            <a:avLst/>
-          </a:prstGeom>
-        </p:spPr>
-        <p:style>
-          <a:lnRef idx="2">
-            <a:schemeClr val="accent1">
-              <a:shade val="50000"/>
-            </a:schemeClr>
-          </a:lnRef>
-          <a:fillRef idx="1">
-            <a:schemeClr val="accent1"/>
-          </a:fillRef>
-          <a:effectRef idx="0">
-            <a:schemeClr val="accent1"/>
-          </a:effectRef>
-          <a:fontRef idx="minor">
-            <a:schemeClr val="lt1"/>
-          </a:fontRef>
-        </p:style>
-        <p:txBody>
-          <a:bodyPr rtlCol="0" anchor="ctr"/>
+          <p:cNvPr id="5" name="Espace réservé du contenu 4"/>
+          <p:cNvSpPr>
+            <a:spLocks noGrp="1"/>
+          </p:cNvSpPr>
+          <p:nvPr>
+            <p:ph idx="1"/>
+          </p:nvPr>
+        </p:nvSpPr>
+        <p:spPr/>
+        <p:txBody>
+          <a:bodyPr/>
           <a:lstStyle/>
           <a:p>
-            <a:pPr algn="ctr"/>
-            <a:r>
-              <a:rPr lang="fr-FR" dirty="0" err="1" smtClean="0"/>
-              <a:t>GameObject</a:t>
-            </a:r>
-            <a:endParaRPr lang="fr-FR" dirty="0"/>
-          </a:p>
-        </p:txBody>
-      </p:sp>
-      <p:sp>
-        <p:nvSpPr>
-          <p:cNvPr id="6" name="Rectangle 5"/>
-          <p:cNvSpPr/>
-          <p:nvPr/>
-        </p:nvSpPr>
-        <p:spPr>
-          <a:xfrm>
-            <a:off x="6444208" y="5805264"/>
-            <a:ext cx="1805136" cy="457200"/>
-          </a:xfrm>
-          <a:prstGeom prst="rect">
-            <a:avLst/>
-          </a:prstGeom>
-        </p:spPr>
-        <p:style>
-          <a:lnRef idx="2">
-            <a:schemeClr val="accent1">
-              <a:shade val="50000"/>
-            </a:schemeClr>
-          </a:lnRef>
-          <a:fillRef idx="1">
-            <a:schemeClr val="accent1"/>
-          </a:fillRef>
-          <a:effectRef idx="0">
-            <a:schemeClr val="accent1"/>
-          </a:effectRef>
-          <a:fontRef idx="minor">
-            <a:schemeClr val="lt1"/>
-          </a:fontRef>
-        </p:style>
-        <p:txBody>
-          <a:bodyPr rtlCol="0" anchor="ctr"/>
-          <a:lstStyle/>
-          <a:p>
-            <a:pPr algn="ctr"/>
-            <a:r>
-              <a:rPr lang="fr-FR" dirty="0" err="1" smtClean="0"/>
-              <a:t>Map</a:t>
-            </a:r>
-            <a:endParaRPr lang="fr-FR" dirty="0"/>
-          </a:p>
-        </p:txBody>
-      </p:sp>
-      <p:sp>
-        <p:nvSpPr>
-          <p:cNvPr id="7" name="Rectangle 6"/>
-          <p:cNvSpPr/>
-          <p:nvPr/>
-        </p:nvSpPr>
-        <p:spPr>
-          <a:xfrm>
-            <a:off x="799704" y="2837798"/>
-            <a:ext cx="1805136" cy="457200"/>
-          </a:xfrm>
-          <a:prstGeom prst="rect">
-            <a:avLst/>
-          </a:prstGeom>
-        </p:spPr>
-        <p:style>
-          <a:lnRef idx="2">
-            <a:schemeClr val="accent1">
-              <a:shade val="50000"/>
-            </a:schemeClr>
-          </a:lnRef>
-          <a:fillRef idx="1">
-            <a:schemeClr val="accent1"/>
-          </a:fillRef>
-          <a:effectRef idx="0">
-            <a:schemeClr val="accent1"/>
-          </a:effectRef>
-          <a:fontRef idx="minor">
-            <a:schemeClr val="lt1"/>
-          </a:fontRef>
-        </p:style>
-        <p:txBody>
-          <a:bodyPr rtlCol="0" anchor="ctr"/>
-          <a:lstStyle/>
-          <a:p>
-            <a:pPr algn="ctr"/>
-            <a:r>
-              <a:rPr lang="fr-FR" dirty="0" smtClean="0"/>
-              <a:t>Player</a:t>
-            </a:r>
-            <a:endParaRPr lang="fr-FR" dirty="0"/>
-          </a:p>
-        </p:txBody>
-      </p:sp>
-      <p:sp>
-        <p:nvSpPr>
-          <p:cNvPr id="8" name="Rectangle 7"/>
-          <p:cNvSpPr/>
-          <p:nvPr/>
-        </p:nvSpPr>
-        <p:spPr>
-          <a:xfrm>
-            <a:off x="799704" y="3778507"/>
-            <a:ext cx="1805136" cy="457200"/>
-          </a:xfrm>
-          <a:prstGeom prst="rect">
-            <a:avLst/>
-          </a:prstGeom>
-        </p:spPr>
-        <p:style>
-          <a:lnRef idx="2">
-            <a:schemeClr val="accent1">
-              <a:shade val="50000"/>
-            </a:schemeClr>
-          </a:lnRef>
-          <a:fillRef idx="1">
-            <a:schemeClr val="accent1"/>
-          </a:fillRef>
-          <a:effectRef idx="0">
-            <a:schemeClr val="accent1"/>
-          </a:effectRef>
-          <a:fontRef idx="minor">
-            <a:schemeClr val="lt1"/>
-          </a:fontRef>
-        </p:style>
-        <p:txBody>
-          <a:bodyPr rtlCol="0" anchor="ctr"/>
-          <a:lstStyle/>
-          <a:p>
-            <a:pPr algn="ctr"/>
-            <a:r>
-              <a:rPr lang="fr-FR" dirty="0" smtClean="0"/>
-              <a:t>Me</a:t>
-            </a:r>
-            <a:endParaRPr lang="fr-FR" dirty="0"/>
-          </a:p>
-        </p:txBody>
-      </p:sp>
-      <p:sp>
-        <p:nvSpPr>
-          <p:cNvPr id="9" name="Rectangle 8"/>
-          <p:cNvSpPr/>
-          <p:nvPr/>
-        </p:nvSpPr>
-        <p:spPr>
-          <a:xfrm>
-            <a:off x="2694856" y="2837798"/>
-            <a:ext cx="1805136" cy="457200"/>
-          </a:xfrm>
-          <a:prstGeom prst="rect">
-            <a:avLst/>
-          </a:prstGeom>
-        </p:spPr>
-        <p:style>
-          <a:lnRef idx="2">
-            <a:schemeClr val="accent1">
-              <a:shade val="50000"/>
-            </a:schemeClr>
-          </a:lnRef>
-          <a:fillRef idx="1">
-            <a:schemeClr val="accent1"/>
-          </a:fillRef>
-          <a:effectRef idx="0">
-            <a:schemeClr val="accent1"/>
-          </a:effectRef>
-          <a:fontRef idx="minor">
-            <a:schemeClr val="lt1"/>
-          </a:fontRef>
-        </p:style>
-        <p:txBody>
-          <a:bodyPr rtlCol="0" anchor="ctr"/>
-          <a:lstStyle/>
-          <a:p>
-            <a:pPr algn="ctr"/>
-            <a:r>
-              <a:rPr lang="fr-FR" dirty="0" smtClean="0"/>
-              <a:t>Item</a:t>
-            </a:r>
-            <a:endParaRPr lang="fr-FR" dirty="0"/>
-          </a:p>
-        </p:txBody>
-      </p:sp>
-      <p:sp>
-        <p:nvSpPr>
-          <p:cNvPr id="10" name="Rectangle 9"/>
-          <p:cNvSpPr/>
-          <p:nvPr/>
-        </p:nvSpPr>
-        <p:spPr>
-          <a:xfrm>
-            <a:off x="4642213" y="2837798"/>
-            <a:ext cx="1805136" cy="457200"/>
-          </a:xfrm>
-          <a:prstGeom prst="rect">
-            <a:avLst/>
-          </a:prstGeom>
-        </p:spPr>
-        <p:style>
-          <a:lnRef idx="2">
-            <a:schemeClr val="accent1">
-              <a:shade val="50000"/>
-            </a:schemeClr>
-          </a:lnRef>
-          <a:fillRef idx="1">
-            <a:schemeClr val="accent1"/>
-          </a:fillRef>
-          <a:effectRef idx="0">
-            <a:schemeClr val="accent1"/>
-          </a:effectRef>
-          <a:fontRef idx="minor">
-            <a:schemeClr val="lt1"/>
-          </a:fontRef>
-        </p:style>
-        <p:txBody>
-          <a:bodyPr rtlCol="0" anchor="ctr"/>
-          <a:lstStyle/>
-          <a:p>
-            <a:pPr algn="ctr"/>
-            <a:r>
-              <a:rPr lang="fr-FR" dirty="0" smtClean="0"/>
-              <a:t>Box</a:t>
-            </a:r>
-            <a:endParaRPr lang="fr-FR" dirty="0"/>
-          </a:p>
-        </p:txBody>
-      </p:sp>
-      <p:sp>
-        <p:nvSpPr>
-          <p:cNvPr id="11" name="Rectangle 10"/>
-          <p:cNvSpPr/>
-          <p:nvPr/>
-        </p:nvSpPr>
-        <p:spPr>
-          <a:xfrm>
-            <a:off x="6583288" y="2837798"/>
-            <a:ext cx="1805136" cy="457200"/>
-          </a:xfrm>
-          <a:prstGeom prst="rect">
-            <a:avLst/>
-          </a:prstGeom>
-        </p:spPr>
-        <p:style>
-          <a:lnRef idx="2">
-            <a:schemeClr val="accent1">
-              <a:shade val="50000"/>
-            </a:schemeClr>
-          </a:lnRef>
-          <a:fillRef idx="1">
-            <a:schemeClr val="accent1"/>
-          </a:fillRef>
-          <a:effectRef idx="0">
-            <a:schemeClr val="accent1"/>
-          </a:effectRef>
-          <a:fontRef idx="minor">
-            <a:schemeClr val="lt1"/>
-          </a:fontRef>
-        </p:style>
-        <p:txBody>
-          <a:bodyPr rtlCol="0" anchor="ctr"/>
-          <a:lstStyle/>
-          <a:p>
-            <a:pPr algn="ctr"/>
-            <a:r>
-              <a:rPr lang="fr-FR" dirty="0" smtClean="0"/>
-              <a:t>Wall</a:t>
-            </a:r>
-            <a:endParaRPr lang="fr-FR" dirty="0"/>
-          </a:p>
-        </p:txBody>
-      </p:sp>
-      <p:sp>
-        <p:nvSpPr>
-          <p:cNvPr id="12" name="Rectangle 11"/>
-          <p:cNvSpPr/>
-          <p:nvPr/>
-        </p:nvSpPr>
-        <p:spPr>
-          <a:xfrm>
-            <a:off x="2694856" y="3778507"/>
-            <a:ext cx="1805136" cy="457200"/>
-          </a:xfrm>
-          <a:prstGeom prst="rect">
-            <a:avLst/>
-          </a:prstGeom>
-        </p:spPr>
-        <p:style>
-          <a:lnRef idx="2">
-            <a:schemeClr val="accent1">
-              <a:shade val="50000"/>
-            </a:schemeClr>
-          </a:lnRef>
-          <a:fillRef idx="1">
-            <a:schemeClr val="accent1"/>
-          </a:fillRef>
-          <a:effectRef idx="0">
-            <a:schemeClr val="accent1"/>
-          </a:effectRef>
-          <a:fontRef idx="minor">
-            <a:schemeClr val="lt1"/>
-          </a:fontRef>
-        </p:style>
-        <p:txBody>
-          <a:bodyPr rtlCol="0" anchor="ctr"/>
-          <a:lstStyle/>
-          <a:p>
-            <a:pPr algn="ctr"/>
-            <a:r>
-              <a:rPr lang="fr-FR" dirty="0" err="1" smtClean="0"/>
-              <a:t>Buff</a:t>
-            </a:r>
-            <a:endParaRPr lang="fr-FR" dirty="0"/>
-          </a:p>
-        </p:txBody>
-      </p:sp>
-      <p:sp>
-        <p:nvSpPr>
-          <p:cNvPr id="13" name="Rectangle 12"/>
-          <p:cNvSpPr/>
-          <p:nvPr/>
-        </p:nvSpPr>
-        <p:spPr>
-          <a:xfrm>
-            <a:off x="779488" y="4718248"/>
-            <a:ext cx="1805136" cy="457200"/>
-          </a:xfrm>
-          <a:prstGeom prst="rect">
-            <a:avLst/>
-          </a:prstGeom>
-        </p:spPr>
-        <p:style>
-          <a:lnRef idx="2">
-            <a:schemeClr val="accent1">
-              <a:shade val="50000"/>
-            </a:schemeClr>
-          </a:lnRef>
-          <a:fillRef idx="1">
-            <a:schemeClr val="accent1"/>
-          </a:fillRef>
-          <a:effectRef idx="0">
-            <a:schemeClr val="accent1"/>
-          </a:effectRef>
-          <a:fontRef idx="minor">
-            <a:schemeClr val="lt1"/>
-          </a:fontRef>
-        </p:style>
-        <p:txBody>
-          <a:bodyPr rtlCol="0" anchor="ctr"/>
-          <a:lstStyle/>
-          <a:p>
-            <a:pPr algn="ctr"/>
-            <a:r>
-              <a:rPr lang="fr-FR" dirty="0" err="1" smtClean="0"/>
-              <a:t>SpeedBuff</a:t>
-            </a:r>
-            <a:endParaRPr lang="fr-FR" dirty="0"/>
-          </a:p>
-        </p:txBody>
-      </p:sp>
-      <p:sp>
-        <p:nvSpPr>
-          <p:cNvPr id="14" name="Rectangle 13"/>
-          <p:cNvSpPr/>
-          <p:nvPr/>
-        </p:nvSpPr>
-        <p:spPr>
-          <a:xfrm>
-            <a:off x="2694856" y="4718248"/>
-            <a:ext cx="1805136" cy="457200"/>
-          </a:xfrm>
-          <a:prstGeom prst="rect">
-            <a:avLst/>
-          </a:prstGeom>
-        </p:spPr>
-        <p:style>
-          <a:lnRef idx="2">
-            <a:schemeClr val="accent1">
-              <a:shade val="50000"/>
-            </a:schemeClr>
-          </a:lnRef>
-          <a:fillRef idx="1">
-            <a:schemeClr val="accent1"/>
-          </a:fillRef>
-          <a:effectRef idx="0">
-            <a:schemeClr val="accent1"/>
-          </a:effectRef>
-          <a:fontRef idx="minor">
-            <a:schemeClr val="lt1"/>
-          </a:fontRef>
-        </p:style>
-        <p:txBody>
-          <a:bodyPr rtlCol="0" anchor="ctr"/>
-          <a:lstStyle/>
-          <a:p>
-            <a:pPr algn="ctr"/>
-            <a:r>
-              <a:rPr lang="fr-FR" sz="1400" dirty="0" err="1" smtClean="0"/>
-              <a:t>BombRangeBuff</a:t>
-            </a:r>
-            <a:endParaRPr lang="fr-FR" sz="1400" dirty="0"/>
-          </a:p>
-        </p:txBody>
-      </p:sp>
-      <p:sp>
-        <p:nvSpPr>
-          <p:cNvPr id="15" name="Rectangle 14"/>
-          <p:cNvSpPr/>
-          <p:nvPr/>
-        </p:nvSpPr>
-        <p:spPr>
-          <a:xfrm>
-            <a:off x="4632093" y="4718248"/>
-            <a:ext cx="1805136" cy="457200"/>
-          </a:xfrm>
-          <a:prstGeom prst="rect">
-            <a:avLst/>
-          </a:prstGeom>
-        </p:spPr>
-        <p:style>
-          <a:lnRef idx="2">
-            <a:schemeClr val="accent1">
-              <a:shade val="50000"/>
-            </a:schemeClr>
-          </a:lnRef>
-          <a:fillRef idx="1">
-            <a:schemeClr val="accent1"/>
-          </a:fillRef>
-          <a:effectRef idx="0">
-            <a:schemeClr val="accent1"/>
-          </a:effectRef>
-          <a:fontRef idx="minor">
-            <a:schemeClr val="lt1"/>
-          </a:fontRef>
-        </p:style>
-        <p:txBody>
-          <a:bodyPr rtlCol="0" anchor="ctr"/>
-          <a:lstStyle/>
-          <a:p>
-            <a:pPr algn="ctr"/>
-            <a:r>
-              <a:rPr lang="fr-FR" sz="1400" dirty="0" err="1" smtClean="0"/>
-              <a:t>BombCapacityBuff</a:t>
-            </a:r>
-            <a:endParaRPr lang="fr-FR" sz="1400" dirty="0"/>
-          </a:p>
-        </p:txBody>
-      </p:sp>
-      <p:cxnSp>
-        <p:nvCxnSpPr>
-          <p:cNvPr id="19" name="Connecteur droit avec flèche 18"/>
-          <p:cNvCxnSpPr>
-            <a:stCxn id="7" idx="0"/>
-            <a:endCxn id="3" idx="2"/>
-          </p:cNvCxnSpPr>
-          <p:nvPr/>
-        </p:nvCxnSpPr>
-        <p:spPr>
-          <a:xfrm flipV="1">
-            <a:off x="1702272" y="2302024"/>
-            <a:ext cx="2903264" cy="535774"/>
-          </a:xfrm>
-          <a:prstGeom prst="straightConnector1">
-            <a:avLst/>
-          </a:prstGeom>
-          <a:ln w="22225">
-            <a:solidFill>
-              <a:schemeClr val="accent1">
-                <a:lumMod val="75000"/>
-              </a:schemeClr>
-            </a:solidFill>
-            <a:tailEnd type="arrow"/>
-          </a:ln>
-        </p:spPr>
-        <p:style>
-          <a:lnRef idx="1">
-            <a:schemeClr val="accent1"/>
-          </a:lnRef>
-          <a:fillRef idx="0">
-            <a:schemeClr val="accent1"/>
-          </a:fillRef>
-          <a:effectRef idx="0">
-            <a:schemeClr val="accent1"/>
-          </a:effectRef>
-          <a:fontRef idx="minor">
-            <a:schemeClr val="tx1"/>
-          </a:fontRef>
-        </p:style>
-      </p:cxnSp>
-      <p:cxnSp>
-        <p:nvCxnSpPr>
-          <p:cNvPr id="20" name="Connecteur droit avec flèche 19"/>
-          <p:cNvCxnSpPr>
-            <a:stCxn id="9" idx="0"/>
-            <a:endCxn id="3" idx="2"/>
-          </p:cNvCxnSpPr>
-          <p:nvPr/>
-        </p:nvCxnSpPr>
-        <p:spPr>
-          <a:xfrm flipV="1">
-            <a:off x="3597424" y="2302024"/>
-            <a:ext cx="1008112" cy="535774"/>
-          </a:xfrm>
-          <a:prstGeom prst="straightConnector1">
-            <a:avLst/>
-          </a:prstGeom>
-          <a:ln w="22225">
-            <a:solidFill>
-              <a:schemeClr val="accent1">
-                <a:lumMod val="75000"/>
-              </a:schemeClr>
-            </a:solidFill>
-            <a:tailEnd type="arrow"/>
-          </a:ln>
-        </p:spPr>
-        <p:style>
-          <a:lnRef idx="1">
-            <a:schemeClr val="accent1"/>
-          </a:lnRef>
-          <a:fillRef idx="0">
-            <a:schemeClr val="accent1"/>
-          </a:fillRef>
-          <a:effectRef idx="0">
-            <a:schemeClr val="accent1"/>
-          </a:effectRef>
-          <a:fontRef idx="minor">
-            <a:schemeClr val="tx1"/>
-          </a:fontRef>
-        </p:style>
-      </p:cxnSp>
-      <p:cxnSp>
-        <p:nvCxnSpPr>
-          <p:cNvPr id="23" name="Connecteur droit avec flèche 22"/>
-          <p:cNvCxnSpPr>
-            <a:stCxn id="10" idx="0"/>
-            <a:endCxn id="3" idx="2"/>
-          </p:cNvCxnSpPr>
-          <p:nvPr/>
-        </p:nvCxnSpPr>
-        <p:spPr>
-          <a:xfrm flipH="1" flipV="1">
-            <a:off x="4605536" y="2302024"/>
-            <a:ext cx="939245" cy="535774"/>
-          </a:xfrm>
-          <a:prstGeom prst="straightConnector1">
-            <a:avLst/>
-          </a:prstGeom>
-          <a:ln w="22225">
-            <a:solidFill>
-              <a:schemeClr val="accent1">
-                <a:lumMod val="75000"/>
-              </a:schemeClr>
-            </a:solidFill>
-            <a:tailEnd type="arrow"/>
-          </a:ln>
-        </p:spPr>
-        <p:style>
-          <a:lnRef idx="1">
-            <a:schemeClr val="accent1"/>
-          </a:lnRef>
-          <a:fillRef idx="0">
-            <a:schemeClr val="accent1"/>
-          </a:fillRef>
-          <a:effectRef idx="0">
-            <a:schemeClr val="accent1"/>
-          </a:effectRef>
-          <a:fontRef idx="minor">
-            <a:schemeClr val="tx1"/>
-          </a:fontRef>
-        </p:style>
-      </p:cxnSp>
-      <p:cxnSp>
-        <p:nvCxnSpPr>
-          <p:cNvPr id="24" name="Connecteur droit avec flèche 23"/>
-          <p:cNvCxnSpPr>
-            <a:stCxn id="11" idx="0"/>
-            <a:endCxn id="3" idx="2"/>
-          </p:cNvCxnSpPr>
-          <p:nvPr/>
-        </p:nvCxnSpPr>
-        <p:spPr>
-          <a:xfrm flipH="1" flipV="1">
-            <a:off x="4605536" y="2302024"/>
-            <a:ext cx="2880320" cy="535774"/>
-          </a:xfrm>
-          <a:prstGeom prst="straightConnector1">
-            <a:avLst/>
-          </a:prstGeom>
-          <a:ln w="22225">
-            <a:solidFill>
-              <a:schemeClr val="accent1">
-                <a:lumMod val="75000"/>
-              </a:schemeClr>
-            </a:solidFill>
-            <a:tailEnd type="arrow"/>
-          </a:ln>
-        </p:spPr>
-        <p:style>
-          <a:lnRef idx="1">
-            <a:schemeClr val="accent1"/>
-          </a:lnRef>
-          <a:fillRef idx="0">
-            <a:schemeClr val="accent1"/>
-          </a:fillRef>
-          <a:effectRef idx="0">
-            <a:schemeClr val="accent1"/>
-          </a:effectRef>
-          <a:fontRef idx="minor">
-            <a:schemeClr val="tx1"/>
-          </a:fontRef>
-        </p:style>
-      </p:cxnSp>
-      <p:cxnSp>
-        <p:nvCxnSpPr>
-          <p:cNvPr id="31" name="Connecteur droit avec flèche 30"/>
-          <p:cNvCxnSpPr>
-            <a:stCxn id="8" idx="0"/>
-            <a:endCxn id="7" idx="2"/>
-          </p:cNvCxnSpPr>
-          <p:nvPr/>
-        </p:nvCxnSpPr>
-        <p:spPr>
-          <a:xfrm flipV="1">
-            <a:off x="1702272" y="3294998"/>
-            <a:ext cx="0" cy="483509"/>
-          </a:xfrm>
-          <a:prstGeom prst="straightConnector1">
-            <a:avLst/>
-          </a:prstGeom>
-          <a:ln w="22225">
-            <a:solidFill>
-              <a:schemeClr val="accent1">
-                <a:lumMod val="75000"/>
-              </a:schemeClr>
-            </a:solidFill>
-            <a:tailEnd type="arrow"/>
-          </a:ln>
-        </p:spPr>
-        <p:style>
-          <a:lnRef idx="1">
-            <a:schemeClr val="accent1"/>
-          </a:lnRef>
-          <a:fillRef idx="0">
-            <a:schemeClr val="accent1"/>
-          </a:fillRef>
-          <a:effectRef idx="0">
-            <a:schemeClr val="accent1"/>
-          </a:effectRef>
-          <a:fontRef idx="minor">
-            <a:schemeClr val="tx1"/>
-          </a:fontRef>
-        </p:style>
-      </p:cxnSp>
-      <p:cxnSp>
-        <p:nvCxnSpPr>
-          <p:cNvPr id="35" name="Connecteur droit avec flèche 34"/>
-          <p:cNvCxnSpPr/>
-          <p:nvPr/>
-        </p:nvCxnSpPr>
-        <p:spPr>
-          <a:xfrm flipV="1">
-            <a:off x="3594283" y="3294997"/>
-            <a:ext cx="0" cy="483509"/>
-          </a:xfrm>
-          <a:prstGeom prst="straightConnector1">
-            <a:avLst/>
-          </a:prstGeom>
-          <a:ln w="22225">
-            <a:solidFill>
-              <a:schemeClr val="accent1">
-                <a:lumMod val="75000"/>
-              </a:schemeClr>
-            </a:solidFill>
-            <a:tailEnd type="arrow"/>
-          </a:ln>
-        </p:spPr>
-        <p:style>
-          <a:lnRef idx="1">
-            <a:schemeClr val="accent1"/>
-          </a:lnRef>
-          <a:fillRef idx="0">
-            <a:schemeClr val="accent1"/>
-          </a:fillRef>
-          <a:effectRef idx="0">
-            <a:schemeClr val="accent1"/>
-          </a:effectRef>
-          <a:fontRef idx="minor">
-            <a:schemeClr val="tx1"/>
-          </a:fontRef>
-        </p:style>
-      </p:cxnSp>
-      <p:cxnSp>
-        <p:nvCxnSpPr>
-          <p:cNvPr id="36" name="Connecteur droit avec flèche 35"/>
-          <p:cNvCxnSpPr>
-            <a:stCxn id="13" idx="0"/>
-            <a:endCxn id="12" idx="2"/>
-          </p:cNvCxnSpPr>
-          <p:nvPr/>
-        </p:nvCxnSpPr>
-        <p:spPr>
-          <a:xfrm flipV="1">
-            <a:off x="1682056" y="4235707"/>
-            <a:ext cx="1915368" cy="482541"/>
-          </a:xfrm>
-          <a:prstGeom prst="straightConnector1">
-            <a:avLst/>
-          </a:prstGeom>
-          <a:ln w="22225">
-            <a:solidFill>
-              <a:schemeClr val="accent1">
-                <a:lumMod val="75000"/>
-              </a:schemeClr>
-            </a:solidFill>
-            <a:tailEnd type="arrow"/>
-          </a:ln>
-        </p:spPr>
-        <p:style>
-          <a:lnRef idx="1">
-            <a:schemeClr val="accent1"/>
-          </a:lnRef>
-          <a:fillRef idx="0">
-            <a:schemeClr val="accent1"/>
-          </a:fillRef>
-          <a:effectRef idx="0">
-            <a:schemeClr val="accent1"/>
-          </a:effectRef>
-          <a:fontRef idx="minor">
-            <a:schemeClr val="tx1"/>
-          </a:fontRef>
-        </p:style>
-      </p:cxnSp>
-      <p:cxnSp>
-        <p:nvCxnSpPr>
-          <p:cNvPr id="37" name="Connecteur droit avec flèche 36"/>
-          <p:cNvCxnSpPr>
-            <a:stCxn id="14" idx="0"/>
-            <a:endCxn id="12" idx="2"/>
-          </p:cNvCxnSpPr>
-          <p:nvPr/>
-        </p:nvCxnSpPr>
-        <p:spPr>
-          <a:xfrm flipV="1">
-            <a:off x="3597424" y="4235707"/>
-            <a:ext cx="0" cy="482541"/>
-          </a:xfrm>
-          <a:prstGeom prst="straightConnector1">
-            <a:avLst/>
-          </a:prstGeom>
-          <a:ln w="22225">
-            <a:solidFill>
-              <a:schemeClr val="accent1">
-                <a:lumMod val="75000"/>
-              </a:schemeClr>
-            </a:solidFill>
-            <a:tailEnd type="arrow"/>
-          </a:ln>
-        </p:spPr>
-        <p:style>
-          <a:lnRef idx="1">
-            <a:schemeClr val="accent1"/>
-          </a:lnRef>
-          <a:fillRef idx="0">
-            <a:schemeClr val="accent1"/>
-          </a:fillRef>
-          <a:effectRef idx="0">
-            <a:schemeClr val="accent1"/>
-          </a:effectRef>
-          <a:fontRef idx="minor">
-            <a:schemeClr val="tx1"/>
-          </a:fontRef>
-        </p:style>
-      </p:cxnSp>
-      <p:cxnSp>
-        <p:nvCxnSpPr>
-          <p:cNvPr id="38" name="Connecteur droit avec flèche 37"/>
-          <p:cNvCxnSpPr>
-            <a:stCxn id="15" idx="0"/>
-            <a:endCxn id="12" idx="2"/>
-          </p:cNvCxnSpPr>
-          <p:nvPr/>
-        </p:nvCxnSpPr>
-        <p:spPr>
-          <a:xfrm flipH="1" flipV="1">
-            <a:off x="3597424" y="4235707"/>
-            <a:ext cx="1937237" cy="482541"/>
-          </a:xfrm>
-          <a:prstGeom prst="straightConnector1">
-            <a:avLst/>
-          </a:prstGeom>
-          <a:ln w="22225">
-            <a:solidFill>
-              <a:schemeClr val="accent1">
-                <a:lumMod val="75000"/>
-              </a:schemeClr>
-            </a:solidFill>
-            <a:tailEnd type="arrow"/>
-          </a:ln>
-        </p:spPr>
-        <p:style>
-          <a:lnRef idx="1">
-            <a:schemeClr val="accent1"/>
-          </a:lnRef>
-          <a:fillRef idx="0">
-            <a:schemeClr val="accent1"/>
-          </a:fillRef>
-          <a:effectRef idx="0">
-            <a:schemeClr val="accent1"/>
-          </a:effectRef>
-          <a:fontRef idx="minor">
-            <a:schemeClr val="tx1"/>
-          </a:fontRef>
-        </p:style>
-      </p:cxnSp>
+            <a:endParaRPr lang="fr-FR"/>
+          </a:p>
+        </p:txBody>
+      </p:sp>
     </p:spTree>
     <p:extLst>
       <p:ext uri="{BB962C8B-B14F-4D97-AF65-F5344CB8AC3E}">
-        <p14:creationId xmlns:p14="http://schemas.microsoft.com/office/powerpoint/2010/main" val="1262284361"/>
+        <p14:creationId xmlns:p14="http://schemas.microsoft.com/office/powerpoint/2010/main" val="2554971543"/>
       </p:ext>
     </p:extLst>
   </p:cSld>
@@ -5647,39 +7851,84 @@
         </p:nvSpPr>
         <p:spPr/>
         <p:txBody>
-          <a:bodyPr/>
+          <a:bodyPr>
+            <a:normAutofit/>
+          </a:bodyPr>
           <a:lstStyle/>
           <a:p>
+            <a:pPr>
+              <a:lnSpc>
+                <a:spcPct val="150000"/>
+              </a:lnSpc>
+            </a:pPr>
             <a:r>
               <a:rPr lang="fr-FR" dirty="0" smtClean="0"/>
               <a:t>Présentation du projet</a:t>
             </a:r>
           </a:p>
           <a:p>
+            <a:pPr>
+              <a:lnSpc>
+                <a:spcPct val="150000"/>
+              </a:lnSpc>
+            </a:pPr>
             <a:r>
               <a:rPr lang="fr-FR" dirty="0" smtClean="0"/>
               <a:t>Fonctionnalités</a:t>
             </a:r>
           </a:p>
           <a:p>
+            <a:pPr>
+              <a:lnSpc>
+                <a:spcPct val="150000"/>
+              </a:lnSpc>
+            </a:pPr>
             <a:r>
               <a:rPr lang="fr-FR" dirty="0" smtClean="0"/>
-              <a:t>Répartition des tâches</a:t>
-            </a:r>
-          </a:p>
-          <a:p>
+              <a:t>Conception </a:t>
+            </a:r>
             <a:r>
               <a:rPr lang="fr-FR" dirty="0" smtClean="0"/>
-              <a:t>Conception du projet</a:t>
-            </a:r>
-          </a:p>
-          <a:p>
+              <a:t>du </a:t>
+            </a:r>
+            <a:r>
+              <a:rPr lang="fr-FR" dirty="0" smtClean="0"/>
+              <a:t>projet</a:t>
+            </a:r>
+          </a:p>
+          <a:p>
+            <a:pPr>
+              <a:lnSpc>
+                <a:spcPct val="150000"/>
+              </a:lnSpc>
+            </a:pPr>
+            <a:r>
+              <a:rPr lang="fr-FR" dirty="0"/>
+              <a:t>Répartition des </a:t>
+            </a:r>
+            <a:r>
+              <a:rPr lang="fr-FR" dirty="0" smtClean="0"/>
+              <a:t>tâches</a:t>
+            </a:r>
+            <a:endParaRPr lang="fr-FR" dirty="0" smtClean="0"/>
+          </a:p>
+          <a:p>
+            <a:pPr>
+              <a:lnSpc>
+                <a:spcPct val="150000"/>
+              </a:lnSpc>
+            </a:pPr>
             <a:r>
               <a:rPr lang="fr-FR" dirty="0" smtClean="0"/>
               <a:t>Problèmes et solutions</a:t>
             </a:r>
           </a:p>
           <a:p>
+            <a:pPr>
+              <a:lnSpc>
+                <a:spcPct val="150000"/>
+              </a:lnSpc>
+            </a:pPr>
             <a:r>
               <a:rPr lang="fr-FR" dirty="0" smtClean="0"/>
               <a:t>Démonstration</a:t>
@@ -5740,8 +7989,8 @@
           <a:lstStyle/>
           <a:p>
             <a:r>
-              <a:rPr lang="fr-FR" dirty="0" err="1" smtClean="0"/>
-              <a:t>GameObjects</a:t>
+              <a:rPr lang="fr-FR" dirty="0" smtClean="0"/>
+              <a:t>Barthélémy</a:t>
             </a:r>
             <a:endParaRPr lang="fr-FR" dirty="0"/>
           </a:p>
@@ -5749,1323 +7998,27 @@
       </p:sp>
       <p:sp>
         <p:nvSpPr>
-          <p:cNvPr id="3" name="Rectangle 2"/>
-          <p:cNvSpPr/>
-          <p:nvPr/>
-        </p:nvSpPr>
-        <p:spPr>
-          <a:xfrm>
-            <a:off x="3595562" y="1834969"/>
-            <a:ext cx="1805136" cy="457200"/>
-          </a:xfrm>
-          <a:prstGeom prst="rect">
-            <a:avLst/>
-          </a:prstGeom>
-        </p:spPr>
-        <p:style>
-          <a:lnRef idx="2">
-            <a:schemeClr val="accent1">
-              <a:shade val="50000"/>
-            </a:schemeClr>
-          </a:lnRef>
-          <a:fillRef idx="1">
-            <a:schemeClr val="accent1"/>
-          </a:fillRef>
-          <a:effectRef idx="0">
-            <a:schemeClr val="accent1"/>
-          </a:effectRef>
-          <a:fontRef idx="minor">
-            <a:schemeClr val="lt1"/>
-          </a:fontRef>
-        </p:style>
-        <p:txBody>
-          <a:bodyPr rtlCol="0" anchor="ctr"/>
+          <p:cNvPr id="5" name="Espace réservé du contenu 4"/>
+          <p:cNvSpPr>
+            <a:spLocks noGrp="1"/>
+          </p:cNvSpPr>
+          <p:nvPr>
+            <p:ph idx="1"/>
+          </p:nvPr>
+        </p:nvSpPr>
+        <p:spPr/>
+        <p:txBody>
+          <a:bodyPr/>
           <a:lstStyle/>
           <a:p>
-            <a:pPr algn="ctr"/>
-            <a:r>
-              <a:rPr lang="fr-FR" dirty="0" err="1" smtClean="0"/>
-              <a:t>AObject</a:t>
-            </a:r>
-            <a:endParaRPr lang="fr-FR" dirty="0"/>
-          </a:p>
-        </p:txBody>
-      </p:sp>
-      <p:sp>
-        <p:nvSpPr>
-          <p:cNvPr id="9" name="Rectangle 8"/>
-          <p:cNvSpPr/>
-          <p:nvPr/>
-        </p:nvSpPr>
-        <p:spPr>
-          <a:xfrm>
-            <a:off x="3595562" y="2536018"/>
-            <a:ext cx="1805136" cy="457200"/>
-          </a:xfrm>
-          <a:prstGeom prst="rect">
-            <a:avLst/>
-          </a:prstGeom>
-        </p:spPr>
-        <p:style>
-          <a:lnRef idx="2">
-            <a:schemeClr val="accent1">
-              <a:shade val="50000"/>
-            </a:schemeClr>
-          </a:lnRef>
-          <a:fillRef idx="1">
-            <a:schemeClr val="accent1"/>
-          </a:fillRef>
-          <a:effectRef idx="0">
-            <a:schemeClr val="accent1"/>
-          </a:effectRef>
-          <a:fontRef idx="minor">
-            <a:schemeClr val="lt1"/>
-          </a:fontRef>
-        </p:style>
-        <p:txBody>
-          <a:bodyPr rtlCol="0" anchor="ctr"/>
-          <a:lstStyle/>
-          <a:p>
-            <a:pPr algn="ctr"/>
-            <a:r>
-              <a:rPr lang="fr-FR" dirty="0" err="1" smtClean="0"/>
-              <a:t>AGameObject</a:t>
-            </a:r>
-            <a:endParaRPr lang="fr-FR" dirty="0"/>
-          </a:p>
-        </p:txBody>
-      </p:sp>
-      <p:cxnSp>
-        <p:nvCxnSpPr>
-          <p:cNvPr id="20" name="Connecteur droit avec flèche 19"/>
-          <p:cNvCxnSpPr>
-            <a:stCxn id="9" idx="0"/>
-            <a:endCxn id="3" idx="2"/>
-          </p:cNvCxnSpPr>
-          <p:nvPr/>
-        </p:nvCxnSpPr>
-        <p:spPr>
-          <a:xfrm flipV="1">
-            <a:off x="4498130" y="2292169"/>
-            <a:ext cx="0" cy="243849"/>
-          </a:xfrm>
-          <a:prstGeom prst="straightConnector1">
-            <a:avLst/>
-          </a:prstGeom>
-          <a:ln w="22225">
-            <a:solidFill>
-              <a:schemeClr val="accent1">
-                <a:lumMod val="75000"/>
-              </a:schemeClr>
-            </a:solidFill>
-            <a:tailEnd type="arrow"/>
-          </a:ln>
-        </p:spPr>
-        <p:style>
-          <a:lnRef idx="1">
-            <a:schemeClr val="accent1"/>
-          </a:lnRef>
-          <a:fillRef idx="0">
-            <a:schemeClr val="accent1"/>
-          </a:fillRef>
-          <a:effectRef idx="0">
-            <a:schemeClr val="accent1"/>
-          </a:effectRef>
-          <a:fontRef idx="minor">
-            <a:schemeClr val="tx1"/>
-          </a:fontRef>
-        </p:style>
-      </p:cxnSp>
-      <p:sp>
-        <p:nvSpPr>
-          <p:cNvPr id="29" name="Rectangle 28"/>
-          <p:cNvSpPr/>
-          <p:nvPr/>
-        </p:nvSpPr>
-        <p:spPr>
-          <a:xfrm>
-            <a:off x="2339752" y="3429000"/>
-            <a:ext cx="1805136" cy="457200"/>
-          </a:xfrm>
-          <a:prstGeom prst="rect">
-            <a:avLst/>
-          </a:prstGeom>
-        </p:spPr>
-        <p:style>
-          <a:lnRef idx="2">
-            <a:schemeClr val="accent1">
-              <a:shade val="50000"/>
-            </a:schemeClr>
-          </a:lnRef>
-          <a:fillRef idx="1">
-            <a:schemeClr val="accent1"/>
-          </a:fillRef>
-          <a:effectRef idx="0">
-            <a:schemeClr val="accent1"/>
-          </a:effectRef>
-          <a:fontRef idx="minor">
-            <a:schemeClr val="lt1"/>
-          </a:fontRef>
-        </p:style>
-        <p:txBody>
-          <a:bodyPr rtlCol="0" anchor="ctr"/>
-          <a:lstStyle/>
-          <a:p>
-            <a:pPr algn="ctr"/>
-            <a:r>
-              <a:rPr lang="fr-FR" dirty="0" err="1" smtClean="0"/>
-              <a:t>AGeometry</a:t>
-            </a:r>
-            <a:endParaRPr lang="fr-FR" dirty="0"/>
-          </a:p>
-        </p:txBody>
-      </p:sp>
-      <p:cxnSp>
-        <p:nvCxnSpPr>
-          <p:cNvPr id="30" name="Connecteur droit avec flèche 19"/>
-          <p:cNvCxnSpPr>
-            <a:stCxn id="29" idx="0"/>
-            <a:endCxn id="9" idx="2"/>
-          </p:cNvCxnSpPr>
-          <p:nvPr/>
-        </p:nvCxnSpPr>
-        <p:spPr>
-          <a:xfrm flipV="1">
-            <a:off x="3242320" y="2993218"/>
-            <a:ext cx="1255810" cy="435782"/>
-          </a:xfrm>
-          <a:prstGeom prst="straightConnector1">
-            <a:avLst/>
-          </a:prstGeom>
-          <a:ln w="22225">
-            <a:solidFill>
-              <a:schemeClr val="accent1">
-                <a:lumMod val="75000"/>
-              </a:schemeClr>
-            </a:solidFill>
-            <a:tailEnd type="arrow"/>
-          </a:ln>
-        </p:spPr>
-        <p:style>
-          <a:lnRef idx="1">
-            <a:schemeClr val="accent1"/>
-          </a:lnRef>
-          <a:fillRef idx="0">
-            <a:schemeClr val="accent1"/>
-          </a:fillRef>
-          <a:effectRef idx="0">
-            <a:schemeClr val="accent1"/>
-          </a:effectRef>
-          <a:fontRef idx="minor">
-            <a:schemeClr val="tx1"/>
-          </a:fontRef>
-        </p:style>
-      </p:cxnSp>
-      <p:sp>
-        <p:nvSpPr>
-          <p:cNvPr id="32" name="Rectangle 31"/>
-          <p:cNvSpPr/>
-          <p:nvPr/>
-        </p:nvSpPr>
-        <p:spPr>
-          <a:xfrm>
-            <a:off x="5051975" y="3429000"/>
-            <a:ext cx="1805136" cy="457200"/>
-          </a:xfrm>
-          <a:prstGeom prst="rect">
-            <a:avLst/>
-          </a:prstGeom>
-        </p:spPr>
-        <p:style>
-          <a:lnRef idx="2">
-            <a:schemeClr val="accent1">
-              <a:shade val="50000"/>
-            </a:schemeClr>
-          </a:lnRef>
-          <a:fillRef idx="1">
-            <a:schemeClr val="accent1"/>
-          </a:fillRef>
-          <a:effectRef idx="0">
-            <a:schemeClr val="accent1"/>
-          </a:effectRef>
-          <a:fontRef idx="minor">
-            <a:schemeClr val="lt1"/>
-          </a:fontRef>
-        </p:style>
-        <p:txBody>
-          <a:bodyPr rtlCol="0" anchor="ctr"/>
-          <a:lstStyle/>
-          <a:p>
-            <a:pPr algn="ctr"/>
-            <a:r>
-              <a:rPr lang="fr-FR" dirty="0" err="1" smtClean="0"/>
-              <a:t>AModel</a:t>
-            </a:r>
-            <a:endParaRPr lang="fr-FR" dirty="0"/>
-          </a:p>
-        </p:txBody>
-      </p:sp>
-      <p:cxnSp>
-        <p:nvCxnSpPr>
-          <p:cNvPr id="33" name="Connecteur droit avec flèche 19"/>
-          <p:cNvCxnSpPr>
-            <a:stCxn id="32" idx="0"/>
-            <a:endCxn id="9" idx="2"/>
-          </p:cNvCxnSpPr>
-          <p:nvPr/>
-        </p:nvCxnSpPr>
-        <p:spPr>
-          <a:xfrm flipH="1" flipV="1">
-            <a:off x="4498130" y="2993218"/>
-            <a:ext cx="1456413" cy="435782"/>
-          </a:xfrm>
-          <a:prstGeom prst="straightConnector1">
-            <a:avLst/>
-          </a:prstGeom>
-          <a:ln w="22225">
-            <a:solidFill>
-              <a:schemeClr val="accent1">
-                <a:lumMod val="75000"/>
-              </a:schemeClr>
-            </a:solidFill>
-            <a:tailEnd type="arrow"/>
-          </a:ln>
-        </p:spPr>
-        <p:style>
-          <a:lnRef idx="1">
-            <a:schemeClr val="accent1"/>
-          </a:lnRef>
-          <a:fillRef idx="0">
-            <a:schemeClr val="accent1"/>
-          </a:fillRef>
-          <a:effectRef idx="0">
-            <a:schemeClr val="accent1"/>
-          </a:effectRef>
-          <a:fontRef idx="minor">
-            <a:schemeClr val="tx1"/>
-          </a:fontRef>
-        </p:style>
-      </p:cxnSp>
-      <p:sp>
-        <p:nvSpPr>
-          <p:cNvPr id="51" name="Rectangle 50"/>
-          <p:cNvSpPr/>
-          <p:nvPr/>
-        </p:nvSpPr>
-        <p:spPr>
-          <a:xfrm>
-            <a:off x="1176249" y="4653136"/>
-            <a:ext cx="1805136" cy="457200"/>
-          </a:xfrm>
-          <a:prstGeom prst="rect">
-            <a:avLst/>
-          </a:prstGeom>
-        </p:spPr>
-        <p:style>
-          <a:lnRef idx="2">
-            <a:schemeClr val="accent1">
-              <a:shade val="50000"/>
-            </a:schemeClr>
-          </a:lnRef>
-          <a:fillRef idx="1">
-            <a:schemeClr val="accent1"/>
-          </a:fillRef>
-          <a:effectRef idx="0">
-            <a:schemeClr val="accent1"/>
-          </a:effectRef>
-          <a:fontRef idx="minor">
-            <a:schemeClr val="lt1"/>
-          </a:fontRef>
-        </p:style>
-        <p:txBody>
-          <a:bodyPr rtlCol="0" anchor="ctr"/>
-          <a:lstStyle/>
-          <a:p>
-            <a:pPr algn="ctr"/>
-            <a:r>
-              <a:rPr lang="fr-FR" dirty="0" smtClean="0"/>
-              <a:t>Cube</a:t>
-            </a:r>
-            <a:endParaRPr lang="fr-FR" dirty="0"/>
-          </a:p>
-        </p:txBody>
-      </p:sp>
-      <p:cxnSp>
-        <p:nvCxnSpPr>
-          <p:cNvPr id="52" name="Connecteur droit avec flèche 19"/>
-          <p:cNvCxnSpPr>
-            <a:stCxn id="51" idx="0"/>
-            <a:endCxn id="29" idx="2"/>
-          </p:cNvCxnSpPr>
-          <p:nvPr/>
-        </p:nvCxnSpPr>
-        <p:spPr>
-          <a:xfrm flipV="1">
-            <a:off x="2078817" y="3886200"/>
-            <a:ext cx="1163503" cy="766936"/>
-          </a:xfrm>
-          <a:prstGeom prst="straightConnector1">
-            <a:avLst/>
-          </a:prstGeom>
-          <a:ln w="22225">
-            <a:solidFill>
-              <a:schemeClr val="accent1">
-                <a:lumMod val="75000"/>
-              </a:schemeClr>
-            </a:solidFill>
-            <a:tailEnd type="arrow"/>
-          </a:ln>
-        </p:spPr>
-        <p:style>
-          <a:lnRef idx="1">
-            <a:schemeClr val="accent1"/>
-          </a:lnRef>
-          <a:fillRef idx="0">
-            <a:schemeClr val="accent1"/>
-          </a:fillRef>
-          <a:effectRef idx="0">
-            <a:schemeClr val="accent1"/>
-          </a:effectRef>
-          <a:fontRef idx="minor">
-            <a:schemeClr val="tx1"/>
-          </a:fontRef>
-        </p:style>
-      </p:cxnSp>
-      <p:sp>
-        <p:nvSpPr>
-          <p:cNvPr id="88" name="Rectangle 87"/>
-          <p:cNvSpPr/>
-          <p:nvPr/>
-        </p:nvSpPr>
-        <p:spPr>
-          <a:xfrm>
-            <a:off x="6300192" y="4653136"/>
-            <a:ext cx="1805136" cy="457200"/>
-          </a:xfrm>
-          <a:prstGeom prst="rect">
-            <a:avLst/>
-          </a:prstGeom>
-        </p:spPr>
-        <p:style>
-          <a:lnRef idx="2">
-            <a:schemeClr val="accent1">
-              <a:shade val="50000"/>
-            </a:schemeClr>
-          </a:lnRef>
-          <a:fillRef idx="1">
-            <a:schemeClr val="accent1"/>
-          </a:fillRef>
-          <a:effectRef idx="0">
-            <a:schemeClr val="accent1"/>
-          </a:effectRef>
-          <a:fontRef idx="minor">
-            <a:schemeClr val="lt1"/>
-          </a:fontRef>
-        </p:style>
-        <p:txBody>
-          <a:bodyPr rtlCol="0" anchor="ctr"/>
-          <a:lstStyle/>
-          <a:p>
-            <a:pPr algn="ctr"/>
-            <a:r>
-              <a:rPr lang="fr-FR" dirty="0" smtClean="0"/>
-              <a:t>Player</a:t>
-            </a:r>
-            <a:endParaRPr lang="fr-FR" dirty="0"/>
-          </a:p>
-        </p:txBody>
-      </p:sp>
-      <p:cxnSp>
-        <p:nvCxnSpPr>
-          <p:cNvPr id="89" name="Connecteur droit avec flèche 19"/>
-          <p:cNvCxnSpPr>
-            <a:stCxn id="88" idx="0"/>
-            <a:endCxn id="32" idx="2"/>
-          </p:cNvCxnSpPr>
-          <p:nvPr/>
-        </p:nvCxnSpPr>
-        <p:spPr>
-          <a:xfrm flipH="1" flipV="1">
-            <a:off x="5954543" y="3886200"/>
-            <a:ext cx="1248217" cy="766936"/>
-          </a:xfrm>
-          <a:prstGeom prst="straightConnector1">
-            <a:avLst/>
-          </a:prstGeom>
-          <a:ln w="22225">
-            <a:solidFill>
-              <a:schemeClr val="accent1">
-                <a:lumMod val="75000"/>
-              </a:schemeClr>
-            </a:solidFill>
-            <a:tailEnd type="arrow"/>
-          </a:ln>
-        </p:spPr>
-        <p:style>
-          <a:lnRef idx="1">
-            <a:schemeClr val="accent1"/>
-          </a:lnRef>
-          <a:fillRef idx="0">
-            <a:schemeClr val="accent1"/>
-          </a:fillRef>
-          <a:effectRef idx="0">
-            <a:schemeClr val="accent1"/>
-          </a:effectRef>
-          <a:fontRef idx="minor">
-            <a:schemeClr val="tx1"/>
-          </a:fontRef>
-        </p:style>
-      </p:cxnSp>
-      <p:sp>
-        <p:nvSpPr>
-          <p:cNvPr id="92" name="Rectangle 91"/>
-          <p:cNvSpPr/>
-          <p:nvPr/>
-        </p:nvSpPr>
-        <p:spPr>
-          <a:xfrm>
-            <a:off x="4048229" y="4653136"/>
-            <a:ext cx="1805136" cy="457200"/>
-          </a:xfrm>
-          <a:prstGeom prst="rect">
-            <a:avLst/>
-          </a:prstGeom>
-        </p:spPr>
-        <p:style>
-          <a:lnRef idx="2">
-            <a:schemeClr val="accent1">
-              <a:shade val="50000"/>
-            </a:schemeClr>
-          </a:lnRef>
-          <a:fillRef idx="1">
-            <a:schemeClr val="accent1"/>
-          </a:fillRef>
-          <a:effectRef idx="0">
-            <a:schemeClr val="accent1"/>
-          </a:effectRef>
-          <a:fontRef idx="minor">
-            <a:schemeClr val="lt1"/>
-          </a:fontRef>
-        </p:style>
-        <p:txBody>
-          <a:bodyPr rtlCol="0" anchor="ctr"/>
-          <a:lstStyle/>
-          <a:p>
-            <a:pPr algn="ctr"/>
-            <a:r>
-              <a:rPr lang="fr-FR" dirty="0" err="1" smtClean="0"/>
-              <a:t>Bomb</a:t>
-            </a:r>
-            <a:endParaRPr lang="fr-FR" dirty="0"/>
-          </a:p>
-        </p:txBody>
-      </p:sp>
-      <p:cxnSp>
-        <p:nvCxnSpPr>
-          <p:cNvPr id="93" name="Connecteur droit avec flèche 19"/>
-          <p:cNvCxnSpPr>
-            <a:stCxn id="92" idx="0"/>
-            <a:endCxn id="32" idx="2"/>
-          </p:cNvCxnSpPr>
-          <p:nvPr/>
-        </p:nvCxnSpPr>
-        <p:spPr>
-          <a:xfrm flipV="1">
-            <a:off x="4950797" y="3886200"/>
-            <a:ext cx="1003746" cy="766936"/>
-          </a:xfrm>
-          <a:prstGeom prst="straightConnector1">
-            <a:avLst/>
-          </a:prstGeom>
-          <a:ln w="22225">
-            <a:solidFill>
-              <a:schemeClr val="accent1">
-                <a:lumMod val="75000"/>
-              </a:schemeClr>
-            </a:solidFill>
-            <a:tailEnd type="arrow"/>
-          </a:ln>
-        </p:spPr>
-        <p:style>
-          <a:lnRef idx="1">
-            <a:schemeClr val="accent1"/>
-          </a:lnRef>
-          <a:fillRef idx="0">
-            <a:schemeClr val="accent1"/>
-          </a:fillRef>
-          <a:effectRef idx="0">
-            <a:schemeClr val="accent1"/>
-          </a:effectRef>
-          <a:fontRef idx="minor">
-            <a:schemeClr val="tx1"/>
-          </a:fontRef>
-        </p:style>
-      </p:cxnSp>
-      <p:sp>
-        <p:nvSpPr>
-          <p:cNvPr id="95" name="Rectangle 94"/>
-          <p:cNvSpPr/>
-          <p:nvPr/>
-        </p:nvSpPr>
-        <p:spPr>
-          <a:xfrm>
-            <a:off x="5765019" y="5838215"/>
-            <a:ext cx="1126036" cy="457200"/>
-          </a:xfrm>
-          <a:prstGeom prst="rect">
-            <a:avLst/>
-          </a:prstGeom>
-        </p:spPr>
-        <p:style>
-          <a:lnRef idx="2">
-            <a:schemeClr val="accent1">
-              <a:shade val="50000"/>
-            </a:schemeClr>
-          </a:lnRef>
-          <a:fillRef idx="1">
-            <a:schemeClr val="accent1"/>
-          </a:fillRef>
-          <a:effectRef idx="0">
-            <a:schemeClr val="accent1"/>
-          </a:effectRef>
-          <a:fontRef idx="minor">
-            <a:schemeClr val="lt1"/>
-          </a:fontRef>
-        </p:style>
-        <p:txBody>
-          <a:bodyPr rtlCol="0" anchor="ctr"/>
-          <a:lstStyle/>
-          <a:p>
-            <a:pPr algn="ctr"/>
-            <a:r>
-              <a:rPr lang="fr-FR" dirty="0" smtClean="0"/>
-              <a:t>Marvin</a:t>
-            </a:r>
-            <a:endParaRPr lang="fr-FR" dirty="0"/>
-          </a:p>
-        </p:txBody>
-      </p:sp>
-      <p:cxnSp>
-        <p:nvCxnSpPr>
-          <p:cNvPr id="96" name="Connecteur droit avec flèche 19"/>
-          <p:cNvCxnSpPr>
-            <a:stCxn id="95" idx="0"/>
-            <a:endCxn id="88" idx="2"/>
-          </p:cNvCxnSpPr>
-          <p:nvPr/>
-        </p:nvCxnSpPr>
-        <p:spPr>
-          <a:xfrm flipV="1">
-            <a:off x="6328037" y="5110336"/>
-            <a:ext cx="874723" cy="727879"/>
-          </a:xfrm>
-          <a:prstGeom prst="straightConnector1">
-            <a:avLst/>
-          </a:prstGeom>
-          <a:ln w="22225">
-            <a:solidFill>
-              <a:schemeClr val="accent1">
-                <a:lumMod val="75000"/>
-              </a:schemeClr>
-            </a:solidFill>
-            <a:tailEnd type="arrow"/>
-          </a:ln>
-        </p:spPr>
-        <p:style>
-          <a:lnRef idx="1">
-            <a:schemeClr val="accent1"/>
-          </a:lnRef>
-          <a:fillRef idx="0">
-            <a:schemeClr val="accent1"/>
-          </a:fillRef>
-          <a:effectRef idx="0">
-            <a:schemeClr val="accent1"/>
-          </a:effectRef>
-          <a:fontRef idx="minor">
-            <a:schemeClr val="tx1"/>
-          </a:fontRef>
-        </p:style>
-      </p:cxnSp>
-      <p:sp>
-        <p:nvSpPr>
-          <p:cNvPr id="98" name="Rectangle 97"/>
-          <p:cNvSpPr/>
-          <p:nvPr/>
-        </p:nvSpPr>
-        <p:spPr>
-          <a:xfrm>
-            <a:off x="7607461" y="5838215"/>
-            <a:ext cx="995734" cy="457200"/>
-          </a:xfrm>
-          <a:prstGeom prst="rect">
-            <a:avLst/>
-          </a:prstGeom>
-        </p:spPr>
-        <p:style>
-          <a:lnRef idx="2">
-            <a:schemeClr val="accent1">
-              <a:shade val="50000"/>
-            </a:schemeClr>
-          </a:lnRef>
-          <a:fillRef idx="1">
-            <a:schemeClr val="accent1"/>
-          </a:fillRef>
-          <a:effectRef idx="0">
-            <a:schemeClr val="accent1"/>
-          </a:effectRef>
-          <a:fontRef idx="minor">
-            <a:schemeClr val="lt1"/>
-          </a:fontRef>
-        </p:style>
-        <p:txBody>
-          <a:bodyPr rtlCol="0" anchor="ctr"/>
-          <a:lstStyle/>
-          <a:p>
-            <a:pPr algn="ctr"/>
-            <a:r>
-              <a:rPr lang="fr-FR" dirty="0" smtClean="0"/>
-              <a:t>IA</a:t>
-            </a:r>
-            <a:endParaRPr lang="fr-FR" dirty="0"/>
-          </a:p>
-        </p:txBody>
-      </p:sp>
-      <p:cxnSp>
-        <p:nvCxnSpPr>
-          <p:cNvPr id="99" name="Connecteur droit avec flèche 19"/>
-          <p:cNvCxnSpPr>
-            <a:stCxn id="98" idx="0"/>
-            <a:endCxn id="88" idx="2"/>
-          </p:cNvCxnSpPr>
-          <p:nvPr/>
-        </p:nvCxnSpPr>
-        <p:spPr>
-          <a:xfrm flipH="1" flipV="1">
-            <a:off x="7202760" y="5110336"/>
-            <a:ext cx="902568" cy="727879"/>
-          </a:xfrm>
-          <a:prstGeom prst="straightConnector1">
-            <a:avLst/>
-          </a:prstGeom>
-          <a:ln w="22225">
-            <a:solidFill>
-              <a:schemeClr val="accent1">
-                <a:lumMod val="75000"/>
-              </a:schemeClr>
-            </a:solidFill>
-            <a:tailEnd type="arrow"/>
-          </a:ln>
-        </p:spPr>
-        <p:style>
-          <a:lnRef idx="1">
-            <a:schemeClr val="accent1"/>
-          </a:lnRef>
-          <a:fillRef idx="0">
-            <a:schemeClr val="accent1"/>
-          </a:fillRef>
-          <a:effectRef idx="0">
-            <a:schemeClr val="accent1"/>
-          </a:effectRef>
-          <a:fontRef idx="minor">
-            <a:schemeClr val="tx1"/>
-          </a:fontRef>
-        </p:style>
-      </p:cxnSp>
-      <p:sp>
-        <p:nvSpPr>
-          <p:cNvPr id="148" name="Rectangle 147"/>
-          <p:cNvSpPr/>
-          <p:nvPr/>
-        </p:nvSpPr>
-        <p:spPr>
-          <a:xfrm>
-            <a:off x="671203" y="5844542"/>
-            <a:ext cx="711229" cy="457200"/>
-          </a:xfrm>
-          <a:prstGeom prst="rect">
-            <a:avLst/>
-          </a:prstGeom>
-        </p:spPr>
-        <p:style>
-          <a:lnRef idx="2">
-            <a:schemeClr val="accent1">
-              <a:shade val="50000"/>
-            </a:schemeClr>
-          </a:lnRef>
-          <a:fillRef idx="1">
-            <a:schemeClr val="accent1"/>
-          </a:fillRef>
-          <a:effectRef idx="0">
-            <a:schemeClr val="accent1"/>
-          </a:effectRef>
-          <a:fontRef idx="minor">
-            <a:schemeClr val="lt1"/>
-          </a:fontRef>
-        </p:style>
-        <p:txBody>
-          <a:bodyPr rtlCol="0" anchor="ctr"/>
-          <a:lstStyle/>
-          <a:p>
-            <a:pPr algn="ctr"/>
-            <a:r>
-              <a:rPr lang="fr-FR" dirty="0" smtClean="0"/>
-              <a:t>Wall</a:t>
-            </a:r>
-            <a:endParaRPr lang="fr-FR" dirty="0"/>
-          </a:p>
-        </p:txBody>
-      </p:sp>
-      <p:cxnSp>
-        <p:nvCxnSpPr>
-          <p:cNvPr id="149" name="Connecteur droit avec flèche 19"/>
-          <p:cNvCxnSpPr>
-            <a:stCxn id="148" idx="0"/>
-            <a:endCxn id="51" idx="2"/>
-          </p:cNvCxnSpPr>
-          <p:nvPr/>
-        </p:nvCxnSpPr>
-        <p:spPr>
-          <a:xfrm flipV="1">
-            <a:off x="1026818" y="5110336"/>
-            <a:ext cx="1051999" cy="734206"/>
-          </a:xfrm>
-          <a:prstGeom prst="straightConnector1">
-            <a:avLst/>
-          </a:prstGeom>
-          <a:ln w="22225">
-            <a:solidFill>
-              <a:schemeClr val="accent1">
-                <a:lumMod val="75000"/>
-              </a:schemeClr>
-            </a:solidFill>
-            <a:tailEnd type="arrow"/>
-          </a:ln>
-        </p:spPr>
-        <p:style>
-          <a:lnRef idx="1">
-            <a:schemeClr val="accent1"/>
-          </a:lnRef>
-          <a:fillRef idx="0">
-            <a:schemeClr val="accent1"/>
-          </a:fillRef>
-          <a:effectRef idx="0">
-            <a:schemeClr val="accent1"/>
-          </a:effectRef>
-          <a:fontRef idx="minor">
-            <a:schemeClr val="tx1"/>
-          </a:fontRef>
-        </p:style>
-      </p:cxnSp>
-      <p:sp>
-        <p:nvSpPr>
-          <p:cNvPr id="156" name="Rectangle 155"/>
-          <p:cNvSpPr/>
-          <p:nvPr/>
-        </p:nvSpPr>
-        <p:spPr>
-          <a:xfrm>
-            <a:off x="1723202" y="5838215"/>
-            <a:ext cx="711229" cy="457200"/>
-          </a:xfrm>
-          <a:prstGeom prst="rect">
-            <a:avLst/>
-          </a:prstGeom>
-        </p:spPr>
-        <p:style>
-          <a:lnRef idx="2">
-            <a:schemeClr val="accent1">
-              <a:shade val="50000"/>
-            </a:schemeClr>
-          </a:lnRef>
-          <a:fillRef idx="1">
-            <a:schemeClr val="accent1"/>
-          </a:fillRef>
-          <a:effectRef idx="0">
-            <a:schemeClr val="accent1"/>
-          </a:effectRef>
-          <a:fontRef idx="minor">
-            <a:schemeClr val="lt1"/>
-          </a:fontRef>
-        </p:style>
-        <p:txBody>
-          <a:bodyPr rtlCol="0" anchor="ctr"/>
-          <a:lstStyle/>
-          <a:p>
-            <a:pPr algn="ctr"/>
-            <a:r>
-              <a:rPr lang="fr-FR" dirty="0" smtClean="0"/>
-              <a:t>Box</a:t>
-            </a:r>
-            <a:endParaRPr lang="fr-FR" dirty="0"/>
-          </a:p>
-        </p:txBody>
-      </p:sp>
-      <p:cxnSp>
-        <p:nvCxnSpPr>
-          <p:cNvPr id="157" name="Connecteur droit avec flèche 19"/>
-          <p:cNvCxnSpPr>
-            <a:stCxn id="156" idx="0"/>
-            <a:endCxn id="51" idx="2"/>
-          </p:cNvCxnSpPr>
-          <p:nvPr/>
-        </p:nvCxnSpPr>
-        <p:spPr>
-          <a:xfrm flipV="1">
-            <a:off x="2078817" y="5110336"/>
-            <a:ext cx="0" cy="727879"/>
-          </a:xfrm>
-          <a:prstGeom prst="straightConnector1">
-            <a:avLst/>
-          </a:prstGeom>
-          <a:ln w="22225">
-            <a:solidFill>
-              <a:schemeClr val="accent1">
-                <a:lumMod val="75000"/>
-              </a:schemeClr>
-            </a:solidFill>
-            <a:tailEnd type="arrow"/>
-          </a:ln>
-        </p:spPr>
-        <p:style>
-          <a:lnRef idx="1">
-            <a:schemeClr val="accent1"/>
-          </a:lnRef>
-          <a:fillRef idx="0">
-            <a:schemeClr val="accent1"/>
-          </a:fillRef>
-          <a:effectRef idx="0">
-            <a:schemeClr val="accent1"/>
-          </a:effectRef>
-          <a:fontRef idx="minor">
-            <a:schemeClr val="tx1"/>
-          </a:fontRef>
-        </p:style>
-      </p:cxnSp>
-      <p:sp>
-        <p:nvSpPr>
-          <p:cNvPr id="158" name="Rectangle 157"/>
-          <p:cNvSpPr/>
-          <p:nvPr/>
-        </p:nvSpPr>
-        <p:spPr>
-          <a:xfrm>
-            <a:off x="2776132" y="5838215"/>
-            <a:ext cx="711229" cy="457200"/>
-          </a:xfrm>
-          <a:prstGeom prst="rect">
-            <a:avLst/>
-          </a:prstGeom>
-        </p:spPr>
-        <p:style>
-          <a:lnRef idx="2">
-            <a:schemeClr val="accent1">
-              <a:shade val="50000"/>
-            </a:schemeClr>
-          </a:lnRef>
-          <a:fillRef idx="1">
-            <a:schemeClr val="accent1"/>
-          </a:fillRef>
-          <a:effectRef idx="0">
-            <a:schemeClr val="accent1"/>
-          </a:effectRef>
-          <a:fontRef idx="minor">
-            <a:schemeClr val="lt1"/>
-          </a:fontRef>
-        </p:style>
-        <p:txBody>
-          <a:bodyPr rtlCol="0" anchor="ctr"/>
-          <a:lstStyle/>
-          <a:p>
-            <a:pPr algn="ctr"/>
-            <a:r>
-              <a:rPr lang="fr-FR" dirty="0" smtClean="0"/>
-              <a:t>…</a:t>
-            </a:r>
-            <a:endParaRPr lang="fr-FR" dirty="0"/>
-          </a:p>
-        </p:txBody>
-      </p:sp>
-      <p:cxnSp>
-        <p:nvCxnSpPr>
-          <p:cNvPr id="159" name="Connecteur droit avec flèche 19"/>
-          <p:cNvCxnSpPr>
-            <a:stCxn id="158" idx="0"/>
-            <a:endCxn id="51" idx="2"/>
-          </p:cNvCxnSpPr>
-          <p:nvPr/>
-        </p:nvCxnSpPr>
-        <p:spPr>
-          <a:xfrm flipH="1" flipV="1">
-            <a:off x="2078817" y="5110336"/>
-            <a:ext cx="1052930" cy="727879"/>
-          </a:xfrm>
-          <a:prstGeom prst="straightConnector1">
-            <a:avLst/>
-          </a:prstGeom>
-          <a:ln w="22225">
-            <a:solidFill>
-              <a:schemeClr val="accent1">
-                <a:lumMod val="75000"/>
-              </a:schemeClr>
-            </a:solidFill>
-            <a:tailEnd type="arrow"/>
-          </a:ln>
-        </p:spPr>
-        <p:style>
-          <a:lnRef idx="1">
-            <a:schemeClr val="accent1"/>
-          </a:lnRef>
-          <a:fillRef idx="0">
-            <a:schemeClr val="accent1"/>
-          </a:fillRef>
-          <a:effectRef idx="0">
-            <a:schemeClr val="accent1"/>
-          </a:effectRef>
-          <a:fontRef idx="minor">
-            <a:schemeClr val="tx1"/>
-          </a:fontRef>
-        </p:style>
-      </p:cxnSp>
-      <p:sp>
-        <p:nvSpPr>
-          <p:cNvPr id="204" name="Rectangle 203"/>
-          <p:cNvSpPr/>
-          <p:nvPr/>
-        </p:nvSpPr>
-        <p:spPr>
-          <a:xfrm>
-            <a:off x="5736507" y="1834969"/>
-            <a:ext cx="1805136" cy="457200"/>
-          </a:xfrm>
-          <a:prstGeom prst="rect">
-            <a:avLst/>
-          </a:prstGeom>
-          <a:noFill/>
-        </p:spPr>
-        <p:style>
-          <a:lnRef idx="2">
-            <a:schemeClr val="accent2"/>
-          </a:lnRef>
-          <a:fillRef idx="1">
-            <a:schemeClr val="lt1"/>
-          </a:fillRef>
-          <a:effectRef idx="0">
-            <a:schemeClr val="accent2"/>
-          </a:effectRef>
-          <a:fontRef idx="minor">
-            <a:schemeClr val="dk1"/>
-          </a:fontRef>
-        </p:style>
-        <p:txBody>
-          <a:bodyPr rtlCol="0" anchor="ctr"/>
-          <a:lstStyle/>
-          <a:p>
-            <a:pPr algn="ctr"/>
-            <a:r>
-              <a:rPr lang="fr-FR" dirty="0" smtClean="0">
-                <a:solidFill>
-                  <a:schemeClr val="tx1"/>
-                </a:solidFill>
-              </a:rPr>
-              <a:t>Transformation</a:t>
-            </a:r>
-            <a:endParaRPr lang="fr-FR" dirty="0">
-              <a:solidFill>
-                <a:schemeClr val="tx1"/>
-              </a:solidFill>
-            </a:endParaRPr>
-          </a:p>
-        </p:txBody>
-      </p:sp>
-      <p:sp>
-        <p:nvSpPr>
-          <p:cNvPr id="205" name="Rectangle 204"/>
-          <p:cNvSpPr/>
-          <p:nvPr/>
-        </p:nvSpPr>
-        <p:spPr>
-          <a:xfrm>
-            <a:off x="5736507" y="2536018"/>
-            <a:ext cx="1805136" cy="457200"/>
-          </a:xfrm>
-          <a:prstGeom prst="rect">
-            <a:avLst/>
-          </a:prstGeom>
-          <a:noFill/>
-        </p:spPr>
-        <p:style>
-          <a:lnRef idx="2">
-            <a:schemeClr val="accent2"/>
-          </a:lnRef>
-          <a:fillRef idx="1">
-            <a:schemeClr val="lt1"/>
-          </a:fillRef>
-          <a:effectRef idx="0">
-            <a:schemeClr val="accent2"/>
-          </a:effectRef>
-          <a:fontRef idx="minor">
-            <a:schemeClr val="dk1"/>
-          </a:fontRef>
-        </p:style>
-        <p:txBody>
-          <a:bodyPr rtlCol="0" anchor="ctr"/>
-          <a:lstStyle/>
-          <a:p>
-            <a:pPr algn="ctr"/>
-            <a:r>
-              <a:rPr lang="fr-FR" dirty="0" smtClean="0">
-                <a:solidFill>
-                  <a:schemeClr val="tx1"/>
-                </a:solidFill>
-              </a:rPr>
-              <a:t>Collision</a:t>
-            </a:r>
-            <a:endParaRPr lang="fr-FR" dirty="0">
-              <a:solidFill>
-                <a:schemeClr val="tx1"/>
-              </a:solidFill>
-            </a:endParaRPr>
-          </a:p>
-        </p:txBody>
-      </p:sp>
-      <p:sp>
-        <p:nvSpPr>
-          <p:cNvPr id="206" name="Rectangle 205"/>
-          <p:cNvSpPr/>
-          <p:nvPr/>
-        </p:nvSpPr>
-        <p:spPr>
-          <a:xfrm>
-            <a:off x="7340209" y="3429000"/>
-            <a:ext cx="1262986" cy="457200"/>
-          </a:xfrm>
-          <a:prstGeom prst="rect">
-            <a:avLst/>
-          </a:prstGeom>
-          <a:noFill/>
-        </p:spPr>
-        <p:style>
-          <a:lnRef idx="2">
-            <a:schemeClr val="accent2"/>
-          </a:lnRef>
-          <a:fillRef idx="1">
-            <a:schemeClr val="lt1"/>
-          </a:fillRef>
-          <a:effectRef idx="0">
-            <a:schemeClr val="accent2"/>
-          </a:effectRef>
-          <a:fontRef idx="minor">
-            <a:schemeClr val="dk1"/>
-          </a:fontRef>
-        </p:style>
-        <p:txBody>
-          <a:bodyPr rtlCol="0" anchor="ctr"/>
-          <a:lstStyle/>
-          <a:p>
-            <a:pPr algn="ctr"/>
-            <a:r>
-              <a:rPr lang="fr-FR" dirty="0" smtClean="0">
-                <a:solidFill>
-                  <a:schemeClr val="tx1"/>
-                </a:solidFill>
-              </a:rPr>
-              <a:t>Model</a:t>
-            </a:r>
-            <a:endParaRPr lang="fr-FR" dirty="0">
-              <a:solidFill>
-                <a:schemeClr val="tx1"/>
-              </a:solidFill>
-            </a:endParaRPr>
-          </a:p>
-        </p:txBody>
-      </p:sp>
-      <p:sp>
-        <p:nvSpPr>
-          <p:cNvPr id="207" name="Rectangle 206"/>
-          <p:cNvSpPr/>
-          <p:nvPr/>
-        </p:nvSpPr>
-        <p:spPr>
-          <a:xfrm>
-            <a:off x="323528" y="3429000"/>
-            <a:ext cx="1611272" cy="457200"/>
-          </a:xfrm>
-          <a:prstGeom prst="rect">
-            <a:avLst/>
-          </a:prstGeom>
-          <a:noFill/>
-        </p:spPr>
-        <p:style>
-          <a:lnRef idx="2">
-            <a:schemeClr val="accent2"/>
-          </a:lnRef>
-          <a:fillRef idx="1">
-            <a:schemeClr val="lt1"/>
-          </a:fillRef>
-          <a:effectRef idx="0">
-            <a:schemeClr val="accent2"/>
-          </a:effectRef>
-          <a:fontRef idx="minor">
-            <a:schemeClr val="dk1"/>
-          </a:fontRef>
-        </p:style>
-        <p:txBody>
-          <a:bodyPr rtlCol="0" anchor="ctr"/>
-          <a:lstStyle/>
-          <a:p>
-            <a:pPr algn="ctr"/>
-            <a:r>
-              <a:rPr lang="fr-FR" dirty="0" err="1" smtClean="0">
-                <a:solidFill>
-                  <a:schemeClr val="tx1"/>
-                </a:solidFill>
-              </a:rPr>
-              <a:t>Geometrie</a:t>
-            </a:r>
-            <a:endParaRPr lang="fr-FR" dirty="0">
-              <a:solidFill>
-                <a:schemeClr val="tx1"/>
-              </a:solidFill>
-            </a:endParaRPr>
-          </a:p>
-        </p:txBody>
-      </p:sp>
-      <p:cxnSp>
-        <p:nvCxnSpPr>
-          <p:cNvPr id="209" name="Straight Connector 208"/>
-          <p:cNvCxnSpPr>
-            <a:stCxn id="3" idx="3"/>
-            <a:endCxn id="204" idx="1"/>
-          </p:cNvCxnSpPr>
-          <p:nvPr/>
-        </p:nvCxnSpPr>
-        <p:spPr>
-          <a:xfrm>
-            <a:off x="5400698" y="2063569"/>
-            <a:ext cx="335809" cy="0"/>
-          </a:xfrm>
-          <a:prstGeom prst="line">
-            <a:avLst/>
-          </a:prstGeom>
-        </p:spPr>
-        <p:style>
-          <a:lnRef idx="1">
-            <a:schemeClr val="accent3"/>
-          </a:lnRef>
-          <a:fillRef idx="0">
-            <a:schemeClr val="accent3"/>
-          </a:fillRef>
-          <a:effectRef idx="0">
-            <a:schemeClr val="accent3"/>
-          </a:effectRef>
-          <a:fontRef idx="minor">
-            <a:schemeClr val="tx1"/>
-          </a:fontRef>
-        </p:style>
-      </p:cxnSp>
-      <p:cxnSp>
-        <p:nvCxnSpPr>
-          <p:cNvPr id="210" name="Straight Connector 209"/>
-          <p:cNvCxnSpPr>
-            <a:stCxn id="9" idx="3"/>
-            <a:endCxn id="205" idx="1"/>
-          </p:cNvCxnSpPr>
-          <p:nvPr/>
-        </p:nvCxnSpPr>
-        <p:spPr>
-          <a:xfrm>
-            <a:off x="5400698" y="2764618"/>
-            <a:ext cx="335809" cy="0"/>
-          </a:xfrm>
-          <a:prstGeom prst="line">
-            <a:avLst/>
-          </a:prstGeom>
-        </p:spPr>
-        <p:style>
-          <a:lnRef idx="1">
-            <a:schemeClr val="accent3"/>
-          </a:lnRef>
-          <a:fillRef idx="0">
-            <a:schemeClr val="accent3"/>
-          </a:fillRef>
-          <a:effectRef idx="0">
-            <a:schemeClr val="accent3"/>
-          </a:effectRef>
-          <a:fontRef idx="minor">
-            <a:schemeClr val="tx1"/>
-          </a:fontRef>
-        </p:style>
-      </p:cxnSp>
-      <p:cxnSp>
-        <p:nvCxnSpPr>
-          <p:cNvPr id="213" name="Straight Connector 212"/>
-          <p:cNvCxnSpPr>
-            <a:stCxn id="32" idx="3"/>
-            <a:endCxn id="206" idx="1"/>
-          </p:cNvCxnSpPr>
-          <p:nvPr/>
-        </p:nvCxnSpPr>
-        <p:spPr>
-          <a:xfrm>
-            <a:off x="6857111" y="3657600"/>
-            <a:ext cx="483098" cy="0"/>
-          </a:xfrm>
-          <a:prstGeom prst="line">
-            <a:avLst/>
-          </a:prstGeom>
-        </p:spPr>
-        <p:style>
-          <a:lnRef idx="1">
-            <a:schemeClr val="accent3"/>
-          </a:lnRef>
-          <a:fillRef idx="0">
-            <a:schemeClr val="accent3"/>
-          </a:fillRef>
-          <a:effectRef idx="0">
-            <a:schemeClr val="accent3"/>
-          </a:effectRef>
-          <a:fontRef idx="minor">
-            <a:schemeClr val="tx1"/>
-          </a:fontRef>
-        </p:style>
-      </p:cxnSp>
-      <p:cxnSp>
-        <p:nvCxnSpPr>
-          <p:cNvPr id="216" name="Straight Connector 215"/>
-          <p:cNvCxnSpPr>
-            <a:stCxn id="207" idx="3"/>
-            <a:endCxn id="29" idx="1"/>
-          </p:cNvCxnSpPr>
-          <p:nvPr/>
-        </p:nvCxnSpPr>
-        <p:spPr>
-          <a:xfrm>
-            <a:off x="1934800" y="3657600"/>
-            <a:ext cx="404952" cy="0"/>
-          </a:xfrm>
-          <a:prstGeom prst="line">
-            <a:avLst/>
-          </a:prstGeom>
-        </p:spPr>
-        <p:style>
-          <a:lnRef idx="1">
-            <a:schemeClr val="accent3"/>
-          </a:lnRef>
-          <a:fillRef idx="0">
-            <a:schemeClr val="accent3"/>
-          </a:fillRef>
-          <a:effectRef idx="0">
-            <a:schemeClr val="accent3"/>
-          </a:effectRef>
-          <a:fontRef idx="minor">
-            <a:schemeClr val="tx1"/>
-          </a:fontRef>
-        </p:style>
-      </p:cxnSp>
+            <a:endParaRPr lang="fr-FR"/>
+          </a:p>
+        </p:txBody>
+      </p:sp>
     </p:spTree>
     <p:extLst>
       <p:ext uri="{BB962C8B-B14F-4D97-AF65-F5344CB8AC3E}">
-        <p14:creationId xmlns:p14="http://schemas.microsoft.com/office/powerpoint/2010/main" val="457603180"/>
+        <p14:creationId xmlns:p14="http://schemas.microsoft.com/office/powerpoint/2010/main" val="534900812"/>
       </p:ext>
     </p:extLst>
   </p:cSld>
@@ -7115,8 +8068,8 @@
           <a:lstStyle/>
           <a:p>
             <a:r>
-              <a:rPr lang="fr-FR" dirty="0" err="1" smtClean="0"/>
-              <a:t>Widgets</a:t>
+              <a:rPr lang="fr-FR" dirty="0" smtClean="0"/>
+              <a:t>Damien</a:t>
             </a:r>
             <a:endParaRPr lang="fr-FR" dirty="0"/>
           </a:p>
@@ -7124,474 +8077,27 @@
       </p:sp>
       <p:sp>
         <p:nvSpPr>
-          <p:cNvPr id="3" name="Rectangle 2"/>
-          <p:cNvSpPr/>
-          <p:nvPr/>
-        </p:nvSpPr>
-        <p:spPr>
-          <a:xfrm>
-            <a:off x="3595562" y="1834969"/>
-            <a:ext cx="1805136" cy="457200"/>
-          </a:xfrm>
-          <a:prstGeom prst="rect">
-            <a:avLst/>
-          </a:prstGeom>
-        </p:spPr>
-        <p:style>
-          <a:lnRef idx="2">
-            <a:schemeClr val="accent1">
-              <a:shade val="50000"/>
-            </a:schemeClr>
-          </a:lnRef>
-          <a:fillRef idx="1">
-            <a:schemeClr val="accent1"/>
-          </a:fillRef>
-          <a:effectRef idx="0">
-            <a:schemeClr val="accent1"/>
-          </a:effectRef>
-          <a:fontRef idx="minor">
-            <a:schemeClr val="lt1"/>
-          </a:fontRef>
-        </p:style>
-        <p:txBody>
-          <a:bodyPr rtlCol="0" anchor="ctr"/>
+          <p:cNvPr id="5" name="Espace réservé du contenu 4"/>
+          <p:cNvSpPr>
+            <a:spLocks noGrp="1"/>
+          </p:cNvSpPr>
+          <p:nvPr>
+            <p:ph idx="1"/>
+          </p:nvPr>
+        </p:nvSpPr>
+        <p:spPr/>
+        <p:txBody>
+          <a:bodyPr/>
           <a:lstStyle/>
           <a:p>
-            <a:pPr algn="ctr"/>
-            <a:r>
-              <a:rPr lang="fr-FR" dirty="0" err="1" smtClean="0"/>
-              <a:t>AObject</a:t>
-            </a:r>
-            <a:endParaRPr lang="fr-FR" dirty="0"/>
-          </a:p>
-        </p:txBody>
-      </p:sp>
-      <p:sp>
-        <p:nvSpPr>
-          <p:cNvPr id="204" name="Rectangle 203"/>
-          <p:cNvSpPr/>
-          <p:nvPr/>
-        </p:nvSpPr>
-        <p:spPr>
-          <a:xfrm>
-            <a:off x="5736507" y="1834969"/>
-            <a:ext cx="1805136" cy="457200"/>
-          </a:xfrm>
-          <a:prstGeom prst="rect">
-            <a:avLst/>
-          </a:prstGeom>
-          <a:noFill/>
-        </p:spPr>
-        <p:style>
-          <a:lnRef idx="2">
-            <a:schemeClr val="accent2"/>
-          </a:lnRef>
-          <a:fillRef idx="1">
-            <a:schemeClr val="lt1"/>
-          </a:fillRef>
-          <a:effectRef idx="0">
-            <a:schemeClr val="accent2"/>
-          </a:effectRef>
-          <a:fontRef idx="minor">
-            <a:schemeClr val="dk1"/>
-          </a:fontRef>
-        </p:style>
-        <p:txBody>
-          <a:bodyPr rtlCol="0" anchor="ctr"/>
-          <a:lstStyle/>
-          <a:p>
-            <a:pPr algn="ctr"/>
-            <a:r>
-              <a:rPr lang="fr-FR" dirty="0" smtClean="0">
-                <a:solidFill>
-                  <a:schemeClr val="tx1"/>
-                </a:solidFill>
-              </a:rPr>
-              <a:t>Transformation</a:t>
-            </a:r>
-            <a:endParaRPr lang="fr-FR" dirty="0">
-              <a:solidFill>
-                <a:schemeClr val="tx1"/>
-              </a:solidFill>
-            </a:endParaRPr>
-          </a:p>
-        </p:txBody>
-      </p:sp>
-      <p:cxnSp>
-        <p:nvCxnSpPr>
-          <p:cNvPr id="209" name="Straight Connector 208"/>
-          <p:cNvCxnSpPr>
-            <a:stCxn id="3" idx="3"/>
-            <a:endCxn id="204" idx="1"/>
-          </p:cNvCxnSpPr>
-          <p:nvPr/>
-        </p:nvCxnSpPr>
-        <p:spPr>
-          <a:xfrm>
-            <a:off x="5400698" y="2063569"/>
-            <a:ext cx="335809" cy="0"/>
-          </a:xfrm>
-          <a:prstGeom prst="line">
-            <a:avLst/>
-          </a:prstGeom>
-        </p:spPr>
-        <p:style>
-          <a:lnRef idx="1">
-            <a:schemeClr val="accent3"/>
-          </a:lnRef>
-          <a:fillRef idx="0">
-            <a:schemeClr val="accent3"/>
-          </a:fillRef>
-          <a:effectRef idx="0">
-            <a:schemeClr val="accent3"/>
-          </a:effectRef>
-          <a:fontRef idx="minor">
-            <a:schemeClr val="tx1"/>
-          </a:fontRef>
-        </p:style>
-      </p:cxnSp>
-      <p:sp>
-        <p:nvSpPr>
-          <p:cNvPr id="36" name="Rectangle 35"/>
-          <p:cNvSpPr/>
-          <p:nvPr/>
-        </p:nvSpPr>
-        <p:spPr>
-          <a:xfrm>
-            <a:off x="2411760" y="3567161"/>
-            <a:ext cx="1805136" cy="457200"/>
-          </a:xfrm>
-          <a:prstGeom prst="rect">
-            <a:avLst/>
-          </a:prstGeom>
-        </p:spPr>
-        <p:style>
-          <a:lnRef idx="2">
-            <a:schemeClr val="accent1">
-              <a:shade val="50000"/>
-            </a:schemeClr>
-          </a:lnRef>
-          <a:fillRef idx="1">
-            <a:schemeClr val="accent1"/>
-          </a:fillRef>
-          <a:effectRef idx="0">
-            <a:schemeClr val="accent1"/>
-          </a:effectRef>
-          <a:fontRef idx="minor">
-            <a:schemeClr val="lt1"/>
-          </a:fontRef>
-        </p:style>
-        <p:txBody>
-          <a:bodyPr rtlCol="0" anchor="ctr"/>
-          <a:lstStyle/>
-          <a:p>
-            <a:pPr algn="ctr"/>
-            <a:r>
-              <a:rPr lang="fr-FR" dirty="0" err="1" smtClean="0"/>
-              <a:t>Cursor</a:t>
-            </a:r>
-            <a:endParaRPr lang="fr-FR" dirty="0"/>
-          </a:p>
-        </p:txBody>
-      </p:sp>
-      <p:cxnSp>
-        <p:nvCxnSpPr>
-          <p:cNvPr id="37" name="Connecteur droit avec flèche 19"/>
-          <p:cNvCxnSpPr>
-            <a:stCxn id="36" idx="0"/>
-            <a:endCxn id="3" idx="2"/>
-          </p:cNvCxnSpPr>
-          <p:nvPr/>
-        </p:nvCxnSpPr>
-        <p:spPr>
-          <a:xfrm flipV="1">
-            <a:off x="3314328" y="2292169"/>
-            <a:ext cx="1183802" cy="1274992"/>
-          </a:xfrm>
-          <a:prstGeom prst="straightConnector1">
-            <a:avLst/>
-          </a:prstGeom>
-          <a:ln w="22225">
-            <a:solidFill>
-              <a:schemeClr val="accent1">
-                <a:lumMod val="75000"/>
-              </a:schemeClr>
-            </a:solidFill>
-            <a:tailEnd type="arrow"/>
-          </a:ln>
-        </p:spPr>
-        <p:style>
-          <a:lnRef idx="1">
-            <a:schemeClr val="accent1"/>
-          </a:lnRef>
-          <a:fillRef idx="0">
-            <a:schemeClr val="accent1"/>
-          </a:fillRef>
-          <a:effectRef idx="0">
-            <a:schemeClr val="accent1"/>
-          </a:effectRef>
-          <a:fontRef idx="minor">
-            <a:schemeClr val="tx1"/>
-          </a:fontRef>
-        </p:style>
-      </p:cxnSp>
-      <p:sp>
-        <p:nvSpPr>
-          <p:cNvPr id="38" name="Rectangle 37"/>
-          <p:cNvSpPr/>
-          <p:nvPr/>
-        </p:nvSpPr>
-        <p:spPr>
-          <a:xfrm>
-            <a:off x="4833939" y="3567161"/>
-            <a:ext cx="1805136" cy="457200"/>
-          </a:xfrm>
-          <a:prstGeom prst="rect">
-            <a:avLst/>
-          </a:prstGeom>
-        </p:spPr>
-        <p:style>
-          <a:lnRef idx="2">
-            <a:schemeClr val="accent1">
-              <a:shade val="50000"/>
-            </a:schemeClr>
-          </a:lnRef>
-          <a:fillRef idx="1">
-            <a:schemeClr val="accent1"/>
-          </a:fillRef>
-          <a:effectRef idx="0">
-            <a:schemeClr val="accent1"/>
-          </a:effectRef>
-          <a:fontRef idx="minor">
-            <a:schemeClr val="lt1"/>
-          </a:fontRef>
-        </p:style>
-        <p:txBody>
-          <a:bodyPr rtlCol="0" anchor="ctr"/>
-          <a:lstStyle/>
-          <a:p>
-            <a:pPr algn="ctr"/>
-            <a:r>
-              <a:rPr lang="fr-FR" dirty="0" err="1" smtClean="0"/>
-              <a:t>AWidget</a:t>
-            </a:r>
-            <a:endParaRPr lang="fr-FR" dirty="0"/>
-          </a:p>
-        </p:txBody>
-      </p:sp>
-      <p:cxnSp>
-        <p:nvCxnSpPr>
-          <p:cNvPr id="39" name="Connecteur droit avec flèche 19"/>
-          <p:cNvCxnSpPr>
-            <a:stCxn id="38" idx="0"/>
-            <a:endCxn id="3" idx="2"/>
-          </p:cNvCxnSpPr>
-          <p:nvPr/>
-        </p:nvCxnSpPr>
-        <p:spPr>
-          <a:xfrm flipH="1" flipV="1">
-            <a:off x="4498130" y="2292169"/>
-            <a:ext cx="1238377" cy="1274992"/>
-          </a:xfrm>
-          <a:prstGeom prst="straightConnector1">
-            <a:avLst/>
-          </a:prstGeom>
-          <a:ln w="22225">
-            <a:solidFill>
-              <a:schemeClr val="accent1">
-                <a:lumMod val="75000"/>
-              </a:schemeClr>
-            </a:solidFill>
-            <a:tailEnd type="arrow"/>
-          </a:ln>
-        </p:spPr>
-        <p:style>
-          <a:lnRef idx="1">
-            <a:schemeClr val="accent1"/>
-          </a:lnRef>
-          <a:fillRef idx="0">
-            <a:schemeClr val="accent1"/>
-          </a:fillRef>
-          <a:effectRef idx="0">
-            <a:schemeClr val="accent1"/>
-          </a:effectRef>
-          <a:fontRef idx="minor">
-            <a:schemeClr val="tx1"/>
-          </a:fontRef>
-        </p:style>
-      </p:cxnSp>
-      <p:sp>
-        <p:nvSpPr>
-          <p:cNvPr id="53" name="Rectangle 52"/>
-          <p:cNvSpPr/>
-          <p:nvPr/>
-        </p:nvSpPr>
-        <p:spPr>
-          <a:xfrm>
-            <a:off x="1259632" y="4932001"/>
-            <a:ext cx="2376264" cy="457200"/>
-          </a:xfrm>
-          <a:prstGeom prst="rect">
-            <a:avLst/>
-          </a:prstGeom>
-          <a:noFill/>
-        </p:spPr>
-        <p:style>
-          <a:lnRef idx="2">
-            <a:schemeClr val="accent2"/>
-          </a:lnRef>
-          <a:fillRef idx="1">
-            <a:schemeClr val="lt1"/>
-          </a:fillRef>
-          <a:effectRef idx="0">
-            <a:schemeClr val="accent2"/>
-          </a:effectRef>
-          <a:fontRef idx="minor">
-            <a:schemeClr val="dk1"/>
-          </a:fontRef>
-        </p:style>
-        <p:txBody>
-          <a:bodyPr rtlCol="0" anchor="ctr"/>
-          <a:lstStyle/>
-          <a:p>
-            <a:pPr algn="ctr"/>
-            <a:r>
-              <a:rPr lang="fr-FR" dirty="0" smtClean="0">
-                <a:solidFill>
-                  <a:schemeClr val="tx1"/>
-                </a:solidFill>
-              </a:rPr>
-              <a:t>Géométrie + texture</a:t>
-            </a:r>
-            <a:endParaRPr lang="fr-FR" dirty="0">
-              <a:solidFill>
-                <a:schemeClr val="tx1"/>
-              </a:solidFill>
-            </a:endParaRPr>
-          </a:p>
-        </p:txBody>
-      </p:sp>
-      <p:cxnSp>
-        <p:nvCxnSpPr>
-          <p:cNvPr id="54" name="Straight Connector 53"/>
-          <p:cNvCxnSpPr>
-            <a:stCxn id="36" idx="2"/>
-            <a:endCxn id="53" idx="0"/>
-          </p:cNvCxnSpPr>
-          <p:nvPr/>
-        </p:nvCxnSpPr>
-        <p:spPr>
-          <a:xfrm flipH="1">
-            <a:off x="2447764" y="4024361"/>
-            <a:ext cx="866564" cy="907640"/>
-          </a:xfrm>
-          <a:prstGeom prst="line">
-            <a:avLst/>
-          </a:prstGeom>
-        </p:spPr>
-        <p:style>
-          <a:lnRef idx="1">
-            <a:schemeClr val="accent3"/>
-          </a:lnRef>
-          <a:fillRef idx="0">
-            <a:schemeClr val="accent3"/>
-          </a:fillRef>
-          <a:effectRef idx="0">
-            <a:schemeClr val="accent3"/>
-          </a:effectRef>
-          <a:fontRef idx="minor">
-            <a:schemeClr val="tx1"/>
-          </a:fontRef>
-        </p:style>
-      </p:cxnSp>
-      <p:sp>
-        <p:nvSpPr>
-          <p:cNvPr id="55" name="Rectangle 54"/>
-          <p:cNvSpPr/>
-          <p:nvPr/>
-        </p:nvSpPr>
-        <p:spPr>
-          <a:xfrm>
-            <a:off x="5400698" y="4963982"/>
-            <a:ext cx="2376264" cy="457200"/>
-          </a:xfrm>
-          <a:prstGeom prst="rect">
-            <a:avLst/>
-          </a:prstGeom>
-          <a:noFill/>
-        </p:spPr>
-        <p:style>
-          <a:lnRef idx="2">
-            <a:schemeClr val="accent2"/>
-          </a:lnRef>
-          <a:fillRef idx="1">
-            <a:schemeClr val="lt1"/>
-          </a:fillRef>
-          <a:effectRef idx="0">
-            <a:schemeClr val="accent2"/>
-          </a:effectRef>
-          <a:fontRef idx="minor">
-            <a:schemeClr val="dk1"/>
-          </a:fontRef>
-        </p:style>
-        <p:txBody>
-          <a:bodyPr rtlCol="0" anchor="ctr"/>
-          <a:lstStyle/>
-          <a:p>
-            <a:pPr algn="ctr"/>
-            <a:r>
-              <a:rPr lang="fr-FR" dirty="0" smtClean="0">
-                <a:solidFill>
-                  <a:schemeClr val="tx1"/>
-                </a:solidFill>
-              </a:rPr>
-              <a:t>Géométrie + texture</a:t>
-            </a:r>
-            <a:endParaRPr lang="fr-FR" dirty="0">
-              <a:solidFill>
-                <a:schemeClr val="tx1"/>
-              </a:solidFill>
-            </a:endParaRPr>
-          </a:p>
-        </p:txBody>
-      </p:sp>
-      <p:cxnSp>
-        <p:nvCxnSpPr>
-          <p:cNvPr id="56" name="Straight Connector 55"/>
-          <p:cNvCxnSpPr>
-            <a:stCxn id="55" idx="0"/>
-            <a:endCxn id="38" idx="2"/>
-          </p:cNvCxnSpPr>
-          <p:nvPr/>
-        </p:nvCxnSpPr>
-        <p:spPr>
-          <a:xfrm flipH="1" flipV="1">
-            <a:off x="5736507" y="4024361"/>
-            <a:ext cx="852323" cy="939621"/>
-          </a:xfrm>
-          <a:prstGeom prst="line">
-            <a:avLst/>
-          </a:prstGeom>
-        </p:spPr>
-        <p:style>
-          <a:lnRef idx="1">
-            <a:schemeClr val="accent3"/>
-          </a:lnRef>
-          <a:fillRef idx="0">
-            <a:schemeClr val="accent3"/>
-          </a:fillRef>
-          <a:effectRef idx="0">
-            <a:schemeClr val="accent3"/>
-          </a:effectRef>
-          <a:fontRef idx="minor">
-            <a:schemeClr val="tx1"/>
-          </a:fontRef>
-        </p:style>
-      </p:cxnSp>
+            <a:endParaRPr lang="fr-FR"/>
+          </a:p>
+        </p:txBody>
+      </p:sp>
     </p:spTree>
     <p:extLst>
       <p:ext uri="{BB962C8B-B14F-4D97-AF65-F5344CB8AC3E}">
-        <p14:creationId xmlns:p14="http://schemas.microsoft.com/office/powerpoint/2010/main" val="4110315112"/>
+        <p14:creationId xmlns:p14="http://schemas.microsoft.com/office/powerpoint/2010/main" val="682711290"/>
       </p:ext>
     </p:extLst>
   </p:cSld>
@@ -7642,15 +8148,61 @@
           <a:p>
             <a:r>
               <a:rPr lang="fr-FR" dirty="0" smtClean="0"/>
-              <a:t>Problèmes et solutions</a:t>
-            </a:r>
-            <a:br>
+              <a:t>Raphael</a:t>
+            </a:r>
+            <a:endParaRPr lang="fr-FR" dirty="0"/>
+          </a:p>
+        </p:txBody>
+      </p:sp>
+      <p:sp>
+        <p:nvSpPr>
+          <p:cNvPr id="5" name="Espace réservé du contenu 4"/>
+          <p:cNvSpPr>
+            <a:spLocks noGrp="1"/>
+          </p:cNvSpPr>
+          <p:nvPr>
+            <p:ph idx="1"/>
+          </p:nvPr>
+        </p:nvSpPr>
+        <p:spPr/>
+        <p:txBody>
+          <a:bodyPr/>
+          <a:lstStyle/>
+          <a:p>
+            <a:r>
               <a:rPr lang="fr-FR" dirty="0" smtClean="0"/>
-            </a:br>
-            <a:r>
-              <a:rPr lang="fr-FR" sz="1400" dirty="0" smtClean="0"/>
-              <a:t>« Des problèmes et encore des problèmes… »</a:t>
-            </a:r>
+              <a:t>Intégration </a:t>
+            </a:r>
+            <a:r>
+              <a:rPr lang="fr-FR" dirty="0" err="1" smtClean="0"/>
+              <a:t>Lua</a:t>
+            </a:r>
+            <a:endParaRPr lang="fr-FR" dirty="0" smtClean="0"/>
+          </a:p>
+          <a:p>
+            <a:r>
+              <a:rPr lang="fr-FR" dirty="0" smtClean="0"/>
+              <a:t>API pour les scripts </a:t>
+            </a:r>
+            <a:r>
+              <a:rPr lang="fr-FR" dirty="0" err="1" smtClean="0"/>
+              <a:t>Lua</a:t>
+            </a:r>
+            <a:endParaRPr lang="fr-FR" dirty="0" smtClean="0"/>
+          </a:p>
+          <a:p>
+            <a:r>
+              <a:rPr lang="fr-FR" dirty="0" smtClean="0"/>
+              <a:t>Gestionnaire de configuration</a:t>
+            </a:r>
+          </a:p>
+          <a:p>
+            <a:r>
+              <a:rPr lang="fr-FR" dirty="0" smtClean="0"/>
+              <a:t>Les objets</a:t>
+            </a:r>
+          </a:p>
+          <a:p>
             <a:endParaRPr lang="fr-FR" dirty="0"/>
           </a:p>
         </p:txBody>
@@ -7658,7 +8210,7 @@
     </p:spTree>
     <p:extLst>
       <p:ext uri="{BB962C8B-B14F-4D97-AF65-F5344CB8AC3E}">
-        <p14:creationId xmlns:p14="http://schemas.microsoft.com/office/powerpoint/2010/main" val="2497971147"/>
+        <p14:creationId xmlns:p14="http://schemas.microsoft.com/office/powerpoint/2010/main" val="3312556068"/>
       </p:ext>
     </p:extLst>
   </p:cSld>
@@ -7709,77 +8261,14 @@
           <a:p>
             <a:r>
               <a:rPr lang="fr-FR" dirty="0" smtClean="0"/>
-              <a:t>Intégration </a:t>
-            </a:r>
-            <a:r>
-              <a:rPr lang="fr-FR" dirty="0" err="1" smtClean="0"/>
-              <a:t>Lua</a:t>
-            </a:r>
-            <a:endParaRPr lang="fr-FR" dirty="0"/>
-          </a:p>
-        </p:txBody>
-      </p:sp>
-      <p:sp>
-        <p:nvSpPr>
-          <p:cNvPr id="5" name="Espace réservé du contenu 4"/>
-          <p:cNvSpPr>
-            <a:spLocks noGrp="1"/>
-          </p:cNvSpPr>
-          <p:nvPr>
-            <p:ph idx="1"/>
-          </p:nvPr>
-        </p:nvSpPr>
-        <p:spPr/>
-        <p:txBody>
-          <a:bodyPr/>
-          <a:lstStyle/>
-          <a:p>
-            <a:r>
+              <a:t>Problèmes et solutions</a:t>
+            </a:r>
+            <a:br>
               <a:rPr lang="fr-FR" dirty="0" smtClean="0"/>
-              <a:t>Bibliothèque C</a:t>
-            </a:r>
-          </a:p>
-          <a:p>
-            <a:endParaRPr lang="fr-FR" dirty="0" smtClean="0"/>
-          </a:p>
-          <a:p>
-            <a:r>
-              <a:rPr lang="fr-FR" dirty="0" smtClean="0"/>
-              <a:t>Machine virtuelle</a:t>
-            </a:r>
-          </a:p>
-          <a:p>
-            <a:endParaRPr lang="fr-FR" dirty="0" smtClean="0"/>
-          </a:p>
-          <a:p>
-            <a:r>
-              <a:rPr lang="fr-FR" dirty="0" smtClean="0"/>
-              <a:t>« </a:t>
-            </a:r>
-            <a:r>
-              <a:rPr lang="fr-FR" dirty="0" err="1" smtClean="0"/>
-              <a:t>Stack</a:t>
-            </a:r>
-            <a:r>
-              <a:rPr lang="fr-FR" dirty="0" smtClean="0"/>
-              <a:t> »</a:t>
-            </a:r>
-          </a:p>
-          <a:p>
-            <a:endParaRPr lang="fr-FR" dirty="0" smtClean="0"/>
-          </a:p>
-          <a:p>
-            <a:r>
-              <a:rPr lang="fr-FR" dirty="0" smtClean="0"/>
-              <a:t>Accès au classes sans « </a:t>
-            </a:r>
-            <a:r>
-              <a:rPr lang="fr-FR" dirty="0" err="1" smtClean="0"/>
-              <a:t>fiendly</a:t>
-            </a:r>
-            <a:r>
-              <a:rPr lang="fr-FR" dirty="0" smtClean="0"/>
-              <a:t> » compliqué</a:t>
+            </a:br>
+            <a:r>
+              <a:rPr lang="fr-FR" sz="1400" dirty="0" smtClean="0"/>
+              <a:t>« Des problèmes et encore des problèmes… »</a:t>
             </a:r>
             <a:endParaRPr lang="fr-FR" dirty="0"/>
           </a:p>
@@ -7788,7 +8277,7 @@
     </p:spTree>
     <p:extLst>
       <p:ext uri="{BB962C8B-B14F-4D97-AF65-F5344CB8AC3E}">
-        <p14:creationId xmlns:p14="http://schemas.microsoft.com/office/powerpoint/2010/main" val="2284039427"/>
+        <p14:creationId xmlns:p14="http://schemas.microsoft.com/office/powerpoint/2010/main" val="2497971147"/>
       </p:ext>
     </p:extLst>
   </p:cSld>
@@ -7839,7 +8328,77 @@
           <a:p>
             <a:r>
               <a:rPr lang="fr-FR" dirty="0" smtClean="0"/>
-              <a:t>Conclusion</a:t>
+              <a:t>Intégration </a:t>
+            </a:r>
+            <a:r>
+              <a:rPr lang="fr-FR" dirty="0" err="1" smtClean="0"/>
+              <a:t>Lua</a:t>
+            </a:r>
+            <a:endParaRPr lang="fr-FR" dirty="0"/>
+          </a:p>
+        </p:txBody>
+      </p:sp>
+      <p:sp>
+        <p:nvSpPr>
+          <p:cNvPr id="5" name="Espace réservé du contenu 4"/>
+          <p:cNvSpPr>
+            <a:spLocks noGrp="1"/>
+          </p:cNvSpPr>
+          <p:nvPr>
+            <p:ph idx="1"/>
+          </p:nvPr>
+        </p:nvSpPr>
+        <p:spPr/>
+        <p:txBody>
+          <a:bodyPr/>
+          <a:lstStyle/>
+          <a:p>
+            <a:r>
+              <a:rPr lang="fr-FR" dirty="0" smtClean="0"/>
+              <a:t>Bibliothèque C</a:t>
+            </a:r>
+          </a:p>
+          <a:p>
+            <a:endParaRPr lang="fr-FR" dirty="0" smtClean="0"/>
+          </a:p>
+          <a:p>
+            <a:r>
+              <a:rPr lang="fr-FR" dirty="0" smtClean="0"/>
+              <a:t>Machine virtuelle</a:t>
+            </a:r>
+          </a:p>
+          <a:p>
+            <a:endParaRPr lang="fr-FR" dirty="0" smtClean="0"/>
+          </a:p>
+          <a:p>
+            <a:r>
+              <a:rPr lang="fr-FR" dirty="0" smtClean="0"/>
+              <a:t>« </a:t>
+            </a:r>
+            <a:r>
+              <a:rPr lang="fr-FR" dirty="0" err="1" smtClean="0"/>
+              <a:t>Stack</a:t>
+            </a:r>
+            <a:r>
+              <a:rPr lang="fr-FR" dirty="0" smtClean="0"/>
+              <a:t> »</a:t>
+            </a:r>
+          </a:p>
+          <a:p>
+            <a:endParaRPr lang="fr-FR" dirty="0" smtClean="0"/>
+          </a:p>
+          <a:p>
+            <a:r>
+              <a:rPr lang="fr-FR" dirty="0" smtClean="0"/>
+              <a:t>Accès au classes sans « </a:t>
+            </a:r>
+            <a:r>
+              <a:rPr lang="fr-FR" dirty="0" err="1" smtClean="0"/>
+              <a:t>fiendly</a:t>
+            </a:r>
+            <a:r>
+              <a:rPr lang="fr-FR" dirty="0" smtClean="0"/>
+              <a:t> » compliqué</a:t>
             </a:r>
             <a:endParaRPr lang="fr-FR" dirty="0"/>
           </a:p>
@@ -7848,7 +8407,7 @@
     </p:spTree>
     <p:extLst>
       <p:ext uri="{BB962C8B-B14F-4D97-AF65-F5344CB8AC3E}">
-        <p14:creationId xmlns:p14="http://schemas.microsoft.com/office/powerpoint/2010/main" val="847146004"/>
+        <p14:creationId xmlns:p14="http://schemas.microsoft.com/office/powerpoint/2010/main" val="2284039427"/>
       </p:ext>
     </p:extLst>
   </p:cSld>
@@ -7899,14 +8458,7 @@
           <a:p>
             <a:r>
               <a:rPr lang="fr-FR" dirty="0" smtClean="0"/>
-              <a:t>Questions</a:t>
-            </a:r>
-            <a:br>
-              <a:rPr lang="fr-FR" dirty="0" smtClean="0"/>
-            </a:br>
-            <a:r>
-              <a:rPr lang="fr-FR" sz="1400" dirty="0" smtClean="0"/>
-              <a:t>« RTFM. »</a:t>
+              <a:t>Conclusion</a:t>
             </a:r>
             <a:endParaRPr lang="fr-FR" dirty="0"/>
           </a:p>
@@ -7933,6 +8485,73 @@
 </file>
 
 <file path=ppt/slides/slide26.xml><?xml version="1.0" encoding="utf-8"?>
+<p:sld xmlns:a="http://schemas.openxmlformats.org/drawingml/2006/main" xmlns:r="http://schemas.openxmlformats.org/officeDocument/2006/relationships" xmlns:p="http://schemas.openxmlformats.org/presentationml/2006/main">
+  <p:cSld>
+    <p:spTree>
+      <p:nvGrpSpPr>
+        <p:cNvPr id="1" name=""/>
+        <p:cNvGrpSpPr/>
+        <p:nvPr/>
+      </p:nvGrpSpPr>
+      <p:grpSpPr>
+        <a:xfrm>
+          <a:off x="0" y="0"/>
+          <a:ext cx="0" cy="0"/>
+          <a:chOff x="0" y="0"/>
+          <a:chExt cx="0" cy="0"/>
+        </a:xfrm>
+      </p:grpSpPr>
+      <p:sp>
+        <p:nvSpPr>
+          <p:cNvPr id="4" name="Titre 3"/>
+          <p:cNvSpPr>
+            <a:spLocks noGrp="1"/>
+          </p:cNvSpPr>
+          <p:nvPr>
+            <p:ph type="title"/>
+          </p:nvPr>
+        </p:nvSpPr>
+        <p:spPr/>
+        <p:txBody>
+          <a:bodyPr/>
+          <a:lstStyle/>
+          <a:p>
+            <a:r>
+              <a:rPr lang="fr-FR" dirty="0" smtClean="0"/>
+              <a:t>Questions</a:t>
+            </a:r>
+            <a:br>
+              <a:rPr lang="fr-FR" dirty="0" smtClean="0"/>
+            </a:br>
+            <a:r>
+              <a:rPr lang="fr-FR" sz="1400" dirty="0" smtClean="0"/>
+              <a:t>« RTFM. »</a:t>
+            </a:r>
+            <a:endParaRPr lang="fr-FR" dirty="0"/>
+          </a:p>
+        </p:txBody>
+      </p:sp>
+    </p:spTree>
+    <p:extLst>
+      <p:ext uri="{BB962C8B-B14F-4D97-AF65-F5344CB8AC3E}">
+        <p14:creationId xmlns:p14="http://schemas.microsoft.com/office/powerpoint/2010/main" val="847146004"/>
+      </p:ext>
+    </p:extLst>
+  </p:cSld>
+  <p:clrMapOvr>
+    <a:masterClrMapping/>
+  </p:clrMapOvr>
+  <p:timing>
+    <p:tnLst>
+      <p:par>
+        <p:cTn id="1" dur="indefinite" restart="never" nodeType="tmRoot"/>
+      </p:par>
+    </p:tnLst>
+  </p:timing>
+</p:sld>
+</file>
+
+<file path=ppt/slides/slide27.xml><?xml version="1.0" encoding="utf-8"?>
 <p:sld xmlns:a="http://schemas.openxmlformats.org/drawingml/2006/main" xmlns:r="http://schemas.openxmlformats.org/officeDocument/2006/relationships" xmlns:p="http://schemas.openxmlformats.org/presentationml/2006/main">
   <p:cSld>
     <p:spTree>

--- a/Bomberman - Présentation.pptx
+++ b/Bomberman - Présentation.pptx
@@ -16,22 +16,23 @@
     <p:sldId id="264" r:id="rId10"/>
     <p:sldId id="265" r:id="rId11"/>
     <p:sldId id="267" r:id="rId12"/>
-    <p:sldId id="280" r:id="rId13"/>
-    <p:sldId id="281" r:id="rId14"/>
-    <p:sldId id="289" r:id="rId15"/>
-    <p:sldId id="278" r:id="rId16"/>
-    <p:sldId id="282" r:id="rId17"/>
-    <p:sldId id="283" r:id="rId18"/>
-    <p:sldId id="284" r:id="rId19"/>
-    <p:sldId id="285" r:id="rId20"/>
+    <p:sldId id="290" r:id="rId13"/>
+    <p:sldId id="280" r:id="rId14"/>
+    <p:sldId id="281" r:id="rId15"/>
+    <p:sldId id="289" r:id="rId16"/>
+    <p:sldId id="278" r:id="rId17"/>
+    <p:sldId id="282" r:id="rId18"/>
+    <p:sldId id="283" r:id="rId19"/>
+    <p:sldId id="284" r:id="rId20"/>
     <p:sldId id="286" r:id="rId21"/>
     <p:sldId id="287" r:id="rId22"/>
     <p:sldId id="288" r:id="rId23"/>
     <p:sldId id="268" r:id="rId24"/>
     <p:sldId id="279" r:id="rId25"/>
-    <p:sldId id="270" r:id="rId26"/>
-    <p:sldId id="271" r:id="rId27"/>
-    <p:sldId id="269" r:id="rId28"/>
+    <p:sldId id="291" r:id="rId26"/>
+    <p:sldId id="270" r:id="rId27"/>
+    <p:sldId id="271" r:id="rId28"/>
+    <p:sldId id="269" r:id="rId29"/>
   </p:sldIdLst>
   <p:sldSz cx="9144000" cy="6858000" type="screen4x3"/>
   <p:notesSz cx="6858000" cy="9144000"/>
@@ -4080,6 +4081,51 @@
       </p:grpSpPr>
       <p:sp>
         <p:nvSpPr>
+          <p:cNvPr id="24" name="Rectangle 23"/>
+          <p:cNvSpPr/>
+          <p:nvPr/>
+        </p:nvSpPr>
+        <p:spPr>
+          <a:xfrm>
+            <a:off x="2245319" y="1987647"/>
+            <a:ext cx="4451372" cy="3907750"/>
+          </a:xfrm>
+          <a:prstGeom prst="rect">
+            <a:avLst/>
+          </a:prstGeom>
+          <a:solidFill>
+            <a:schemeClr val="accent3">
+              <a:lumMod val="75000"/>
+            </a:schemeClr>
+          </a:solidFill>
+        </p:spPr>
+        <p:style>
+          <a:lnRef idx="2">
+            <a:schemeClr val="accent3">
+              <a:shade val="50000"/>
+            </a:schemeClr>
+          </a:lnRef>
+          <a:fillRef idx="1">
+            <a:schemeClr val="accent3"/>
+          </a:fillRef>
+          <a:effectRef idx="0">
+            <a:schemeClr val="accent3"/>
+          </a:effectRef>
+          <a:fontRef idx="minor">
+            <a:schemeClr val="lt1"/>
+          </a:fontRef>
+        </p:style>
+        <p:txBody>
+          <a:bodyPr rtlCol="0" anchor="ctr"/>
+          <a:lstStyle/>
+          <a:p>
+            <a:pPr algn="ctr"/>
+            <a:endParaRPr lang="en-US" dirty="0"/>
+          </a:p>
+        </p:txBody>
+      </p:sp>
+      <p:sp>
+        <p:nvSpPr>
           <p:cNvPr id="4" name="Titre 3"/>
           <p:cNvSpPr>
             <a:spLocks noGrp="1"/>
@@ -4094,8 +4140,8 @@
           <a:lstStyle/>
           <a:p>
             <a:r>
-              <a:rPr lang="fr-FR" dirty="0" err="1" smtClean="0"/>
-              <a:t>GameObjects</a:t>
+              <a:rPr lang="fr-FR" dirty="0" smtClean="0"/>
+              <a:t>GameEngine</a:t>
             </a:r>
             <a:endParaRPr lang="fr-FR" dirty="0"/>
           </a:p>
@@ -4103,17 +4149,19 @@
       </p:sp>
       <p:sp>
         <p:nvSpPr>
-          <p:cNvPr id="3" name="Rectangle 2"/>
+          <p:cNvPr id="8" name="Parallelogram 7"/>
           <p:cNvSpPr/>
           <p:nvPr/>
         </p:nvSpPr>
         <p:spPr>
           <a:xfrm>
-            <a:off x="3595562" y="1834969"/>
-            <a:ext cx="1805136" cy="457200"/>
-          </a:xfrm>
-          <a:prstGeom prst="rect">
-            <a:avLst/>
+            <a:off x="4208964" y="4444511"/>
+            <a:ext cx="1512168" cy="792088"/>
+          </a:xfrm>
+          <a:prstGeom prst="parallelogram">
+            <a:avLst>
+              <a:gd name="adj" fmla="val 50049"/>
+            </a:avLst>
           </a:prstGeom>
         </p:spPr>
         <p:style>
@@ -4137,8 +4185,793 @@
           <a:lstStyle/>
           <a:p>
             <a:pPr algn="ctr"/>
+            <a:endParaRPr lang="en-US"/>
+          </a:p>
+        </p:txBody>
+      </p:sp>
+      <p:sp>
+        <p:nvSpPr>
+          <p:cNvPr id="55" name="Parallelogram 54"/>
+          <p:cNvSpPr/>
+          <p:nvPr/>
+        </p:nvSpPr>
+        <p:spPr>
+          <a:xfrm>
+            <a:off x="4208964" y="4300495"/>
+            <a:ext cx="1512168" cy="792088"/>
+          </a:xfrm>
+          <a:prstGeom prst="parallelogram">
+            <a:avLst>
+              <a:gd name="adj" fmla="val 50049"/>
+            </a:avLst>
+          </a:prstGeom>
+        </p:spPr>
+        <p:style>
+          <a:lnRef idx="2">
+            <a:schemeClr val="accent1">
+              <a:shade val="50000"/>
+            </a:schemeClr>
+          </a:lnRef>
+          <a:fillRef idx="1">
+            <a:schemeClr val="accent1"/>
+          </a:fillRef>
+          <a:effectRef idx="0">
+            <a:schemeClr val="accent1"/>
+          </a:effectRef>
+          <a:fontRef idx="minor">
+            <a:schemeClr val="lt1"/>
+          </a:fontRef>
+        </p:style>
+        <p:txBody>
+          <a:bodyPr rtlCol="0" anchor="ctr"/>
+          <a:lstStyle/>
+          <a:p>
+            <a:pPr algn="ctr"/>
+            <a:endParaRPr lang="en-US"/>
+          </a:p>
+        </p:txBody>
+      </p:sp>
+      <p:sp>
+        <p:nvSpPr>
+          <p:cNvPr id="56" name="Parallelogram 55"/>
+          <p:cNvSpPr/>
+          <p:nvPr/>
+        </p:nvSpPr>
+        <p:spPr>
+          <a:xfrm>
+            <a:off x="4208964" y="4156479"/>
+            <a:ext cx="1512168" cy="792088"/>
+          </a:xfrm>
+          <a:prstGeom prst="parallelogram">
+            <a:avLst>
+              <a:gd name="adj" fmla="val 50049"/>
+            </a:avLst>
+          </a:prstGeom>
+        </p:spPr>
+        <p:style>
+          <a:lnRef idx="2">
+            <a:schemeClr val="accent1">
+              <a:shade val="50000"/>
+            </a:schemeClr>
+          </a:lnRef>
+          <a:fillRef idx="1">
+            <a:schemeClr val="accent1"/>
+          </a:fillRef>
+          <a:effectRef idx="0">
+            <a:schemeClr val="accent1"/>
+          </a:effectRef>
+          <a:fontRef idx="minor">
+            <a:schemeClr val="lt1"/>
+          </a:fontRef>
+        </p:style>
+        <p:txBody>
+          <a:bodyPr rtlCol="0" anchor="ctr"/>
+          <a:lstStyle/>
+          <a:p>
+            <a:pPr algn="ctr"/>
+            <a:endParaRPr lang="en-US"/>
+          </a:p>
+        </p:txBody>
+      </p:sp>
+      <p:sp>
+        <p:nvSpPr>
+          <p:cNvPr id="57" name="Parallelogram 56"/>
+          <p:cNvSpPr/>
+          <p:nvPr/>
+        </p:nvSpPr>
+        <p:spPr>
+          <a:xfrm>
+            <a:off x="4208964" y="4012463"/>
+            <a:ext cx="1512168" cy="792088"/>
+          </a:xfrm>
+          <a:prstGeom prst="parallelogram">
+            <a:avLst>
+              <a:gd name="adj" fmla="val 50049"/>
+            </a:avLst>
+          </a:prstGeom>
+        </p:spPr>
+        <p:style>
+          <a:lnRef idx="2">
+            <a:schemeClr val="accent1">
+              <a:shade val="50000"/>
+            </a:schemeClr>
+          </a:lnRef>
+          <a:fillRef idx="1">
+            <a:schemeClr val="accent1"/>
+          </a:fillRef>
+          <a:effectRef idx="0">
+            <a:schemeClr val="accent1"/>
+          </a:effectRef>
+          <a:fontRef idx="minor">
+            <a:schemeClr val="lt1"/>
+          </a:fontRef>
+        </p:style>
+        <p:txBody>
+          <a:bodyPr rtlCol="0" anchor="ctr"/>
+          <a:lstStyle/>
+          <a:p>
+            <a:pPr algn="ctr"/>
+            <a:r>
+              <a:rPr lang="fr-FR" dirty="0" smtClean="0"/>
+              <a:t>menu</a:t>
+            </a:r>
+            <a:endParaRPr lang="en-US" dirty="0"/>
+          </a:p>
+        </p:txBody>
+      </p:sp>
+      <p:sp>
+        <p:nvSpPr>
+          <p:cNvPr id="10" name="TextBox 9"/>
+          <p:cNvSpPr txBox="1"/>
+          <p:nvPr/>
+        </p:nvSpPr>
+        <p:spPr>
+          <a:xfrm>
+            <a:off x="3965559" y="5227307"/>
+            <a:ext cx="1789977" cy="584775"/>
+          </a:xfrm>
+          <a:prstGeom prst="rect">
+            <a:avLst/>
+          </a:prstGeom>
+          <a:noFill/>
+        </p:spPr>
+        <p:txBody>
+          <a:bodyPr wrap="none" rtlCol="0">
+            <a:spAutoFit/>
+          </a:bodyPr>
+          <a:lstStyle/>
+          <a:p>
+            <a:pPr algn="ctr"/>
+            <a:r>
+              <a:rPr lang="fr-FR" sz="1600" b="1" dirty="0" smtClean="0">
+                <a:solidFill>
+                  <a:schemeClr val="accent1">
+                    <a:lumMod val="75000"/>
+                  </a:schemeClr>
+                </a:solidFill>
+              </a:rPr>
+              <a:t>ScenesManager</a:t>
+            </a:r>
+            <a:endParaRPr lang="fr-FR" sz="1600" b="1" dirty="0">
+              <a:solidFill>
+                <a:schemeClr val="accent1">
+                  <a:lumMod val="75000"/>
+                </a:schemeClr>
+              </a:solidFill>
+            </a:endParaRPr>
+          </a:p>
+          <a:p>
+            <a:pPr algn="ctr"/>
+            <a:r>
+              <a:rPr lang="fr-FR" sz="1600" b="1" dirty="0" smtClean="0">
+                <a:solidFill>
+                  <a:schemeClr val="accent1">
+                    <a:lumMod val="75000"/>
+                  </a:schemeClr>
+                </a:solidFill>
+              </a:rPr>
+              <a:t>(stack)</a:t>
+            </a:r>
+            <a:endParaRPr lang="en-US" sz="1600" b="1" dirty="0">
+              <a:solidFill>
+                <a:schemeClr val="accent1">
+                  <a:lumMod val="75000"/>
+                </a:schemeClr>
+              </a:solidFill>
+            </a:endParaRPr>
+          </a:p>
+        </p:txBody>
+      </p:sp>
+      <p:cxnSp>
+        <p:nvCxnSpPr>
+          <p:cNvPr id="12" name="Elbow Connector 11"/>
+          <p:cNvCxnSpPr>
+            <a:endCxn id="31" idx="2"/>
+          </p:cNvCxnSpPr>
+          <p:nvPr/>
+        </p:nvCxnSpPr>
+        <p:spPr>
+          <a:xfrm rot="5400000" flipH="1" flipV="1">
+            <a:off x="4873296" y="3704200"/>
+            <a:ext cx="694400" cy="510894"/>
+          </a:xfrm>
+          <a:prstGeom prst="bentConnector3">
+            <a:avLst>
+              <a:gd name="adj1" fmla="val 63665"/>
+            </a:avLst>
+          </a:prstGeom>
+          <a:ln>
+            <a:tailEnd type="arrow"/>
+          </a:ln>
+        </p:spPr>
+        <p:style>
+          <a:lnRef idx="3">
+            <a:schemeClr val="accent1"/>
+          </a:lnRef>
+          <a:fillRef idx="0">
+            <a:schemeClr val="accent1"/>
+          </a:fillRef>
+          <a:effectRef idx="2">
+            <a:schemeClr val="accent1"/>
+          </a:effectRef>
+          <a:fontRef idx="minor">
+            <a:schemeClr val="tx1"/>
+          </a:fontRef>
+        </p:style>
+      </p:cxnSp>
+      <p:sp>
+        <p:nvSpPr>
+          <p:cNvPr id="26" name="TextBox 25"/>
+          <p:cNvSpPr txBox="1"/>
+          <p:nvPr/>
+        </p:nvSpPr>
+        <p:spPr>
+          <a:xfrm>
+            <a:off x="7233300" y="3134992"/>
+            <a:ext cx="1515164" cy="1200329"/>
+          </a:xfrm>
+          <a:prstGeom prst="rect">
+            <a:avLst/>
+          </a:prstGeom>
+          <a:solidFill>
+            <a:schemeClr val="accent6">
+              <a:lumMod val="75000"/>
+            </a:schemeClr>
+          </a:solidFill>
+          <a:ln>
+            <a:solidFill>
+              <a:schemeClr val="accent6">
+                <a:lumMod val="50000"/>
+              </a:schemeClr>
+            </a:solidFill>
+          </a:ln>
+        </p:spPr>
+        <p:style>
+          <a:lnRef idx="2">
+            <a:schemeClr val="accent4">
+              <a:shade val="50000"/>
+            </a:schemeClr>
+          </a:lnRef>
+          <a:fillRef idx="1">
+            <a:schemeClr val="accent4"/>
+          </a:fillRef>
+          <a:effectRef idx="0">
+            <a:schemeClr val="accent4"/>
+          </a:effectRef>
+          <a:fontRef idx="minor">
+            <a:schemeClr val="lt1"/>
+          </a:fontRef>
+        </p:style>
+        <p:txBody>
+          <a:bodyPr wrap="square" rtlCol="0">
+            <a:spAutoFit/>
+          </a:bodyPr>
+          <a:lstStyle/>
+          <a:p>
+            <a:pPr algn="ctr"/>
+            <a:r>
+              <a:rPr lang="fr-FR" dirty="0" smtClean="0"/>
+              <a:t>AObject</a:t>
+            </a:r>
+          </a:p>
+          <a:p>
+            <a:pPr algn="ctr"/>
+            <a:endParaRPr lang="fr-FR" dirty="0" smtClean="0"/>
+          </a:p>
+          <a:p>
+            <a:r>
+              <a:rPr lang="fr-FR" dirty="0"/>
+              <a:t>- update()</a:t>
+            </a:r>
+            <a:endParaRPr lang="en-US" dirty="0"/>
+          </a:p>
+          <a:p>
+            <a:r>
+              <a:rPr lang="fr-FR" dirty="0" smtClean="0"/>
+              <a:t>- draw()</a:t>
+            </a:r>
+          </a:p>
+        </p:txBody>
+      </p:sp>
+      <p:sp>
+        <p:nvSpPr>
+          <p:cNvPr id="31" name="TextBox 30"/>
+          <p:cNvSpPr txBox="1"/>
+          <p:nvPr/>
+        </p:nvSpPr>
+        <p:spPr>
+          <a:xfrm>
+            <a:off x="4949613" y="2689117"/>
+            <a:ext cx="1052660" cy="923330"/>
+          </a:xfrm>
+          <a:prstGeom prst="rect">
+            <a:avLst/>
+          </a:prstGeom>
+        </p:spPr>
+        <p:style>
+          <a:lnRef idx="2">
+            <a:schemeClr val="accent1">
+              <a:shade val="50000"/>
+            </a:schemeClr>
+          </a:lnRef>
+          <a:fillRef idx="1">
+            <a:schemeClr val="accent1"/>
+          </a:fillRef>
+          <a:effectRef idx="0">
+            <a:schemeClr val="accent1"/>
+          </a:effectRef>
+          <a:fontRef idx="minor">
+            <a:schemeClr val="lt1"/>
+          </a:fontRef>
+        </p:style>
+        <p:txBody>
+          <a:bodyPr wrap="none" rtlCol="0" anchor="ctr">
+            <a:spAutoFit/>
+          </a:bodyPr>
+          <a:lstStyle/>
+          <a:p>
+            <a:pPr algn="ctr"/>
+            <a:endParaRPr lang="fr-FR" dirty="0" smtClean="0"/>
+          </a:p>
+          <a:p>
+            <a:pPr algn="ctr"/>
+            <a:r>
+              <a:rPr lang="fr-FR" dirty="0" smtClean="0"/>
+              <a:t>AScene</a:t>
+            </a:r>
+          </a:p>
+          <a:p>
+            <a:endParaRPr lang="fr-FR" dirty="0" smtClean="0"/>
+          </a:p>
+        </p:txBody>
+      </p:sp>
+      <p:cxnSp>
+        <p:nvCxnSpPr>
+          <p:cNvPr id="62" name="Elbow Connector 61"/>
+          <p:cNvCxnSpPr>
+            <a:stCxn id="31" idx="3"/>
+          </p:cNvCxnSpPr>
+          <p:nvPr/>
+        </p:nvCxnSpPr>
+        <p:spPr>
+          <a:xfrm>
+            <a:off x="6002273" y="3150782"/>
+            <a:ext cx="1231027" cy="768034"/>
+          </a:xfrm>
+          <a:prstGeom prst="bentConnector3">
+            <a:avLst>
+              <a:gd name="adj1" fmla="val 70322"/>
+            </a:avLst>
+          </a:prstGeom>
+          <a:ln>
+            <a:tailEnd type="arrow"/>
+          </a:ln>
+        </p:spPr>
+        <p:style>
+          <a:lnRef idx="2">
+            <a:schemeClr val="accent1"/>
+          </a:lnRef>
+          <a:fillRef idx="0">
+            <a:schemeClr val="accent1"/>
+          </a:fillRef>
+          <a:effectRef idx="1">
+            <a:schemeClr val="accent1"/>
+          </a:effectRef>
+          <a:fontRef idx="minor">
+            <a:schemeClr val="tx1"/>
+          </a:fontRef>
+        </p:style>
+      </p:cxnSp>
+      <p:cxnSp>
+        <p:nvCxnSpPr>
+          <p:cNvPr id="87" name="Elbow Connector 86"/>
+          <p:cNvCxnSpPr>
+            <a:stCxn id="31" idx="3"/>
+          </p:cNvCxnSpPr>
+          <p:nvPr/>
+        </p:nvCxnSpPr>
+        <p:spPr>
+          <a:xfrm>
+            <a:off x="6002273" y="3150782"/>
+            <a:ext cx="1231027" cy="1005697"/>
+          </a:xfrm>
+          <a:prstGeom prst="bentConnector3">
+            <a:avLst>
+              <a:gd name="adj1" fmla="val 69621"/>
+            </a:avLst>
+          </a:prstGeom>
+          <a:ln>
+            <a:tailEnd type="arrow"/>
+          </a:ln>
+        </p:spPr>
+        <p:style>
+          <a:lnRef idx="2">
+            <a:schemeClr val="accent1"/>
+          </a:lnRef>
+          <a:fillRef idx="0">
+            <a:schemeClr val="accent1"/>
+          </a:fillRef>
+          <a:effectRef idx="1">
+            <a:schemeClr val="accent1"/>
+          </a:effectRef>
+          <a:fontRef idx="minor">
+            <a:schemeClr val="tx1"/>
+          </a:fontRef>
+        </p:style>
+      </p:cxnSp>
+      <p:sp>
+        <p:nvSpPr>
+          <p:cNvPr id="101" name="TextBox 100"/>
+          <p:cNvSpPr txBox="1"/>
+          <p:nvPr/>
+        </p:nvSpPr>
+        <p:spPr>
+          <a:xfrm>
+            <a:off x="392540" y="3226319"/>
+            <a:ext cx="1515164" cy="923330"/>
+          </a:xfrm>
+          <a:prstGeom prst="rect">
+            <a:avLst/>
+          </a:prstGeom>
+          <a:solidFill>
+            <a:schemeClr val="accent6">
+              <a:lumMod val="75000"/>
+            </a:schemeClr>
+          </a:solidFill>
+          <a:ln>
+            <a:solidFill>
+              <a:schemeClr val="accent6">
+                <a:lumMod val="50000"/>
+              </a:schemeClr>
+            </a:solidFill>
+          </a:ln>
+        </p:spPr>
+        <p:style>
+          <a:lnRef idx="2">
+            <a:schemeClr val="accent4">
+              <a:shade val="50000"/>
+            </a:schemeClr>
+          </a:lnRef>
+          <a:fillRef idx="1">
+            <a:schemeClr val="accent4"/>
+          </a:fillRef>
+          <a:effectRef idx="0">
+            <a:schemeClr val="accent4"/>
+          </a:effectRef>
+          <a:fontRef idx="minor">
+            <a:schemeClr val="lt1"/>
+          </a:fontRef>
+        </p:style>
+        <p:txBody>
+          <a:bodyPr wrap="square" rtlCol="0">
+            <a:spAutoFit/>
+          </a:bodyPr>
+          <a:lstStyle/>
+          <a:p>
+            <a:pPr algn="ctr"/>
+            <a:endParaRPr lang="fr-FR" dirty="0" smtClean="0"/>
+          </a:p>
+          <a:p>
+            <a:pPr algn="ctr"/>
+            <a:r>
+              <a:rPr lang="fr-FR" dirty="0" smtClean="0"/>
+              <a:t>Main</a:t>
+            </a:r>
+          </a:p>
+          <a:p>
+            <a:pPr algn="ctr"/>
+            <a:endParaRPr lang="fr-FR" dirty="0" smtClean="0"/>
+          </a:p>
+        </p:txBody>
+      </p:sp>
+      <p:sp>
+        <p:nvSpPr>
+          <p:cNvPr id="78" name="TextBox 77"/>
+          <p:cNvSpPr txBox="1"/>
+          <p:nvPr/>
+        </p:nvSpPr>
+        <p:spPr>
+          <a:xfrm>
+            <a:off x="2582935" y="3087085"/>
+            <a:ext cx="1690690" cy="1200329"/>
+          </a:xfrm>
+          <a:prstGeom prst="rect">
+            <a:avLst/>
+          </a:prstGeom>
+          <a:noFill/>
+          <a:ln>
+            <a:noFill/>
+          </a:ln>
+        </p:spPr>
+        <p:style>
+          <a:lnRef idx="2">
+            <a:schemeClr val="accent3"/>
+          </a:lnRef>
+          <a:fillRef idx="1">
+            <a:schemeClr val="lt1"/>
+          </a:fillRef>
+          <a:effectRef idx="0">
+            <a:schemeClr val="accent3"/>
+          </a:effectRef>
+          <a:fontRef idx="minor">
+            <a:schemeClr val="dk1"/>
+          </a:fontRef>
+        </p:style>
+        <p:txBody>
+          <a:bodyPr wrap="square" rtlCol="0">
+            <a:spAutoFit/>
+          </a:bodyPr>
+          <a:lstStyle/>
+          <a:p>
+            <a:pPr algn="ctr"/>
+            <a:endParaRPr lang="fr-FR" b="1" dirty="0" smtClean="0">
+              <a:solidFill>
+                <a:schemeClr val="tx1"/>
+              </a:solidFill>
+            </a:endParaRPr>
+          </a:p>
+          <a:p>
+            <a:endParaRPr lang="fr-FR" b="1" dirty="0">
+              <a:solidFill>
+                <a:schemeClr val="tx1"/>
+              </a:solidFill>
+            </a:endParaRPr>
+          </a:p>
+          <a:p>
+            <a:r>
+              <a:rPr lang="fr-FR" b="1" dirty="0" smtClean="0">
+                <a:solidFill>
+                  <a:schemeClr val="tx1"/>
+                </a:solidFill>
+              </a:rPr>
+              <a:t>- update()</a:t>
+            </a:r>
+          </a:p>
+          <a:p>
+            <a:r>
+              <a:rPr lang="fr-FR" b="1" dirty="0" smtClean="0">
+                <a:solidFill>
+                  <a:schemeClr val="tx1"/>
+                </a:solidFill>
+              </a:rPr>
+              <a:t>- draw()</a:t>
+            </a:r>
+            <a:endParaRPr lang="en-US" b="1" dirty="0">
+              <a:solidFill>
+                <a:schemeClr val="tx1"/>
+              </a:solidFill>
+            </a:endParaRPr>
+          </a:p>
+        </p:txBody>
+      </p:sp>
+      <p:cxnSp>
+        <p:nvCxnSpPr>
+          <p:cNvPr id="84" name="Elbow Connector 83"/>
+          <p:cNvCxnSpPr>
+            <a:stCxn id="101" idx="3"/>
+          </p:cNvCxnSpPr>
+          <p:nvPr/>
+        </p:nvCxnSpPr>
+        <p:spPr>
+          <a:xfrm>
+            <a:off x="1907704" y="3687984"/>
+            <a:ext cx="675231" cy="174504"/>
+          </a:xfrm>
+          <a:prstGeom prst="bentConnector3">
+            <a:avLst/>
+          </a:prstGeom>
+          <a:ln>
+            <a:solidFill>
+              <a:schemeClr val="accent6">
+                <a:lumMod val="75000"/>
+              </a:schemeClr>
+            </a:solidFill>
+            <a:tailEnd type="arrow"/>
+          </a:ln>
+        </p:spPr>
+        <p:style>
+          <a:lnRef idx="2">
+            <a:schemeClr val="accent6"/>
+          </a:lnRef>
+          <a:fillRef idx="0">
+            <a:schemeClr val="accent6"/>
+          </a:fillRef>
+          <a:effectRef idx="1">
+            <a:schemeClr val="accent6"/>
+          </a:effectRef>
+          <a:fontRef idx="minor">
+            <a:schemeClr val="tx1"/>
+          </a:fontRef>
+        </p:style>
+      </p:cxnSp>
+      <p:cxnSp>
+        <p:nvCxnSpPr>
+          <p:cNvPr id="112" name="Elbow Connector 111"/>
+          <p:cNvCxnSpPr>
+            <a:stCxn id="101" idx="3"/>
+          </p:cNvCxnSpPr>
+          <p:nvPr/>
+        </p:nvCxnSpPr>
+        <p:spPr>
+          <a:xfrm>
+            <a:off x="1907704" y="3687984"/>
+            <a:ext cx="675231" cy="461665"/>
+          </a:xfrm>
+          <a:prstGeom prst="bentConnector3">
+            <a:avLst/>
+          </a:prstGeom>
+          <a:ln>
+            <a:solidFill>
+              <a:schemeClr val="accent6">
+                <a:lumMod val="75000"/>
+              </a:schemeClr>
+            </a:solidFill>
+            <a:tailEnd type="arrow"/>
+          </a:ln>
+        </p:spPr>
+        <p:style>
+          <a:lnRef idx="2">
+            <a:schemeClr val="accent6"/>
+          </a:lnRef>
+          <a:fillRef idx="0">
+            <a:schemeClr val="accent6"/>
+          </a:fillRef>
+          <a:effectRef idx="1">
+            <a:schemeClr val="accent6"/>
+          </a:effectRef>
+          <a:fontRef idx="minor">
+            <a:schemeClr val="tx1"/>
+          </a:fontRef>
+        </p:style>
+      </p:cxnSp>
+      <p:sp>
+        <p:nvSpPr>
+          <p:cNvPr id="94" name="TextBox 93"/>
+          <p:cNvSpPr txBox="1"/>
+          <p:nvPr/>
+        </p:nvSpPr>
+        <p:spPr>
+          <a:xfrm>
+            <a:off x="2431454" y="2093693"/>
+            <a:ext cx="1842171" cy="400110"/>
+          </a:xfrm>
+          <a:prstGeom prst="rect">
+            <a:avLst/>
+          </a:prstGeom>
+          <a:noFill/>
+        </p:spPr>
+        <p:txBody>
+          <a:bodyPr wrap="none" rtlCol="0">
+            <a:spAutoFit/>
+          </a:bodyPr>
+          <a:lstStyle/>
+          <a:p>
+            <a:r>
+              <a:rPr lang="fr-FR" sz="2000" b="1" dirty="0" smtClean="0"/>
+              <a:t>GameEngine</a:t>
+            </a:r>
+            <a:endParaRPr lang="en-US" sz="2000" b="1" dirty="0"/>
+          </a:p>
+        </p:txBody>
+      </p:sp>
+    </p:spTree>
+    <p:extLst>
+      <p:ext uri="{BB962C8B-B14F-4D97-AF65-F5344CB8AC3E}">
+        <p14:creationId xmlns:p14="http://schemas.microsoft.com/office/powerpoint/2010/main" val="2276857177"/>
+      </p:ext>
+    </p:extLst>
+  </p:cSld>
+  <p:clrMapOvr>
+    <a:masterClrMapping/>
+  </p:clrMapOvr>
+  <p:timing>
+    <p:tnLst>
+      <p:par>
+        <p:cTn id="1" dur="indefinite" restart="never" nodeType="tmRoot"/>
+      </p:par>
+    </p:tnLst>
+  </p:timing>
+</p:sld>
+</file>
+
+<file path=ppt/slides/slide13.xml><?xml version="1.0" encoding="utf-8"?>
+<p:sld xmlns:a="http://schemas.openxmlformats.org/drawingml/2006/main" xmlns:r="http://schemas.openxmlformats.org/officeDocument/2006/relationships" xmlns:p="http://schemas.openxmlformats.org/presentationml/2006/main">
+  <p:cSld>
+    <p:spTree>
+      <p:nvGrpSpPr>
+        <p:cNvPr id="1" name=""/>
+        <p:cNvGrpSpPr/>
+        <p:nvPr/>
+      </p:nvGrpSpPr>
+      <p:grpSpPr>
+        <a:xfrm>
+          <a:off x="0" y="0"/>
+          <a:ext cx="0" cy="0"/>
+          <a:chOff x="0" y="0"/>
+          <a:chExt cx="0" cy="0"/>
+        </a:xfrm>
+      </p:grpSpPr>
+      <p:sp>
+        <p:nvSpPr>
+          <p:cNvPr id="4" name="Titre 3"/>
+          <p:cNvSpPr>
+            <a:spLocks noGrp="1"/>
+          </p:cNvSpPr>
+          <p:nvPr>
+            <p:ph type="title"/>
+          </p:nvPr>
+        </p:nvSpPr>
+        <p:spPr/>
+        <p:txBody>
+          <a:bodyPr/>
+          <a:lstStyle/>
+          <a:p>
             <a:r>
               <a:rPr lang="fr-FR" dirty="0" err="1" smtClean="0"/>
+              <a:t>GameObjects</a:t>
+            </a:r>
+            <a:endParaRPr lang="fr-FR" dirty="0"/>
+          </a:p>
+        </p:txBody>
+      </p:sp>
+      <p:sp>
+        <p:nvSpPr>
+          <p:cNvPr id="3" name="Rectangle 2"/>
+          <p:cNvSpPr/>
+          <p:nvPr/>
+        </p:nvSpPr>
+        <p:spPr>
+          <a:xfrm>
+            <a:off x="3595562" y="1834969"/>
+            <a:ext cx="1805136" cy="457200"/>
+          </a:xfrm>
+          <a:prstGeom prst="rect">
+            <a:avLst/>
+          </a:prstGeom>
+        </p:spPr>
+        <p:style>
+          <a:lnRef idx="2">
+            <a:schemeClr val="accent1">
+              <a:shade val="50000"/>
+            </a:schemeClr>
+          </a:lnRef>
+          <a:fillRef idx="1">
+            <a:schemeClr val="accent1"/>
+          </a:fillRef>
+          <a:effectRef idx="0">
+            <a:schemeClr val="accent1"/>
+          </a:effectRef>
+          <a:fontRef idx="minor">
+            <a:schemeClr val="lt1"/>
+          </a:fontRef>
+        </p:style>
+        <p:txBody>
+          <a:bodyPr rtlCol="0" anchor="ctr"/>
+          <a:lstStyle/>
+          <a:p>
+            <a:pPr algn="ctr"/>
+            <a:r>
+              <a:rPr lang="fr-FR" dirty="0" smtClean="0"/>
               <a:t>AObject</a:t>
             </a:r>
             <a:endParaRPr lang="fr-FR" dirty="0"/>
@@ -5436,7 +6269,7 @@
 </p:sld>
 </file>
 
-<file path=ppt/slides/slide13.xml><?xml version="1.0" encoding="utf-8"?>
+<file path=ppt/slides/slide14.xml><?xml version="1.0" encoding="utf-8"?>
 <p:sld xmlns:a="http://schemas.openxmlformats.org/drawingml/2006/main" xmlns:r="http://schemas.openxmlformats.org/officeDocument/2006/relationships" xmlns:p="http://schemas.openxmlformats.org/presentationml/2006/main">
   <p:cSld>
     <p:spTree>
@@ -5513,7 +6346,7 @@
           <a:p>
             <a:pPr algn="ctr"/>
             <a:r>
-              <a:rPr lang="fr-FR" dirty="0" err="1" smtClean="0"/>
+              <a:rPr lang="fr-FR" dirty="0" smtClean="0"/>
               <a:t>AObject</a:t>
             </a:r>
             <a:endParaRPr lang="fr-FR" dirty="0"/>
@@ -5962,579 +6795,6 @@
 </p:sld>
 </file>
 
-<file path=ppt/slides/slide14.xml><?xml version="1.0" encoding="utf-8"?>
-<p:sld xmlns:a="http://schemas.openxmlformats.org/drawingml/2006/main" xmlns:r="http://schemas.openxmlformats.org/officeDocument/2006/relationships" xmlns:p="http://schemas.openxmlformats.org/presentationml/2006/main">
-  <p:cSld>
-    <p:spTree>
-      <p:nvGrpSpPr>
-        <p:cNvPr id="1" name=""/>
-        <p:cNvGrpSpPr/>
-        <p:nvPr/>
-      </p:nvGrpSpPr>
-      <p:grpSpPr>
-        <a:xfrm>
-          <a:off x="0" y="0"/>
-          <a:ext cx="0" cy="0"/>
-          <a:chOff x="0" y="0"/>
-          <a:chExt cx="0" cy="0"/>
-        </a:xfrm>
-      </p:grpSpPr>
-      <p:sp>
-        <p:nvSpPr>
-          <p:cNvPr id="4" name="Titre 3"/>
-          <p:cNvSpPr>
-            <a:spLocks noGrp="1"/>
-          </p:cNvSpPr>
-          <p:nvPr>
-            <p:ph type="title"/>
-          </p:nvPr>
-        </p:nvSpPr>
-        <p:spPr/>
-        <p:txBody>
-          <a:bodyPr/>
-          <a:lstStyle/>
-          <a:p>
-            <a:r>
-              <a:rPr lang="fr-FR" dirty="0" err="1" smtClean="0"/>
-              <a:t>Widgets</a:t>
-            </a:r>
-            <a:endParaRPr lang="fr-FR" dirty="0"/>
-          </a:p>
-        </p:txBody>
-      </p:sp>
-      <p:sp>
-        <p:nvSpPr>
-          <p:cNvPr id="3" name="Rectangle 2"/>
-          <p:cNvSpPr/>
-          <p:nvPr/>
-        </p:nvSpPr>
-        <p:spPr>
-          <a:xfrm>
-            <a:off x="3595562" y="1834969"/>
-            <a:ext cx="1805136" cy="457200"/>
-          </a:xfrm>
-          <a:prstGeom prst="rect">
-            <a:avLst/>
-          </a:prstGeom>
-        </p:spPr>
-        <p:style>
-          <a:lnRef idx="2">
-            <a:schemeClr val="accent1">
-              <a:shade val="50000"/>
-            </a:schemeClr>
-          </a:lnRef>
-          <a:fillRef idx="1">
-            <a:schemeClr val="accent1"/>
-          </a:fillRef>
-          <a:effectRef idx="0">
-            <a:schemeClr val="accent1"/>
-          </a:effectRef>
-          <a:fontRef idx="minor">
-            <a:schemeClr val="lt1"/>
-          </a:fontRef>
-        </p:style>
-        <p:txBody>
-          <a:bodyPr rtlCol="0" anchor="ctr"/>
-          <a:lstStyle/>
-          <a:p>
-            <a:pPr algn="ctr"/>
-            <a:r>
-              <a:rPr lang="fr-FR" dirty="0" err="1" smtClean="0"/>
-              <a:t>AScene</a:t>
-            </a:r>
-            <a:endParaRPr lang="fr-FR" dirty="0"/>
-          </a:p>
-        </p:txBody>
-      </p:sp>
-      <p:sp>
-        <p:nvSpPr>
-          <p:cNvPr id="204" name="Rectangle 203"/>
-          <p:cNvSpPr/>
-          <p:nvPr/>
-        </p:nvSpPr>
-        <p:spPr>
-          <a:xfrm>
-            <a:off x="6228372" y="2867434"/>
-            <a:ext cx="2219959" cy="975038"/>
-          </a:xfrm>
-          <a:prstGeom prst="rect">
-            <a:avLst/>
-          </a:prstGeom>
-          <a:noFill/>
-        </p:spPr>
-        <p:style>
-          <a:lnRef idx="2">
-            <a:schemeClr val="accent2"/>
-          </a:lnRef>
-          <a:fillRef idx="1">
-            <a:schemeClr val="lt1"/>
-          </a:fillRef>
-          <a:effectRef idx="0">
-            <a:schemeClr val="accent2"/>
-          </a:effectRef>
-          <a:fontRef idx="minor">
-            <a:schemeClr val="dk1"/>
-          </a:fontRef>
-        </p:style>
-        <p:txBody>
-          <a:bodyPr rtlCol="0" anchor="ctr"/>
-          <a:lstStyle/>
-          <a:p>
-            <a:r>
-              <a:rPr lang="fr-FR" dirty="0" smtClean="0">
-                <a:solidFill>
-                  <a:schemeClr val="tx1"/>
-                </a:solidFill>
-              </a:rPr>
-              <a:t>- Background</a:t>
-            </a:r>
-          </a:p>
-          <a:p>
-            <a:r>
-              <a:rPr lang="fr-FR" dirty="0" smtClean="0">
-                <a:solidFill>
-                  <a:schemeClr val="tx1"/>
-                </a:solidFill>
-              </a:rPr>
-              <a:t>- Handler </a:t>
-            </a:r>
-            <a:r>
-              <a:rPr lang="fr-FR" dirty="0" err="1" smtClean="0">
-                <a:solidFill>
-                  <a:schemeClr val="tx1"/>
-                </a:solidFill>
-              </a:rPr>
-              <a:t>Awidget</a:t>
-            </a:r>
-            <a:endParaRPr lang="fr-FR" dirty="0">
-              <a:solidFill>
-                <a:schemeClr val="tx1"/>
-              </a:solidFill>
-            </a:endParaRPr>
-          </a:p>
-          <a:p>
-            <a:r>
-              <a:rPr lang="fr-FR" dirty="0" smtClean="0">
-                <a:solidFill>
-                  <a:schemeClr val="tx1"/>
-                </a:solidFill>
-              </a:rPr>
-              <a:t>- </a:t>
-            </a:r>
-            <a:r>
-              <a:rPr lang="fr-FR" dirty="0" err="1" smtClean="0">
-                <a:solidFill>
-                  <a:schemeClr val="tx1"/>
-                </a:solidFill>
-              </a:rPr>
-              <a:t>Cursor</a:t>
-            </a:r>
-            <a:endParaRPr lang="fr-FR" dirty="0">
-              <a:solidFill>
-                <a:schemeClr val="tx1"/>
-              </a:solidFill>
-            </a:endParaRPr>
-          </a:p>
-        </p:txBody>
-      </p:sp>
-      <p:cxnSp>
-        <p:nvCxnSpPr>
-          <p:cNvPr id="209" name="Straight Connector 208"/>
-          <p:cNvCxnSpPr>
-            <a:stCxn id="14" idx="3"/>
-            <a:endCxn id="204" idx="1"/>
-          </p:cNvCxnSpPr>
-          <p:nvPr/>
-        </p:nvCxnSpPr>
-        <p:spPr>
-          <a:xfrm>
-            <a:off x="5400698" y="3354953"/>
-            <a:ext cx="827674" cy="0"/>
-          </a:xfrm>
-          <a:prstGeom prst="line">
-            <a:avLst/>
-          </a:prstGeom>
-        </p:spPr>
-        <p:style>
-          <a:lnRef idx="1">
-            <a:schemeClr val="accent3"/>
-          </a:lnRef>
-          <a:fillRef idx="0">
-            <a:schemeClr val="accent3"/>
-          </a:fillRef>
-          <a:effectRef idx="0">
-            <a:schemeClr val="accent3"/>
-          </a:effectRef>
-          <a:fontRef idx="minor">
-            <a:schemeClr val="tx1"/>
-          </a:fontRef>
-        </p:style>
-      </p:cxnSp>
-      <p:sp>
-        <p:nvSpPr>
-          <p:cNvPr id="14" name="Rectangle 13"/>
-          <p:cNvSpPr/>
-          <p:nvPr/>
-        </p:nvSpPr>
-        <p:spPr>
-          <a:xfrm>
-            <a:off x="3595562" y="3126353"/>
-            <a:ext cx="1805136" cy="457200"/>
-          </a:xfrm>
-          <a:prstGeom prst="rect">
-            <a:avLst/>
-          </a:prstGeom>
-        </p:spPr>
-        <p:style>
-          <a:lnRef idx="2">
-            <a:schemeClr val="accent1">
-              <a:shade val="50000"/>
-            </a:schemeClr>
-          </a:lnRef>
-          <a:fillRef idx="1">
-            <a:schemeClr val="accent1"/>
-          </a:fillRef>
-          <a:effectRef idx="0">
-            <a:schemeClr val="accent1"/>
-          </a:effectRef>
-          <a:fontRef idx="minor">
-            <a:schemeClr val="lt1"/>
-          </a:fontRef>
-        </p:style>
-        <p:txBody>
-          <a:bodyPr rtlCol="0" anchor="ctr"/>
-          <a:lstStyle/>
-          <a:p>
-            <a:pPr algn="ctr"/>
-            <a:r>
-              <a:rPr lang="fr-FR" dirty="0" err="1" smtClean="0"/>
-              <a:t>AMenuScene</a:t>
-            </a:r>
-            <a:endParaRPr lang="fr-FR" dirty="0"/>
-          </a:p>
-        </p:txBody>
-      </p:sp>
-      <p:cxnSp>
-        <p:nvCxnSpPr>
-          <p:cNvPr id="15" name="Connecteur droit avec flèche 19"/>
-          <p:cNvCxnSpPr>
-            <a:stCxn id="14" idx="0"/>
-            <a:endCxn id="3" idx="2"/>
-          </p:cNvCxnSpPr>
-          <p:nvPr/>
-        </p:nvCxnSpPr>
-        <p:spPr>
-          <a:xfrm flipV="1">
-            <a:off x="4498130" y="2292169"/>
-            <a:ext cx="0" cy="834184"/>
-          </a:xfrm>
-          <a:prstGeom prst="straightConnector1">
-            <a:avLst/>
-          </a:prstGeom>
-          <a:ln w="22225">
-            <a:solidFill>
-              <a:schemeClr val="accent1">
-                <a:lumMod val="75000"/>
-              </a:schemeClr>
-            </a:solidFill>
-            <a:tailEnd type="arrow"/>
-          </a:ln>
-        </p:spPr>
-        <p:style>
-          <a:lnRef idx="1">
-            <a:schemeClr val="accent1"/>
-          </a:lnRef>
-          <a:fillRef idx="0">
-            <a:schemeClr val="accent1"/>
-          </a:fillRef>
-          <a:effectRef idx="0">
-            <a:schemeClr val="accent1"/>
-          </a:effectRef>
-          <a:fontRef idx="minor">
-            <a:schemeClr val="tx1"/>
-          </a:fontRef>
-        </p:style>
-      </p:cxnSp>
-      <p:sp>
-        <p:nvSpPr>
-          <p:cNvPr id="40" name="Rectangle 39"/>
-          <p:cNvSpPr/>
-          <p:nvPr/>
-        </p:nvSpPr>
-        <p:spPr>
-          <a:xfrm>
-            <a:off x="3595562" y="4403322"/>
-            <a:ext cx="1805136" cy="457200"/>
-          </a:xfrm>
-          <a:prstGeom prst="rect">
-            <a:avLst/>
-          </a:prstGeom>
-        </p:spPr>
-        <p:style>
-          <a:lnRef idx="2">
-            <a:schemeClr val="accent1">
-              <a:shade val="50000"/>
-            </a:schemeClr>
-          </a:lnRef>
-          <a:fillRef idx="1">
-            <a:schemeClr val="accent1"/>
-          </a:fillRef>
-          <a:effectRef idx="0">
-            <a:schemeClr val="accent1"/>
-          </a:effectRef>
-          <a:fontRef idx="minor">
-            <a:schemeClr val="lt1"/>
-          </a:fontRef>
-        </p:style>
-        <p:txBody>
-          <a:bodyPr rtlCol="0" anchor="ctr"/>
-          <a:lstStyle/>
-          <a:p>
-            <a:pPr algn="ctr"/>
-            <a:r>
-              <a:rPr lang="fr-FR" dirty="0" smtClean="0"/>
-              <a:t>…Menu</a:t>
-            </a:r>
-            <a:endParaRPr lang="fr-FR" dirty="0"/>
-          </a:p>
-        </p:txBody>
-      </p:sp>
-      <p:cxnSp>
-        <p:nvCxnSpPr>
-          <p:cNvPr id="41" name="Connecteur droit avec flèche 19"/>
-          <p:cNvCxnSpPr>
-            <a:stCxn id="58" idx="3"/>
-            <a:endCxn id="40" idx="1"/>
-          </p:cNvCxnSpPr>
-          <p:nvPr/>
-        </p:nvCxnSpPr>
-        <p:spPr>
-          <a:xfrm>
-            <a:off x="2975535" y="4631922"/>
-            <a:ext cx="620027" cy="0"/>
-          </a:xfrm>
-          <a:prstGeom prst="straightConnector1">
-            <a:avLst/>
-          </a:prstGeom>
-          <a:ln w="22225">
-            <a:solidFill>
-              <a:schemeClr val="accent1">
-                <a:lumMod val="75000"/>
-              </a:schemeClr>
-            </a:solidFill>
-            <a:tailEnd type="arrow"/>
-          </a:ln>
-        </p:spPr>
-        <p:style>
-          <a:lnRef idx="1">
-            <a:schemeClr val="accent1"/>
-          </a:lnRef>
-          <a:fillRef idx="0">
-            <a:schemeClr val="accent1"/>
-          </a:fillRef>
-          <a:effectRef idx="0">
-            <a:schemeClr val="accent1"/>
-          </a:effectRef>
-          <a:fontRef idx="minor">
-            <a:schemeClr val="tx1"/>
-          </a:fontRef>
-        </p:style>
-      </p:cxnSp>
-      <p:sp>
-        <p:nvSpPr>
-          <p:cNvPr id="58" name="Rectangle 57"/>
-          <p:cNvSpPr/>
-          <p:nvPr/>
-        </p:nvSpPr>
-        <p:spPr>
-          <a:xfrm>
-            <a:off x="1547664" y="3508490"/>
-            <a:ext cx="1427871" cy="2246863"/>
-          </a:xfrm>
-          <a:prstGeom prst="rect">
-            <a:avLst/>
-          </a:prstGeom>
-        </p:spPr>
-        <p:style>
-          <a:lnRef idx="2">
-            <a:schemeClr val="accent1">
-              <a:shade val="50000"/>
-            </a:schemeClr>
-          </a:lnRef>
-          <a:fillRef idx="1">
-            <a:schemeClr val="accent1"/>
-          </a:fillRef>
-          <a:effectRef idx="0">
-            <a:schemeClr val="accent1"/>
-          </a:effectRef>
-          <a:fontRef idx="minor">
-            <a:schemeClr val="lt1"/>
-          </a:fontRef>
-        </p:style>
-        <p:txBody>
-          <a:bodyPr rtlCol="0" anchor="ctr"/>
-          <a:lstStyle/>
-          <a:p>
-            <a:pPr algn="r"/>
-            <a:r>
-              <a:rPr lang="fr-FR" dirty="0" err="1" smtClean="0">
-                <a:solidFill>
-                  <a:schemeClr val="tx1"/>
-                </a:solidFill>
-              </a:rPr>
-              <a:t>Loading</a:t>
-            </a:r>
-            <a:r>
-              <a:rPr lang="fr-FR" dirty="0" smtClean="0">
-                <a:solidFill>
-                  <a:schemeClr val="tx1"/>
-                </a:solidFill>
-              </a:rPr>
-              <a:t>...</a:t>
-            </a:r>
-          </a:p>
-          <a:p>
-            <a:pPr algn="r"/>
-            <a:r>
-              <a:rPr lang="fr-FR" dirty="0" smtClean="0">
-                <a:solidFill>
-                  <a:schemeClr val="tx1"/>
-                </a:solidFill>
-              </a:rPr>
-              <a:t>Main...</a:t>
-            </a:r>
-          </a:p>
-          <a:p>
-            <a:pPr algn="r"/>
-            <a:r>
-              <a:rPr lang="fr-FR" dirty="0" err="1" smtClean="0">
-                <a:solidFill>
-                  <a:schemeClr val="tx1"/>
-                </a:solidFill>
-              </a:rPr>
-              <a:t>Map</a:t>
-            </a:r>
-            <a:r>
-              <a:rPr lang="fr-FR" dirty="0" smtClean="0">
-                <a:solidFill>
-                  <a:schemeClr val="tx1"/>
-                </a:solidFill>
-              </a:rPr>
-              <a:t>...</a:t>
-            </a:r>
-          </a:p>
-          <a:p>
-            <a:pPr algn="r"/>
-            <a:r>
-              <a:rPr lang="fr-FR" dirty="0" smtClean="0">
-                <a:solidFill>
-                  <a:schemeClr val="tx1"/>
-                </a:solidFill>
-              </a:rPr>
-              <a:t>Score...</a:t>
-            </a:r>
-          </a:p>
-          <a:p>
-            <a:pPr algn="r"/>
-            <a:r>
-              <a:rPr lang="fr-FR" dirty="0" smtClean="0">
-                <a:solidFill>
-                  <a:schemeClr val="tx1"/>
-                </a:solidFill>
-              </a:rPr>
-              <a:t>Player...</a:t>
-            </a:r>
-          </a:p>
-          <a:p>
-            <a:pPr algn="r"/>
-            <a:r>
-              <a:rPr lang="fr-FR" dirty="0" smtClean="0">
-                <a:solidFill>
-                  <a:schemeClr val="tx1"/>
-                </a:solidFill>
-              </a:rPr>
-              <a:t>Option...</a:t>
-            </a:r>
-          </a:p>
-          <a:p>
-            <a:pPr algn="r"/>
-            <a:r>
-              <a:rPr lang="fr-FR" dirty="0" smtClean="0">
-                <a:solidFill>
-                  <a:schemeClr val="tx1"/>
-                </a:solidFill>
-              </a:rPr>
-              <a:t>Pause...</a:t>
-            </a:r>
-            <a:endParaRPr lang="fr-FR" dirty="0">
-              <a:solidFill>
-                <a:schemeClr val="tx1"/>
-              </a:solidFill>
-            </a:endParaRPr>
-          </a:p>
-        </p:txBody>
-      </p:sp>
-      <p:cxnSp>
-        <p:nvCxnSpPr>
-          <p:cNvPr id="72" name="Connecteur droit avec flèche 19"/>
-          <p:cNvCxnSpPr>
-            <a:stCxn id="40" idx="0"/>
-            <a:endCxn id="14" idx="2"/>
-          </p:cNvCxnSpPr>
-          <p:nvPr/>
-        </p:nvCxnSpPr>
-        <p:spPr>
-          <a:xfrm flipV="1">
-            <a:off x="4498130" y="3583553"/>
-            <a:ext cx="0" cy="819769"/>
-          </a:xfrm>
-          <a:prstGeom prst="straightConnector1">
-            <a:avLst/>
-          </a:prstGeom>
-          <a:ln w="22225">
-            <a:solidFill>
-              <a:schemeClr val="accent1">
-                <a:lumMod val="75000"/>
-              </a:schemeClr>
-            </a:solidFill>
-            <a:tailEnd type="arrow"/>
-          </a:ln>
-        </p:spPr>
-        <p:style>
-          <a:lnRef idx="1">
-            <a:schemeClr val="accent1"/>
-          </a:lnRef>
-          <a:fillRef idx="0">
-            <a:schemeClr val="accent1"/>
-          </a:fillRef>
-          <a:effectRef idx="0">
-            <a:schemeClr val="accent1"/>
-          </a:effectRef>
-          <a:fontRef idx="minor">
-            <a:schemeClr val="tx1"/>
-          </a:fontRef>
-        </p:style>
-      </p:cxnSp>
-    </p:spTree>
-    <p:extLst>
-      <p:ext uri="{BB962C8B-B14F-4D97-AF65-F5344CB8AC3E}">
-        <p14:creationId xmlns:p14="http://schemas.microsoft.com/office/powerpoint/2010/main" val="1336694925"/>
-      </p:ext>
-    </p:extLst>
-  </p:cSld>
-  <p:clrMapOvr>
-    <a:masterClrMapping/>
-  </p:clrMapOvr>
-  <p:timing>
-    <p:tnLst>
-      <p:par>
-        <p:cTn id="1" dur="indefinite" restart="never" nodeType="tmRoot"/>
-      </p:par>
-    </p:tnLst>
-  </p:timing>
-</p:sld>
-</file>
-
 <file path=ppt/slides/slide15.xml><?xml version="1.0" encoding="utf-8"?>
 <p:sld xmlns:a="http://schemas.openxmlformats.org/drawingml/2006/main" xmlns:r="http://schemas.openxmlformats.org/officeDocument/2006/relationships" xmlns:p="http://schemas.openxmlformats.org/presentationml/2006/main">
   <p:cSld>
@@ -6568,12 +6828,8 @@
           <a:lstStyle/>
           <a:p>
             <a:r>
-              <a:rPr lang="fr-FR" dirty="0" smtClean="0"/>
-              <a:t>API </a:t>
-            </a:r>
-            <a:r>
               <a:rPr lang="fr-FR" dirty="0" err="1" smtClean="0"/>
-              <a:t>Lua</a:t>
+              <a:t>Widgets</a:t>
             </a:r>
             <a:endParaRPr lang="fr-FR" dirty="0"/>
           </a:p>
@@ -6587,7 +6843,7 @@
         </p:nvSpPr>
         <p:spPr>
           <a:xfrm>
-            <a:off x="3702968" y="1844824"/>
+            <a:off x="3595562" y="1834969"/>
             <a:ext cx="1805136" cy="457200"/>
           </a:xfrm>
           <a:prstGeom prst="rect">
@@ -6616,8 +6872,8 @@
           <a:p>
             <a:pPr algn="ctr"/>
             <a:r>
-              <a:rPr lang="fr-FR" dirty="0" err="1" smtClean="0"/>
-              <a:t>GameObject</a:t>
+              <a:rPr lang="fr-FR" dirty="0" smtClean="0"/>
+              <a:t>AScene</a:t>
             </a:r>
             <a:endParaRPr lang="fr-FR" dirty="0"/>
           </a:p>
@@ -6625,13 +6881,137 @@
       </p:sp>
       <p:sp>
         <p:nvSpPr>
-          <p:cNvPr id="6" name="Rectangle 5"/>
+          <p:cNvPr id="204" name="Rectangle 203"/>
           <p:cNvSpPr/>
           <p:nvPr/>
         </p:nvSpPr>
         <p:spPr>
           <a:xfrm>
-            <a:off x="6444208" y="5805264"/>
+            <a:off x="6228372" y="2867434"/>
+            <a:ext cx="2219959" cy="975038"/>
+          </a:xfrm>
+          <a:prstGeom prst="rect">
+            <a:avLst/>
+          </a:prstGeom>
+          <a:noFill/>
+        </p:spPr>
+        <p:style>
+          <a:lnRef idx="2">
+            <a:schemeClr val="accent2"/>
+          </a:lnRef>
+          <a:fillRef idx="1">
+            <a:schemeClr val="lt1"/>
+          </a:fillRef>
+          <a:effectRef idx="0">
+            <a:schemeClr val="accent2"/>
+          </a:effectRef>
+          <a:fontRef idx="minor">
+            <a:schemeClr val="dk1"/>
+          </a:fontRef>
+        </p:style>
+        <p:txBody>
+          <a:bodyPr rtlCol="0" anchor="ctr"/>
+          <a:lstStyle/>
+          <a:p>
+            <a:r>
+              <a:rPr lang="fr-FR" dirty="0" smtClean="0">
+                <a:solidFill>
+                  <a:schemeClr val="tx1"/>
+                </a:solidFill>
+              </a:rPr>
+              <a:t>- Background</a:t>
+            </a:r>
+          </a:p>
+          <a:p>
+            <a:r>
+              <a:rPr lang="fr-FR" dirty="0" smtClean="0">
+                <a:solidFill>
+                  <a:schemeClr val="tx1"/>
+                </a:solidFill>
+              </a:rPr>
+              <a:t>- Handler </a:t>
+            </a:r>
+            <a:r>
+              <a:rPr lang="fr-FR" dirty="0" err="1" smtClean="0">
+                <a:solidFill>
+                  <a:schemeClr val="tx1"/>
+                </a:solidFill>
+              </a:rPr>
+              <a:t>Awidget</a:t>
+            </a:r>
+            <a:endParaRPr lang="fr-FR" dirty="0">
+              <a:solidFill>
+                <a:schemeClr val="tx1"/>
+              </a:solidFill>
+            </a:endParaRPr>
+          </a:p>
+          <a:p>
+            <a:r>
+              <a:rPr lang="fr-FR" dirty="0" smtClean="0">
+                <a:solidFill>
+                  <a:schemeClr val="tx1"/>
+                </a:solidFill>
+              </a:rPr>
+              <a:t>- </a:t>
+            </a:r>
+            <a:r>
+              <a:rPr lang="fr-FR" dirty="0" err="1" smtClean="0">
+                <a:solidFill>
+                  <a:schemeClr val="tx1"/>
+                </a:solidFill>
+              </a:rPr>
+              <a:t>Cursor</a:t>
+            </a:r>
+            <a:endParaRPr lang="fr-FR" dirty="0">
+              <a:solidFill>
+                <a:schemeClr val="tx1"/>
+              </a:solidFill>
+            </a:endParaRPr>
+          </a:p>
+        </p:txBody>
+      </p:sp>
+      <p:cxnSp>
+        <p:nvCxnSpPr>
+          <p:cNvPr id="209" name="Straight Connector 208"/>
+          <p:cNvCxnSpPr>
+            <a:stCxn id="14" idx="3"/>
+            <a:endCxn id="204" idx="1"/>
+          </p:cNvCxnSpPr>
+          <p:nvPr/>
+        </p:nvCxnSpPr>
+        <p:spPr>
+          <a:xfrm>
+            <a:off x="5400698" y="3354953"/>
+            <a:ext cx="827674" cy="0"/>
+          </a:xfrm>
+          <a:prstGeom prst="line">
+            <a:avLst/>
+          </a:prstGeom>
+        </p:spPr>
+        <p:style>
+          <a:lnRef idx="1">
+            <a:schemeClr val="accent3"/>
+          </a:lnRef>
+          <a:fillRef idx="0">
+            <a:schemeClr val="accent3"/>
+          </a:fillRef>
+          <a:effectRef idx="0">
+            <a:schemeClr val="accent3"/>
+          </a:effectRef>
+          <a:fontRef idx="minor">
+            <a:schemeClr val="tx1"/>
+          </a:fontRef>
+        </p:style>
+      </p:cxnSp>
+      <p:sp>
+        <p:nvSpPr>
+          <p:cNvPr id="14" name="Rectangle 13"/>
+          <p:cNvSpPr/>
+          <p:nvPr/>
+        </p:nvSpPr>
+        <p:spPr>
+          <a:xfrm>
+            <a:off x="3595562" y="3126353"/>
             <a:ext cx="1805136" cy="457200"/>
           </a:xfrm>
           <a:prstGeom prst="rect">
@@ -6661,421 +7041,25 @@
             <a:pPr algn="ctr"/>
             <a:r>
               <a:rPr lang="fr-FR" dirty="0" err="1" smtClean="0"/>
-              <a:t>Map</a:t>
+              <a:t>AMenuScene</a:t>
             </a:r>
             <a:endParaRPr lang="fr-FR" dirty="0"/>
-          </a:p>
-        </p:txBody>
-      </p:sp>
-      <p:sp>
-        <p:nvSpPr>
-          <p:cNvPr id="7" name="Rectangle 6"/>
-          <p:cNvSpPr/>
-          <p:nvPr/>
-        </p:nvSpPr>
-        <p:spPr>
-          <a:xfrm>
-            <a:off x="799704" y="2837798"/>
-            <a:ext cx="1805136" cy="457200"/>
-          </a:xfrm>
-          <a:prstGeom prst="rect">
-            <a:avLst/>
-          </a:prstGeom>
-        </p:spPr>
-        <p:style>
-          <a:lnRef idx="2">
-            <a:schemeClr val="accent1">
-              <a:shade val="50000"/>
-            </a:schemeClr>
-          </a:lnRef>
-          <a:fillRef idx="1">
-            <a:schemeClr val="accent1"/>
-          </a:fillRef>
-          <a:effectRef idx="0">
-            <a:schemeClr val="accent1"/>
-          </a:effectRef>
-          <a:fontRef idx="minor">
-            <a:schemeClr val="lt1"/>
-          </a:fontRef>
-        </p:style>
-        <p:txBody>
-          <a:bodyPr rtlCol="0" anchor="ctr"/>
-          <a:lstStyle/>
-          <a:p>
-            <a:pPr algn="ctr"/>
-            <a:r>
-              <a:rPr lang="fr-FR" dirty="0" smtClean="0"/>
-              <a:t>Player</a:t>
-            </a:r>
-            <a:endParaRPr lang="fr-FR" dirty="0"/>
-          </a:p>
-        </p:txBody>
-      </p:sp>
-      <p:sp>
-        <p:nvSpPr>
-          <p:cNvPr id="8" name="Rectangle 7"/>
-          <p:cNvSpPr/>
-          <p:nvPr/>
-        </p:nvSpPr>
-        <p:spPr>
-          <a:xfrm>
-            <a:off x="799704" y="3778507"/>
-            <a:ext cx="1805136" cy="457200"/>
-          </a:xfrm>
-          <a:prstGeom prst="rect">
-            <a:avLst/>
-          </a:prstGeom>
-        </p:spPr>
-        <p:style>
-          <a:lnRef idx="2">
-            <a:schemeClr val="accent1">
-              <a:shade val="50000"/>
-            </a:schemeClr>
-          </a:lnRef>
-          <a:fillRef idx="1">
-            <a:schemeClr val="accent1"/>
-          </a:fillRef>
-          <a:effectRef idx="0">
-            <a:schemeClr val="accent1"/>
-          </a:effectRef>
-          <a:fontRef idx="minor">
-            <a:schemeClr val="lt1"/>
-          </a:fontRef>
-        </p:style>
-        <p:txBody>
-          <a:bodyPr rtlCol="0" anchor="ctr"/>
-          <a:lstStyle/>
-          <a:p>
-            <a:pPr algn="ctr"/>
-            <a:r>
-              <a:rPr lang="fr-FR" dirty="0" smtClean="0"/>
-              <a:t>Me</a:t>
-            </a:r>
-            <a:endParaRPr lang="fr-FR" dirty="0"/>
-          </a:p>
-        </p:txBody>
-      </p:sp>
-      <p:sp>
-        <p:nvSpPr>
-          <p:cNvPr id="9" name="Rectangle 8"/>
-          <p:cNvSpPr/>
-          <p:nvPr/>
-        </p:nvSpPr>
-        <p:spPr>
-          <a:xfrm>
-            <a:off x="2694856" y="2837798"/>
-            <a:ext cx="1805136" cy="457200"/>
-          </a:xfrm>
-          <a:prstGeom prst="rect">
-            <a:avLst/>
-          </a:prstGeom>
-        </p:spPr>
-        <p:style>
-          <a:lnRef idx="2">
-            <a:schemeClr val="accent1">
-              <a:shade val="50000"/>
-            </a:schemeClr>
-          </a:lnRef>
-          <a:fillRef idx="1">
-            <a:schemeClr val="accent1"/>
-          </a:fillRef>
-          <a:effectRef idx="0">
-            <a:schemeClr val="accent1"/>
-          </a:effectRef>
-          <a:fontRef idx="minor">
-            <a:schemeClr val="lt1"/>
-          </a:fontRef>
-        </p:style>
-        <p:txBody>
-          <a:bodyPr rtlCol="0" anchor="ctr"/>
-          <a:lstStyle/>
-          <a:p>
-            <a:pPr algn="ctr"/>
-            <a:r>
-              <a:rPr lang="fr-FR" dirty="0" smtClean="0"/>
-              <a:t>Item</a:t>
-            </a:r>
-            <a:endParaRPr lang="fr-FR" dirty="0"/>
-          </a:p>
-        </p:txBody>
-      </p:sp>
-      <p:sp>
-        <p:nvSpPr>
-          <p:cNvPr id="10" name="Rectangle 9"/>
-          <p:cNvSpPr/>
-          <p:nvPr/>
-        </p:nvSpPr>
-        <p:spPr>
-          <a:xfrm>
-            <a:off x="4642213" y="2837798"/>
-            <a:ext cx="1805136" cy="457200"/>
-          </a:xfrm>
-          <a:prstGeom prst="rect">
-            <a:avLst/>
-          </a:prstGeom>
-        </p:spPr>
-        <p:style>
-          <a:lnRef idx="2">
-            <a:schemeClr val="accent1">
-              <a:shade val="50000"/>
-            </a:schemeClr>
-          </a:lnRef>
-          <a:fillRef idx="1">
-            <a:schemeClr val="accent1"/>
-          </a:fillRef>
-          <a:effectRef idx="0">
-            <a:schemeClr val="accent1"/>
-          </a:effectRef>
-          <a:fontRef idx="minor">
-            <a:schemeClr val="lt1"/>
-          </a:fontRef>
-        </p:style>
-        <p:txBody>
-          <a:bodyPr rtlCol="0" anchor="ctr"/>
-          <a:lstStyle/>
-          <a:p>
-            <a:pPr algn="ctr"/>
-            <a:r>
-              <a:rPr lang="fr-FR" dirty="0" smtClean="0"/>
-              <a:t>Box</a:t>
-            </a:r>
-            <a:endParaRPr lang="fr-FR" dirty="0"/>
-          </a:p>
-        </p:txBody>
-      </p:sp>
-      <p:sp>
-        <p:nvSpPr>
-          <p:cNvPr id="11" name="Rectangle 10"/>
-          <p:cNvSpPr/>
-          <p:nvPr/>
-        </p:nvSpPr>
-        <p:spPr>
-          <a:xfrm>
-            <a:off x="6583288" y="2837798"/>
-            <a:ext cx="1805136" cy="457200"/>
-          </a:xfrm>
-          <a:prstGeom prst="rect">
-            <a:avLst/>
-          </a:prstGeom>
-        </p:spPr>
-        <p:style>
-          <a:lnRef idx="2">
-            <a:schemeClr val="accent1">
-              <a:shade val="50000"/>
-            </a:schemeClr>
-          </a:lnRef>
-          <a:fillRef idx="1">
-            <a:schemeClr val="accent1"/>
-          </a:fillRef>
-          <a:effectRef idx="0">
-            <a:schemeClr val="accent1"/>
-          </a:effectRef>
-          <a:fontRef idx="minor">
-            <a:schemeClr val="lt1"/>
-          </a:fontRef>
-        </p:style>
-        <p:txBody>
-          <a:bodyPr rtlCol="0" anchor="ctr"/>
-          <a:lstStyle/>
-          <a:p>
-            <a:pPr algn="ctr"/>
-            <a:r>
-              <a:rPr lang="fr-FR" dirty="0" smtClean="0"/>
-              <a:t>Wall</a:t>
-            </a:r>
-            <a:endParaRPr lang="fr-FR" dirty="0"/>
-          </a:p>
-        </p:txBody>
-      </p:sp>
-      <p:sp>
-        <p:nvSpPr>
-          <p:cNvPr id="12" name="Rectangle 11"/>
-          <p:cNvSpPr/>
-          <p:nvPr/>
-        </p:nvSpPr>
-        <p:spPr>
-          <a:xfrm>
-            <a:off x="2694856" y="3778507"/>
-            <a:ext cx="1805136" cy="457200"/>
-          </a:xfrm>
-          <a:prstGeom prst="rect">
-            <a:avLst/>
-          </a:prstGeom>
-        </p:spPr>
-        <p:style>
-          <a:lnRef idx="2">
-            <a:schemeClr val="accent1">
-              <a:shade val="50000"/>
-            </a:schemeClr>
-          </a:lnRef>
-          <a:fillRef idx="1">
-            <a:schemeClr val="accent1"/>
-          </a:fillRef>
-          <a:effectRef idx="0">
-            <a:schemeClr val="accent1"/>
-          </a:effectRef>
-          <a:fontRef idx="minor">
-            <a:schemeClr val="lt1"/>
-          </a:fontRef>
-        </p:style>
-        <p:txBody>
-          <a:bodyPr rtlCol="0" anchor="ctr"/>
-          <a:lstStyle/>
-          <a:p>
-            <a:pPr algn="ctr"/>
-            <a:r>
-              <a:rPr lang="fr-FR" dirty="0" err="1" smtClean="0"/>
-              <a:t>Buff</a:t>
-            </a:r>
-            <a:endParaRPr lang="fr-FR" dirty="0"/>
-          </a:p>
-        </p:txBody>
-      </p:sp>
-      <p:sp>
-        <p:nvSpPr>
-          <p:cNvPr id="13" name="Rectangle 12"/>
-          <p:cNvSpPr/>
-          <p:nvPr/>
-        </p:nvSpPr>
-        <p:spPr>
-          <a:xfrm>
-            <a:off x="779488" y="4718248"/>
-            <a:ext cx="1805136" cy="457200"/>
-          </a:xfrm>
-          <a:prstGeom prst="rect">
-            <a:avLst/>
-          </a:prstGeom>
-        </p:spPr>
-        <p:style>
-          <a:lnRef idx="2">
-            <a:schemeClr val="accent1">
-              <a:shade val="50000"/>
-            </a:schemeClr>
-          </a:lnRef>
-          <a:fillRef idx="1">
-            <a:schemeClr val="accent1"/>
-          </a:fillRef>
-          <a:effectRef idx="0">
-            <a:schemeClr val="accent1"/>
-          </a:effectRef>
-          <a:fontRef idx="minor">
-            <a:schemeClr val="lt1"/>
-          </a:fontRef>
-        </p:style>
-        <p:txBody>
-          <a:bodyPr rtlCol="0" anchor="ctr"/>
-          <a:lstStyle/>
-          <a:p>
-            <a:pPr algn="ctr"/>
-            <a:r>
-              <a:rPr lang="fr-FR" dirty="0" err="1" smtClean="0"/>
-              <a:t>SpeedBuff</a:t>
-            </a:r>
-            <a:endParaRPr lang="fr-FR" dirty="0"/>
-          </a:p>
-        </p:txBody>
-      </p:sp>
-      <p:sp>
-        <p:nvSpPr>
-          <p:cNvPr id="14" name="Rectangle 13"/>
-          <p:cNvSpPr/>
-          <p:nvPr/>
-        </p:nvSpPr>
-        <p:spPr>
-          <a:xfrm>
-            <a:off x="2694856" y="4718248"/>
-            <a:ext cx="1805136" cy="457200"/>
-          </a:xfrm>
-          <a:prstGeom prst="rect">
-            <a:avLst/>
-          </a:prstGeom>
-        </p:spPr>
-        <p:style>
-          <a:lnRef idx="2">
-            <a:schemeClr val="accent1">
-              <a:shade val="50000"/>
-            </a:schemeClr>
-          </a:lnRef>
-          <a:fillRef idx="1">
-            <a:schemeClr val="accent1"/>
-          </a:fillRef>
-          <a:effectRef idx="0">
-            <a:schemeClr val="accent1"/>
-          </a:effectRef>
-          <a:fontRef idx="minor">
-            <a:schemeClr val="lt1"/>
-          </a:fontRef>
-        </p:style>
-        <p:txBody>
-          <a:bodyPr rtlCol="0" anchor="ctr"/>
-          <a:lstStyle/>
-          <a:p>
-            <a:pPr algn="ctr"/>
-            <a:r>
-              <a:rPr lang="fr-FR" sz="1400" dirty="0" err="1" smtClean="0"/>
-              <a:t>BombRangeBuff</a:t>
-            </a:r>
-            <a:endParaRPr lang="fr-FR" sz="1400" dirty="0"/>
-          </a:p>
-        </p:txBody>
-      </p:sp>
-      <p:sp>
-        <p:nvSpPr>
-          <p:cNvPr id="15" name="Rectangle 14"/>
-          <p:cNvSpPr/>
-          <p:nvPr/>
-        </p:nvSpPr>
-        <p:spPr>
-          <a:xfrm>
-            <a:off x="4632093" y="4718248"/>
-            <a:ext cx="1805136" cy="457200"/>
-          </a:xfrm>
-          <a:prstGeom prst="rect">
-            <a:avLst/>
-          </a:prstGeom>
-        </p:spPr>
-        <p:style>
-          <a:lnRef idx="2">
-            <a:schemeClr val="accent1">
-              <a:shade val="50000"/>
-            </a:schemeClr>
-          </a:lnRef>
-          <a:fillRef idx="1">
-            <a:schemeClr val="accent1"/>
-          </a:fillRef>
-          <a:effectRef idx="0">
-            <a:schemeClr val="accent1"/>
-          </a:effectRef>
-          <a:fontRef idx="minor">
-            <a:schemeClr val="lt1"/>
-          </a:fontRef>
-        </p:style>
-        <p:txBody>
-          <a:bodyPr rtlCol="0" anchor="ctr"/>
-          <a:lstStyle/>
-          <a:p>
-            <a:pPr algn="ctr"/>
-            <a:r>
-              <a:rPr lang="fr-FR" sz="1400" dirty="0" err="1" smtClean="0"/>
-              <a:t>BombCapacityBuff</a:t>
-            </a:r>
-            <a:endParaRPr lang="fr-FR" sz="1400" dirty="0"/>
           </a:p>
         </p:txBody>
       </p:sp>
       <p:cxnSp>
         <p:nvCxnSpPr>
-          <p:cNvPr id="19" name="Connecteur droit avec flèche 18"/>
+          <p:cNvPr id="15" name="Connecteur droit avec flèche 19"/>
           <p:cNvCxnSpPr>
-            <a:stCxn id="7" idx="0"/>
+            <a:stCxn id="14" idx="0"/>
             <a:endCxn id="3" idx="2"/>
           </p:cNvCxnSpPr>
           <p:nvPr/>
         </p:nvCxnSpPr>
         <p:spPr>
           <a:xfrm flipV="1">
-            <a:off x="1702272" y="2302024"/>
-            <a:ext cx="2903264" cy="535774"/>
+            <a:off x="4498130" y="2292169"/>
+            <a:ext cx="0" cy="834184"/>
           </a:xfrm>
           <a:prstGeom prst="straightConnector1">
             <a:avLst/>
@@ -7104,19 +7088,63 @@
           </a:fontRef>
         </p:style>
       </p:cxnSp>
+      <p:sp>
+        <p:nvSpPr>
+          <p:cNvPr id="40" name="Rectangle 39"/>
+          <p:cNvSpPr/>
+          <p:nvPr/>
+        </p:nvSpPr>
+        <p:spPr>
+          <a:xfrm>
+            <a:off x="3595562" y="4403322"/>
+            <a:ext cx="1805136" cy="457200"/>
+          </a:xfrm>
+          <a:prstGeom prst="rect">
+            <a:avLst/>
+          </a:prstGeom>
+        </p:spPr>
+        <p:style>
+          <a:lnRef idx="2">
+            <a:schemeClr val="accent1">
+              <a:shade val="50000"/>
+            </a:schemeClr>
+          </a:lnRef>
+          <a:fillRef idx="1">
+            <a:schemeClr val="accent1"/>
+          </a:fillRef>
+          <a:effectRef idx="0">
+            <a:schemeClr val="accent1"/>
+          </a:effectRef>
+          <a:fontRef idx="minor">
+            <a:schemeClr val="lt1"/>
+          </a:fontRef>
+        </p:style>
+        <p:txBody>
+          <a:bodyPr rtlCol="0" anchor="ctr"/>
+          <a:lstStyle/>
+          <a:p>
+            <a:pPr algn="ctr"/>
+            <a:r>
+              <a:rPr lang="fr-FR" dirty="0" smtClean="0"/>
+              <a:t>…Menu</a:t>
+            </a:r>
+            <a:endParaRPr lang="fr-FR" dirty="0"/>
+          </a:p>
+        </p:txBody>
+      </p:sp>
       <p:cxnSp>
         <p:nvCxnSpPr>
-          <p:cNvPr id="20" name="Connecteur droit avec flèche 19"/>
+          <p:cNvPr id="41" name="Connecteur droit avec flèche 19"/>
           <p:cNvCxnSpPr>
-            <a:stCxn id="9" idx="0"/>
-            <a:endCxn id="3" idx="2"/>
+            <a:stCxn id="58" idx="3"/>
+            <a:endCxn id="40" idx="1"/>
           </p:cNvCxnSpPr>
           <p:nvPr/>
         </p:nvCxnSpPr>
         <p:spPr>
-          <a:xfrm flipV="1">
-            <a:off x="3597424" y="2302024"/>
-            <a:ext cx="1008112" cy="535774"/>
+          <a:xfrm>
+            <a:off x="2975535" y="4631922"/>
+            <a:ext cx="620027" cy="0"/>
           </a:xfrm>
           <a:prstGeom prst="straightConnector1">
             <a:avLst/>
@@ -7145,19 +7173,153 @@
           </a:fontRef>
         </p:style>
       </p:cxnSp>
+      <p:sp>
+        <p:nvSpPr>
+          <p:cNvPr id="58" name="Rectangle 57"/>
+          <p:cNvSpPr/>
+          <p:nvPr/>
+        </p:nvSpPr>
+        <p:spPr>
+          <a:xfrm>
+            <a:off x="1547664" y="3508490"/>
+            <a:ext cx="1427871" cy="2246863"/>
+          </a:xfrm>
+          <a:prstGeom prst="rect">
+            <a:avLst/>
+          </a:prstGeom>
+        </p:spPr>
+        <p:style>
+          <a:lnRef idx="2">
+            <a:schemeClr val="accent1">
+              <a:shade val="50000"/>
+            </a:schemeClr>
+          </a:lnRef>
+          <a:fillRef idx="1">
+            <a:schemeClr val="accent1"/>
+          </a:fillRef>
+          <a:effectRef idx="0">
+            <a:schemeClr val="accent1"/>
+          </a:effectRef>
+          <a:fontRef idx="minor">
+            <a:schemeClr val="lt1"/>
+          </a:fontRef>
+        </p:style>
+        <p:txBody>
+          <a:bodyPr rtlCol="0" anchor="ctr"/>
+          <a:lstStyle/>
+          <a:p>
+            <a:pPr algn="r"/>
+            <a:r>
+              <a:rPr lang="fr-FR" dirty="0" err="1" smtClean="0">
+                <a:solidFill>
+                  <a:schemeClr val="tx1"/>
+                </a:solidFill>
+              </a:rPr>
+              <a:t>Loading</a:t>
+            </a:r>
+            <a:r>
+              <a:rPr lang="fr-FR" dirty="0" smtClean="0">
+                <a:solidFill>
+                  <a:schemeClr val="tx1"/>
+                </a:solidFill>
+              </a:rPr>
+              <a:t>...</a:t>
+            </a:r>
+          </a:p>
+          <a:p>
+            <a:pPr algn="r"/>
+            <a:r>
+              <a:rPr lang="fr-FR" dirty="0" smtClean="0">
+                <a:solidFill>
+                  <a:schemeClr val="tx1"/>
+                </a:solidFill>
+              </a:rPr>
+              <a:t>Main...</a:t>
+            </a:r>
+          </a:p>
+          <a:p>
+            <a:pPr algn="r"/>
+            <a:r>
+              <a:rPr lang="fr-FR" dirty="0" err="1" smtClean="0">
+                <a:solidFill>
+                  <a:schemeClr val="tx1"/>
+                </a:solidFill>
+              </a:rPr>
+              <a:t>Map</a:t>
+            </a:r>
+            <a:r>
+              <a:rPr lang="fr-FR" dirty="0" smtClean="0">
+                <a:solidFill>
+                  <a:schemeClr val="tx1"/>
+                </a:solidFill>
+              </a:rPr>
+              <a:t>...</a:t>
+            </a:r>
+          </a:p>
+          <a:p>
+            <a:pPr algn="r"/>
+            <a:r>
+              <a:rPr lang="fr-FR" dirty="0" smtClean="0">
+                <a:solidFill>
+                  <a:schemeClr val="tx1"/>
+                </a:solidFill>
+              </a:rPr>
+              <a:t>Score...</a:t>
+            </a:r>
+          </a:p>
+          <a:p>
+            <a:pPr algn="r"/>
+            <a:r>
+              <a:rPr lang="fr-FR" dirty="0" smtClean="0">
+                <a:solidFill>
+                  <a:schemeClr val="tx1"/>
+                </a:solidFill>
+              </a:rPr>
+              <a:t>Player...</a:t>
+            </a:r>
+          </a:p>
+          <a:p>
+            <a:pPr algn="r"/>
+            <a:r>
+              <a:rPr lang="fr-FR" dirty="0" smtClean="0">
+                <a:solidFill>
+                  <a:schemeClr val="tx1"/>
+                </a:solidFill>
+              </a:rPr>
+              <a:t>Option...</a:t>
+            </a:r>
+          </a:p>
+          <a:p>
+            <a:pPr algn="r"/>
+            <a:r>
+              <a:rPr lang="fr-FR" dirty="0" smtClean="0">
+                <a:solidFill>
+                  <a:schemeClr val="tx1"/>
+                </a:solidFill>
+              </a:rPr>
+              <a:t>Pause...</a:t>
+            </a:r>
+            <a:endParaRPr lang="fr-FR" dirty="0">
+              <a:solidFill>
+                <a:schemeClr val="tx1"/>
+              </a:solidFill>
+            </a:endParaRPr>
+          </a:p>
+        </p:txBody>
+      </p:sp>
       <p:cxnSp>
         <p:nvCxnSpPr>
-          <p:cNvPr id="23" name="Connecteur droit avec flèche 22"/>
+          <p:cNvPr id="72" name="Connecteur droit avec flèche 19"/>
           <p:cNvCxnSpPr>
-            <a:stCxn id="10" idx="0"/>
-            <a:endCxn id="3" idx="2"/>
+            <a:stCxn id="40" idx="0"/>
+            <a:endCxn id="14" idx="2"/>
           </p:cNvCxnSpPr>
           <p:nvPr/>
         </p:nvCxnSpPr>
         <p:spPr>
-          <a:xfrm flipH="1" flipV="1">
-            <a:off x="4605536" y="2302024"/>
-            <a:ext cx="939245" cy="535774"/>
+          <a:xfrm flipV="1">
+            <a:off x="4498130" y="3583553"/>
+            <a:ext cx="0" cy="819769"/>
           </a:xfrm>
           <a:prstGeom prst="straightConnector1">
             <a:avLst/>
@@ -7186,253 +7348,10 @@
           </a:fontRef>
         </p:style>
       </p:cxnSp>
-      <p:cxnSp>
-        <p:nvCxnSpPr>
-          <p:cNvPr id="24" name="Connecteur droit avec flèche 23"/>
-          <p:cNvCxnSpPr>
-            <a:stCxn id="11" idx="0"/>
-            <a:endCxn id="3" idx="2"/>
-          </p:cNvCxnSpPr>
-          <p:nvPr/>
-        </p:nvCxnSpPr>
-        <p:spPr>
-          <a:xfrm flipH="1" flipV="1">
-            <a:off x="4605536" y="2302024"/>
-            <a:ext cx="2880320" cy="535774"/>
-          </a:xfrm>
-          <a:prstGeom prst="straightConnector1">
-            <a:avLst/>
-          </a:prstGeom>
-          <a:ln w="22225">
-            <a:solidFill>
-              <a:schemeClr val="accent1">
-                <a:lumMod val="75000"/>
-              </a:schemeClr>
-            </a:solidFill>
-            <a:tailEnd type="arrow"/>
-          </a:ln>
-        </p:spPr>
-        <p:style>
-          <a:lnRef idx="1">
-            <a:schemeClr val="accent1"/>
-          </a:lnRef>
-          <a:fillRef idx="0">
-            <a:schemeClr val="accent1"/>
-          </a:fillRef>
-          <a:effectRef idx="0">
-            <a:schemeClr val="accent1"/>
-          </a:effectRef>
-          <a:fontRef idx="minor">
-            <a:schemeClr val="tx1"/>
-          </a:fontRef>
-        </p:style>
-      </p:cxnSp>
-      <p:cxnSp>
-        <p:nvCxnSpPr>
-          <p:cNvPr id="31" name="Connecteur droit avec flèche 30"/>
-          <p:cNvCxnSpPr>
-            <a:stCxn id="8" idx="0"/>
-            <a:endCxn id="7" idx="2"/>
-          </p:cNvCxnSpPr>
-          <p:nvPr/>
-        </p:nvCxnSpPr>
-        <p:spPr>
-          <a:xfrm flipV="1">
-            <a:off x="1702272" y="3294998"/>
-            <a:ext cx="0" cy="483509"/>
-          </a:xfrm>
-          <a:prstGeom prst="straightConnector1">
-            <a:avLst/>
-          </a:prstGeom>
-          <a:ln w="22225">
-            <a:solidFill>
-              <a:schemeClr val="accent1">
-                <a:lumMod val="75000"/>
-              </a:schemeClr>
-            </a:solidFill>
-            <a:tailEnd type="arrow"/>
-          </a:ln>
-        </p:spPr>
-        <p:style>
-          <a:lnRef idx="1">
-            <a:schemeClr val="accent1"/>
-          </a:lnRef>
-          <a:fillRef idx="0">
-            <a:schemeClr val="accent1"/>
-          </a:fillRef>
-          <a:effectRef idx="0">
-            <a:schemeClr val="accent1"/>
-          </a:effectRef>
-          <a:fontRef idx="minor">
-            <a:schemeClr val="tx1"/>
-          </a:fontRef>
-        </p:style>
-      </p:cxnSp>
-      <p:cxnSp>
-        <p:nvCxnSpPr>
-          <p:cNvPr id="35" name="Connecteur droit avec flèche 34"/>
-          <p:cNvCxnSpPr/>
-          <p:nvPr/>
-        </p:nvCxnSpPr>
-        <p:spPr>
-          <a:xfrm flipV="1">
-            <a:off x="3594283" y="3294997"/>
-            <a:ext cx="0" cy="483509"/>
-          </a:xfrm>
-          <a:prstGeom prst="straightConnector1">
-            <a:avLst/>
-          </a:prstGeom>
-          <a:ln w="22225">
-            <a:solidFill>
-              <a:schemeClr val="accent1">
-                <a:lumMod val="75000"/>
-              </a:schemeClr>
-            </a:solidFill>
-            <a:tailEnd type="arrow"/>
-          </a:ln>
-        </p:spPr>
-        <p:style>
-          <a:lnRef idx="1">
-            <a:schemeClr val="accent1"/>
-          </a:lnRef>
-          <a:fillRef idx="0">
-            <a:schemeClr val="accent1"/>
-          </a:fillRef>
-          <a:effectRef idx="0">
-            <a:schemeClr val="accent1"/>
-          </a:effectRef>
-          <a:fontRef idx="minor">
-            <a:schemeClr val="tx1"/>
-          </a:fontRef>
-        </p:style>
-      </p:cxnSp>
-      <p:cxnSp>
-        <p:nvCxnSpPr>
-          <p:cNvPr id="36" name="Connecteur droit avec flèche 35"/>
-          <p:cNvCxnSpPr>
-            <a:stCxn id="13" idx="0"/>
-            <a:endCxn id="12" idx="2"/>
-          </p:cNvCxnSpPr>
-          <p:nvPr/>
-        </p:nvCxnSpPr>
-        <p:spPr>
-          <a:xfrm flipV="1">
-            <a:off x="1682056" y="4235707"/>
-            <a:ext cx="1915368" cy="482541"/>
-          </a:xfrm>
-          <a:prstGeom prst="straightConnector1">
-            <a:avLst/>
-          </a:prstGeom>
-          <a:ln w="22225">
-            <a:solidFill>
-              <a:schemeClr val="accent1">
-                <a:lumMod val="75000"/>
-              </a:schemeClr>
-            </a:solidFill>
-            <a:tailEnd type="arrow"/>
-          </a:ln>
-        </p:spPr>
-        <p:style>
-          <a:lnRef idx="1">
-            <a:schemeClr val="accent1"/>
-          </a:lnRef>
-          <a:fillRef idx="0">
-            <a:schemeClr val="accent1"/>
-          </a:fillRef>
-          <a:effectRef idx="0">
-            <a:schemeClr val="accent1"/>
-          </a:effectRef>
-          <a:fontRef idx="minor">
-            <a:schemeClr val="tx1"/>
-          </a:fontRef>
-        </p:style>
-      </p:cxnSp>
-      <p:cxnSp>
-        <p:nvCxnSpPr>
-          <p:cNvPr id="37" name="Connecteur droit avec flèche 36"/>
-          <p:cNvCxnSpPr>
-            <a:stCxn id="14" idx="0"/>
-            <a:endCxn id="12" idx="2"/>
-          </p:cNvCxnSpPr>
-          <p:nvPr/>
-        </p:nvCxnSpPr>
-        <p:spPr>
-          <a:xfrm flipV="1">
-            <a:off x="3597424" y="4235707"/>
-            <a:ext cx="0" cy="482541"/>
-          </a:xfrm>
-          <a:prstGeom prst="straightConnector1">
-            <a:avLst/>
-          </a:prstGeom>
-          <a:ln w="22225">
-            <a:solidFill>
-              <a:schemeClr val="accent1">
-                <a:lumMod val="75000"/>
-              </a:schemeClr>
-            </a:solidFill>
-            <a:tailEnd type="arrow"/>
-          </a:ln>
-        </p:spPr>
-        <p:style>
-          <a:lnRef idx="1">
-            <a:schemeClr val="accent1"/>
-          </a:lnRef>
-          <a:fillRef idx="0">
-            <a:schemeClr val="accent1"/>
-          </a:fillRef>
-          <a:effectRef idx="0">
-            <a:schemeClr val="accent1"/>
-          </a:effectRef>
-          <a:fontRef idx="minor">
-            <a:schemeClr val="tx1"/>
-          </a:fontRef>
-        </p:style>
-      </p:cxnSp>
-      <p:cxnSp>
-        <p:nvCxnSpPr>
-          <p:cNvPr id="38" name="Connecteur droit avec flèche 37"/>
-          <p:cNvCxnSpPr>
-            <a:stCxn id="15" idx="0"/>
-            <a:endCxn id="12" idx="2"/>
-          </p:cNvCxnSpPr>
-          <p:nvPr/>
-        </p:nvCxnSpPr>
-        <p:spPr>
-          <a:xfrm flipH="1" flipV="1">
-            <a:off x="3597424" y="4235707"/>
-            <a:ext cx="1937237" cy="482541"/>
-          </a:xfrm>
-          <a:prstGeom prst="straightConnector1">
-            <a:avLst/>
-          </a:prstGeom>
-          <a:ln w="22225">
-            <a:solidFill>
-              <a:schemeClr val="accent1">
-                <a:lumMod val="75000"/>
-              </a:schemeClr>
-            </a:solidFill>
-            <a:tailEnd type="arrow"/>
-          </a:ln>
-        </p:spPr>
-        <p:style>
-          <a:lnRef idx="1">
-            <a:schemeClr val="accent1"/>
-          </a:lnRef>
-          <a:fillRef idx="0">
-            <a:schemeClr val="accent1"/>
-          </a:fillRef>
-          <a:effectRef idx="0">
-            <a:schemeClr val="accent1"/>
-          </a:effectRef>
-          <a:fontRef idx="minor">
-            <a:schemeClr val="tx1"/>
-          </a:fontRef>
-        </p:style>
-      </p:cxnSp>
     </p:spTree>
     <p:extLst>
       <p:ext uri="{BB962C8B-B14F-4D97-AF65-F5344CB8AC3E}">
-        <p14:creationId xmlns:p14="http://schemas.microsoft.com/office/powerpoint/2010/main" val="1262284361"/>
+        <p14:creationId xmlns:p14="http://schemas.microsoft.com/office/powerpoint/2010/main" val="1336694925"/>
       </p:ext>
     </p:extLst>
   </p:cSld>
@@ -7483,23 +7402,870 @@
           <a:p>
             <a:r>
               <a:rPr lang="fr-FR" dirty="0" smtClean="0"/>
-              <a:t>Répartition des tâches</a:t>
-            </a:r>
-            <a:br>
-              <a:rPr lang="fr-FR" dirty="0" smtClean="0"/>
-            </a:br>
-            <a:r>
-              <a:rPr lang="fr-FR" sz="1400" dirty="0" smtClean="0"/>
-              <a:t>« Fais ça, fais ce ci. Moi je vais manger. »</a:t>
+              <a:t>API </a:t>
+            </a:r>
+            <a:r>
+              <a:rPr lang="fr-FR" dirty="0" err="1" smtClean="0"/>
+              <a:t>Lua</a:t>
             </a:r>
             <a:endParaRPr lang="fr-FR" dirty="0"/>
           </a:p>
         </p:txBody>
       </p:sp>
+      <p:sp>
+        <p:nvSpPr>
+          <p:cNvPr id="3" name="Rectangle 2"/>
+          <p:cNvSpPr/>
+          <p:nvPr/>
+        </p:nvSpPr>
+        <p:spPr>
+          <a:xfrm>
+            <a:off x="3702968" y="1844824"/>
+            <a:ext cx="1805136" cy="457200"/>
+          </a:xfrm>
+          <a:prstGeom prst="rect">
+            <a:avLst/>
+          </a:prstGeom>
+        </p:spPr>
+        <p:style>
+          <a:lnRef idx="2">
+            <a:schemeClr val="accent1">
+              <a:shade val="50000"/>
+            </a:schemeClr>
+          </a:lnRef>
+          <a:fillRef idx="1">
+            <a:schemeClr val="accent1"/>
+          </a:fillRef>
+          <a:effectRef idx="0">
+            <a:schemeClr val="accent1"/>
+          </a:effectRef>
+          <a:fontRef idx="minor">
+            <a:schemeClr val="lt1"/>
+          </a:fontRef>
+        </p:style>
+        <p:txBody>
+          <a:bodyPr rtlCol="0" anchor="ctr"/>
+          <a:lstStyle/>
+          <a:p>
+            <a:pPr algn="ctr"/>
+            <a:r>
+              <a:rPr lang="fr-FR" dirty="0" err="1" smtClean="0"/>
+              <a:t>GameObject</a:t>
+            </a:r>
+            <a:endParaRPr lang="fr-FR" dirty="0"/>
+          </a:p>
+        </p:txBody>
+      </p:sp>
+      <p:sp>
+        <p:nvSpPr>
+          <p:cNvPr id="6" name="Rectangle 5"/>
+          <p:cNvSpPr/>
+          <p:nvPr/>
+        </p:nvSpPr>
+        <p:spPr>
+          <a:xfrm>
+            <a:off x="6444208" y="5805264"/>
+            <a:ext cx="1805136" cy="457200"/>
+          </a:xfrm>
+          <a:prstGeom prst="rect">
+            <a:avLst/>
+          </a:prstGeom>
+        </p:spPr>
+        <p:style>
+          <a:lnRef idx="2">
+            <a:schemeClr val="accent1">
+              <a:shade val="50000"/>
+            </a:schemeClr>
+          </a:lnRef>
+          <a:fillRef idx="1">
+            <a:schemeClr val="accent1"/>
+          </a:fillRef>
+          <a:effectRef idx="0">
+            <a:schemeClr val="accent1"/>
+          </a:effectRef>
+          <a:fontRef idx="minor">
+            <a:schemeClr val="lt1"/>
+          </a:fontRef>
+        </p:style>
+        <p:txBody>
+          <a:bodyPr rtlCol="0" anchor="ctr"/>
+          <a:lstStyle/>
+          <a:p>
+            <a:pPr algn="ctr"/>
+            <a:r>
+              <a:rPr lang="fr-FR" dirty="0" err="1" smtClean="0"/>
+              <a:t>Map</a:t>
+            </a:r>
+            <a:endParaRPr lang="fr-FR" dirty="0"/>
+          </a:p>
+        </p:txBody>
+      </p:sp>
+      <p:sp>
+        <p:nvSpPr>
+          <p:cNvPr id="7" name="Rectangle 6"/>
+          <p:cNvSpPr/>
+          <p:nvPr/>
+        </p:nvSpPr>
+        <p:spPr>
+          <a:xfrm>
+            <a:off x="799704" y="2837798"/>
+            <a:ext cx="1805136" cy="457200"/>
+          </a:xfrm>
+          <a:prstGeom prst="rect">
+            <a:avLst/>
+          </a:prstGeom>
+        </p:spPr>
+        <p:style>
+          <a:lnRef idx="2">
+            <a:schemeClr val="accent1">
+              <a:shade val="50000"/>
+            </a:schemeClr>
+          </a:lnRef>
+          <a:fillRef idx="1">
+            <a:schemeClr val="accent1"/>
+          </a:fillRef>
+          <a:effectRef idx="0">
+            <a:schemeClr val="accent1"/>
+          </a:effectRef>
+          <a:fontRef idx="minor">
+            <a:schemeClr val="lt1"/>
+          </a:fontRef>
+        </p:style>
+        <p:txBody>
+          <a:bodyPr rtlCol="0" anchor="ctr"/>
+          <a:lstStyle/>
+          <a:p>
+            <a:pPr algn="ctr"/>
+            <a:r>
+              <a:rPr lang="fr-FR" dirty="0" smtClean="0"/>
+              <a:t>Player</a:t>
+            </a:r>
+            <a:endParaRPr lang="fr-FR" dirty="0"/>
+          </a:p>
+        </p:txBody>
+      </p:sp>
+      <p:sp>
+        <p:nvSpPr>
+          <p:cNvPr id="8" name="Rectangle 7"/>
+          <p:cNvSpPr/>
+          <p:nvPr/>
+        </p:nvSpPr>
+        <p:spPr>
+          <a:xfrm>
+            <a:off x="799704" y="3778507"/>
+            <a:ext cx="1805136" cy="457200"/>
+          </a:xfrm>
+          <a:prstGeom prst="rect">
+            <a:avLst/>
+          </a:prstGeom>
+        </p:spPr>
+        <p:style>
+          <a:lnRef idx="2">
+            <a:schemeClr val="accent1">
+              <a:shade val="50000"/>
+            </a:schemeClr>
+          </a:lnRef>
+          <a:fillRef idx="1">
+            <a:schemeClr val="accent1"/>
+          </a:fillRef>
+          <a:effectRef idx="0">
+            <a:schemeClr val="accent1"/>
+          </a:effectRef>
+          <a:fontRef idx="minor">
+            <a:schemeClr val="lt1"/>
+          </a:fontRef>
+        </p:style>
+        <p:txBody>
+          <a:bodyPr rtlCol="0" anchor="ctr"/>
+          <a:lstStyle/>
+          <a:p>
+            <a:pPr algn="ctr"/>
+            <a:r>
+              <a:rPr lang="fr-FR" dirty="0" smtClean="0"/>
+              <a:t>Me</a:t>
+            </a:r>
+            <a:endParaRPr lang="fr-FR" dirty="0"/>
+          </a:p>
+        </p:txBody>
+      </p:sp>
+      <p:sp>
+        <p:nvSpPr>
+          <p:cNvPr id="9" name="Rectangle 8"/>
+          <p:cNvSpPr/>
+          <p:nvPr/>
+        </p:nvSpPr>
+        <p:spPr>
+          <a:xfrm>
+            <a:off x="2694856" y="2837798"/>
+            <a:ext cx="1805136" cy="457200"/>
+          </a:xfrm>
+          <a:prstGeom prst="rect">
+            <a:avLst/>
+          </a:prstGeom>
+        </p:spPr>
+        <p:style>
+          <a:lnRef idx="2">
+            <a:schemeClr val="accent1">
+              <a:shade val="50000"/>
+            </a:schemeClr>
+          </a:lnRef>
+          <a:fillRef idx="1">
+            <a:schemeClr val="accent1"/>
+          </a:fillRef>
+          <a:effectRef idx="0">
+            <a:schemeClr val="accent1"/>
+          </a:effectRef>
+          <a:fontRef idx="minor">
+            <a:schemeClr val="lt1"/>
+          </a:fontRef>
+        </p:style>
+        <p:txBody>
+          <a:bodyPr rtlCol="0" anchor="ctr"/>
+          <a:lstStyle/>
+          <a:p>
+            <a:pPr algn="ctr"/>
+            <a:r>
+              <a:rPr lang="fr-FR" dirty="0" smtClean="0"/>
+              <a:t>Item</a:t>
+            </a:r>
+            <a:endParaRPr lang="fr-FR" dirty="0"/>
+          </a:p>
+        </p:txBody>
+      </p:sp>
+      <p:sp>
+        <p:nvSpPr>
+          <p:cNvPr id="10" name="Rectangle 9"/>
+          <p:cNvSpPr/>
+          <p:nvPr/>
+        </p:nvSpPr>
+        <p:spPr>
+          <a:xfrm>
+            <a:off x="4642213" y="2837798"/>
+            <a:ext cx="1805136" cy="457200"/>
+          </a:xfrm>
+          <a:prstGeom prst="rect">
+            <a:avLst/>
+          </a:prstGeom>
+        </p:spPr>
+        <p:style>
+          <a:lnRef idx="2">
+            <a:schemeClr val="accent1">
+              <a:shade val="50000"/>
+            </a:schemeClr>
+          </a:lnRef>
+          <a:fillRef idx="1">
+            <a:schemeClr val="accent1"/>
+          </a:fillRef>
+          <a:effectRef idx="0">
+            <a:schemeClr val="accent1"/>
+          </a:effectRef>
+          <a:fontRef idx="minor">
+            <a:schemeClr val="lt1"/>
+          </a:fontRef>
+        </p:style>
+        <p:txBody>
+          <a:bodyPr rtlCol="0" anchor="ctr"/>
+          <a:lstStyle/>
+          <a:p>
+            <a:pPr algn="ctr"/>
+            <a:r>
+              <a:rPr lang="fr-FR" dirty="0" smtClean="0"/>
+              <a:t>Box</a:t>
+            </a:r>
+            <a:endParaRPr lang="fr-FR" dirty="0"/>
+          </a:p>
+        </p:txBody>
+      </p:sp>
+      <p:sp>
+        <p:nvSpPr>
+          <p:cNvPr id="11" name="Rectangle 10"/>
+          <p:cNvSpPr/>
+          <p:nvPr/>
+        </p:nvSpPr>
+        <p:spPr>
+          <a:xfrm>
+            <a:off x="6583288" y="2837798"/>
+            <a:ext cx="1805136" cy="457200"/>
+          </a:xfrm>
+          <a:prstGeom prst="rect">
+            <a:avLst/>
+          </a:prstGeom>
+        </p:spPr>
+        <p:style>
+          <a:lnRef idx="2">
+            <a:schemeClr val="accent1">
+              <a:shade val="50000"/>
+            </a:schemeClr>
+          </a:lnRef>
+          <a:fillRef idx="1">
+            <a:schemeClr val="accent1"/>
+          </a:fillRef>
+          <a:effectRef idx="0">
+            <a:schemeClr val="accent1"/>
+          </a:effectRef>
+          <a:fontRef idx="minor">
+            <a:schemeClr val="lt1"/>
+          </a:fontRef>
+        </p:style>
+        <p:txBody>
+          <a:bodyPr rtlCol="0" anchor="ctr"/>
+          <a:lstStyle/>
+          <a:p>
+            <a:pPr algn="ctr"/>
+            <a:r>
+              <a:rPr lang="fr-FR" dirty="0" smtClean="0"/>
+              <a:t>Wall</a:t>
+            </a:r>
+            <a:endParaRPr lang="fr-FR" dirty="0"/>
+          </a:p>
+        </p:txBody>
+      </p:sp>
+      <p:sp>
+        <p:nvSpPr>
+          <p:cNvPr id="12" name="Rectangle 11"/>
+          <p:cNvSpPr/>
+          <p:nvPr/>
+        </p:nvSpPr>
+        <p:spPr>
+          <a:xfrm>
+            <a:off x="2694856" y="3778507"/>
+            <a:ext cx="1805136" cy="457200"/>
+          </a:xfrm>
+          <a:prstGeom prst="rect">
+            <a:avLst/>
+          </a:prstGeom>
+        </p:spPr>
+        <p:style>
+          <a:lnRef idx="2">
+            <a:schemeClr val="accent1">
+              <a:shade val="50000"/>
+            </a:schemeClr>
+          </a:lnRef>
+          <a:fillRef idx="1">
+            <a:schemeClr val="accent1"/>
+          </a:fillRef>
+          <a:effectRef idx="0">
+            <a:schemeClr val="accent1"/>
+          </a:effectRef>
+          <a:fontRef idx="minor">
+            <a:schemeClr val="lt1"/>
+          </a:fontRef>
+        </p:style>
+        <p:txBody>
+          <a:bodyPr rtlCol="0" anchor="ctr"/>
+          <a:lstStyle/>
+          <a:p>
+            <a:pPr algn="ctr"/>
+            <a:r>
+              <a:rPr lang="fr-FR" dirty="0" err="1" smtClean="0"/>
+              <a:t>Buff</a:t>
+            </a:r>
+            <a:endParaRPr lang="fr-FR" dirty="0"/>
+          </a:p>
+        </p:txBody>
+      </p:sp>
+      <p:sp>
+        <p:nvSpPr>
+          <p:cNvPr id="13" name="Rectangle 12"/>
+          <p:cNvSpPr/>
+          <p:nvPr/>
+        </p:nvSpPr>
+        <p:spPr>
+          <a:xfrm>
+            <a:off x="779488" y="4718248"/>
+            <a:ext cx="1805136" cy="457200"/>
+          </a:xfrm>
+          <a:prstGeom prst="rect">
+            <a:avLst/>
+          </a:prstGeom>
+        </p:spPr>
+        <p:style>
+          <a:lnRef idx="2">
+            <a:schemeClr val="accent1">
+              <a:shade val="50000"/>
+            </a:schemeClr>
+          </a:lnRef>
+          <a:fillRef idx="1">
+            <a:schemeClr val="accent1"/>
+          </a:fillRef>
+          <a:effectRef idx="0">
+            <a:schemeClr val="accent1"/>
+          </a:effectRef>
+          <a:fontRef idx="minor">
+            <a:schemeClr val="lt1"/>
+          </a:fontRef>
+        </p:style>
+        <p:txBody>
+          <a:bodyPr rtlCol="0" anchor="ctr"/>
+          <a:lstStyle/>
+          <a:p>
+            <a:pPr algn="ctr"/>
+            <a:r>
+              <a:rPr lang="fr-FR" dirty="0" err="1" smtClean="0"/>
+              <a:t>SpeedBuff</a:t>
+            </a:r>
+            <a:endParaRPr lang="fr-FR" dirty="0"/>
+          </a:p>
+        </p:txBody>
+      </p:sp>
+      <p:sp>
+        <p:nvSpPr>
+          <p:cNvPr id="14" name="Rectangle 13"/>
+          <p:cNvSpPr/>
+          <p:nvPr/>
+        </p:nvSpPr>
+        <p:spPr>
+          <a:xfrm>
+            <a:off x="2694856" y="4718248"/>
+            <a:ext cx="1805136" cy="457200"/>
+          </a:xfrm>
+          <a:prstGeom prst="rect">
+            <a:avLst/>
+          </a:prstGeom>
+        </p:spPr>
+        <p:style>
+          <a:lnRef idx="2">
+            <a:schemeClr val="accent1">
+              <a:shade val="50000"/>
+            </a:schemeClr>
+          </a:lnRef>
+          <a:fillRef idx="1">
+            <a:schemeClr val="accent1"/>
+          </a:fillRef>
+          <a:effectRef idx="0">
+            <a:schemeClr val="accent1"/>
+          </a:effectRef>
+          <a:fontRef idx="minor">
+            <a:schemeClr val="lt1"/>
+          </a:fontRef>
+        </p:style>
+        <p:txBody>
+          <a:bodyPr rtlCol="0" anchor="ctr"/>
+          <a:lstStyle/>
+          <a:p>
+            <a:pPr algn="ctr"/>
+            <a:r>
+              <a:rPr lang="fr-FR" sz="1400" dirty="0" err="1" smtClean="0"/>
+              <a:t>BombRangeBuff</a:t>
+            </a:r>
+            <a:endParaRPr lang="fr-FR" sz="1400" dirty="0"/>
+          </a:p>
+        </p:txBody>
+      </p:sp>
+      <p:sp>
+        <p:nvSpPr>
+          <p:cNvPr id="15" name="Rectangle 14"/>
+          <p:cNvSpPr/>
+          <p:nvPr/>
+        </p:nvSpPr>
+        <p:spPr>
+          <a:xfrm>
+            <a:off x="4632093" y="4718248"/>
+            <a:ext cx="1805136" cy="457200"/>
+          </a:xfrm>
+          <a:prstGeom prst="rect">
+            <a:avLst/>
+          </a:prstGeom>
+        </p:spPr>
+        <p:style>
+          <a:lnRef idx="2">
+            <a:schemeClr val="accent1">
+              <a:shade val="50000"/>
+            </a:schemeClr>
+          </a:lnRef>
+          <a:fillRef idx="1">
+            <a:schemeClr val="accent1"/>
+          </a:fillRef>
+          <a:effectRef idx="0">
+            <a:schemeClr val="accent1"/>
+          </a:effectRef>
+          <a:fontRef idx="minor">
+            <a:schemeClr val="lt1"/>
+          </a:fontRef>
+        </p:style>
+        <p:txBody>
+          <a:bodyPr rtlCol="0" anchor="ctr"/>
+          <a:lstStyle/>
+          <a:p>
+            <a:pPr algn="ctr"/>
+            <a:r>
+              <a:rPr lang="fr-FR" sz="1400" dirty="0" err="1" smtClean="0"/>
+              <a:t>BombCapacityBuff</a:t>
+            </a:r>
+            <a:endParaRPr lang="fr-FR" sz="1400" dirty="0"/>
+          </a:p>
+        </p:txBody>
+      </p:sp>
+      <p:cxnSp>
+        <p:nvCxnSpPr>
+          <p:cNvPr id="19" name="Connecteur droit avec flèche 18"/>
+          <p:cNvCxnSpPr>
+            <a:stCxn id="7" idx="0"/>
+            <a:endCxn id="3" idx="2"/>
+          </p:cNvCxnSpPr>
+          <p:nvPr/>
+        </p:nvCxnSpPr>
+        <p:spPr>
+          <a:xfrm flipV="1">
+            <a:off x="1702272" y="2302024"/>
+            <a:ext cx="2903264" cy="535774"/>
+          </a:xfrm>
+          <a:prstGeom prst="straightConnector1">
+            <a:avLst/>
+          </a:prstGeom>
+          <a:ln w="22225">
+            <a:solidFill>
+              <a:schemeClr val="accent1">
+                <a:lumMod val="75000"/>
+              </a:schemeClr>
+            </a:solidFill>
+            <a:tailEnd type="arrow"/>
+          </a:ln>
+        </p:spPr>
+        <p:style>
+          <a:lnRef idx="1">
+            <a:schemeClr val="accent1"/>
+          </a:lnRef>
+          <a:fillRef idx="0">
+            <a:schemeClr val="accent1"/>
+          </a:fillRef>
+          <a:effectRef idx="0">
+            <a:schemeClr val="accent1"/>
+          </a:effectRef>
+          <a:fontRef idx="minor">
+            <a:schemeClr val="tx1"/>
+          </a:fontRef>
+        </p:style>
+      </p:cxnSp>
+      <p:cxnSp>
+        <p:nvCxnSpPr>
+          <p:cNvPr id="20" name="Connecteur droit avec flèche 19"/>
+          <p:cNvCxnSpPr>
+            <a:stCxn id="9" idx="0"/>
+            <a:endCxn id="3" idx="2"/>
+          </p:cNvCxnSpPr>
+          <p:nvPr/>
+        </p:nvCxnSpPr>
+        <p:spPr>
+          <a:xfrm flipV="1">
+            <a:off x="3597424" y="2302024"/>
+            <a:ext cx="1008112" cy="535774"/>
+          </a:xfrm>
+          <a:prstGeom prst="straightConnector1">
+            <a:avLst/>
+          </a:prstGeom>
+          <a:ln w="22225">
+            <a:solidFill>
+              <a:schemeClr val="accent1">
+                <a:lumMod val="75000"/>
+              </a:schemeClr>
+            </a:solidFill>
+            <a:tailEnd type="arrow"/>
+          </a:ln>
+        </p:spPr>
+        <p:style>
+          <a:lnRef idx="1">
+            <a:schemeClr val="accent1"/>
+          </a:lnRef>
+          <a:fillRef idx="0">
+            <a:schemeClr val="accent1"/>
+          </a:fillRef>
+          <a:effectRef idx="0">
+            <a:schemeClr val="accent1"/>
+          </a:effectRef>
+          <a:fontRef idx="minor">
+            <a:schemeClr val="tx1"/>
+          </a:fontRef>
+        </p:style>
+      </p:cxnSp>
+      <p:cxnSp>
+        <p:nvCxnSpPr>
+          <p:cNvPr id="23" name="Connecteur droit avec flèche 22"/>
+          <p:cNvCxnSpPr>
+            <a:stCxn id="10" idx="0"/>
+            <a:endCxn id="3" idx="2"/>
+          </p:cNvCxnSpPr>
+          <p:nvPr/>
+        </p:nvCxnSpPr>
+        <p:spPr>
+          <a:xfrm flipH="1" flipV="1">
+            <a:off x="4605536" y="2302024"/>
+            <a:ext cx="939245" cy="535774"/>
+          </a:xfrm>
+          <a:prstGeom prst="straightConnector1">
+            <a:avLst/>
+          </a:prstGeom>
+          <a:ln w="22225">
+            <a:solidFill>
+              <a:schemeClr val="accent1">
+                <a:lumMod val="75000"/>
+              </a:schemeClr>
+            </a:solidFill>
+            <a:tailEnd type="arrow"/>
+          </a:ln>
+        </p:spPr>
+        <p:style>
+          <a:lnRef idx="1">
+            <a:schemeClr val="accent1"/>
+          </a:lnRef>
+          <a:fillRef idx="0">
+            <a:schemeClr val="accent1"/>
+          </a:fillRef>
+          <a:effectRef idx="0">
+            <a:schemeClr val="accent1"/>
+          </a:effectRef>
+          <a:fontRef idx="minor">
+            <a:schemeClr val="tx1"/>
+          </a:fontRef>
+        </p:style>
+      </p:cxnSp>
+      <p:cxnSp>
+        <p:nvCxnSpPr>
+          <p:cNvPr id="24" name="Connecteur droit avec flèche 23"/>
+          <p:cNvCxnSpPr>
+            <a:stCxn id="11" idx="0"/>
+            <a:endCxn id="3" idx="2"/>
+          </p:cNvCxnSpPr>
+          <p:nvPr/>
+        </p:nvCxnSpPr>
+        <p:spPr>
+          <a:xfrm flipH="1" flipV="1">
+            <a:off x="4605536" y="2302024"/>
+            <a:ext cx="2880320" cy="535774"/>
+          </a:xfrm>
+          <a:prstGeom prst="straightConnector1">
+            <a:avLst/>
+          </a:prstGeom>
+          <a:ln w="22225">
+            <a:solidFill>
+              <a:schemeClr val="accent1">
+                <a:lumMod val="75000"/>
+              </a:schemeClr>
+            </a:solidFill>
+            <a:tailEnd type="arrow"/>
+          </a:ln>
+        </p:spPr>
+        <p:style>
+          <a:lnRef idx="1">
+            <a:schemeClr val="accent1"/>
+          </a:lnRef>
+          <a:fillRef idx="0">
+            <a:schemeClr val="accent1"/>
+          </a:fillRef>
+          <a:effectRef idx="0">
+            <a:schemeClr val="accent1"/>
+          </a:effectRef>
+          <a:fontRef idx="minor">
+            <a:schemeClr val="tx1"/>
+          </a:fontRef>
+        </p:style>
+      </p:cxnSp>
+      <p:cxnSp>
+        <p:nvCxnSpPr>
+          <p:cNvPr id="31" name="Connecteur droit avec flèche 30"/>
+          <p:cNvCxnSpPr>
+            <a:stCxn id="8" idx="0"/>
+            <a:endCxn id="7" idx="2"/>
+          </p:cNvCxnSpPr>
+          <p:nvPr/>
+        </p:nvCxnSpPr>
+        <p:spPr>
+          <a:xfrm flipV="1">
+            <a:off x="1702272" y="3294998"/>
+            <a:ext cx="0" cy="483509"/>
+          </a:xfrm>
+          <a:prstGeom prst="straightConnector1">
+            <a:avLst/>
+          </a:prstGeom>
+          <a:ln w="22225">
+            <a:solidFill>
+              <a:schemeClr val="accent1">
+                <a:lumMod val="75000"/>
+              </a:schemeClr>
+            </a:solidFill>
+            <a:tailEnd type="arrow"/>
+          </a:ln>
+        </p:spPr>
+        <p:style>
+          <a:lnRef idx="1">
+            <a:schemeClr val="accent1"/>
+          </a:lnRef>
+          <a:fillRef idx="0">
+            <a:schemeClr val="accent1"/>
+          </a:fillRef>
+          <a:effectRef idx="0">
+            <a:schemeClr val="accent1"/>
+          </a:effectRef>
+          <a:fontRef idx="minor">
+            <a:schemeClr val="tx1"/>
+          </a:fontRef>
+        </p:style>
+      </p:cxnSp>
+      <p:cxnSp>
+        <p:nvCxnSpPr>
+          <p:cNvPr id="35" name="Connecteur droit avec flèche 34"/>
+          <p:cNvCxnSpPr/>
+          <p:nvPr/>
+        </p:nvCxnSpPr>
+        <p:spPr>
+          <a:xfrm flipV="1">
+            <a:off x="3594283" y="3294997"/>
+            <a:ext cx="0" cy="483509"/>
+          </a:xfrm>
+          <a:prstGeom prst="straightConnector1">
+            <a:avLst/>
+          </a:prstGeom>
+          <a:ln w="22225">
+            <a:solidFill>
+              <a:schemeClr val="accent1">
+                <a:lumMod val="75000"/>
+              </a:schemeClr>
+            </a:solidFill>
+            <a:tailEnd type="arrow"/>
+          </a:ln>
+        </p:spPr>
+        <p:style>
+          <a:lnRef idx="1">
+            <a:schemeClr val="accent1"/>
+          </a:lnRef>
+          <a:fillRef idx="0">
+            <a:schemeClr val="accent1"/>
+          </a:fillRef>
+          <a:effectRef idx="0">
+            <a:schemeClr val="accent1"/>
+          </a:effectRef>
+          <a:fontRef idx="minor">
+            <a:schemeClr val="tx1"/>
+          </a:fontRef>
+        </p:style>
+      </p:cxnSp>
+      <p:cxnSp>
+        <p:nvCxnSpPr>
+          <p:cNvPr id="36" name="Connecteur droit avec flèche 35"/>
+          <p:cNvCxnSpPr>
+            <a:stCxn id="13" idx="0"/>
+            <a:endCxn id="12" idx="2"/>
+          </p:cNvCxnSpPr>
+          <p:nvPr/>
+        </p:nvCxnSpPr>
+        <p:spPr>
+          <a:xfrm flipV="1">
+            <a:off x="1682056" y="4235707"/>
+            <a:ext cx="1915368" cy="482541"/>
+          </a:xfrm>
+          <a:prstGeom prst="straightConnector1">
+            <a:avLst/>
+          </a:prstGeom>
+          <a:ln w="22225">
+            <a:solidFill>
+              <a:schemeClr val="accent1">
+                <a:lumMod val="75000"/>
+              </a:schemeClr>
+            </a:solidFill>
+            <a:tailEnd type="arrow"/>
+          </a:ln>
+        </p:spPr>
+        <p:style>
+          <a:lnRef idx="1">
+            <a:schemeClr val="accent1"/>
+          </a:lnRef>
+          <a:fillRef idx="0">
+            <a:schemeClr val="accent1"/>
+          </a:fillRef>
+          <a:effectRef idx="0">
+            <a:schemeClr val="accent1"/>
+          </a:effectRef>
+          <a:fontRef idx="minor">
+            <a:schemeClr val="tx1"/>
+          </a:fontRef>
+        </p:style>
+      </p:cxnSp>
+      <p:cxnSp>
+        <p:nvCxnSpPr>
+          <p:cNvPr id="37" name="Connecteur droit avec flèche 36"/>
+          <p:cNvCxnSpPr>
+            <a:stCxn id="14" idx="0"/>
+            <a:endCxn id="12" idx="2"/>
+          </p:cNvCxnSpPr>
+          <p:nvPr/>
+        </p:nvCxnSpPr>
+        <p:spPr>
+          <a:xfrm flipV="1">
+            <a:off x="3597424" y="4235707"/>
+            <a:ext cx="0" cy="482541"/>
+          </a:xfrm>
+          <a:prstGeom prst="straightConnector1">
+            <a:avLst/>
+          </a:prstGeom>
+          <a:ln w="22225">
+            <a:solidFill>
+              <a:schemeClr val="accent1">
+                <a:lumMod val="75000"/>
+              </a:schemeClr>
+            </a:solidFill>
+            <a:tailEnd type="arrow"/>
+          </a:ln>
+        </p:spPr>
+        <p:style>
+          <a:lnRef idx="1">
+            <a:schemeClr val="accent1"/>
+          </a:lnRef>
+          <a:fillRef idx="0">
+            <a:schemeClr val="accent1"/>
+          </a:fillRef>
+          <a:effectRef idx="0">
+            <a:schemeClr val="accent1"/>
+          </a:effectRef>
+          <a:fontRef idx="minor">
+            <a:schemeClr val="tx1"/>
+          </a:fontRef>
+        </p:style>
+      </p:cxnSp>
+      <p:cxnSp>
+        <p:nvCxnSpPr>
+          <p:cNvPr id="38" name="Connecteur droit avec flèche 37"/>
+          <p:cNvCxnSpPr>
+            <a:stCxn id="15" idx="0"/>
+            <a:endCxn id="12" idx="2"/>
+          </p:cNvCxnSpPr>
+          <p:nvPr/>
+        </p:nvCxnSpPr>
+        <p:spPr>
+          <a:xfrm flipH="1" flipV="1">
+            <a:off x="3597424" y="4235707"/>
+            <a:ext cx="1937237" cy="482541"/>
+          </a:xfrm>
+          <a:prstGeom prst="straightConnector1">
+            <a:avLst/>
+          </a:prstGeom>
+          <a:ln w="22225">
+            <a:solidFill>
+              <a:schemeClr val="accent1">
+                <a:lumMod val="75000"/>
+              </a:schemeClr>
+            </a:solidFill>
+            <a:tailEnd type="arrow"/>
+          </a:ln>
+        </p:spPr>
+        <p:style>
+          <a:lnRef idx="1">
+            <a:schemeClr val="accent1"/>
+          </a:lnRef>
+          <a:fillRef idx="0">
+            <a:schemeClr val="accent1"/>
+          </a:fillRef>
+          <a:effectRef idx="0">
+            <a:schemeClr val="accent1"/>
+          </a:effectRef>
+          <a:fontRef idx="minor">
+            <a:schemeClr val="tx1"/>
+          </a:fontRef>
+        </p:style>
+      </p:cxnSp>
     </p:spTree>
     <p:extLst>
       <p:ext uri="{BB962C8B-B14F-4D97-AF65-F5344CB8AC3E}">
-        <p14:creationId xmlns:p14="http://schemas.microsoft.com/office/powerpoint/2010/main" val="894287689"/>
+        <p14:creationId xmlns:p14="http://schemas.microsoft.com/office/powerpoint/2010/main" val="1262284361"/>
       </p:ext>
     </p:extLst>
   </p:cSld>
@@ -7550,27 +8316,15 @@
           <a:p>
             <a:r>
               <a:rPr lang="fr-FR" dirty="0" smtClean="0"/>
-              <a:t>Marie</a:t>
-            </a:r>
-            <a:endParaRPr lang="fr-FR" dirty="0"/>
-          </a:p>
-        </p:txBody>
-      </p:sp>
-      <p:sp>
-        <p:nvSpPr>
-          <p:cNvPr id="5" name="Espace réservé du contenu 4"/>
-          <p:cNvSpPr>
-            <a:spLocks noGrp="1"/>
-          </p:cNvSpPr>
-          <p:nvPr>
-            <p:ph idx="1"/>
-          </p:nvPr>
-        </p:nvSpPr>
-        <p:spPr/>
-        <p:txBody>
-          <a:bodyPr/>
-          <a:lstStyle/>
-          <a:p>
+              <a:t>Répartition des tâches</a:t>
+            </a:r>
+            <a:br>
+              <a:rPr lang="fr-FR" dirty="0" smtClean="0"/>
+            </a:br>
+            <a:r>
+              <a:rPr lang="fr-FR" sz="1400" dirty="0" smtClean="0"/>
+              <a:t>« Fais ça, fais ce ci. Moi je vais manger. »</a:t>
+            </a:r>
             <a:endParaRPr lang="fr-FR" dirty="0"/>
           </a:p>
         </p:txBody>
@@ -7578,7 +8332,7 @@
     </p:spTree>
     <p:extLst>
       <p:ext uri="{BB962C8B-B14F-4D97-AF65-F5344CB8AC3E}">
-        <p14:creationId xmlns:p14="http://schemas.microsoft.com/office/powerpoint/2010/main" val="4204378190"/>
+        <p14:creationId xmlns:p14="http://schemas.microsoft.com/office/powerpoint/2010/main" val="894287689"/>
       </p:ext>
     </p:extLst>
   </p:cSld>
@@ -7629,7 +8383,7 @@
           <a:p>
             <a:r>
               <a:rPr lang="fr-FR" dirty="0" smtClean="0"/>
-              <a:t>Nicolas</a:t>
+              <a:t>Marie</a:t>
             </a:r>
             <a:endParaRPr lang="fr-FR" dirty="0"/>
           </a:p>
@@ -7650,58 +8404,41 @@
           <a:bodyPr/>
           <a:lstStyle/>
           <a:p>
-            <a:r>
-              <a:rPr lang="fr-FR" dirty="0" smtClean="0"/>
-              <a:t>Responsable de la gestion des Game objets:</a:t>
-            </a:r>
-          </a:p>
-          <a:p>
-            <a:pPr lvl="1"/>
-            <a:r>
-              <a:rPr lang="fr-FR" dirty="0" smtClean="0"/>
-              <a:t>Architecture</a:t>
-            </a:r>
-          </a:p>
-          <a:p>
-            <a:pPr lvl="1"/>
-            <a:r>
-              <a:rPr lang="fr-FR" dirty="0" smtClean="0"/>
-              <a:t>Implémentation</a:t>
-            </a:r>
+            <a:pPr>
+              <a:lnSpc>
+                <a:spcPct val="250000"/>
+              </a:lnSpc>
+            </a:pPr>
+            <a:r>
+              <a:rPr lang="fr-FR" dirty="0" smtClean="0"/>
+              <a:t>Scripting des IAs en LUA</a:t>
+            </a:r>
+          </a:p>
+          <a:p>
+            <a:pPr>
+              <a:lnSpc>
+                <a:spcPct val="250000"/>
+              </a:lnSpc>
+            </a:pPr>
+            <a:r>
+              <a:rPr lang="fr-FR" dirty="0" smtClean="0"/>
+              <a:t>Recherches sur la GDL</a:t>
+            </a:r>
+          </a:p>
+          <a:p>
+            <a:pPr>
+              <a:lnSpc>
+                <a:spcPct val="250000"/>
+              </a:lnSpc>
+            </a:pPr>
             <a:endParaRPr lang="fr-FR" dirty="0"/>
-          </a:p>
-          <a:p>
-            <a:pPr lvl="1"/>
-            <a:endParaRPr lang="fr-FR" dirty="0" smtClean="0"/>
-          </a:p>
-          <a:p>
-            <a:r>
-              <a:rPr lang="fr-FR" dirty="0" smtClean="0"/>
-              <a:t>Responsable du rendu visuel:</a:t>
-            </a:r>
-          </a:p>
-          <a:p>
-            <a:pPr lvl="1"/>
-            <a:r>
-              <a:rPr lang="fr-FR" dirty="0" smtClean="0"/>
-              <a:t>Chargement des modèles</a:t>
-            </a:r>
-            <a:endParaRPr lang="fr-FR" dirty="0" smtClean="0"/>
-          </a:p>
-          <a:p>
-            <a:pPr lvl="1"/>
-            <a:r>
-              <a:rPr lang="fr-FR" dirty="0" smtClean="0"/>
-              <a:t>Gestion des animations</a:t>
-            </a:r>
-            <a:endParaRPr lang="fr-FR" dirty="0" smtClean="0"/>
           </a:p>
         </p:txBody>
       </p:sp>
     </p:spTree>
     <p:extLst>
       <p:ext uri="{BB962C8B-B14F-4D97-AF65-F5344CB8AC3E}">
-        <p14:creationId xmlns:p14="http://schemas.microsoft.com/office/powerpoint/2010/main" val="1877064531"/>
+        <p14:creationId xmlns:p14="http://schemas.microsoft.com/office/powerpoint/2010/main" val="4204378190"/>
       </p:ext>
     </p:extLst>
   </p:cSld>
@@ -7751,8 +8488,8 @@
           <a:lstStyle/>
           <a:p>
             <a:r>
-              <a:rPr lang="fr-FR" dirty="0" err="1" smtClean="0"/>
-              <a:t>Pelayo</a:t>
+              <a:rPr lang="fr-FR" dirty="0" smtClean="0"/>
+              <a:t>Nicolas</a:t>
             </a:r>
             <a:endParaRPr lang="fr-FR" dirty="0"/>
           </a:p>
@@ -7768,19 +8505,65 @@
             <p:ph idx="1"/>
           </p:nvPr>
         </p:nvSpPr>
-        <p:spPr/>
+        <p:spPr>
+          <a:xfrm>
+            <a:off x="457200" y="2071072"/>
+            <a:ext cx="8229600" cy="4526280"/>
+          </a:xfrm>
+        </p:spPr>
         <p:txBody>
           <a:bodyPr/>
           <a:lstStyle/>
           <a:p>
-            <a:endParaRPr lang="fr-FR"/>
+            <a:pPr>
+              <a:lnSpc>
+                <a:spcPct val="150000"/>
+              </a:lnSpc>
+            </a:pPr>
+            <a:r>
+              <a:rPr lang="fr-FR" dirty="0" smtClean="0"/>
+              <a:t>Gestion des </a:t>
+            </a:r>
+            <a:r>
+              <a:rPr lang="fr-FR" dirty="0" smtClean="0"/>
+              <a:t>Game </a:t>
+            </a:r>
+            <a:r>
+              <a:rPr lang="fr-FR" dirty="0" smtClean="0"/>
+              <a:t>O</a:t>
+            </a:r>
+            <a:r>
+              <a:rPr lang="fr-FR" dirty="0" smtClean="0"/>
+              <a:t>bjects</a:t>
+            </a:r>
+            <a:endParaRPr lang="fr-FR" dirty="0" smtClean="0"/>
+          </a:p>
+          <a:p>
+            <a:pPr marL="0" indent="0">
+              <a:lnSpc>
+                <a:spcPct val="150000"/>
+              </a:lnSpc>
+              <a:buNone/>
+            </a:pPr>
+            <a:endParaRPr lang="fr-FR" dirty="0" smtClean="0"/>
+          </a:p>
+          <a:p>
+            <a:pPr>
+              <a:lnSpc>
+                <a:spcPct val="150000"/>
+              </a:lnSpc>
+            </a:pPr>
+            <a:r>
+              <a:rPr lang="fr-FR" dirty="0" smtClean="0"/>
+              <a:t>Responsable du Rendu visuel</a:t>
+            </a:r>
           </a:p>
         </p:txBody>
       </p:sp>
     </p:spTree>
     <p:extLst>
       <p:ext uri="{BB962C8B-B14F-4D97-AF65-F5344CB8AC3E}">
-        <p14:creationId xmlns:p14="http://schemas.microsoft.com/office/powerpoint/2010/main" val="2554971543"/>
+        <p14:creationId xmlns:p14="http://schemas.microsoft.com/office/powerpoint/2010/main" val="1877064531"/>
       </p:ext>
     </p:extLst>
   </p:cSld>
@@ -7885,15 +8668,7 @@
             </a:pPr>
             <a:r>
               <a:rPr lang="fr-FR" dirty="0" smtClean="0"/>
-              <a:t>Conception </a:t>
-            </a:r>
-            <a:r>
-              <a:rPr lang="fr-FR" dirty="0" smtClean="0"/>
-              <a:t>du </a:t>
-            </a:r>
-            <a:r>
-              <a:rPr lang="fr-FR" dirty="0" smtClean="0"/>
-              <a:t>projet</a:t>
+              <a:t>Conception du projet</a:t>
             </a:r>
           </a:p>
           <a:p>
@@ -7910,7 +8685,6 @@
               <a:rPr lang="fr-FR" dirty="0" smtClean="0"/>
               <a:t>tâches</a:t>
             </a:r>
-            <a:endParaRPr lang="fr-FR" dirty="0" smtClean="0"/>
           </a:p>
           <a:p>
             <a:pPr>
@@ -7990,7 +8764,7 @@
           <a:p>
             <a:r>
               <a:rPr lang="fr-FR" dirty="0" smtClean="0"/>
-              <a:t>Barthélémy</a:t>
+              <a:t>Barthélémy &amp; Pelayo</a:t>
             </a:r>
             <a:endParaRPr lang="fr-FR" dirty="0"/>
           </a:p>
@@ -8011,7 +8785,39 @@
           <a:bodyPr/>
           <a:lstStyle/>
           <a:p>
-            <a:endParaRPr lang="fr-FR"/>
+            <a:pPr>
+              <a:lnSpc>
+                <a:spcPct val="200000"/>
+              </a:lnSpc>
+            </a:pPr>
+            <a:r>
+              <a:rPr lang="fr-FR" dirty="0" smtClean="0"/>
+              <a:t>Game Engine</a:t>
+            </a:r>
+            <a:endParaRPr lang="fr-FR" dirty="0"/>
+          </a:p>
+          <a:p>
+            <a:pPr>
+              <a:lnSpc>
+                <a:spcPct val="200000"/>
+              </a:lnSpc>
+            </a:pPr>
+            <a:r>
+              <a:rPr lang="fr-FR" dirty="0" smtClean="0"/>
+              <a:t>Scenes Manager</a:t>
+            </a:r>
+          </a:p>
+          <a:p>
+            <a:pPr>
+              <a:lnSpc>
+                <a:spcPct val="200000"/>
+              </a:lnSpc>
+            </a:pPr>
+            <a:r>
+              <a:rPr lang="fr-FR" dirty="0" smtClean="0"/>
+              <a:t>Game Scene</a:t>
+            </a:r>
+            <a:endParaRPr lang="fr-FR" dirty="0"/>
           </a:p>
         </p:txBody>
       </p:sp>
@@ -8164,46 +8970,62 @@
             <p:ph idx="1"/>
           </p:nvPr>
         </p:nvSpPr>
-        <p:spPr/>
+        <p:spPr>
+          <a:xfrm>
+            <a:off x="467544" y="1916832"/>
+            <a:ext cx="8229600" cy="4526280"/>
+          </a:xfrm>
+        </p:spPr>
         <p:txBody>
           <a:bodyPr/>
           <a:lstStyle/>
           <a:p>
+            <a:pPr>
+              <a:lnSpc>
+                <a:spcPct val="200000"/>
+              </a:lnSpc>
+            </a:pPr>
             <a:r>
               <a:rPr lang="fr-FR" dirty="0" smtClean="0"/>
               <a:t>Intégration </a:t>
             </a:r>
             <a:r>
-              <a:rPr lang="fr-FR" dirty="0" err="1" smtClean="0"/>
-              <a:t>Lua</a:t>
+              <a:rPr lang="fr-FR" dirty="0" smtClean="0"/>
+              <a:t>LUA</a:t>
             </a:r>
             <a:endParaRPr lang="fr-FR" dirty="0" smtClean="0"/>
           </a:p>
           <a:p>
+            <a:pPr>
+              <a:lnSpc>
+                <a:spcPct val="200000"/>
+              </a:lnSpc>
+            </a:pPr>
             <a:r>
               <a:rPr lang="fr-FR" dirty="0" smtClean="0"/>
               <a:t>API pour les scripts </a:t>
             </a:r>
             <a:r>
-              <a:rPr lang="fr-FR" dirty="0" err="1" smtClean="0"/>
-              <a:t>Lua</a:t>
+              <a:rPr lang="fr-FR" dirty="0" smtClean="0"/>
+              <a:t>LUA</a:t>
             </a:r>
             <a:endParaRPr lang="fr-FR" dirty="0" smtClean="0"/>
           </a:p>
           <a:p>
-            <a:r>
-              <a:rPr lang="fr-FR" dirty="0" smtClean="0"/>
-              <a:t>Gestionnaire de configuration</a:t>
-            </a:r>
-          </a:p>
-          <a:p>
-            <a:r>
-              <a:rPr lang="fr-FR" dirty="0" smtClean="0"/>
-              <a:t>Les objets</a:t>
-            </a:r>
-          </a:p>
-          <a:p>
-            <a:endParaRPr lang="fr-FR" dirty="0"/>
+            <a:pPr>
+              <a:lnSpc>
+                <a:spcPct val="200000"/>
+              </a:lnSpc>
+            </a:pPr>
+            <a:r>
+              <a:rPr lang="fr-FR" dirty="0" smtClean="0"/>
+              <a:t>Gestionnaire de </a:t>
+            </a:r>
+            <a:r>
+              <a:rPr lang="fr-FR" dirty="0" smtClean="0"/>
+              <a:t>configuration</a:t>
+            </a:r>
+            <a:endParaRPr lang="fr-FR" dirty="0" smtClean="0"/>
           </a:p>
         </p:txBody>
       </p:sp>
@@ -8328,11 +9150,7 @@
           <a:p>
             <a:r>
               <a:rPr lang="fr-FR" dirty="0" smtClean="0"/>
-              <a:t>Intégration </a:t>
-            </a:r>
-            <a:r>
-              <a:rPr lang="fr-FR" dirty="0" err="1" smtClean="0"/>
-              <a:t>Lua</a:t>
+              <a:t>Conception Vs Codage</a:t>
             </a:r>
             <a:endParaRPr lang="fr-FR" dirty="0"/>
           </a:p>
@@ -8355,52 +9173,26 @@
           <a:p>
             <a:r>
               <a:rPr lang="fr-FR" dirty="0" smtClean="0"/>
-              <a:t>Bibliothèque C</a:t>
-            </a:r>
-          </a:p>
-          <a:p>
-            <a:endParaRPr lang="fr-FR" dirty="0" smtClean="0"/>
-          </a:p>
-          <a:p>
-            <a:r>
-              <a:rPr lang="fr-FR" dirty="0" smtClean="0"/>
-              <a:t>Machine virtuelle</a:t>
-            </a:r>
-          </a:p>
-          <a:p>
-            <a:endParaRPr lang="fr-FR" dirty="0" smtClean="0"/>
-          </a:p>
-          <a:p>
-            <a:r>
-              <a:rPr lang="fr-FR" dirty="0" smtClean="0"/>
-              <a:t>« </a:t>
-            </a:r>
-            <a:r>
-              <a:rPr lang="fr-FR" dirty="0" err="1" smtClean="0"/>
-              <a:t>Stack</a:t>
-            </a:r>
-            <a:r>
-              <a:rPr lang="fr-FR" dirty="0" smtClean="0"/>
-              <a:t> »</a:t>
-            </a:r>
-          </a:p>
-          <a:p>
-            <a:endParaRPr lang="fr-FR" dirty="0" smtClean="0"/>
-          </a:p>
-          <a:p>
-            <a:r>
-              <a:rPr lang="fr-FR" dirty="0" smtClean="0"/>
-              <a:t>Accès au classes sans « </a:t>
-            </a:r>
-            <a:r>
-              <a:rPr lang="fr-FR" dirty="0" err="1" smtClean="0"/>
-              <a:t>fiendly</a:t>
-            </a:r>
-            <a:r>
-              <a:rPr lang="fr-FR" dirty="0" smtClean="0"/>
-              <a:t> » compliqué</a:t>
-            </a:r>
+              <a:t>3 semaines de conception</a:t>
+            </a:r>
+          </a:p>
+          <a:p>
             <a:endParaRPr lang="fr-FR" dirty="0"/>
+          </a:p>
+          <a:p>
+            <a:r>
+              <a:rPr lang="fr-FR" dirty="0" smtClean="0"/>
+              <a:t>1 semaine de rush</a:t>
+            </a:r>
+          </a:p>
+          <a:p>
+            <a:endParaRPr lang="fr-FR" dirty="0"/>
+          </a:p>
+          <a:p>
+            <a:r>
+              <a:rPr lang="fr-FR" dirty="0" smtClean="0"/>
+              <a:t>Pour tester les limites du groupe</a:t>
+            </a:r>
           </a:p>
         </p:txBody>
       </p:sp>
@@ -8457,8 +9249,88 @@
           <a:lstStyle/>
           <a:p>
             <a:r>
-              <a:rPr lang="fr-FR" dirty="0" smtClean="0"/>
-              <a:t>Conclusion</a:t>
+              <a:rPr lang="fr-FR" dirty="0" err="1" smtClean="0"/>
+              <a:t>HighLights</a:t>
+            </a:r>
+            <a:endParaRPr lang="fr-FR" dirty="0"/>
+          </a:p>
+        </p:txBody>
+      </p:sp>
+      <p:sp>
+        <p:nvSpPr>
+          <p:cNvPr id="5" name="Espace réservé du contenu 4"/>
+          <p:cNvSpPr>
+            <a:spLocks noGrp="1"/>
+          </p:cNvSpPr>
+          <p:nvPr>
+            <p:ph idx="1"/>
+          </p:nvPr>
+        </p:nvSpPr>
+        <p:spPr>
+          <a:xfrm>
+            <a:off x="457200" y="1412776"/>
+            <a:ext cx="8229600" cy="4680520"/>
+          </a:xfrm>
+        </p:spPr>
+        <p:txBody>
+          <a:bodyPr>
+            <a:normAutofit fontScale="92500" lnSpcReduction="10000"/>
+          </a:bodyPr>
+          <a:lstStyle/>
+          <a:p>
+            <a:r>
+              <a:rPr lang="fr-FR" dirty="0" smtClean="0"/>
+              <a:t>Barth: Coder pendant un mariage</a:t>
+            </a:r>
+          </a:p>
+          <a:p>
+            <a:r>
+              <a:rPr lang="fr-FR" dirty="0" err="1" smtClean="0"/>
+              <a:t>Raph</a:t>
+            </a:r>
+            <a:r>
+              <a:rPr lang="fr-FR" dirty="0" smtClean="0"/>
+              <a:t>: Prendre le relais à 21h quand tout le monde se barre</a:t>
+            </a:r>
+          </a:p>
+          <a:p>
+            <a:r>
+              <a:rPr lang="fr-FR" dirty="0" smtClean="0"/>
+              <a:t>Marie: Coder une IA sans rendu visuel</a:t>
+            </a:r>
+          </a:p>
+          <a:p>
+            <a:r>
+              <a:rPr lang="fr-FR" dirty="0" smtClean="0"/>
+              <a:t>Nicolas: Coder 40h sans dormir</a:t>
+            </a:r>
+          </a:p>
+          <a:p>
+            <a:r>
+              <a:rPr lang="fr-FR" dirty="0" smtClean="0"/>
+              <a:t>Damie</a:t>
+            </a:r>
+            <a:r>
+              <a:rPr lang="fr-FR" dirty="0" smtClean="0"/>
+              <a:t>n: Migration SDL1 -&gt; SDL2 (h-24)</a:t>
+            </a:r>
+          </a:p>
+          <a:p>
+            <a:r>
+              <a:rPr lang="fr-FR" dirty="0" smtClean="0"/>
+              <a:t>Pelayo: Travailler en binômes avec un loup solitaire</a:t>
+            </a:r>
+          </a:p>
+          <a:p>
+            <a:r>
+              <a:rPr lang="fr-FR" dirty="0" smtClean="0"/>
+              <a:t>Olivier: Travailler sur un FBX du GDL</a:t>
+            </a:r>
+          </a:p>
+          <a:p>
+            <a:r>
+              <a:rPr lang="fr-FR" dirty="0" smtClean="0"/>
+              <a:t>Barth: Vient de comprendre l’acronyme GDL en écrivant la dernière ligne du PowerPoint</a:t>
             </a:r>
             <a:endParaRPr lang="fr-FR" dirty="0"/>
           </a:p>
@@ -8467,19 +9339,541 @@
     </p:spTree>
     <p:extLst>
       <p:ext uri="{BB962C8B-B14F-4D97-AF65-F5344CB8AC3E}">
-        <p14:creationId xmlns:p14="http://schemas.microsoft.com/office/powerpoint/2010/main" val="847146004"/>
+        <p14:creationId xmlns:p14="http://schemas.microsoft.com/office/powerpoint/2010/main" val="4067587293"/>
       </p:ext>
     </p:extLst>
   </p:cSld>
   <p:clrMapOvr>
     <a:masterClrMapping/>
   </p:clrMapOvr>
+  <mc:AlternateContent xmlns:mc="http://schemas.openxmlformats.org/markup-compatibility/2006">
+    <mc:Choice xmlns:p14="http://schemas.microsoft.com/office/powerpoint/2010/main" Requires="p14">
+      <p:transition spd="slow" p14:dur="2000"/>
+    </mc:Choice>
+    <mc:Fallback>
+      <p:transition spd="slow"/>
+    </mc:Fallback>
+  </mc:AlternateContent>
   <p:timing>
     <p:tnLst>
       <p:par>
-        <p:cTn id="1" dur="indefinite" restart="never" nodeType="tmRoot"/>
+        <p:cTn id="1" dur="indefinite" restart="never" nodeType="tmRoot">
+          <p:childTnLst>
+            <p:seq concurrent="1" nextAc="seek">
+              <p:cTn id="2" dur="indefinite" nodeType="mainSeq">
+                <p:childTnLst>
+                  <p:par>
+                    <p:cTn id="3" fill="hold">
+                      <p:stCondLst>
+                        <p:cond delay="indefinite"/>
+                      </p:stCondLst>
+                      <p:childTnLst>
+                        <p:par>
+                          <p:cTn id="4" fill="hold">
+                            <p:stCondLst>
+                              <p:cond delay="0"/>
+                            </p:stCondLst>
+                            <p:childTnLst>
+                              <p:par>
+                                <p:cTn id="5" presetID="10" presetClass="entr" presetSubtype="0" fill="hold" grpId="0" nodeType="clickEffect">
+                                  <p:stCondLst>
+                                    <p:cond delay="0"/>
+                                  </p:stCondLst>
+                                  <p:childTnLst>
+                                    <p:set>
+                                      <p:cBhvr>
+                                        <p:cTn id="6" dur="1" fill="hold">
+                                          <p:stCondLst>
+                                            <p:cond delay="0"/>
+                                          </p:stCondLst>
+                                        </p:cTn>
+                                        <p:tgtEl>
+                                          <p:spTgt spid="5">
+                                            <p:txEl>
+                                              <p:pRg st="0" end="0"/>
+                                            </p:txEl>
+                                          </p:spTgt>
+                                        </p:tgtEl>
+                                        <p:attrNameLst>
+                                          <p:attrName>style.visibility</p:attrName>
+                                        </p:attrNameLst>
+                                      </p:cBhvr>
+                                      <p:to>
+                                        <p:strVal val="visible"/>
+                                      </p:to>
+                                    </p:set>
+                                    <p:animEffect transition="in" filter="fade">
+                                      <p:cBhvr>
+                                        <p:cTn id="7" dur="500"/>
+                                        <p:tgtEl>
+                                          <p:spTgt spid="5">
+                                            <p:txEl>
+                                              <p:pRg st="0" end="0"/>
+                                            </p:txEl>
+                                          </p:spTgt>
+                                        </p:tgtEl>
+                                      </p:cBhvr>
+                                    </p:animEffect>
+                                  </p:childTnLst>
+                                </p:cTn>
+                              </p:par>
+                            </p:childTnLst>
+                          </p:cTn>
+                        </p:par>
+                      </p:childTnLst>
+                    </p:cTn>
+                  </p:par>
+                  <p:par>
+                    <p:cTn id="8" fill="hold">
+                      <p:stCondLst>
+                        <p:cond delay="indefinite"/>
+                      </p:stCondLst>
+                      <p:childTnLst>
+                        <p:par>
+                          <p:cTn id="9" fill="hold">
+                            <p:stCondLst>
+                              <p:cond delay="0"/>
+                            </p:stCondLst>
+                            <p:childTnLst>
+                              <p:par>
+                                <p:cTn id="10" presetID="10" presetClass="entr" presetSubtype="0" fill="hold" grpId="0" nodeType="clickEffect">
+                                  <p:stCondLst>
+                                    <p:cond delay="0"/>
+                                  </p:stCondLst>
+                                  <p:childTnLst>
+                                    <p:set>
+                                      <p:cBhvr>
+                                        <p:cTn id="11" dur="1" fill="hold">
+                                          <p:stCondLst>
+                                            <p:cond delay="0"/>
+                                          </p:stCondLst>
+                                        </p:cTn>
+                                        <p:tgtEl>
+                                          <p:spTgt spid="5">
+                                            <p:txEl>
+                                              <p:pRg st="1" end="1"/>
+                                            </p:txEl>
+                                          </p:spTgt>
+                                        </p:tgtEl>
+                                        <p:attrNameLst>
+                                          <p:attrName>style.visibility</p:attrName>
+                                        </p:attrNameLst>
+                                      </p:cBhvr>
+                                      <p:to>
+                                        <p:strVal val="visible"/>
+                                      </p:to>
+                                    </p:set>
+                                    <p:animEffect transition="in" filter="fade">
+                                      <p:cBhvr>
+                                        <p:cTn id="12" dur="500"/>
+                                        <p:tgtEl>
+                                          <p:spTgt spid="5">
+                                            <p:txEl>
+                                              <p:pRg st="1" end="1"/>
+                                            </p:txEl>
+                                          </p:spTgt>
+                                        </p:tgtEl>
+                                      </p:cBhvr>
+                                    </p:animEffect>
+                                  </p:childTnLst>
+                                </p:cTn>
+                              </p:par>
+                            </p:childTnLst>
+                          </p:cTn>
+                        </p:par>
+                      </p:childTnLst>
+                    </p:cTn>
+                  </p:par>
+                  <p:par>
+                    <p:cTn id="13" fill="hold">
+                      <p:stCondLst>
+                        <p:cond delay="indefinite"/>
+                      </p:stCondLst>
+                      <p:childTnLst>
+                        <p:par>
+                          <p:cTn id="14" fill="hold">
+                            <p:stCondLst>
+                              <p:cond delay="0"/>
+                            </p:stCondLst>
+                            <p:childTnLst>
+                              <p:par>
+                                <p:cTn id="15" presetID="10" presetClass="entr" presetSubtype="0" fill="hold" grpId="0" nodeType="clickEffect">
+                                  <p:stCondLst>
+                                    <p:cond delay="0"/>
+                                  </p:stCondLst>
+                                  <p:childTnLst>
+                                    <p:set>
+                                      <p:cBhvr>
+                                        <p:cTn id="16" dur="1" fill="hold">
+                                          <p:stCondLst>
+                                            <p:cond delay="0"/>
+                                          </p:stCondLst>
+                                        </p:cTn>
+                                        <p:tgtEl>
+                                          <p:spTgt spid="5">
+                                            <p:txEl>
+                                              <p:pRg st="2" end="2"/>
+                                            </p:txEl>
+                                          </p:spTgt>
+                                        </p:tgtEl>
+                                        <p:attrNameLst>
+                                          <p:attrName>style.visibility</p:attrName>
+                                        </p:attrNameLst>
+                                      </p:cBhvr>
+                                      <p:to>
+                                        <p:strVal val="visible"/>
+                                      </p:to>
+                                    </p:set>
+                                    <p:animEffect transition="in" filter="fade">
+                                      <p:cBhvr>
+                                        <p:cTn id="17" dur="500"/>
+                                        <p:tgtEl>
+                                          <p:spTgt spid="5">
+                                            <p:txEl>
+                                              <p:pRg st="2" end="2"/>
+                                            </p:txEl>
+                                          </p:spTgt>
+                                        </p:tgtEl>
+                                      </p:cBhvr>
+                                    </p:animEffect>
+                                  </p:childTnLst>
+                                </p:cTn>
+                              </p:par>
+                            </p:childTnLst>
+                          </p:cTn>
+                        </p:par>
+                      </p:childTnLst>
+                    </p:cTn>
+                  </p:par>
+                  <p:par>
+                    <p:cTn id="18" fill="hold">
+                      <p:stCondLst>
+                        <p:cond delay="indefinite"/>
+                      </p:stCondLst>
+                      <p:childTnLst>
+                        <p:par>
+                          <p:cTn id="19" fill="hold">
+                            <p:stCondLst>
+                              <p:cond delay="0"/>
+                            </p:stCondLst>
+                            <p:childTnLst>
+                              <p:par>
+                                <p:cTn id="20" presetID="10" presetClass="entr" presetSubtype="0" fill="hold" grpId="0" nodeType="clickEffect">
+                                  <p:stCondLst>
+                                    <p:cond delay="0"/>
+                                  </p:stCondLst>
+                                  <p:childTnLst>
+                                    <p:set>
+                                      <p:cBhvr>
+                                        <p:cTn id="21" dur="1" fill="hold">
+                                          <p:stCondLst>
+                                            <p:cond delay="0"/>
+                                          </p:stCondLst>
+                                        </p:cTn>
+                                        <p:tgtEl>
+                                          <p:spTgt spid="5">
+                                            <p:txEl>
+                                              <p:pRg st="3" end="3"/>
+                                            </p:txEl>
+                                          </p:spTgt>
+                                        </p:tgtEl>
+                                        <p:attrNameLst>
+                                          <p:attrName>style.visibility</p:attrName>
+                                        </p:attrNameLst>
+                                      </p:cBhvr>
+                                      <p:to>
+                                        <p:strVal val="visible"/>
+                                      </p:to>
+                                    </p:set>
+                                    <p:animEffect transition="in" filter="fade">
+                                      <p:cBhvr>
+                                        <p:cTn id="22" dur="500"/>
+                                        <p:tgtEl>
+                                          <p:spTgt spid="5">
+                                            <p:txEl>
+                                              <p:pRg st="3" end="3"/>
+                                            </p:txEl>
+                                          </p:spTgt>
+                                        </p:tgtEl>
+                                      </p:cBhvr>
+                                    </p:animEffect>
+                                  </p:childTnLst>
+                                </p:cTn>
+                              </p:par>
+                            </p:childTnLst>
+                          </p:cTn>
+                        </p:par>
+                      </p:childTnLst>
+                    </p:cTn>
+                  </p:par>
+                  <p:par>
+                    <p:cTn id="23" fill="hold">
+                      <p:stCondLst>
+                        <p:cond delay="indefinite"/>
+                      </p:stCondLst>
+                      <p:childTnLst>
+                        <p:par>
+                          <p:cTn id="24" fill="hold">
+                            <p:stCondLst>
+                              <p:cond delay="0"/>
+                            </p:stCondLst>
+                            <p:childTnLst>
+                              <p:par>
+                                <p:cTn id="25" presetID="10" presetClass="entr" presetSubtype="0" fill="hold" grpId="0" nodeType="clickEffect">
+                                  <p:stCondLst>
+                                    <p:cond delay="0"/>
+                                  </p:stCondLst>
+                                  <p:childTnLst>
+                                    <p:set>
+                                      <p:cBhvr>
+                                        <p:cTn id="26" dur="1" fill="hold">
+                                          <p:stCondLst>
+                                            <p:cond delay="0"/>
+                                          </p:stCondLst>
+                                        </p:cTn>
+                                        <p:tgtEl>
+                                          <p:spTgt spid="5">
+                                            <p:txEl>
+                                              <p:pRg st="4" end="4"/>
+                                            </p:txEl>
+                                          </p:spTgt>
+                                        </p:tgtEl>
+                                        <p:attrNameLst>
+                                          <p:attrName>style.visibility</p:attrName>
+                                        </p:attrNameLst>
+                                      </p:cBhvr>
+                                      <p:to>
+                                        <p:strVal val="visible"/>
+                                      </p:to>
+                                    </p:set>
+                                    <p:animEffect transition="in" filter="fade">
+                                      <p:cBhvr>
+                                        <p:cTn id="27" dur="500"/>
+                                        <p:tgtEl>
+                                          <p:spTgt spid="5">
+                                            <p:txEl>
+                                              <p:pRg st="4" end="4"/>
+                                            </p:txEl>
+                                          </p:spTgt>
+                                        </p:tgtEl>
+                                      </p:cBhvr>
+                                    </p:animEffect>
+                                  </p:childTnLst>
+                                </p:cTn>
+                              </p:par>
+                            </p:childTnLst>
+                          </p:cTn>
+                        </p:par>
+                      </p:childTnLst>
+                    </p:cTn>
+                  </p:par>
+                  <p:par>
+                    <p:cTn id="28" fill="hold">
+                      <p:stCondLst>
+                        <p:cond delay="indefinite"/>
+                      </p:stCondLst>
+                      <p:childTnLst>
+                        <p:par>
+                          <p:cTn id="29" fill="hold">
+                            <p:stCondLst>
+                              <p:cond delay="0"/>
+                            </p:stCondLst>
+                            <p:childTnLst>
+                              <p:par>
+                                <p:cTn id="30" presetID="10" presetClass="entr" presetSubtype="0" fill="hold" grpId="0" nodeType="clickEffect">
+                                  <p:stCondLst>
+                                    <p:cond delay="0"/>
+                                  </p:stCondLst>
+                                  <p:childTnLst>
+                                    <p:set>
+                                      <p:cBhvr>
+                                        <p:cTn id="31" dur="1" fill="hold">
+                                          <p:stCondLst>
+                                            <p:cond delay="0"/>
+                                          </p:stCondLst>
+                                        </p:cTn>
+                                        <p:tgtEl>
+                                          <p:spTgt spid="5">
+                                            <p:txEl>
+                                              <p:pRg st="5" end="5"/>
+                                            </p:txEl>
+                                          </p:spTgt>
+                                        </p:tgtEl>
+                                        <p:attrNameLst>
+                                          <p:attrName>style.visibility</p:attrName>
+                                        </p:attrNameLst>
+                                      </p:cBhvr>
+                                      <p:to>
+                                        <p:strVal val="visible"/>
+                                      </p:to>
+                                    </p:set>
+                                    <p:animEffect transition="in" filter="fade">
+                                      <p:cBhvr>
+                                        <p:cTn id="32" dur="500"/>
+                                        <p:tgtEl>
+                                          <p:spTgt spid="5">
+                                            <p:txEl>
+                                              <p:pRg st="5" end="5"/>
+                                            </p:txEl>
+                                          </p:spTgt>
+                                        </p:tgtEl>
+                                      </p:cBhvr>
+                                    </p:animEffect>
+                                  </p:childTnLst>
+                                </p:cTn>
+                              </p:par>
+                            </p:childTnLst>
+                          </p:cTn>
+                        </p:par>
+                      </p:childTnLst>
+                    </p:cTn>
+                  </p:par>
+                  <p:par>
+                    <p:cTn id="33" fill="hold">
+                      <p:stCondLst>
+                        <p:cond delay="indefinite"/>
+                      </p:stCondLst>
+                      <p:childTnLst>
+                        <p:par>
+                          <p:cTn id="34" fill="hold">
+                            <p:stCondLst>
+                              <p:cond delay="0"/>
+                            </p:stCondLst>
+                            <p:childTnLst>
+                              <p:par>
+                                <p:cTn id="35" presetID="10" presetClass="entr" presetSubtype="0" fill="hold" grpId="0" nodeType="clickEffect">
+                                  <p:stCondLst>
+                                    <p:cond delay="0"/>
+                                  </p:stCondLst>
+                                  <p:childTnLst>
+                                    <p:set>
+                                      <p:cBhvr>
+                                        <p:cTn id="36" dur="1" fill="hold">
+                                          <p:stCondLst>
+                                            <p:cond delay="0"/>
+                                          </p:stCondLst>
+                                        </p:cTn>
+                                        <p:tgtEl>
+                                          <p:spTgt spid="5">
+                                            <p:txEl>
+                                              <p:pRg st="6" end="6"/>
+                                            </p:txEl>
+                                          </p:spTgt>
+                                        </p:tgtEl>
+                                        <p:attrNameLst>
+                                          <p:attrName>style.visibility</p:attrName>
+                                        </p:attrNameLst>
+                                      </p:cBhvr>
+                                      <p:to>
+                                        <p:strVal val="visible"/>
+                                      </p:to>
+                                    </p:set>
+                                    <p:animEffect transition="in" filter="fade">
+                                      <p:cBhvr>
+                                        <p:cTn id="37" dur="500"/>
+                                        <p:tgtEl>
+                                          <p:spTgt spid="5">
+                                            <p:txEl>
+                                              <p:pRg st="6" end="6"/>
+                                            </p:txEl>
+                                          </p:spTgt>
+                                        </p:tgtEl>
+                                      </p:cBhvr>
+                                    </p:animEffect>
+                                  </p:childTnLst>
+                                </p:cTn>
+                              </p:par>
+                            </p:childTnLst>
+                          </p:cTn>
+                        </p:par>
+                      </p:childTnLst>
+                    </p:cTn>
+                  </p:par>
+                  <p:par>
+                    <p:cTn id="38" fill="hold">
+                      <p:stCondLst>
+                        <p:cond delay="indefinite"/>
+                      </p:stCondLst>
+                      <p:childTnLst>
+                        <p:par>
+                          <p:cTn id="39" fill="hold">
+                            <p:stCondLst>
+                              <p:cond delay="0"/>
+                            </p:stCondLst>
+                            <p:childTnLst>
+                              <p:par>
+                                <p:cTn id="40" presetID="10" presetClass="entr" presetSubtype="0" fill="hold" grpId="0" nodeType="clickEffect">
+                                  <p:stCondLst>
+                                    <p:cond delay="0"/>
+                                  </p:stCondLst>
+                                  <p:childTnLst>
+                                    <p:set>
+                                      <p:cBhvr>
+                                        <p:cTn id="41" dur="1" fill="hold">
+                                          <p:stCondLst>
+                                            <p:cond delay="0"/>
+                                          </p:stCondLst>
+                                        </p:cTn>
+                                        <p:tgtEl>
+                                          <p:spTgt spid="5">
+                                            <p:txEl>
+                                              <p:pRg st="7" end="7"/>
+                                            </p:txEl>
+                                          </p:spTgt>
+                                        </p:tgtEl>
+                                        <p:attrNameLst>
+                                          <p:attrName>style.visibility</p:attrName>
+                                        </p:attrNameLst>
+                                      </p:cBhvr>
+                                      <p:to>
+                                        <p:strVal val="visible"/>
+                                      </p:to>
+                                    </p:set>
+                                    <p:animEffect transition="in" filter="fade">
+                                      <p:cBhvr>
+                                        <p:cTn id="42" dur="500"/>
+                                        <p:tgtEl>
+                                          <p:spTgt spid="5">
+                                            <p:txEl>
+                                              <p:pRg st="7" end="7"/>
+                                            </p:txEl>
+                                          </p:spTgt>
+                                        </p:tgtEl>
+                                      </p:cBhvr>
+                                    </p:animEffect>
+                                  </p:childTnLst>
+                                </p:cTn>
+                              </p:par>
+                            </p:childTnLst>
+                          </p:cTn>
+                        </p:par>
+                      </p:childTnLst>
+                    </p:cTn>
+                  </p:par>
+                </p:childTnLst>
+              </p:cTn>
+              <p:prevCondLst>
+                <p:cond evt="onPrev" delay="0">
+                  <p:tgtEl>
+                    <p:sldTgt/>
+                  </p:tgtEl>
+                </p:cond>
+              </p:prevCondLst>
+              <p:nextCondLst>
+                <p:cond evt="onNext" delay="0">
+                  <p:tgtEl>
+                    <p:sldTgt/>
+                  </p:tgtEl>
+                </p:cond>
+              </p:nextCondLst>
+            </p:seq>
+          </p:childTnLst>
+        </p:cTn>
       </p:par>
     </p:tnLst>
+    <p:bldLst>
+      <p:bldP spid="5" grpId="0" build="p"/>
+    </p:bldLst>
   </p:timing>
 </p:sld>
 </file>
@@ -8518,14 +9912,7 @@
           <a:p>
             <a:r>
               <a:rPr lang="fr-FR" dirty="0" smtClean="0"/>
-              <a:t>Questions</a:t>
-            </a:r>
-            <a:br>
-              <a:rPr lang="fr-FR" dirty="0" smtClean="0"/>
-            </a:br>
-            <a:r>
-              <a:rPr lang="fr-FR" sz="1400" dirty="0" smtClean="0"/>
-              <a:t>« RTFM. »</a:t>
+              <a:t>Conclusion</a:t>
             </a:r>
             <a:endParaRPr lang="fr-FR" dirty="0"/>
           </a:p>
@@ -8552,6 +9939,73 @@
 </file>
 
 <file path=ppt/slides/slide27.xml><?xml version="1.0" encoding="utf-8"?>
+<p:sld xmlns:a="http://schemas.openxmlformats.org/drawingml/2006/main" xmlns:r="http://schemas.openxmlformats.org/officeDocument/2006/relationships" xmlns:p="http://schemas.openxmlformats.org/presentationml/2006/main">
+  <p:cSld>
+    <p:spTree>
+      <p:nvGrpSpPr>
+        <p:cNvPr id="1" name=""/>
+        <p:cNvGrpSpPr/>
+        <p:nvPr/>
+      </p:nvGrpSpPr>
+      <p:grpSpPr>
+        <a:xfrm>
+          <a:off x="0" y="0"/>
+          <a:ext cx="0" cy="0"/>
+          <a:chOff x="0" y="0"/>
+          <a:chExt cx="0" cy="0"/>
+        </a:xfrm>
+      </p:grpSpPr>
+      <p:sp>
+        <p:nvSpPr>
+          <p:cNvPr id="4" name="Titre 3"/>
+          <p:cNvSpPr>
+            <a:spLocks noGrp="1"/>
+          </p:cNvSpPr>
+          <p:nvPr>
+            <p:ph type="title"/>
+          </p:nvPr>
+        </p:nvSpPr>
+        <p:spPr/>
+        <p:txBody>
+          <a:bodyPr/>
+          <a:lstStyle/>
+          <a:p>
+            <a:r>
+              <a:rPr lang="fr-FR" dirty="0" smtClean="0"/>
+              <a:t>Questions</a:t>
+            </a:r>
+            <a:br>
+              <a:rPr lang="fr-FR" dirty="0" smtClean="0"/>
+            </a:br>
+            <a:r>
+              <a:rPr lang="fr-FR" sz="1400" dirty="0" smtClean="0"/>
+              <a:t>« RTFM. »</a:t>
+            </a:r>
+            <a:endParaRPr lang="fr-FR" dirty="0"/>
+          </a:p>
+        </p:txBody>
+      </p:sp>
+    </p:spTree>
+    <p:extLst>
+      <p:ext uri="{BB962C8B-B14F-4D97-AF65-F5344CB8AC3E}">
+        <p14:creationId xmlns:p14="http://schemas.microsoft.com/office/powerpoint/2010/main" val="847146004"/>
+      </p:ext>
+    </p:extLst>
+  </p:cSld>
+  <p:clrMapOvr>
+    <a:masterClrMapping/>
+  </p:clrMapOvr>
+  <p:timing>
+    <p:tnLst>
+      <p:par>
+        <p:cTn id="1" dur="indefinite" restart="never" nodeType="tmRoot"/>
+      </p:par>
+    </p:tnLst>
+  </p:timing>
+</p:sld>
+</file>
+
+<file path=ppt/slides/slide28.xml><?xml version="1.0" encoding="utf-8"?>
 <p:sld xmlns:a="http://schemas.openxmlformats.org/drawingml/2006/main" xmlns:r="http://schemas.openxmlformats.org/officeDocument/2006/relationships" xmlns:p="http://schemas.openxmlformats.org/presentationml/2006/main">
   <p:cSld>
     <p:spTree>

--- a/Bomberman - Présentation.pptx
+++ b/Bomberman - Présentation.pptx
@@ -21,18 +21,19 @@
     <p:sldId id="281" r:id="rId15"/>
     <p:sldId id="289" r:id="rId16"/>
     <p:sldId id="278" r:id="rId17"/>
-    <p:sldId id="282" r:id="rId18"/>
-    <p:sldId id="283" r:id="rId19"/>
-    <p:sldId id="284" r:id="rId20"/>
-    <p:sldId id="286" r:id="rId21"/>
-    <p:sldId id="287" r:id="rId22"/>
-    <p:sldId id="288" r:id="rId23"/>
-    <p:sldId id="268" r:id="rId24"/>
-    <p:sldId id="279" r:id="rId25"/>
-    <p:sldId id="291" r:id="rId26"/>
-    <p:sldId id="270" r:id="rId27"/>
-    <p:sldId id="271" r:id="rId28"/>
-    <p:sldId id="269" r:id="rId29"/>
+    <p:sldId id="293" r:id="rId18"/>
+    <p:sldId id="282" r:id="rId19"/>
+    <p:sldId id="283" r:id="rId20"/>
+    <p:sldId id="284" r:id="rId21"/>
+    <p:sldId id="286" r:id="rId22"/>
+    <p:sldId id="287" r:id="rId23"/>
+    <p:sldId id="288" r:id="rId24"/>
+    <p:sldId id="268" r:id="rId25"/>
+    <p:sldId id="279" r:id="rId26"/>
+    <p:sldId id="291" r:id="rId27"/>
+    <p:sldId id="270" r:id="rId28"/>
+    <p:sldId id="271" r:id="rId29"/>
+    <p:sldId id="269" r:id="rId30"/>
   </p:sldIdLst>
   <p:sldSz cx="9144000" cy="6858000" type="screen4x3"/>
   <p:notesSz cx="6858000" cy="9144000"/>
@@ -380,7 +381,7 @@
           <a:p>
             <a:fld id="{AD3F4CB0-C241-4AEC-8249-FEACF728C1A2}" type="slidenum">
               <a:rPr lang="fr-FR" smtClean="0"/>
-              <a:t>‹#›</a:t>
+              <a:t>‹N°›</a:t>
             </a:fld>
             <a:endParaRPr lang="fr-FR"/>
           </a:p>
@@ -581,7 +582,7 @@
           <a:p>
             <a:fld id="{AD3F4CB0-C241-4AEC-8249-FEACF728C1A2}" type="slidenum">
               <a:rPr lang="fr-FR" smtClean="0"/>
-              <a:t>‹#›</a:t>
+              <a:t>‹N°›</a:t>
             </a:fld>
             <a:endParaRPr lang="fr-FR"/>
           </a:p>
@@ -769,7 +770,7 @@
           <a:p>
             <a:fld id="{AD3F4CB0-C241-4AEC-8249-FEACF728C1A2}" type="slidenum">
               <a:rPr lang="fr-FR" smtClean="0"/>
-              <a:t>‹#›</a:t>
+              <a:t>‹N°›</a:t>
             </a:fld>
             <a:endParaRPr lang="fr-FR"/>
           </a:p>
@@ -998,7 +999,7 @@
           <a:p>
             <a:fld id="{AD3F4CB0-C241-4AEC-8249-FEACF728C1A2}" type="slidenum">
               <a:rPr lang="fr-FR" smtClean="0"/>
-              <a:t>‹#›</a:t>
+              <a:t>‹N°›</a:t>
             </a:fld>
             <a:endParaRPr lang="fr-FR"/>
           </a:p>
@@ -1272,7 +1273,7 @@
           <a:p>
             <a:fld id="{AD3F4CB0-C241-4AEC-8249-FEACF728C1A2}" type="slidenum">
               <a:rPr lang="fr-FR" smtClean="0"/>
-              <a:t>‹#›</a:t>
+              <a:t>‹N°›</a:t>
             </a:fld>
             <a:endParaRPr lang="fr-FR"/>
           </a:p>
@@ -1572,7 +1573,7 @@
           <a:p>
             <a:fld id="{AD3F4CB0-C241-4AEC-8249-FEACF728C1A2}" type="slidenum">
               <a:rPr lang="fr-FR" smtClean="0"/>
-              <a:t>‹#›</a:t>
+              <a:t>‹N°›</a:t>
             </a:fld>
             <a:endParaRPr lang="fr-FR"/>
           </a:p>
@@ -2126,7 +2127,7 @@
           <a:p>
             <a:fld id="{AD3F4CB0-C241-4AEC-8249-FEACF728C1A2}" type="slidenum">
               <a:rPr lang="fr-FR" smtClean="0"/>
-              <a:t>‹#›</a:t>
+              <a:t>‹N°›</a:t>
             </a:fld>
             <a:endParaRPr lang="fr-FR"/>
           </a:p>
@@ -2252,7 +2253,7 @@
           <a:p>
             <a:fld id="{AD3F4CB0-C241-4AEC-8249-FEACF728C1A2}" type="slidenum">
               <a:rPr lang="fr-FR" smtClean="0"/>
-              <a:t>‹#›</a:t>
+              <a:t>‹N°›</a:t>
             </a:fld>
             <a:endParaRPr lang="fr-FR"/>
           </a:p>
@@ -2402,7 +2403,7 @@
           <a:p>
             <a:fld id="{AD3F4CB0-C241-4AEC-8249-FEACF728C1A2}" type="slidenum">
               <a:rPr lang="fr-FR" smtClean="0"/>
-              <a:t>‹#›</a:t>
+              <a:t>‹N°›</a:t>
             </a:fld>
             <a:endParaRPr lang="fr-FR"/>
           </a:p>
@@ -2716,7 +2717,7 @@
           <a:p>
             <a:fld id="{AD3F4CB0-C241-4AEC-8249-FEACF728C1A2}" type="slidenum">
               <a:rPr lang="fr-FR" smtClean="0"/>
-              <a:t>‹#›</a:t>
+              <a:t>‹N°›</a:t>
             </a:fld>
             <a:endParaRPr lang="fr-FR"/>
           </a:p>
@@ -3013,7 +3014,7 @@
           <a:p>
             <a:fld id="{AD3F4CB0-C241-4AEC-8249-FEACF728C1A2}" type="slidenum">
               <a:rPr lang="fr-FR" smtClean="0"/>
-              <a:t>‹#›</a:t>
+              <a:t>‹N°›</a:t>
             </a:fld>
             <a:endParaRPr lang="fr-FR"/>
           </a:p>
@@ -3262,7 +3263,7 @@
           <a:p>
             <a:fld id="{AD3F4CB0-C241-4AEC-8249-FEACF728C1A2}" type="slidenum">
               <a:rPr lang="fr-FR" smtClean="0"/>
-              <a:t>‹#›</a:t>
+              <a:t>‹N°›</a:t>
             </a:fld>
             <a:endParaRPr lang="fr-FR"/>
           </a:p>
@@ -6732,7 +6733,15 @@
                   <a:schemeClr val="tx1"/>
                 </a:solidFill>
               </a:rPr>
-              <a:t>Géométrie + texture</a:t>
+              <a:t>Géométrie + </a:t>
+            </a:r>
+            <a:r>
+              <a:rPr lang="fr-FR" dirty="0" smtClean="0">
+                <a:solidFill>
+                  <a:schemeClr val="tx1"/>
+                </a:solidFill>
+              </a:rPr>
+              <a:t>texture + curseur</a:t>
             </a:r>
             <a:endParaRPr lang="fr-FR" dirty="0">
               <a:solidFill>
@@ -6828,8 +6837,8 @@
           <a:lstStyle/>
           <a:p>
             <a:r>
-              <a:rPr lang="fr-FR" dirty="0" err="1" smtClean="0"/>
-              <a:t>Widgets</a:t>
+              <a:rPr lang="fr-FR" dirty="0" smtClean="0"/>
+              <a:t>Menu - Son</a:t>
             </a:r>
             <a:endParaRPr lang="fr-FR" dirty="0"/>
           </a:p>
@@ -7348,6 +7357,50 @@
           </a:fontRef>
         </p:style>
       </p:cxnSp>
+      <p:sp>
+        <p:nvSpPr>
+          <p:cNvPr id="12" name="Rectangle 11"/>
+          <p:cNvSpPr/>
+          <p:nvPr/>
+        </p:nvSpPr>
+        <p:spPr>
+          <a:xfrm>
+            <a:off x="6228372" y="4631922"/>
+            <a:ext cx="1805136" cy="457200"/>
+          </a:xfrm>
+          <a:prstGeom prst="rect">
+            <a:avLst/>
+          </a:prstGeom>
+        </p:spPr>
+        <p:style>
+          <a:lnRef idx="2">
+            <a:schemeClr val="accent1">
+              <a:shade val="50000"/>
+            </a:schemeClr>
+          </a:lnRef>
+          <a:fillRef idx="1">
+            <a:schemeClr val="accent1"/>
+          </a:fillRef>
+          <a:effectRef idx="0">
+            <a:schemeClr val="accent1"/>
+          </a:effectRef>
+          <a:fontRef idx="minor">
+            <a:schemeClr val="lt1"/>
+          </a:fontRef>
+        </p:style>
+        <p:txBody>
+          <a:bodyPr rtlCol="0" anchor="ctr"/>
+          <a:lstStyle/>
+          <a:p>
+            <a:pPr algn="ctr"/>
+            <a:r>
+              <a:rPr lang="fr-FR" dirty="0" err="1" smtClean="0"/>
+              <a:t>SoundManager</a:t>
+            </a:r>
+            <a:endParaRPr lang="fr-FR" dirty="0"/>
+          </a:p>
+        </p:txBody>
+      </p:sp>
     </p:spTree>
     <p:extLst>
       <p:ext uri="{BB962C8B-B14F-4D97-AF65-F5344CB8AC3E}">
@@ -8316,14 +8369,300 @@
           <a:p>
             <a:r>
               <a:rPr lang="fr-FR" dirty="0" smtClean="0"/>
-              <a:t>Répartition des tâches</a:t>
-            </a:r>
-            <a:br>
+              <a:t>IA (</a:t>
+            </a:r>
+            <a:r>
+              <a:rPr lang="fr-FR" dirty="0" err="1" smtClean="0"/>
+              <a:t>Lua</a:t>
+            </a:r>
+            <a:r>
               <a:rPr lang="fr-FR" dirty="0" smtClean="0"/>
-            </a:br>
-            <a:r>
-              <a:rPr lang="fr-FR" sz="1400" dirty="0" smtClean="0"/>
-              <a:t>« Fais ça, fais ce ci. Moi je vais manger. »</a:t>
+              <a:t>)</a:t>
+            </a:r>
+            <a:endParaRPr lang="fr-FR" dirty="0"/>
+          </a:p>
+        </p:txBody>
+      </p:sp>
+      <p:sp>
+        <p:nvSpPr>
+          <p:cNvPr id="3" name="Rectangle 2"/>
+          <p:cNvSpPr/>
+          <p:nvPr/>
+        </p:nvSpPr>
+        <p:spPr>
+          <a:xfrm>
+            <a:off x="2190800" y="2971800"/>
+            <a:ext cx="1805136" cy="457200"/>
+          </a:xfrm>
+          <a:prstGeom prst="rect">
+            <a:avLst/>
+          </a:prstGeom>
+        </p:spPr>
+        <p:style>
+          <a:lnRef idx="2">
+            <a:schemeClr val="accent1">
+              <a:shade val="50000"/>
+            </a:schemeClr>
+          </a:lnRef>
+          <a:fillRef idx="1">
+            <a:schemeClr val="accent1"/>
+          </a:fillRef>
+          <a:effectRef idx="0">
+            <a:schemeClr val="accent1"/>
+          </a:effectRef>
+          <a:fontRef idx="minor">
+            <a:schemeClr val="lt1"/>
+          </a:fontRef>
+        </p:style>
+        <p:txBody>
+          <a:bodyPr rtlCol="0" anchor="ctr"/>
+          <a:lstStyle/>
+          <a:p>
+            <a:pPr algn="ctr"/>
+            <a:r>
+              <a:rPr lang="fr-FR" dirty="0" err="1" smtClean="0"/>
+              <a:t>StateMachine</a:t>
+            </a:r>
+            <a:endParaRPr lang="fr-FR" dirty="0"/>
+          </a:p>
+        </p:txBody>
+      </p:sp>
+      <p:sp>
+        <p:nvSpPr>
+          <p:cNvPr id="7" name="Rectangle 6"/>
+          <p:cNvSpPr/>
+          <p:nvPr/>
+        </p:nvSpPr>
+        <p:spPr>
+          <a:xfrm>
+            <a:off x="742131" y="4483968"/>
+            <a:ext cx="1805136" cy="457200"/>
+          </a:xfrm>
+          <a:prstGeom prst="rect">
+            <a:avLst/>
+          </a:prstGeom>
+        </p:spPr>
+        <p:style>
+          <a:lnRef idx="2">
+            <a:schemeClr val="accent1">
+              <a:shade val="50000"/>
+            </a:schemeClr>
+          </a:lnRef>
+          <a:fillRef idx="1">
+            <a:schemeClr val="accent1"/>
+          </a:fillRef>
+          <a:effectRef idx="0">
+            <a:schemeClr val="accent1"/>
+          </a:effectRef>
+          <a:fontRef idx="minor">
+            <a:schemeClr val="lt1"/>
+          </a:fontRef>
+        </p:style>
+        <p:txBody>
+          <a:bodyPr rtlCol="0" anchor="ctr"/>
+          <a:lstStyle/>
+          <a:p>
+            <a:pPr algn="ctr"/>
+            <a:r>
+              <a:rPr lang="fr-FR" dirty="0" err="1" smtClean="0"/>
+              <a:t>Helper</a:t>
+            </a:r>
+            <a:endParaRPr lang="fr-FR" dirty="0"/>
+          </a:p>
+        </p:txBody>
+      </p:sp>
+      <p:sp>
+        <p:nvSpPr>
+          <p:cNvPr id="9" name="Rectangle 8"/>
+          <p:cNvSpPr/>
+          <p:nvPr/>
+        </p:nvSpPr>
+        <p:spPr>
+          <a:xfrm>
+            <a:off x="742131" y="5564088"/>
+            <a:ext cx="1805136" cy="457200"/>
+          </a:xfrm>
+          <a:prstGeom prst="rect">
+            <a:avLst/>
+          </a:prstGeom>
+        </p:spPr>
+        <p:style>
+          <a:lnRef idx="2">
+            <a:schemeClr val="accent1">
+              <a:shade val="50000"/>
+            </a:schemeClr>
+          </a:lnRef>
+          <a:fillRef idx="1">
+            <a:schemeClr val="accent1"/>
+          </a:fillRef>
+          <a:effectRef idx="0">
+            <a:schemeClr val="accent1"/>
+          </a:effectRef>
+          <a:fontRef idx="minor">
+            <a:schemeClr val="lt1"/>
+          </a:fontRef>
+        </p:style>
+        <p:txBody>
+          <a:bodyPr rtlCol="0" anchor="ctr"/>
+          <a:lstStyle/>
+          <a:p>
+            <a:pPr algn="ctr"/>
+            <a:r>
+              <a:rPr lang="fr-FR" dirty="0" err="1" smtClean="0"/>
+              <a:t>MapManager</a:t>
+            </a:r>
+            <a:endParaRPr lang="fr-FR" dirty="0"/>
+          </a:p>
+        </p:txBody>
+      </p:sp>
+      <p:sp>
+        <p:nvSpPr>
+          <p:cNvPr id="10" name="Rectangle 9"/>
+          <p:cNvSpPr/>
+          <p:nvPr/>
+        </p:nvSpPr>
+        <p:spPr>
+          <a:xfrm>
+            <a:off x="3486944" y="4483968"/>
+            <a:ext cx="1805136" cy="457200"/>
+          </a:xfrm>
+          <a:prstGeom prst="rect">
+            <a:avLst/>
+          </a:prstGeom>
+        </p:spPr>
+        <p:style>
+          <a:lnRef idx="2">
+            <a:schemeClr val="accent1">
+              <a:shade val="50000"/>
+            </a:schemeClr>
+          </a:lnRef>
+          <a:fillRef idx="1">
+            <a:schemeClr val="accent1"/>
+          </a:fillRef>
+          <a:effectRef idx="0">
+            <a:schemeClr val="accent1"/>
+          </a:effectRef>
+          <a:fontRef idx="minor">
+            <a:schemeClr val="lt1"/>
+          </a:fontRef>
+        </p:style>
+        <p:txBody>
+          <a:bodyPr rtlCol="0" anchor="ctr"/>
+          <a:lstStyle/>
+          <a:p>
+            <a:pPr algn="ctr"/>
+            <a:r>
+              <a:rPr lang="fr-FR" dirty="0" smtClean="0"/>
+              <a:t>Actions</a:t>
+            </a:r>
+            <a:endParaRPr lang="fr-FR" dirty="0"/>
+          </a:p>
+        </p:txBody>
+      </p:sp>
+      <p:sp>
+        <p:nvSpPr>
+          <p:cNvPr id="25" name="Rectangle 24"/>
+          <p:cNvSpPr/>
+          <p:nvPr/>
+        </p:nvSpPr>
+        <p:spPr>
+          <a:xfrm>
+            <a:off x="5796136" y="1988840"/>
+            <a:ext cx="1805136" cy="1656184"/>
+          </a:xfrm>
+          <a:prstGeom prst="rect">
+            <a:avLst/>
+          </a:prstGeom>
+        </p:spPr>
+        <p:style>
+          <a:lnRef idx="2">
+            <a:schemeClr val="accent1">
+              <a:shade val="50000"/>
+            </a:schemeClr>
+          </a:lnRef>
+          <a:fillRef idx="1">
+            <a:schemeClr val="accent1"/>
+          </a:fillRef>
+          <a:effectRef idx="0">
+            <a:schemeClr val="accent1"/>
+          </a:effectRef>
+          <a:fontRef idx="minor">
+            <a:schemeClr val="lt1"/>
+          </a:fontRef>
+        </p:style>
+        <p:txBody>
+          <a:bodyPr rtlCol="0" anchor="ctr"/>
+          <a:lstStyle/>
+          <a:p>
+            <a:pPr algn="ctr"/>
+            <a:r>
+              <a:rPr lang="fr-FR" dirty="0" smtClean="0"/>
+              <a:t>State :</a:t>
+            </a:r>
+          </a:p>
+          <a:p>
+            <a:pPr algn="ctr"/>
+            <a:r>
+              <a:rPr lang="fr-FR" dirty="0" smtClean="0"/>
+              <a:t>Action</a:t>
+            </a:r>
+          </a:p>
+          <a:p>
+            <a:pPr algn="ctr"/>
+            <a:r>
+              <a:rPr lang="fr-FR" dirty="0" err="1" smtClean="0"/>
+              <a:t>Pre-conditions</a:t>
+            </a:r>
+            <a:endParaRPr lang="fr-FR" dirty="0" smtClean="0"/>
+          </a:p>
+          <a:p>
+            <a:pPr algn="ctr"/>
+            <a:r>
+              <a:rPr lang="fr-FR" dirty="0" smtClean="0"/>
+              <a:t>Post-conditions</a:t>
+            </a:r>
+          </a:p>
+        </p:txBody>
+      </p:sp>
+      <p:sp>
+        <p:nvSpPr>
+          <p:cNvPr id="26" name="Rectangle 25"/>
+          <p:cNvSpPr/>
+          <p:nvPr/>
+        </p:nvSpPr>
+        <p:spPr>
+          <a:xfrm>
+            <a:off x="3486944" y="5564088"/>
+            <a:ext cx="1805136" cy="457200"/>
+          </a:xfrm>
+          <a:prstGeom prst="rect">
+            <a:avLst/>
+          </a:prstGeom>
+        </p:spPr>
+        <p:style>
+          <a:lnRef idx="2">
+            <a:schemeClr val="accent1">
+              <a:shade val="50000"/>
+            </a:schemeClr>
+          </a:lnRef>
+          <a:fillRef idx="1">
+            <a:schemeClr val="accent1"/>
+          </a:fillRef>
+          <a:effectRef idx="0">
+            <a:schemeClr val="accent1"/>
+          </a:effectRef>
+          <a:fontRef idx="minor">
+            <a:schemeClr val="lt1"/>
+          </a:fontRef>
+        </p:style>
+        <p:txBody>
+          <a:bodyPr rtlCol="0" anchor="ctr"/>
+          <a:lstStyle/>
+          <a:p>
+            <a:pPr algn="ctr"/>
+            <a:r>
+              <a:rPr lang="fr-FR" dirty="0" err="1" smtClean="0"/>
+              <a:t>Path</a:t>
             </a:r>
             <a:endParaRPr lang="fr-FR" dirty="0"/>
           </a:p>
@@ -8332,7 +8671,7 @@
     </p:spTree>
     <p:extLst>
       <p:ext uri="{BB962C8B-B14F-4D97-AF65-F5344CB8AC3E}">
-        <p14:creationId xmlns:p14="http://schemas.microsoft.com/office/powerpoint/2010/main" val="894287689"/>
+        <p14:creationId xmlns:p14="http://schemas.microsoft.com/office/powerpoint/2010/main" val="3403259570"/>
       </p:ext>
     </p:extLst>
   </p:cSld>
@@ -8383,54 +8722,31 @@
           <a:p>
             <a:r>
               <a:rPr lang="fr-FR" dirty="0" smtClean="0"/>
-              <a:t>Marie</a:t>
-            </a:r>
-            <a:endParaRPr lang="fr-FR" dirty="0"/>
-          </a:p>
-        </p:txBody>
-      </p:sp>
-      <p:sp>
-        <p:nvSpPr>
-          <p:cNvPr id="5" name="Espace réservé du contenu 4"/>
-          <p:cNvSpPr>
-            <a:spLocks noGrp="1"/>
-          </p:cNvSpPr>
-          <p:nvPr>
-            <p:ph idx="1"/>
-          </p:nvPr>
-        </p:nvSpPr>
-        <p:spPr/>
-        <p:txBody>
-          <a:bodyPr/>
-          <a:lstStyle/>
-          <a:p>
-            <a:pPr>
-              <a:lnSpc>
-                <a:spcPct val="250000"/>
-              </a:lnSpc>
-            </a:pPr>
-            <a:r>
+              <a:t>Répartition des tâches</a:t>
+            </a:r>
+            <a:br>
               <a:rPr lang="fr-FR" dirty="0" smtClean="0"/>
-              <a:t>Scripting des IAs en LUA</a:t>
-            </a:r>
-          </a:p>
-          <a:p>
-            <a:pPr>
-              <a:lnSpc>
-                <a:spcPct val="250000"/>
-              </a:lnSpc>
-            </a:pPr>
-            <a:r>
-              <a:rPr lang="fr-FR" dirty="0" smtClean="0"/>
-              <a:t>Recherches sur la GDL</a:t>
-            </a:r>
-          </a:p>
-          <a:p>
-            <a:pPr>
-              <a:lnSpc>
-                <a:spcPct val="250000"/>
-              </a:lnSpc>
-            </a:pPr>
+            </a:br>
+            <a:r>
+              <a:rPr lang="fr-FR" sz="1400" dirty="0" smtClean="0"/>
+              <a:t>« Fais </a:t>
+            </a:r>
+            <a:r>
+              <a:rPr lang="fr-FR" sz="1400" dirty="0" smtClean="0"/>
+              <a:t>ceci, </a:t>
+            </a:r>
+            <a:r>
+              <a:rPr lang="fr-FR" sz="1400" dirty="0" smtClean="0"/>
+              <a:t>fais </a:t>
+            </a:r>
+            <a:r>
+              <a:rPr lang="fr-FR" sz="1400" dirty="0" smtClean="0"/>
+              <a:t>cela. </a:t>
+            </a:r>
+            <a:r>
+              <a:rPr lang="fr-FR" sz="1400" dirty="0" smtClean="0"/>
+              <a:t>Moi je vais manger. »</a:t>
+            </a:r>
             <a:endParaRPr lang="fr-FR" dirty="0"/>
           </a:p>
         </p:txBody>
@@ -8438,7 +8754,7 @@
     </p:spTree>
     <p:extLst>
       <p:ext uri="{BB962C8B-B14F-4D97-AF65-F5344CB8AC3E}">
-        <p14:creationId xmlns:p14="http://schemas.microsoft.com/office/powerpoint/2010/main" val="4204378190"/>
+        <p14:creationId xmlns:p14="http://schemas.microsoft.com/office/powerpoint/2010/main" val="894287689"/>
       </p:ext>
     </p:extLst>
   </p:cSld>
@@ -8489,7 +8805,7 @@
           <a:p>
             <a:r>
               <a:rPr lang="fr-FR" dirty="0" smtClean="0"/>
-              <a:t>Nicolas</a:t>
+              <a:t>Marie</a:t>
             </a:r>
             <a:endParaRPr lang="fr-FR" dirty="0"/>
           </a:p>
@@ -8505,65 +8821,46 @@
             <p:ph idx="1"/>
           </p:nvPr>
         </p:nvSpPr>
-        <p:spPr>
-          <a:xfrm>
-            <a:off x="457200" y="2071072"/>
-            <a:ext cx="8229600" cy="4526280"/>
-          </a:xfrm>
-        </p:spPr>
+        <p:spPr/>
         <p:txBody>
           <a:bodyPr/>
           <a:lstStyle/>
           <a:p>
             <a:pPr>
               <a:lnSpc>
-                <a:spcPct val="150000"/>
+                <a:spcPct val="250000"/>
               </a:lnSpc>
             </a:pPr>
             <a:r>
               <a:rPr lang="fr-FR" dirty="0" smtClean="0"/>
-              <a:t>Gestion des </a:t>
-            </a:r>
-            <a:r>
-              <a:rPr lang="fr-FR" dirty="0" smtClean="0"/>
-              <a:t>Game </a:t>
-            </a:r>
-            <a:r>
-              <a:rPr lang="fr-FR" dirty="0" smtClean="0"/>
-              <a:t>O</a:t>
-            </a:r>
-            <a:r>
-              <a:rPr lang="fr-FR" dirty="0" smtClean="0"/>
-              <a:t>bjects</a:t>
-            </a:r>
-            <a:endParaRPr lang="fr-FR" dirty="0" smtClean="0"/>
-          </a:p>
-          <a:p>
-            <a:pPr marL="0" indent="0">
-              <a:lnSpc>
-                <a:spcPct val="150000"/>
-              </a:lnSpc>
-              <a:buNone/>
-            </a:pPr>
-            <a:endParaRPr lang="fr-FR" dirty="0" smtClean="0"/>
+              <a:t>Scripting des IAs en LUA</a:t>
+            </a:r>
           </a:p>
           <a:p>
             <a:pPr>
               <a:lnSpc>
-                <a:spcPct val="150000"/>
+                <a:spcPct val="250000"/>
               </a:lnSpc>
             </a:pPr>
             <a:r>
               <a:rPr lang="fr-FR" dirty="0" smtClean="0"/>
-              <a:t>Responsable du Rendu visuel</a:t>
-            </a:r>
+              <a:t>Recherches sur la GDL</a:t>
+            </a:r>
+          </a:p>
+          <a:p>
+            <a:pPr>
+              <a:lnSpc>
+                <a:spcPct val="250000"/>
+              </a:lnSpc>
+            </a:pPr>
+            <a:endParaRPr lang="fr-FR" dirty="0"/>
           </a:p>
         </p:txBody>
       </p:sp>
     </p:spTree>
     <p:extLst>
       <p:ext uri="{BB962C8B-B14F-4D97-AF65-F5344CB8AC3E}">
-        <p14:creationId xmlns:p14="http://schemas.microsoft.com/office/powerpoint/2010/main" val="1877064531"/>
+        <p14:creationId xmlns:p14="http://schemas.microsoft.com/office/powerpoint/2010/main" val="4204378190"/>
       </p:ext>
     </p:extLst>
   </p:cSld>
@@ -8764,7 +9061,7 @@
           <a:p>
             <a:r>
               <a:rPr lang="fr-FR" dirty="0" smtClean="0"/>
-              <a:t>Barthélémy &amp; Pelayo</a:t>
+              <a:t>Nicolas</a:t>
             </a:r>
             <a:endParaRPr lang="fr-FR" dirty="0"/>
           </a:p>
@@ -8780,51 +9077,52 @@
             <p:ph idx="1"/>
           </p:nvPr>
         </p:nvSpPr>
-        <p:spPr/>
+        <p:spPr>
+          <a:xfrm>
+            <a:off x="457200" y="2071072"/>
+            <a:ext cx="8229600" cy="4526280"/>
+          </a:xfrm>
+        </p:spPr>
         <p:txBody>
           <a:bodyPr/>
           <a:lstStyle/>
           <a:p>
             <a:pPr>
               <a:lnSpc>
-                <a:spcPct val="200000"/>
+                <a:spcPct val="150000"/>
               </a:lnSpc>
             </a:pPr>
             <a:r>
               <a:rPr lang="fr-FR" dirty="0" smtClean="0"/>
-              <a:t>Game Engine</a:t>
-            </a:r>
-            <a:endParaRPr lang="fr-FR" dirty="0"/>
+              <a:t>Gestion des Game Objects</a:t>
+            </a:r>
+          </a:p>
+          <a:p>
+            <a:pPr marL="0" indent="0">
+              <a:lnSpc>
+                <a:spcPct val="150000"/>
+              </a:lnSpc>
+              <a:buNone/>
+            </a:pPr>
+            <a:endParaRPr lang="fr-FR" dirty="0" smtClean="0"/>
           </a:p>
           <a:p>
             <a:pPr>
               <a:lnSpc>
-                <a:spcPct val="200000"/>
+                <a:spcPct val="150000"/>
               </a:lnSpc>
             </a:pPr>
             <a:r>
               <a:rPr lang="fr-FR" dirty="0" smtClean="0"/>
-              <a:t>Scenes Manager</a:t>
-            </a:r>
-          </a:p>
-          <a:p>
-            <a:pPr>
-              <a:lnSpc>
-                <a:spcPct val="200000"/>
-              </a:lnSpc>
-            </a:pPr>
-            <a:r>
-              <a:rPr lang="fr-FR" dirty="0" smtClean="0"/>
-              <a:t>Game Scene</a:t>
-            </a:r>
-            <a:endParaRPr lang="fr-FR" dirty="0"/>
+              <a:t>Responsable du Rendu visuel</a:t>
+            </a:r>
           </a:p>
         </p:txBody>
       </p:sp>
     </p:spTree>
     <p:extLst>
       <p:ext uri="{BB962C8B-B14F-4D97-AF65-F5344CB8AC3E}">
-        <p14:creationId xmlns:p14="http://schemas.microsoft.com/office/powerpoint/2010/main" val="534900812"/>
+        <p14:creationId xmlns:p14="http://schemas.microsoft.com/office/powerpoint/2010/main" val="1877064531"/>
       </p:ext>
     </p:extLst>
   </p:cSld>
@@ -8875,7 +9173,7 @@
           <a:p>
             <a:r>
               <a:rPr lang="fr-FR" dirty="0" smtClean="0"/>
-              <a:t>Damien</a:t>
+              <a:t>Barthélémy &amp; Pelayo</a:t>
             </a:r>
             <a:endParaRPr lang="fr-FR" dirty="0"/>
           </a:p>
@@ -8896,14 +9194,46 @@
           <a:bodyPr/>
           <a:lstStyle/>
           <a:p>
-            <a:endParaRPr lang="fr-FR"/>
+            <a:pPr>
+              <a:lnSpc>
+                <a:spcPct val="200000"/>
+              </a:lnSpc>
+            </a:pPr>
+            <a:r>
+              <a:rPr lang="fr-FR" dirty="0" smtClean="0"/>
+              <a:t>Game Engine</a:t>
+            </a:r>
+            <a:endParaRPr lang="fr-FR" dirty="0"/>
+          </a:p>
+          <a:p>
+            <a:pPr>
+              <a:lnSpc>
+                <a:spcPct val="200000"/>
+              </a:lnSpc>
+            </a:pPr>
+            <a:r>
+              <a:rPr lang="fr-FR" dirty="0" smtClean="0"/>
+              <a:t>Scenes Manager</a:t>
+            </a:r>
+          </a:p>
+          <a:p>
+            <a:pPr>
+              <a:lnSpc>
+                <a:spcPct val="200000"/>
+              </a:lnSpc>
+            </a:pPr>
+            <a:r>
+              <a:rPr lang="fr-FR" dirty="0" smtClean="0"/>
+              <a:t>Game Scene</a:t>
+            </a:r>
+            <a:endParaRPr lang="fr-FR" dirty="0"/>
           </a:p>
         </p:txBody>
       </p:sp>
     </p:spTree>
     <p:extLst>
       <p:ext uri="{BB962C8B-B14F-4D97-AF65-F5344CB8AC3E}">
-        <p14:creationId xmlns:p14="http://schemas.microsoft.com/office/powerpoint/2010/main" val="682711290"/>
+        <p14:creationId xmlns:p14="http://schemas.microsoft.com/office/powerpoint/2010/main" val="534900812"/>
       </p:ext>
     </p:extLst>
   </p:cSld>
@@ -8954,7 +9284,7 @@
           <a:p>
             <a:r>
               <a:rPr lang="fr-FR" dirty="0" smtClean="0"/>
-              <a:t>Raphael</a:t>
+              <a:t>Damien</a:t>
             </a:r>
             <a:endParaRPr lang="fr-FR" dirty="0"/>
           </a:p>
@@ -8970,12 +9300,7 @@
             <p:ph idx="1"/>
           </p:nvPr>
         </p:nvSpPr>
-        <p:spPr>
-          <a:xfrm>
-            <a:off x="467544" y="1916832"/>
-            <a:ext cx="8229600" cy="4526280"/>
-          </a:xfrm>
-        </p:spPr>
+        <p:spPr/>
         <p:txBody>
           <a:bodyPr/>
           <a:lstStyle/>
@@ -8987,13 +9312,8 @@
             </a:pPr>
             <a:r>
               <a:rPr lang="fr-FR" dirty="0" smtClean="0"/>
-              <a:t>Intégration </a:t>
-            </a:r>
-            <a:r>
-              <a:rPr lang="fr-FR" dirty="0" smtClean="0"/>
-              <a:t>LUA</a:t>
-            </a:r>
-            <a:endParaRPr lang="fr-FR" dirty="0" smtClean="0"/>
+              <a:t>Menu</a:t>
+            </a:r>
           </a:p>
           <a:p>
             <a:pPr>
@@ -9003,13 +9323,8 @@
             </a:pPr>
             <a:r>
               <a:rPr lang="fr-FR" dirty="0" smtClean="0"/>
-              <a:t>API pour les scripts </a:t>
-            </a:r>
-            <a:r>
-              <a:rPr lang="fr-FR" dirty="0" smtClean="0"/>
-              <a:t>LUA</a:t>
-            </a:r>
-            <a:endParaRPr lang="fr-FR" dirty="0" smtClean="0"/>
+              <a:t>Sound Manager</a:t>
+            </a:r>
           </a:p>
           <a:p>
             <a:pPr>
@@ -9018,21 +9333,19 @@
               </a:lnSpc>
             </a:pPr>
             <a:r>
-              <a:rPr lang="fr-FR" dirty="0" smtClean="0"/>
-              <a:t>Gestionnaire de </a:t>
-            </a:r>
-            <a:r>
-              <a:rPr lang="fr-FR" dirty="0" smtClean="0"/>
-              <a:t>configuration</a:t>
-            </a:r>
-            <a:endParaRPr lang="fr-FR" dirty="0" smtClean="0"/>
+              <a:rPr lang="fr-FR" dirty="0"/>
+              <a:t>Recherches sur la GDL</a:t>
+            </a:r>
+          </a:p>
+          <a:p>
+            <a:endParaRPr lang="fr-FR" dirty="0"/>
           </a:p>
         </p:txBody>
       </p:sp>
     </p:spTree>
     <p:extLst>
       <p:ext uri="{BB962C8B-B14F-4D97-AF65-F5344CB8AC3E}">
-        <p14:creationId xmlns:p14="http://schemas.microsoft.com/office/powerpoint/2010/main" val="3312556068"/>
+        <p14:creationId xmlns:p14="http://schemas.microsoft.com/office/powerpoint/2010/main" val="682711290"/>
       </p:ext>
     </p:extLst>
   </p:cSld>
@@ -9083,23 +9396,70 @@
           <a:p>
             <a:r>
               <a:rPr lang="fr-FR" dirty="0" smtClean="0"/>
-              <a:t>Problèmes et solutions</a:t>
-            </a:r>
-            <a:br>
+              <a:t>Raphael</a:t>
+            </a:r>
+            <a:endParaRPr lang="fr-FR" dirty="0"/>
+          </a:p>
+        </p:txBody>
+      </p:sp>
+      <p:sp>
+        <p:nvSpPr>
+          <p:cNvPr id="5" name="Espace réservé du contenu 4"/>
+          <p:cNvSpPr>
+            <a:spLocks noGrp="1"/>
+          </p:cNvSpPr>
+          <p:nvPr>
+            <p:ph idx="1"/>
+          </p:nvPr>
+        </p:nvSpPr>
+        <p:spPr>
+          <a:xfrm>
+            <a:off x="467544" y="1916832"/>
+            <a:ext cx="8229600" cy="4526280"/>
+          </a:xfrm>
+        </p:spPr>
+        <p:txBody>
+          <a:bodyPr/>
+          <a:lstStyle/>
+          <a:p>
+            <a:pPr>
+              <a:lnSpc>
+                <a:spcPct val="200000"/>
+              </a:lnSpc>
+            </a:pPr>
+            <a:r>
               <a:rPr lang="fr-FR" dirty="0" smtClean="0"/>
-            </a:br>
-            <a:r>
-              <a:rPr lang="fr-FR" sz="1400" dirty="0" smtClean="0"/>
-              <a:t>« Des problèmes et encore des problèmes… »</a:t>
-            </a:r>
-            <a:endParaRPr lang="fr-FR" dirty="0"/>
+              <a:t>Intégration LUA</a:t>
+            </a:r>
+          </a:p>
+          <a:p>
+            <a:pPr>
+              <a:lnSpc>
+                <a:spcPct val="200000"/>
+              </a:lnSpc>
+            </a:pPr>
+            <a:r>
+              <a:rPr lang="fr-FR" dirty="0" smtClean="0"/>
+              <a:t>API pour les scripts LUA</a:t>
+            </a:r>
+          </a:p>
+          <a:p>
+            <a:pPr>
+              <a:lnSpc>
+                <a:spcPct val="200000"/>
+              </a:lnSpc>
+            </a:pPr>
+            <a:r>
+              <a:rPr lang="fr-FR" dirty="0" smtClean="0"/>
+              <a:t>Gestionnaire de configuration</a:t>
+            </a:r>
           </a:p>
         </p:txBody>
       </p:sp>
     </p:spTree>
     <p:extLst>
       <p:ext uri="{BB962C8B-B14F-4D97-AF65-F5344CB8AC3E}">
-        <p14:creationId xmlns:p14="http://schemas.microsoft.com/office/powerpoint/2010/main" val="2497971147"/>
+        <p14:creationId xmlns:p14="http://schemas.microsoft.com/office/powerpoint/2010/main" val="3312556068"/>
       </p:ext>
     </p:extLst>
   </p:cSld>
@@ -9150,56 +9510,23 @@
           <a:p>
             <a:r>
               <a:rPr lang="fr-FR" dirty="0" smtClean="0"/>
-              <a:t>Conception Vs Codage</a:t>
+              <a:t>Problèmes et solutions</a:t>
+            </a:r>
+            <a:br>
+              <a:rPr lang="fr-FR" dirty="0" smtClean="0"/>
+            </a:br>
+            <a:r>
+              <a:rPr lang="fr-FR" sz="1400" dirty="0" smtClean="0"/>
+              <a:t>« Des problèmes et encore des problèmes… »</a:t>
             </a:r>
             <a:endParaRPr lang="fr-FR" dirty="0"/>
-          </a:p>
-        </p:txBody>
-      </p:sp>
-      <p:sp>
-        <p:nvSpPr>
-          <p:cNvPr id="5" name="Espace réservé du contenu 4"/>
-          <p:cNvSpPr>
-            <a:spLocks noGrp="1"/>
-          </p:cNvSpPr>
-          <p:nvPr>
-            <p:ph idx="1"/>
-          </p:nvPr>
-        </p:nvSpPr>
-        <p:spPr/>
-        <p:txBody>
-          <a:bodyPr/>
-          <a:lstStyle/>
-          <a:p>
-            <a:r>
-              <a:rPr lang="fr-FR" dirty="0" smtClean="0"/>
-              <a:t>3 semaines de conception</a:t>
-            </a:r>
-          </a:p>
-          <a:p>
-            <a:endParaRPr lang="fr-FR" dirty="0"/>
-          </a:p>
-          <a:p>
-            <a:r>
-              <a:rPr lang="fr-FR" dirty="0" smtClean="0"/>
-              <a:t>1 semaine de rush</a:t>
-            </a:r>
-          </a:p>
-          <a:p>
-            <a:endParaRPr lang="fr-FR" dirty="0"/>
-          </a:p>
-          <a:p>
-            <a:r>
-              <a:rPr lang="fr-FR" dirty="0" smtClean="0"/>
-              <a:t>Pour tester les limites du groupe</a:t>
-            </a:r>
           </a:p>
         </p:txBody>
       </p:sp>
     </p:spTree>
     <p:extLst>
       <p:ext uri="{BB962C8B-B14F-4D97-AF65-F5344CB8AC3E}">
-        <p14:creationId xmlns:p14="http://schemas.microsoft.com/office/powerpoint/2010/main" val="2284039427"/>
+        <p14:creationId xmlns:p14="http://schemas.microsoft.com/office/powerpoint/2010/main" val="2497971147"/>
       </p:ext>
     </p:extLst>
   </p:cSld>
@@ -9249,8 +9576,8 @@
           <a:lstStyle/>
           <a:p>
             <a:r>
-              <a:rPr lang="fr-FR" dirty="0" err="1" smtClean="0"/>
-              <a:t>HighLights</a:t>
+              <a:rPr lang="fr-FR" dirty="0" smtClean="0"/>
+              <a:t>Conception Vs Codage</a:t>
             </a:r>
             <a:endParaRPr lang="fr-FR" dirty="0"/>
           </a:p>
@@ -9266,6 +9593,106 @@
             <p:ph idx="1"/>
           </p:nvPr>
         </p:nvSpPr>
+        <p:spPr/>
+        <p:txBody>
+          <a:bodyPr/>
+          <a:lstStyle/>
+          <a:p>
+            <a:r>
+              <a:rPr lang="fr-FR" dirty="0" smtClean="0"/>
+              <a:t>3 semaines de conception</a:t>
+            </a:r>
+          </a:p>
+          <a:p>
+            <a:endParaRPr lang="fr-FR" dirty="0"/>
+          </a:p>
+          <a:p>
+            <a:r>
+              <a:rPr lang="fr-FR" dirty="0" smtClean="0"/>
+              <a:t>1 semaine de rush</a:t>
+            </a:r>
+          </a:p>
+          <a:p>
+            <a:endParaRPr lang="fr-FR" dirty="0"/>
+          </a:p>
+          <a:p>
+            <a:r>
+              <a:rPr lang="fr-FR" dirty="0" smtClean="0"/>
+              <a:t>Pour tester les limites du groupe</a:t>
+            </a:r>
+          </a:p>
+        </p:txBody>
+      </p:sp>
+    </p:spTree>
+    <p:extLst>
+      <p:ext uri="{BB962C8B-B14F-4D97-AF65-F5344CB8AC3E}">
+        <p14:creationId xmlns:p14="http://schemas.microsoft.com/office/powerpoint/2010/main" val="2284039427"/>
+      </p:ext>
+    </p:extLst>
+  </p:cSld>
+  <p:clrMapOvr>
+    <a:masterClrMapping/>
+  </p:clrMapOvr>
+  <p:timing>
+    <p:tnLst>
+      <p:par>
+        <p:cTn id="1" dur="indefinite" restart="never" nodeType="tmRoot"/>
+      </p:par>
+    </p:tnLst>
+  </p:timing>
+</p:sld>
+</file>
+
+<file path=ppt/slides/slide26.xml><?xml version="1.0" encoding="utf-8"?>
+<p:sld xmlns:a="http://schemas.openxmlformats.org/drawingml/2006/main" xmlns:r="http://schemas.openxmlformats.org/officeDocument/2006/relationships" xmlns:p="http://schemas.openxmlformats.org/presentationml/2006/main">
+  <p:cSld>
+    <p:spTree>
+      <p:nvGrpSpPr>
+        <p:cNvPr id="1" name=""/>
+        <p:cNvGrpSpPr/>
+        <p:nvPr/>
+      </p:nvGrpSpPr>
+      <p:grpSpPr>
+        <a:xfrm>
+          <a:off x="0" y="0"/>
+          <a:ext cx="0" cy="0"/>
+          <a:chOff x="0" y="0"/>
+          <a:chExt cx="0" cy="0"/>
+        </a:xfrm>
+      </p:grpSpPr>
+      <p:sp>
+        <p:nvSpPr>
+          <p:cNvPr id="4" name="Titre 3"/>
+          <p:cNvSpPr>
+            <a:spLocks noGrp="1"/>
+          </p:cNvSpPr>
+          <p:nvPr>
+            <p:ph type="title"/>
+          </p:nvPr>
+        </p:nvSpPr>
+        <p:spPr/>
+        <p:txBody>
+          <a:bodyPr/>
+          <a:lstStyle/>
+          <a:p>
+            <a:r>
+              <a:rPr lang="fr-FR" dirty="0" err="1" smtClean="0"/>
+              <a:t>HighLights</a:t>
+            </a:r>
+            <a:endParaRPr lang="fr-FR" dirty="0"/>
+          </a:p>
+        </p:txBody>
+      </p:sp>
+      <p:sp>
+        <p:nvSpPr>
+          <p:cNvPr id="5" name="Espace réservé du contenu 4"/>
+          <p:cNvSpPr>
+            <a:spLocks noGrp="1"/>
+          </p:cNvSpPr>
+          <p:nvPr>
+            <p:ph idx="1"/>
+          </p:nvPr>
+        </p:nvSpPr>
         <p:spPr>
           <a:xfrm>
             <a:off x="457200" y="1412776"/>
@@ -9308,11 +9735,7 @@
           <a:p>
             <a:r>
               <a:rPr lang="fr-FR" dirty="0" smtClean="0"/>
-              <a:t>Damie</a:t>
-            </a:r>
-            <a:r>
-              <a:rPr lang="fr-FR" dirty="0" smtClean="0"/>
-              <a:t>n: Migration SDL1 -&gt; SDL2 (h-24)</a:t>
+              <a:t>Damien: Migration SDL1 -&gt; SDL2 (h-24)</a:t>
             </a:r>
           </a:p>
           <a:p>
@@ -9346,11 +9769,11 @@
   <p:clrMapOvr>
     <a:masterClrMapping/>
   </p:clrMapOvr>
-  <mc:AlternateContent xmlns:mc="http://schemas.openxmlformats.org/markup-compatibility/2006">
-    <mc:Choice xmlns:p14="http://schemas.microsoft.com/office/powerpoint/2010/main" Requires="p14">
+  <mc:AlternateContent xmlns:mc="http://schemas.openxmlformats.org/markup-compatibility/2006" xmlns:p14="http://schemas.microsoft.com/office/powerpoint/2010/main">
+    <mc:Choice Requires="p14">
       <p:transition spd="slow" p14:dur="2000"/>
     </mc:Choice>
-    <mc:Fallback>
+    <mc:Fallback xmlns="">
       <p:transition spd="slow"/>
     </mc:Fallback>
   </mc:AlternateContent>
@@ -9878,66 +10301,6 @@
 </p:sld>
 </file>
 
-<file path=ppt/slides/slide26.xml><?xml version="1.0" encoding="utf-8"?>
-<p:sld xmlns:a="http://schemas.openxmlformats.org/drawingml/2006/main" xmlns:r="http://schemas.openxmlformats.org/officeDocument/2006/relationships" xmlns:p="http://schemas.openxmlformats.org/presentationml/2006/main">
-  <p:cSld>
-    <p:spTree>
-      <p:nvGrpSpPr>
-        <p:cNvPr id="1" name=""/>
-        <p:cNvGrpSpPr/>
-        <p:nvPr/>
-      </p:nvGrpSpPr>
-      <p:grpSpPr>
-        <a:xfrm>
-          <a:off x="0" y="0"/>
-          <a:ext cx="0" cy="0"/>
-          <a:chOff x="0" y="0"/>
-          <a:chExt cx="0" cy="0"/>
-        </a:xfrm>
-      </p:grpSpPr>
-      <p:sp>
-        <p:nvSpPr>
-          <p:cNvPr id="4" name="Titre 3"/>
-          <p:cNvSpPr>
-            <a:spLocks noGrp="1"/>
-          </p:cNvSpPr>
-          <p:nvPr>
-            <p:ph type="title"/>
-          </p:nvPr>
-        </p:nvSpPr>
-        <p:spPr/>
-        <p:txBody>
-          <a:bodyPr/>
-          <a:lstStyle/>
-          <a:p>
-            <a:r>
-              <a:rPr lang="fr-FR" dirty="0" smtClean="0"/>
-              <a:t>Conclusion</a:t>
-            </a:r>
-            <a:endParaRPr lang="fr-FR" dirty="0"/>
-          </a:p>
-        </p:txBody>
-      </p:sp>
-    </p:spTree>
-    <p:extLst>
-      <p:ext uri="{BB962C8B-B14F-4D97-AF65-F5344CB8AC3E}">
-        <p14:creationId xmlns:p14="http://schemas.microsoft.com/office/powerpoint/2010/main" val="847146004"/>
-      </p:ext>
-    </p:extLst>
-  </p:cSld>
-  <p:clrMapOvr>
-    <a:masterClrMapping/>
-  </p:clrMapOvr>
-  <p:timing>
-    <p:tnLst>
-      <p:par>
-        <p:cTn id="1" dur="indefinite" restart="never" nodeType="tmRoot"/>
-      </p:par>
-    </p:tnLst>
-  </p:timing>
-</p:sld>
-</file>
-
 <file path=ppt/slides/slide27.xml><?xml version="1.0" encoding="utf-8"?>
 <p:sld xmlns:a="http://schemas.openxmlformats.org/drawingml/2006/main" xmlns:r="http://schemas.openxmlformats.org/officeDocument/2006/relationships" xmlns:p="http://schemas.openxmlformats.org/presentationml/2006/main">
   <p:cSld>
@@ -9972,14 +10335,14 @@
           <a:p>
             <a:r>
               <a:rPr lang="fr-FR" dirty="0" smtClean="0"/>
-              <a:t>Questions</a:t>
+              <a:t>Conclusion</a:t>
             </a:r>
             <a:br>
               <a:rPr lang="fr-FR" dirty="0" smtClean="0"/>
             </a:br>
             <a:r>
               <a:rPr lang="fr-FR" sz="1400" dirty="0" smtClean="0"/>
-              <a:t>« RTFM. »</a:t>
+              <a:t>« Les meilleures blagues sont les plus courtes. »</a:t>
             </a:r>
             <a:endParaRPr lang="fr-FR" dirty="0"/>
           </a:p>
@@ -10006,6 +10369,73 @@
 </file>
 
 <file path=ppt/slides/slide28.xml><?xml version="1.0" encoding="utf-8"?>
+<p:sld xmlns:a="http://schemas.openxmlformats.org/drawingml/2006/main" xmlns:r="http://schemas.openxmlformats.org/officeDocument/2006/relationships" xmlns:p="http://schemas.openxmlformats.org/presentationml/2006/main">
+  <p:cSld>
+    <p:spTree>
+      <p:nvGrpSpPr>
+        <p:cNvPr id="1" name=""/>
+        <p:cNvGrpSpPr/>
+        <p:nvPr/>
+      </p:nvGrpSpPr>
+      <p:grpSpPr>
+        <a:xfrm>
+          <a:off x="0" y="0"/>
+          <a:ext cx="0" cy="0"/>
+          <a:chOff x="0" y="0"/>
+          <a:chExt cx="0" cy="0"/>
+        </a:xfrm>
+      </p:grpSpPr>
+      <p:sp>
+        <p:nvSpPr>
+          <p:cNvPr id="4" name="Titre 3"/>
+          <p:cNvSpPr>
+            <a:spLocks noGrp="1"/>
+          </p:cNvSpPr>
+          <p:nvPr>
+            <p:ph type="title"/>
+          </p:nvPr>
+        </p:nvSpPr>
+        <p:spPr/>
+        <p:txBody>
+          <a:bodyPr/>
+          <a:lstStyle/>
+          <a:p>
+            <a:r>
+              <a:rPr lang="fr-FR" dirty="0" smtClean="0"/>
+              <a:t>Questions</a:t>
+            </a:r>
+            <a:br>
+              <a:rPr lang="fr-FR" dirty="0" smtClean="0"/>
+            </a:br>
+            <a:r>
+              <a:rPr lang="fr-FR" sz="1400" dirty="0" smtClean="0"/>
+              <a:t>« RTFM. »</a:t>
+            </a:r>
+            <a:endParaRPr lang="fr-FR" dirty="0"/>
+          </a:p>
+        </p:txBody>
+      </p:sp>
+    </p:spTree>
+    <p:extLst>
+      <p:ext uri="{BB962C8B-B14F-4D97-AF65-F5344CB8AC3E}">
+        <p14:creationId xmlns:p14="http://schemas.microsoft.com/office/powerpoint/2010/main" val="847146004"/>
+      </p:ext>
+    </p:extLst>
+  </p:cSld>
+  <p:clrMapOvr>
+    <a:masterClrMapping/>
+  </p:clrMapOvr>
+  <p:timing>
+    <p:tnLst>
+      <p:par>
+        <p:cTn id="1" dur="indefinite" restart="never" nodeType="tmRoot"/>
+      </p:par>
+    </p:tnLst>
+  </p:timing>
+</p:sld>
+</file>
+
+<file path=ppt/slides/slide29.xml><?xml version="1.0" encoding="utf-8"?>
 <p:sld xmlns:a="http://schemas.openxmlformats.org/drawingml/2006/main" xmlns:r="http://schemas.openxmlformats.org/officeDocument/2006/relationships" xmlns:p="http://schemas.openxmlformats.org/presentationml/2006/main">
   <p:cSld>
     <p:spTree>
